--- a/NSL_KDD_Network_Security_Analysis.pptx
+++ b/NSL_KDD_Network_Security_Analysis.pptx
@@ -6,6 +6,7 @@
   </p:sldMasterIdLst>
   <p:sldIdLst>
     <p:sldId id="256" r:id="rId2"/>
+    <p:sldId id="257" r:id="rId3"/>
   </p:sldIdLst>
   <p:sldSz cx="12192000" cy="6858000"/>
   <p:notesSz cx="6858000" cy="9144000"/>
@@ -104,6 +105,11 @@
       </a:defRPr>
     </a:lvl9pPr>
   </p:defaultTextStyle>
+  <p:extLst>
+    <p:ext uri="{EFAFB233-063F-42B5-8137-9DF3F51BA10A}">
+      <p15:sldGuideLst xmlns:p15="http://schemas.microsoft.com/office/powerpoint/2012/main"/>
+    </p:ext>
+  </p:extLst>
 </p:presentation>
 </file>
 
@@ -934,6 +940,14 @@
 <file path=ppt/slideLayouts/slideLayout3.xml><?xml version="1.0" encoding="utf-8"?>
 <p:sldLayout xmlns:a="http://schemas.openxmlformats.org/drawingml/2006/main" xmlns:r="http://schemas.openxmlformats.org/officeDocument/2006/relationships" xmlns:p="http://schemas.openxmlformats.org/presentationml/2006/main" type="secHead" preserve="1">
   <p:cSld name="Section Header">
+    <p:bg>
+      <p:bgPr>
+        <a:solidFill>
+          <a:schemeClr val="tx1"/>
+        </a:solidFill>
+        <a:effectLst/>
+      </p:bgPr>
+    </p:bg>
     <p:spTree>
       <p:nvGrpSpPr>
         <p:cNvPr id="1" name=""/>
@@ -979,7 +993,7 @@
           </a:lstStyle>
           <a:p>
             <a:r>
-              <a:rPr lang="en-US"/>
+              <a:rPr lang="en-US" dirty="0"/>
               <a:t>Click to edit Master title style</a:t>
             </a:r>
           </a:p>
@@ -1104,7 +1118,7 @@
           <a:p>
             <a:pPr lvl="0"/>
             <a:r>
-              <a:rPr lang="en-US"/>
+              <a:rPr lang="en-US" dirty="0"/>
               <a:t>Click to edit Master text styles</a:t>
             </a:r>
           </a:p>
@@ -2740,9 +2754,12 @@
 <p:sldMaster xmlns:a="http://schemas.openxmlformats.org/drawingml/2006/main" xmlns:r="http://schemas.openxmlformats.org/officeDocument/2006/relationships" xmlns:p="http://schemas.openxmlformats.org/presentationml/2006/main">
   <p:cSld>
     <p:bg>
-      <p:bgRef idx="1001">
-        <a:schemeClr val="bg1"/>
-      </p:bgRef>
+      <p:bgPr>
+        <a:solidFill>
+          <a:schemeClr val="tx1"/>
+        </a:solidFill>
+        <a:effectLst/>
+      </p:bgPr>
     </p:bg>
     <p:spTree>
       <p:nvGrpSpPr>
@@ -2790,7 +2807,7 @@
           <a:lstStyle/>
           <a:p>
             <a:r>
-              <a:rPr lang="en-US"/>
+              <a:rPr lang="en-US" dirty="0"/>
               <a:t>Click to edit Master title style</a:t>
             </a:r>
           </a:p>
@@ -2829,35 +2846,35 @@
           <a:p>
             <a:pPr lvl="0"/>
             <a:r>
-              <a:rPr lang="en-US"/>
+              <a:rPr lang="en-US" dirty="0"/>
               <a:t>Click to edit Master text styles</a:t>
             </a:r>
           </a:p>
           <a:p>
             <a:pPr lvl="1"/>
             <a:r>
-              <a:rPr lang="en-US"/>
+              <a:rPr lang="en-US" dirty="0"/>
               <a:t>Second level</a:t>
             </a:r>
           </a:p>
           <a:p>
             <a:pPr lvl="2"/>
             <a:r>
-              <a:rPr lang="en-US"/>
+              <a:rPr lang="en-US" dirty="0"/>
               <a:t>Third level</a:t>
             </a:r>
           </a:p>
           <a:p>
             <a:pPr lvl="3"/>
             <a:r>
-              <a:rPr lang="en-US"/>
+              <a:rPr lang="en-US" dirty="0"/>
               <a:t>Fourth level</a:t>
             </a:r>
           </a:p>
           <a:p>
             <a:pPr lvl="4"/>
             <a:r>
-              <a:rPr lang="en-US"/>
+              <a:rPr lang="en-US" dirty="0"/>
               <a:t>Fifth level</a:t>
             </a:r>
           </a:p>
@@ -3033,11 +3050,11 @@
         <a:buNone/>
         <a:defRPr sz="4400" kern="1200">
           <a:solidFill>
-            <a:schemeClr val="tx1"/>
+            <a:schemeClr val="bg1"/>
           </a:solidFill>
-          <a:latin typeface="+mj-lt"/>
+          <a:latin typeface="Times New Roman" panose="02020603050405020304" pitchFamily="18" charset="0"/>
           <a:ea typeface="+mj-ea"/>
-          <a:cs typeface="+mj-cs"/>
+          <a:cs typeface="Times New Roman" panose="02020603050405020304" pitchFamily="18" charset="0"/>
         </a:defRPr>
       </a:lvl1pPr>
     </p:titleStyle>
@@ -3053,11 +3070,11 @@
         <a:buChar char="•"/>
         <a:defRPr sz="2800" kern="1200">
           <a:solidFill>
-            <a:schemeClr val="tx1"/>
+            <a:schemeClr val="bg1"/>
           </a:solidFill>
-          <a:latin typeface="+mn-lt"/>
+          <a:latin typeface="Times New Roman" panose="02020603050405020304" pitchFamily="18" charset="0"/>
           <a:ea typeface="+mn-ea"/>
-          <a:cs typeface="+mn-cs"/>
+          <a:cs typeface="Times New Roman" panose="02020603050405020304" pitchFamily="18" charset="0"/>
         </a:defRPr>
       </a:lvl1pPr>
       <a:lvl2pPr marL="685800" indent="-228600" algn="l" defTabSz="914400" rtl="0" eaLnBrk="1" latinLnBrk="0" hangingPunct="1">
@@ -3071,11 +3088,11 @@
         <a:buChar char="•"/>
         <a:defRPr sz="2400" kern="1200">
           <a:solidFill>
-            <a:schemeClr val="tx1"/>
+            <a:schemeClr val="bg1"/>
           </a:solidFill>
-          <a:latin typeface="+mn-lt"/>
+          <a:latin typeface="Times New Roman" panose="02020603050405020304" pitchFamily="18" charset="0"/>
           <a:ea typeface="+mn-ea"/>
-          <a:cs typeface="+mn-cs"/>
+          <a:cs typeface="Times New Roman" panose="02020603050405020304" pitchFamily="18" charset="0"/>
         </a:defRPr>
       </a:lvl2pPr>
       <a:lvl3pPr marL="1143000" indent="-228600" algn="l" defTabSz="914400" rtl="0" eaLnBrk="1" latinLnBrk="0" hangingPunct="1">
@@ -3089,11 +3106,11 @@
         <a:buChar char="•"/>
         <a:defRPr sz="2000" kern="1200">
           <a:solidFill>
-            <a:schemeClr val="tx1"/>
+            <a:schemeClr val="bg1"/>
           </a:solidFill>
-          <a:latin typeface="+mn-lt"/>
+          <a:latin typeface="Times New Roman" panose="02020603050405020304" pitchFamily="18" charset="0"/>
           <a:ea typeface="+mn-ea"/>
-          <a:cs typeface="+mn-cs"/>
+          <a:cs typeface="Times New Roman" panose="02020603050405020304" pitchFamily="18" charset="0"/>
         </a:defRPr>
       </a:lvl3pPr>
       <a:lvl4pPr marL="1600200" indent="-228600" algn="l" defTabSz="914400" rtl="0" eaLnBrk="1" latinLnBrk="0" hangingPunct="1">
@@ -3107,11 +3124,11 @@
         <a:buChar char="•"/>
         <a:defRPr sz="1800" kern="1200">
           <a:solidFill>
-            <a:schemeClr val="tx1"/>
+            <a:schemeClr val="bg1"/>
           </a:solidFill>
-          <a:latin typeface="+mn-lt"/>
+          <a:latin typeface="Times New Roman" panose="02020603050405020304" pitchFamily="18" charset="0"/>
           <a:ea typeface="+mn-ea"/>
-          <a:cs typeface="+mn-cs"/>
+          <a:cs typeface="Times New Roman" panose="02020603050405020304" pitchFamily="18" charset="0"/>
         </a:defRPr>
       </a:lvl4pPr>
       <a:lvl5pPr marL="2057400" indent="-228600" algn="l" defTabSz="914400" rtl="0" eaLnBrk="1" latinLnBrk="0" hangingPunct="1">
@@ -3125,11 +3142,11 @@
         <a:buChar char="•"/>
         <a:defRPr sz="1800" kern="1200">
           <a:solidFill>
-            <a:schemeClr val="tx1"/>
+            <a:schemeClr val="bg1"/>
           </a:solidFill>
-          <a:latin typeface="+mn-lt"/>
+          <a:latin typeface="Times New Roman" panose="02020603050405020304" pitchFamily="18" charset="0"/>
           <a:ea typeface="+mn-ea"/>
-          <a:cs typeface="+mn-cs"/>
+          <a:cs typeface="Times New Roman" panose="02020603050405020304" pitchFamily="18" charset="0"/>
         </a:defRPr>
       </a:lvl5pPr>
       <a:lvl6pPr marL="2514600" indent="-228600" algn="l" defTabSz="914400" rtl="0" eaLnBrk="1" latinLnBrk="0" hangingPunct="1">
@@ -3502,6 +3519,112 @@
     <p:extLst>
       <p:ext uri="{BB962C8B-B14F-4D97-AF65-F5344CB8AC3E}">
         <p14:creationId xmlns:p14="http://schemas.microsoft.com/office/powerpoint/2010/main" val="4271316296"/>
+      </p:ext>
+    </p:extLst>
+  </p:cSld>
+  <p:clrMapOvr>
+    <a:masterClrMapping/>
+  </p:clrMapOvr>
+</p:sld>
+</file>
+
+<file path=ppt/slides/slide2.xml><?xml version="1.0" encoding="utf-8"?>
+<p:sld xmlns:a="http://schemas.openxmlformats.org/drawingml/2006/main" xmlns:r="http://schemas.openxmlformats.org/officeDocument/2006/relationships" xmlns:p="http://schemas.openxmlformats.org/presentationml/2006/main">
+  <p:cSld>
+    <p:bg>
+      <p:bgPr>
+        <a:solidFill>
+          <a:schemeClr val="tx1"/>
+        </a:solidFill>
+        <a:effectLst/>
+      </p:bgPr>
+    </p:bg>
+    <p:spTree>
+      <p:nvGrpSpPr>
+        <p:cNvPr id="1" name=""/>
+        <p:cNvGrpSpPr/>
+        <p:nvPr/>
+      </p:nvGrpSpPr>
+      <p:grpSpPr>
+        <a:xfrm>
+          <a:off x="0" y="0"/>
+          <a:ext cx="0" cy="0"/>
+          <a:chOff x="0" y="0"/>
+          <a:chExt cx="0" cy="0"/>
+        </a:xfrm>
+      </p:grpSpPr>
+      <p:sp>
+        <p:nvSpPr>
+          <p:cNvPr id="2" name="Title 1">
+            <a:extLst>
+              <a:ext uri="{FF2B5EF4-FFF2-40B4-BE49-F238E27FC236}">
+                <a16:creationId xmlns:a16="http://schemas.microsoft.com/office/drawing/2014/main" id="{A850E6A5-7934-41BD-9EDB-9F0EA2DDDBA0}"/>
+              </a:ext>
+            </a:extLst>
+          </p:cNvPr>
+          <p:cNvSpPr>
+            <a:spLocks noGrp="1"/>
+          </p:cNvSpPr>
+          <p:nvPr>
+            <p:ph type="title"/>
+          </p:nvPr>
+        </p:nvSpPr>
+        <p:spPr/>
+        <p:txBody>
+          <a:bodyPr/>
+          <a:lstStyle/>
+          <a:p>
+            <a:r>
+              <a:rPr lang="en-US" dirty="0"/>
+              <a:t>NETWORK SECURITY</a:t>
+            </a:r>
+          </a:p>
+        </p:txBody>
+      </p:sp>
+      <p:sp>
+        <p:nvSpPr>
+          <p:cNvPr id="3" name="Content Placeholder 2">
+            <a:extLst>
+              <a:ext uri="{FF2B5EF4-FFF2-40B4-BE49-F238E27FC236}">
+                <a16:creationId xmlns:a16="http://schemas.microsoft.com/office/drawing/2014/main" id="{34C1693E-395F-47FF-B2D8-FB0B713B338D}"/>
+              </a:ext>
+            </a:extLst>
+          </p:cNvPr>
+          <p:cNvSpPr>
+            <a:spLocks noGrp="1"/>
+          </p:cNvSpPr>
+          <p:nvPr>
+            <p:ph idx="1"/>
+          </p:nvPr>
+        </p:nvSpPr>
+        <p:spPr/>
+        <p:txBody>
+          <a:bodyPr/>
+          <a:lstStyle/>
+          <a:p>
+            <a:r>
+              <a:rPr lang="en-US" dirty="0"/>
+              <a:t>A set of rules, configurations or systems</a:t>
+            </a:r>
+          </a:p>
+          <a:p>
+            <a:r>
+              <a:rPr lang="en-US" dirty="0"/>
+              <a:t>Designed to enhance the protection of critical data in a network</a:t>
+            </a:r>
+          </a:p>
+          <a:p>
+            <a:r>
+              <a:rPr lang="en-US" dirty="0"/>
+              <a:t>Prevent loss, theft or unauthorized access of sensitive information</a:t>
+            </a:r>
+          </a:p>
+        </p:txBody>
+      </p:sp>
+    </p:spTree>
+    <p:extLst>
+      <p:ext uri="{BB962C8B-B14F-4D97-AF65-F5344CB8AC3E}">
+        <p14:creationId xmlns:p14="http://schemas.microsoft.com/office/powerpoint/2010/main" val="3820186444"/>
       </p:ext>
     </p:extLst>
   </p:cSld>

--- a/NSL_KDD_Network_Security_Analysis.pptx
+++ b/NSL_KDD_Network_Security_Analysis.pptx
@@ -7,6 +7,7 @@
   <p:sldIdLst>
     <p:sldId id="256" r:id="rId2"/>
     <p:sldId id="257" r:id="rId3"/>
+    <p:sldId id="258" r:id="rId4"/>
   </p:sldIdLst>
   <p:sldSz cx="12192000" cy="6858000"/>
   <p:notesSz cx="6858000" cy="9144000"/>
@@ -3634,6 +3635,391 @@
 </p:sld>
 </file>
 
+<file path=ppt/slides/slide3.xml><?xml version="1.0" encoding="utf-8"?>
+<p:sld xmlns:a="http://schemas.openxmlformats.org/drawingml/2006/main" xmlns:r="http://schemas.openxmlformats.org/officeDocument/2006/relationships" xmlns:p="http://schemas.openxmlformats.org/presentationml/2006/main">
+  <p:cSld>
+    <p:spTree>
+      <p:nvGrpSpPr>
+        <p:cNvPr id="1" name=""/>
+        <p:cNvGrpSpPr/>
+        <p:nvPr/>
+      </p:nvGrpSpPr>
+      <p:grpSpPr>
+        <a:xfrm>
+          <a:off x="0" y="0"/>
+          <a:ext cx="0" cy="0"/>
+          <a:chOff x="0" y="0"/>
+          <a:chExt cx="0" cy="0"/>
+        </a:xfrm>
+      </p:grpSpPr>
+      <p:sp>
+        <p:nvSpPr>
+          <p:cNvPr id="2" name="Title 1">
+            <a:extLst>
+              <a:ext uri="{FF2B5EF4-FFF2-40B4-BE49-F238E27FC236}">
+                <a16:creationId xmlns:a16="http://schemas.microsoft.com/office/drawing/2014/main" id="{44330C74-EB9D-4ADE-B22B-91161A4BB401}"/>
+              </a:ext>
+            </a:extLst>
+          </p:cNvPr>
+          <p:cNvSpPr>
+            <a:spLocks noGrp="1"/>
+          </p:cNvSpPr>
+          <p:nvPr>
+            <p:ph type="title"/>
+          </p:nvPr>
+        </p:nvSpPr>
+        <p:spPr/>
+        <p:txBody>
+          <a:bodyPr/>
+          <a:lstStyle/>
+          <a:p>
+            <a:r>
+              <a:rPr lang="en-US" dirty="0"/>
+              <a:t>INTRUSION</a:t>
+            </a:r>
+          </a:p>
+        </p:txBody>
+      </p:sp>
+      <p:sp>
+        <p:nvSpPr>
+          <p:cNvPr id="3" name="Content Placeholder 2">
+            <a:extLst>
+              <a:ext uri="{FF2B5EF4-FFF2-40B4-BE49-F238E27FC236}">
+                <a16:creationId xmlns:a16="http://schemas.microsoft.com/office/drawing/2014/main" id="{84E53B4C-2679-4311-8C0B-72B7E8BDB356}"/>
+              </a:ext>
+            </a:extLst>
+          </p:cNvPr>
+          <p:cNvSpPr>
+            <a:spLocks noGrp="1"/>
+          </p:cNvSpPr>
+          <p:nvPr>
+            <p:ph idx="1"/>
+          </p:nvPr>
+        </p:nvSpPr>
+        <p:spPr>
+          <a:xfrm>
+            <a:off x="838200" y="1690688"/>
+            <a:ext cx="10515600" cy="1043410"/>
+          </a:xfrm>
+        </p:spPr>
+        <p:txBody>
+          <a:bodyPr/>
+          <a:lstStyle/>
+          <a:p>
+            <a:r>
+              <a:rPr lang="en-US" dirty="0"/>
+              <a:t>An attempt to bypass the security mechanisms of a system</a:t>
+            </a:r>
+          </a:p>
+          <a:p>
+            <a:r>
+              <a:rPr lang="en-US" dirty="0"/>
+              <a:t>Compromise </a:t>
+            </a:r>
+            <a:r>
+              <a:rPr lang="en-US" b="1" dirty="0"/>
+              <a:t>Confidentiality</a:t>
+            </a:r>
+            <a:r>
+              <a:rPr lang="en-US" dirty="0"/>
+              <a:t>, </a:t>
+            </a:r>
+            <a:r>
+              <a:rPr lang="en-US" b="1" dirty="0"/>
+              <a:t>Integrity</a:t>
+            </a:r>
+            <a:r>
+              <a:rPr lang="en-US" dirty="0"/>
+              <a:t> and </a:t>
+            </a:r>
+            <a:r>
+              <a:rPr lang="en-US" b="1" dirty="0"/>
+              <a:t>Availability</a:t>
+            </a:r>
+            <a:r>
+              <a:rPr lang="en-US" dirty="0"/>
+              <a:t> </a:t>
+            </a:r>
+            <a:r>
+              <a:rPr lang="en-US" b="1" dirty="0"/>
+              <a:t>(CIA)</a:t>
+            </a:r>
+          </a:p>
+        </p:txBody>
+      </p:sp>
+      <p:sp>
+        <p:nvSpPr>
+          <p:cNvPr id="4" name="Title 1">
+            <a:extLst>
+              <a:ext uri="{FF2B5EF4-FFF2-40B4-BE49-F238E27FC236}">
+                <a16:creationId xmlns:a16="http://schemas.microsoft.com/office/drawing/2014/main" id="{98DE1D3C-838C-4535-9015-E78BE11F5A77}"/>
+              </a:ext>
+            </a:extLst>
+          </p:cNvPr>
+          <p:cNvSpPr txBox="1">
+            <a:spLocks/>
+          </p:cNvSpPr>
+          <p:nvPr/>
+        </p:nvSpPr>
+        <p:spPr>
+          <a:xfrm>
+            <a:off x="838200" y="3101335"/>
+            <a:ext cx="10515600" cy="1325563"/>
+          </a:xfrm>
+          <a:prstGeom prst="rect">
+            <a:avLst/>
+          </a:prstGeom>
+        </p:spPr>
+        <p:txBody>
+          <a:bodyPr vert="horz" lIns="91440" tIns="45720" rIns="91440" bIns="45720" rtlCol="0" anchor="ctr">
+            <a:normAutofit/>
+          </a:bodyPr>
+          <a:lstStyle>
+            <a:lvl1pPr algn="l" defTabSz="914400" rtl="0" eaLnBrk="1" latinLnBrk="0" hangingPunct="1">
+              <a:lnSpc>
+                <a:spcPct val="90000"/>
+              </a:lnSpc>
+              <a:spcBef>
+                <a:spcPct val="0"/>
+              </a:spcBef>
+              <a:buNone/>
+              <a:defRPr sz="4400" kern="1200">
+                <a:solidFill>
+                  <a:schemeClr val="bg1"/>
+                </a:solidFill>
+                <a:latin typeface="Times New Roman" panose="02020603050405020304" pitchFamily="18" charset="0"/>
+                <a:ea typeface="+mj-ea"/>
+                <a:cs typeface="Times New Roman" panose="02020603050405020304" pitchFamily="18" charset="0"/>
+              </a:defRPr>
+            </a:lvl1pPr>
+          </a:lstStyle>
+          <a:p>
+            <a:r>
+              <a:rPr lang="en-US" dirty="0"/>
+              <a:t>INTRUSION DETECTION</a:t>
+            </a:r>
+          </a:p>
+        </p:txBody>
+      </p:sp>
+      <p:sp>
+        <p:nvSpPr>
+          <p:cNvPr id="5" name="Content Placeholder 2">
+            <a:extLst>
+              <a:ext uri="{FF2B5EF4-FFF2-40B4-BE49-F238E27FC236}">
+                <a16:creationId xmlns:a16="http://schemas.microsoft.com/office/drawing/2014/main" id="{44860E6E-E5B5-4A10-8227-BA5B141BE022}"/>
+              </a:ext>
+            </a:extLst>
+          </p:cNvPr>
+          <p:cNvSpPr txBox="1">
+            <a:spLocks/>
+          </p:cNvSpPr>
+          <p:nvPr/>
+        </p:nvSpPr>
+        <p:spPr>
+          <a:xfrm>
+            <a:off x="838200" y="4426898"/>
+            <a:ext cx="10515600" cy="1043410"/>
+          </a:xfrm>
+          <a:prstGeom prst="rect">
+            <a:avLst/>
+          </a:prstGeom>
+        </p:spPr>
+        <p:txBody>
+          <a:bodyPr vert="horz" lIns="91440" tIns="45720" rIns="91440" bIns="45720" rtlCol="0">
+            <a:noAutofit/>
+          </a:bodyPr>
+          <a:lstStyle>
+            <a:lvl1pPr marL="228600" indent="-228600" algn="l" defTabSz="914400" rtl="0" eaLnBrk="1" latinLnBrk="0" hangingPunct="1">
+              <a:lnSpc>
+                <a:spcPct val="90000"/>
+              </a:lnSpc>
+              <a:spcBef>
+                <a:spcPts val="1000"/>
+              </a:spcBef>
+              <a:buFont typeface="Arial" panose="020B0604020202020204" pitchFamily="34" charset="0"/>
+              <a:buChar char="•"/>
+              <a:defRPr sz="2800" kern="1200">
+                <a:solidFill>
+                  <a:schemeClr val="bg1"/>
+                </a:solidFill>
+                <a:latin typeface="Times New Roman" panose="02020603050405020304" pitchFamily="18" charset="0"/>
+                <a:ea typeface="+mn-ea"/>
+                <a:cs typeface="Times New Roman" panose="02020603050405020304" pitchFamily="18" charset="0"/>
+              </a:defRPr>
+            </a:lvl1pPr>
+            <a:lvl2pPr marL="685800" indent="-228600" algn="l" defTabSz="914400" rtl="0" eaLnBrk="1" latinLnBrk="0" hangingPunct="1">
+              <a:lnSpc>
+                <a:spcPct val="90000"/>
+              </a:lnSpc>
+              <a:spcBef>
+                <a:spcPts val="500"/>
+              </a:spcBef>
+              <a:buFont typeface="Arial" panose="020B0604020202020204" pitchFamily="34" charset="0"/>
+              <a:buChar char="•"/>
+              <a:defRPr sz="2400" kern="1200">
+                <a:solidFill>
+                  <a:schemeClr val="bg1"/>
+                </a:solidFill>
+                <a:latin typeface="Times New Roman" panose="02020603050405020304" pitchFamily="18" charset="0"/>
+                <a:ea typeface="+mn-ea"/>
+                <a:cs typeface="Times New Roman" panose="02020603050405020304" pitchFamily="18" charset="0"/>
+              </a:defRPr>
+            </a:lvl2pPr>
+            <a:lvl3pPr marL="1143000" indent="-228600" algn="l" defTabSz="914400" rtl="0" eaLnBrk="1" latinLnBrk="0" hangingPunct="1">
+              <a:lnSpc>
+                <a:spcPct val="90000"/>
+              </a:lnSpc>
+              <a:spcBef>
+                <a:spcPts val="500"/>
+              </a:spcBef>
+              <a:buFont typeface="Arial" panose="020B0604020202020204" pitchFamily="34" charset="0"/>
+              <a:buChar char="•"/>
+              <a:defRPr sz="2000" kern="1200">
+                <a:solidFill>
+                  <a:schemeClr val="bg1"/>
+                </a:solidFill>
+                <a:latin typeface="Times New Roman" panose="02020603050405020304" pitchFamily="18" charset="0"/>
+                <a:ea typeface="+mn-ea"/>
+                <a:cs typeface="Times New Roman" panose="02020603050405020304" pitchFamily="18" charset="0"/>
+              </a:defRPr>
+            </a:lvl3pPr>
+            <a:lvl4pPr marL="1600200" indent="-228600" algn="l" defTabSz="914400" rtl="0" eaLnBrk="1" latinLnBrk="0" hangingPunct="1">
+              <a:lnSpc>
+                <a:spcPct val="90000"/>
+              </a:lnSpc>
+              <a:spcBef>
+                <a:spcPts val="500"/>
+              </a:spcBef>
+              <a:buFont typeface="Arial" panose="020B0604020202020204" pitchFamily="34" charset="0"/>
+              <a:buChar char="•"/>
+              <a:defRPr sz="1800" kern="1200">
+                <a:solidFill>
+                  <a:schemeClr val="bg1"/>
+                </a:solidFill>
+                <a:latin typeface="Times New Roman" panose="02020603050405020304" pitchFamily="18" charset="0"/>
+                <a:ea typeface="+mn-ea"/>
+                <a:cs typeface="Times New Roman" panose="02020603050405020304" pitchFamily="18" charset="0"/>
+              </a:defRPr>
+            </a:lvl4pPr>
+            <a:lvl5pPr marL="2057400" indent="-228600" algn="l" defTabSz="914400" rtl="0" eaLnBrk="1" latinLnBrk="0" hangingPunct="1">
+              <a:lnSpc>
+                <a:spcPct val="90000"/>
+              </a:lnSpc>
+              <a:spcBef>
+                <a:spcPts val="500"/>
+              </a:spcBef>
+              <a:buFont typeface="Arial" panose="020B0604020202020204" pitchFamily="34" charset="0"/>
+              <a:buChar char="•"/>
+              <a:defRPr sz="1800" kern="1200">
+                <a:solidFill>
+                  <a:schemeClr val="bg1"/>
+                </a:solidFill>
+                <a:latin typeface="Times New Roman" panose="02020603050405020304" pitchFamily="18" charset="0"/>
+                <a:ea typeface="+mn-ea"/>
+                <a:cs typeface="Times New Roman" panose="02020603050405020304" pitchFamily="18" charset="0"/>
+              </a:defRPr>
+            </a:lvl5pPr>
+            <a:lvl6pPr marL="2514600" indent="-228600" algn="l" defTabSz="914400" rtl="0" eaLnBrk="1" latinLnBrk="0" hangingPunct="1">
+              <a:lnSpc>
+                <a:spcPct val="90000"/>
+              </a:lnSpc>
+              <a:spcBef>
+                <a:spcPts val="500"/>
+              </a:spcBef>
+              <a:buFont typeface="Arial" panose="020B0604020202020204" pitchFamily="34" charset="0"/>
+              <a:buChar char="•"/>
+              <a:defRPr sz="1800" kern="1200">
+                <a:solidFill>
+                  <a:schemeClr val="tx1"/>
+                </a:solidFill>
+                <a:latin typeface="+mn-lt"/>
+                <a:ea typeface="+mn-ea"/>
+                <a:cs typeface="+mn-cs"/>
+              </a:defRPr>
+            </a:lvl6pPr>
+            <a:lvl7pPr marL="2971800" indent="-228600" algn="l" defTabSz="914400" rtl="0" eaLnBrk="1" latinLnBrk="0" hangingPunct="1">
+              <a:lnSpc>
+                <a:spcPct val="90000"/>
+              </a:lnSpc>
+              <a:spcBef>
+                <a:spcPts val="500"/>
+              </a:spcBef>
+              <a:buFont typeface="Arial" panose="020B0604020202020204" pitchFamily="34" charset="0"/>
+              <a:buChar char="•"/>
+              <a:defRPr sz="1800" kern="1200">
+                <a:solidFill>
+                  <a:schemeClr val="tx1"/>
+                </a:solidFill>
+                <a:latin typeface="+mn-lt"/>
+                <a:ea typeface="+mn-ea"/>
+                <a:cs typeface="+mn-cs"/>
+              </a:defRPr>
+            </a:lvl7pPr>
+            <a:lvl8pPr marL="3429000" indent="-228600" algn="l" defTabSz="914400" rtl="0" eaLnBrk="1" latinLnBrk="0" hangingPunct="1">
+              <a:lnSpc>
+                <a:spcPct val="90000"/>
+              </a:lnSpc>
+              <a:spcBef>
+                <a:spcPts val="500"/>
+              </a:spcBef>
+              <a:buFont typeface="Arial" panose="020B0604020202020204" pitchFamily="34" charset="0"/>
+              <a:buChar char="•"/>
+              <a:defRPr sz="1800" kern="1200">
+                <a:solidFill>
+                  <a:schemeClr val="tx1"/>
+                </a:solidFill>
+                <a:latin typeface="+mn-lt"/>
+                <a:ea typeface="+mn-ea"/>
+                <a:cs typeface="+mn-cs"/>
+              </a:defRPr>
+            </a:lvl8pPr>
+            <a:lvl9pPr marL="3886200" indent="-228600" algn="l" defTabSz="914400" rtl="0" eaLnBrk="1" latinLnBrk="0" hangingPunct="1">
+              <a:lnSpc>
+                <a:spcPct val="90000"/>
+              </a:lnSpc>
+              <a:spcBef>
+                <a:spcPts val="500"/>
+              </a:spcBef>
+              <a:buFont typeface="Arial" panose="020B0604020202020204" pitchFamily="34" charset="0"/>
+              <a:buChar char="•"/>
+              <a:defRPr sz="1800" kern="1200">
+                <a:solidFill>
+                  <a:schemeClr val="tx1"/>
+                </a:solidFill>
+                <a:latin typeface="+mn-lt"/>
+                <a:ea typeface="+mn-ea"/>
+                <a:cs typeface="+mn-cs"/>
+              </a:defRPr>
+            </a:lvl9pPr>
+          </a:lstStyle>
+          <a:p>
+            <a:r>
+              <a:rPr lang="en-US" dirty="0"/>
+              <a:t>Monitor various events that occur in a system</a:t>
+            </a:r>
+          </a:p>
+          <a:p>
+            <a:r>
+              <a:rPr lang="en-US" dirty="0"/>
+              <a:t>Analyze for signs of intrusions (flagged/anomalous behavior)</a:t>
+            </a:r>
+            <a:endParaRPr lang="en-US" b="1" dirty="0"/>
+          </a:p>
+        </p:txBody>
+      </p:sp>
+    </p:spTree>
+    <p:extLst>
+      <p:ext uri="{BB962C8B-B14F-4D97-AF65-F5344CB8AC3E}">
+        <p14:creationId xmlns:p14="http://schemas.microsoft.com/office/powerpoint/2010/main" val="2519677008"/>
+      </p:ext>
+    </p:extLst>
+  </p:cSld>
+  <p:clrMapOvr>
+    <a:masterClrMapping/>
+  </p:clrMapOvr>
+</p:sld>
+</file>
+
 <file path=ppt/theme/theme1.xml><?xml version="1.0" encoding="utf-8"?>
 <a:theme xmlns:a="http://schemas.openxmlformats.org/drawingml/2006/main" name="Office Theme">
   <a:themeElements>

--- a/NSL_KDD_Network_Security_Analysis.pptx
+++ b/NSL_KDD_Network_Security_Analysis.pptx
@@ -8,6 +8,7 @@
     <p:sldId id="256" r:id="rId2"/>
     <p:sldId id="257" r:id="rId3"/>
     <p:sldId id="258" r:id="rId4"/>
+    <p:sldId id="259" r:id="rId5"/>
   </p:sldIdLst>
   <p:sldSz cx="12192000" cy="6858000"/>
   <p:notesSz cx="6858000" cy="9144000"/>
@@ -4020,6 +4021,368 @@
 </p:sld>
 </file>
 
+<file path=ppt/slides/slide4.xml><?xml version="1.0" encoding="utf-8"?>
+<p:sld xmlns:a="http://schemas.openxmlformats.org/drawingml/2006/main" xmlns:r="http://schemas.openxmlformats.org/officeDocument/2006/relationships" xmlns:p="http://schemas.openxmlformats.org/presentationml/2006/main">
+  <p:cSld>
+    <p:spTree>
+      <p:nvGrpSpPr>
+        <p:cNvPr id="1" name=""/>
+        <p:cNvGrpSpPr/>
+        <p:nvPr/>
+      </p:nvGrpSpPr>
+      <p:grpSpPr>
+        <a:xfrm>
+          <a:off x="0" y="0"/>
+          <a:ext cx="0" cy="0"/>
+          <a:chOff x="0" y="0"/>
+          <a:chExt cx="0" cy="0"/>
+        </a:xfrm>
+      </p:grpSpPr>
+      <p:sp>
+        <p:nvSpPr>
+          <p:cNvPr id="2" name="Title 1">
+            <a:extLst>
+              <a:ext uri="{FF2B5EF4-FFF2-40B4-BE49-F238E27FC236}">
+                <a16:creationId xmlns:a16="http://schemas.microsoft.com/office/drawing/2014/main" id="{61AD2059-4BFF-4852-AAFE-98011E7EF520}"/>
+              </a:ext>
+            </a:extLst>
+          </p:cNvPr>
+          <p:cNvSpPr>
+            <a:spLocks noGrp="1"/>
+          </p:cNvSpPr>
+          <p:nvPr>
+            <p:ph type="title"/>
+          </p:nvPr>
+        </p:nvSpPr>
+        <p:spPr/>
+        <p:txBody>
+          <a:bodyPr/>
+          <a:lstStyle/>
+          <a:p>
+            <a:r>
+              <a:rPr lang="en-US" dirty="0"/>
+              <a:t>TYPES OF INTRUSION DETECTION</a:t>
+            </a:r>
+          </a:p>
+        </p:txBody>
+      </p:sp>
+      <p:sp>
+        <p:nvSpPr>
+          <p:cNvPr id="3" name="Content Placeholder 2">
+            <a:extLst>
+              <a:ext uri="{FF2B5EF4-FFF2-40B4-BE49-F238E27FC236}">
+                <a16:creationId xmlns:a16="http://schemas.microsoft.com/office/drawing/2014/main" id="{AABC8807-BF58-4A6E-B071-824175973AC9}"/>
+              </a:ext>
+            </a:extLst>
+          </p:cNvPr>
+          <p:cNvSpPr>
+            <a:spLocks noGrp="1"/>
+          </p:cNvSpPr>
+          <p:nvPr>
+            <p:ph idx="1"/>
+          </p:nvPr>
+        </p:nvSpPr>
+        <p:spPr>
+          <a:xfrm>
+            <a:off x="838200" y="1615405"/>
+            <a:ext cx="10515600" cy="1603375"/>
+          </a:xfrm>
+        </p:spPr>
+        <p:txBody>
+          <a:bodyPr/>
+          <a:lstStyle/>
+          <a:p>
+            <a:r>
+              <a:rPr lang="en-US" dirty="0"/>
+              <a:t>Signature-based Detection (SD)</a:t>
+            </a:r>
+          </a:p>
+          <a:p>
+            <a:r>
+              <a:rPr lang="en-US" dirty="0"/>
+              <a:t>Anomaly-based Detection (AD)</a:t>
+            </a:r>
+          </a:p>
+          <a:p>
+            <a:r>
+              <a:rPr lang="en-US" dirty="0"/>
+              <a:t>Stateful Protocol Analysis (SPA)</a:t>
+            </a:r>
+          </a:p>
+        </p:txBody>
+      </p:sp>
+      <p:sp>
+        <p:nvSpPr>
+          <p:cNvPr id="6" name="Title 1">
+            <a:extLst>
+              <a:ext uri="{FF2B5EF4-FFF2-40B4-BE49-F238E27FC236}">
+                <a16:creationId xmlns:a16="http://schemas.microsoft.com/office/drawing/2014/main" id="{49A63590-38BD-46F5-A065-2AF4452BF175}"/>
+              </a:ext>
+            </a:extLst>
+          </p:cNvPr>
+          <p:cNvSpPr txBox="1">
+            <a:spLocks/>
+          </p:cNvSpPr>
+          <p:nvPr/>
+        </p:nvSpPr>
+        <p:spPr>
+          <a:xfrm>
+            <a:off x="838200" y="3218780"/>
+            <a:ext cx="10515600" cy="1325563"/>
+          </a:xfrm>
+          <a:prstGeom prst="rect">
+            <a:avLst/>
+          </a:prstGeom>
+        </p:spPr>
+        <p:txBody>
+          <a:bodyPr vert="horz" lIns="91440" tIns="45720" rIns="91440" bIns="45720" rtlCol="0" anchor="ctr">
+            <a:normAutofit/>
+          </a:bodyPr>
+          <a:lstStyle>
+            <a:lvl1pPr algn="l" defTabSz="914400" rtl="0" eaLnBrk="1" latinLnBrk="0" hangingPunct="1">
+              <a:lnSpc>
+                <a:spcPct val="90000"/>
+              </a:lnSpc>
+              <a:spcBef>
+                <a:spcPct val="0"/>
+              </a:spcBef>
+              <a:buNone/>
+              <a:defRPr sz="4400" kern="1200">
+                <a:solidFill>
+                  <a:schemeClr val="bg1"/>
+                </a:solidFill>
+                <a:latin typeface="Times New Roman" panose="02020603050405020304" pitchFamily="18" charset="0"/>
+                <a:ea typeface="+mj-ea"/>
+                <a:cs typeface="Times New Roman" panose="02020603050405020304" pitchFamily="18" charset="0"/>
+              </a:defRPr>
+            </a:lvl1pPr>
+          </a:lstStyle>
+          <a:p>
+            <a:r>
+              <a:rPr lang="en-US" dirty="0"/>
+              <a:t>ANOMALY-BASED DETECTION</a:t>
+            </a:r>
+          </a:p>
+        </p:txBody>
+      </p:sp>
+      <p:sp>
+        <p:nvSpPr>
+          <p:cNvPr id="7" name="Content Placeholder 2">
+            <a:extLst>
+              <a:ext uri="{FF2B5EF4-FFF2-40B4-BE49-F238E27FC236}">
+                <a16:creationId xmlns:a16="http://schemas.microsoft.com/office/drawing/2014/main" id="{0CEC45C9-F9C2-4595-8D91-F8865314BBEF}"/>
+              </a:ext>
+            </a:extLst>
+          </p:cNvPr>
+          <p:cNvSpPr txBox="1">
+            <a:spLocks/>
+          </p:cNvSpPr>
+          <p:nvPr/>
+        </p:nvSpPr>
+        <p:spPr>
+          <a:xfrm>
+            <a:off x="838200" y="4679280"/>
+            <a:ext cx="10515600" cy="1603375"/>
+          </a:xfrm>
+          <a:prstGeom prst="rect">
+            <a:avLst/>
+          </a:prstGeom>
+        </p:spPr>
+        <p:txBody>
+          <a:bodyPr vert="horz" lIns="91440" tIns="45720" rIns="91440" bIns="45720" rtlCol="0">
+            <a:normAutofit/>
+          </a:bodyPr>
+          <a:lstStyle>
+            <a:lvl1pPr marL="228600" indent="-228600" algn="l" defTabSz="914400" rtl="0" eaLnBrk="1" latinLnBrk="0" hangingPunct="1">
+              <a:lnSpc>
+                <a:spcPct val="90000"/>
+              </a:lnSpc>
+              <a:spcBef>
+                <a:spcPts val="1000"/>
+              </a:spcBef>
+              <a:buFont typeface="Arial" panose="020B0604020202020204" pitchFamily="34" charset="0"/>
+              <a:buChar char="•"/>
+              <a:defRPr sz="2800" kern="1200">
+                <a:solidFill>
+                  <a:schemeClr val="bg1"/>
+                </a:solidFill>
+                <a:latin typeface="Times New Roman" panose="02020603050405020304" pitchFamily="18" charset="0"/>
+                <a:ea typeface="+mn-ea"/>
+                <a:cs typeface="Times New Roman" panose="02020603050405020304" pitchFamily="18" charset="0"/>
+              </a:defRPr>
+            </a:lvl1pPr>
+            <a:lvl2pPr marL="685800" indent="-228600" algn="l" defTabSz="914400" rtl="0" eaLnBrk="1" latinLnBrk="0" hangingPunct="1">
+              <a:lnSpc>
+                <a:spcPct val="90000"/>
+              </a:lnSpc>
+              <a:spcBef>
+                <a:spcPts val="500"/>
+              </a:spcBef>
+              <a:buFont typeface="Arial" panose="020B0604020202020204" pitchFamily="34" charset="0"/>
+              <a:buChar char="•"/>
+              <a:defRPr sz="2400" kern="1200">
+                <a:solidFill>
+                  <a:schemeClr val="bg1"/>
+                </a:solidFill>
+                <a:latin typeface="Times New Roman" panose="02020603050405020304" pitchFamily="18" charset="0"/>
+                <a:ea typeface="+mn-ea"/>
+                <a:cs typeface="Times New Roman" panose="02020603050405020304" pitchFamily="18" charset="0"/>
+              </a:defRPr>
+            </a:lvl2pPr>
+            <a:lvl3pPr marL="1143000" indent="-228600" algn="l" defTabSz="914400" rtl="0" eaLnBrk="1" latinLnBrk="0" hangingPunct="1">
+              <a:lnSpc>
+                <a:spcPct val="90000"/>
+              </a:lnSpc>
+              <a:spcBef>
+                <a:spcPts val="500"/>
+              </a:spcBef>
+              <a:buFont typeface="Arial" panose="020B0604020202020204" pitchFamily="34" charset="0"/>
+              <a:buChar char="•"/>
+              <a:defRPr sz="2000" kern="1200">
+                <a:solidFill>
+                  <a:schemeClr val="bg1"/>
+                </a:solidFill>
+                <a:latin typeface="Times New Roman" panose="02020603050405020304" pitchFamily="18" charset="0"/>
+                <a:ea typeface="+mn-ea"/>
+                <a:cs typeface="Times New Roman" panose="02020603050405020304" pitchFamily="18" charset="0"/>
+              </a:defRPr>
+            </a:lvl3pPr>
+            <a:lvl4pPr marL="1600200" indent="-228600" algn="l" defTabSz="914400" rtl="0" eaLnBrk="1" latinLnBrk="0" hangingPunct="1">
+              <a:lnSpc>
+                <a:spcPct val="90000"/>
+              </a:lnSpc>
+              <a:spcBef>
+                <a:spcPts val="500"/>
+              </a:spcBef>
+              <a:buFont typeface="Arial" panose="020B0604020202020204" pitchFamily="34" charset="0"/>
+              <a:buChar char="•"/>
+              <a:defRPr sz="1800" kern="1200">
+                <a:solidFill>
+                  <a:schemeClr val="bg1"/>
+                </a:solidFill>
+                <a:latin typeface="Times New Roman" panose="02020603050405020304" pitchFamily="18" charset="0"/>
+                <a:ea typeface="+mn-ea"/>
+                <a:cs typeface="Times New Roman" panose="02020603050405020304" pitchFamily="18" charset="0"/>
+              </a:defRPr>
+            </a:lvl4pPr>
+            <a:lvl5pPr marL="2057400" indent="-228600" algn="l" defTabSz="914400" rtl="0" eaLnBrk="1" latinLnBrk="0" hangingPunct="1">
+              <a:lnSpc>
+                <a:spcPct val="90000"/>
+              </a:lnSpc>
+              <a:spcBef>
+                <a:spcPts val="500"/>
+              </a:spcBef>
+              <a:buFont typeface="Arial" panose="020B0604020202020204" pitchFamily="34" charset="0"/>
+              <a:buChar char="•"/>
+              <a:defRPr sz="1800" kern="1200">
+                <a:solidFill>
+                  <a:schemeClr val="bg1"/>
+                </a:solidFill>
+                <a:latin typeface="Times New Roman" panose="02020603050405020304" pitchFamily="18" charset="0"/>
+                <a:ea typeface="+mn-ea"/>
+                <a:cs typeface="Times New Roman" panose="02020603050405020304" pitchFamily="18" charset="0"/>
+              </a:defRPr>
+            </a:lvl5pPr>
+            <a:lvl6pPr marL="2514600" indent="-228600" algn="l" defTabSz="914400" rtl="0" eaLnBrk="1" latinLnBrk="0" hangingPunct="1">
+              <a:lnSpc>
+                <a:spcPct val="90000"/>
+              </a:lnSpc>
+              <a:spcBef>
+                <a:spcPts val="500"/>
+              </a:spcBef>
+              <a:buFont typeface="Arial" panose="020B0604020202020204" pitchFamily="34" charset="0"/>
+              <a:buChar char="•"/>
+              <a:defRPr sz="1800" kern="1200">
+                <a:solidFill>
+                  <a:schemeClr val="tx1"/>
+                </a:solidFill>
+                <a:latin typeface="+mn-lt"/>
+                <a:ea typeface="+mn-ea"/>
+                <a:cs typeface="+mn-cs"/>
+              </a:defRPr>
+            </a:lvl6pPr>
+            <a:lvl7pPr marL="2971800" indent="-228600" algn="l" defTabSz="914400" rtl="0" eaLnBrk="1" latinLnBrk="0" hangingPunct="1">
+              <a:lnSpc>
+                <a:spcPct val="90000"/>
+              </a:lnSpc>
+              <a:spcBef>
+                <a:spcPts val="500"/>
+              </a:spcBef>
+              <a:buFont typeface="Arial" panose="020B0604020202020204" pitchFamily="34" charset="0"/>
+              <a:buChar char="•"/>
+              <a:defRPr sz="1800" kern="1200">
+                <a:solidFill>
+                  <a:schemeClr val="tx1"/>
+                </a:solidFill>
+                <a:latin typeface="+mn-lt"/>
+                <a:ea typeface="+mn-ea"/>
+                <a:cs typeface="+mn-cs"/>
+              </a:defRPr>
+            </a:lvl7pPr>
+            <a:lvl8pPr marL="3429000" indent="-228600" algn="l" defTabSz="914400" rtl="0" eaLnBrk="1" latinLnBrk="0" hangingPunct="1">
+              <a:lnSpc>
+                <a:spcPct val="90000"/>
+              </a:lnSpc>
+              <a:spcBef>
+                <a:spcPts val="500"/>
+              </a:spcBef>
+              <a:buFont typeface="Arial" panose="020B0604020202020204" pitchFamily="34" charset="0"/>
+              <a:buChar char="•"/>
+              <a:defRPr sz="1800" kern="1200">
+                <a:solidFill>
+                  <a:schemeClr val="tx1"/>
+                </a:solidFill>
+                <a:latin typeface="+mn-lt"/>
+                <a:ea typeface="+mn-ea"/>
+                <a:cs typeface="+mn-cs"/>
+              </a:defRPr>
+            </a:lvl8pPr>
+            <a:lvl9pPr marL="3886200" indent="-228600" algn="l" defTabSz="914400" rtl="0" eaLnBrk="1" latinLnBrk="0" hangingPunct="1">
+              <a:lnSpc>
+                <a:spcPct val="90000"/>
+              </a:lnSpc>
+              <a:spcBef>
+                <a:spcPts val="500"/>
+              </a:spcBef>
+              <a:buFont typeface="Arial" panose="020B0604020202020204" pitchFamily="34" charset="0"/>
+              <a:buChar char="•"/>
+              <a:defRPr sz="1800" kern="1200">
+                <a:solidFill>
+                  <a:schemeClr val="tx1"/>
+                </a:solidFill>
+                <a:latin typeface="+mn-lt"/>
+                <a:ea typeface="+mn-ea"/>
+                <a:cs typeface="+mn-cs"/>
+              </a:defRPr>
+            </a:lvl9pPr>
+          </a:lstStyle>
+          <a:p>
+            <a:r>
+              <a:rPr lang="en-US" dirty="0"/>
+              <a:t>Monitor and evaluate regular activities, connections, hosts/users</a:t>
+            </a:r>
+          </a:p>
+          <a:p>
+            <a:r>
+              <a:rPr lang="en-US" dirty="0"/>
+              <a:t>Also called Behavior-based Detection</a:t>
+            </a:r>
+          </a:p>
+        </p:txBody>
+      </p:sp>
+    </p:spTree>
+    <p:extLst>
+      <p:ext uri="{BB962C8B-B14F-4D97-AF65-F5344CB8AC3E}">
+        <p14:creationId xmlns:p14="http://schemas.microsoft.com/office/powerpoint/2010/main" val="3434563333"/>
+      </p:ext>
+    </p:extLst>
+  </p:cSld>
+  <p:clrMapOvr>
+    <a:masterClrMapping/>
+  </p:clrMapOvr>
+</p:sld>
+</file>
+
 <file path=ppt/theme/theme1.xml><?xml version="1.0" encoding="utf-8"?>
 <a:theme xmlns:a="http://schemas.openxmlformats.org/drawingml/2006/main" name="Office Theme">
   <a:themeElements>

--- a/NSL_KDD_Network_Security_Analysis.pptx
+++ b/NSL_KDD_Network_Security_Analysis.pptx
@@ -9,6 +9,7 @@
     <p:sldId id="257" r:id="rId3"/>
     <p:sldId id="258" r:id="rId4"/>
     <p:sldId id="259" r:id="rId5"/>
+    <p:sldId id="260" r:id="rId6"/>
   </p:sldIdLst>
   <p:sldSz cx="12192000" cy="6858000"/>
   <p:notesSz cx="6858000" cy="9144000"/>
@@ -4383,6 +4384,143 @@
 </p:sld>
 </file>
 
+<file path=ppt/slides/slide5.xml><?xml version="1.0" encoding="utf-8"?>
+<p:sld xmlns:a="http://schemas.openxmlformats.org/drawingml/2006/main" xmlns:r="http://schemas.openxmlformats.org/officeDocument/2006/relationships" xmlns:p="http://schemas.openxmlformats.org/presentationml/2006/main">
+  <p:cSld>
+    <p:spTree>
+      <p:nvGrpSpPr>
+        <p:cNvPr id="1" name=""/>
+        <p:cNvGrpSpPr/>
+        <p:nvPr/>
+      </p:nvGrpSpPr>
+      <p:grpSpPr>
+        <a:xfrm>
+          <a:off x="0" y="0"/>
+          <a:ext cx="0" cy="0"/>
+          <a:chOff x="0" y="0"/>
+          <a:chExt cx="0" cy="0"/>
+        </a:xfrm>
+      </p:grpSpPr>
+      <p:sp>
+        <p:nvSpPr>
+          <p:cNvPr id="2" name="Title 1">
+            <a:extLst>
+              <a:ext uri="{FF2B5EF4-FFF2-40B4-BE49-F238E27FC236}">
+                <a16:creationId xmlns:a16="http://schemas.microsoft.com/office/drawing/2014/main" id="{DFBA76A2-3A82-49F9-ADCC-8DC3CB5BEC97}"/>
+              </a:ext>
+            </a:extLst>
+          </p:cNvPr>
+          <p:cNvSpPr>
+            <a:spLocks noGrp="1"/>
+          </p:cNvSpPr>
+          <p:nvPr>
+            <p:ph type="title"/>
+          </p:nvPr>
+        </p:nvSpPr>
+        <p:spPr/>
+        <p:txBody>
+          <a:bodyPr/>
+          <a:lstStyle/>
+          <a:p>
+            <a:r>
+              <a:rPr lang="en-US" dirty="0"/>
+              <a:t>NSL-KDD DATASET</a:t>
+            </a:r>
+          </a:p>
+        </p:txBody>
+      </p:sp>
+      <p:sp>
+        <p:nvSpPr>
+          <p:cNvPr id="3" name="Content Placeholder 2">
+            <a:extLst>
+              <a:ext uri="{FF2B5EF4-FFF2-40B4-BE49-F238E27FC236}">
+                <a16:creationId xmlns:a16="http://schemas.microsoft.com/office/drawing/2014/main" id="{D77C0CFC-2C2C-4DF0-A7DE-491C501D497C}"/>
+              </a:ext>
+            </a:extLst>
+          </p:cNvPr>
+          <p:cNvSpPr>
+            <a:spLocks noGrp="1"/>
+          </p:cNvSpPr>
+          <p:nvPr>
+            <p:ph idx="1"/>
+          </p:nvPr>
+        </p:nvSpPr>
+        <p:spPr/>
+        <p:txBody>
+          <a:bodyPr/>
+          <a:lstStyle/>
+          <a:p>
+            <a:r>
+              <a:rPr lang="en-US" dirty="0"/>
+              <a:t>Released as new and improved version of KDD’99 dataset</a:t>
+            </a:r>
+          </a:p>
+          <a:p>
+            <a:r>
+              <a:rPr lang="en-US" dirty="0"/>
+              <a:t>Benchmark to evaluate intrusion detection systems</a:t>
+            </a:r>
+          </a:p>
+          <a:p>
+            <a:r>
+              <a:rPr lang="en-US" dirty="0"/>
+              <a:t>Train and test subsets (</a:t>
+            </a:r>
+            <a:r>
+              <a:rPr lang="en-US" dirty="0" err="1"/>
+              <a:t>KDDTrain</a:t>
+            </a:r>
+            <a:r>
+              <a:rPr lang="en-US" dirty="0"/>
+              <a:t>+ and </a:t>
+            </a:r>
+            <a:r>
+              <a:rPr lang="en-US" dirty="0" err="1"/>
+              <a:t>KDDTest</a:t>
+            </a:r>
+            <a:r>
+              <a:rPr lang="en-US" dirty="0"/>
+              <a:t>+)</a:t>
+            </a:r>
+          </a:p>
+          <a:p>
+            <a:r>
+              <a:rPr lang="en-US" dirty="0"/>
+              <a:t>43 total attributes (42 input features + Score + Attack)</a:t>
+            </a:r>
+          </a:p>
+          <a:p>
+            <a:r>
+              <a:rPr lang="en-US" dirty="0"/>
+              <a:t>Score = Difficulty level</a:t>
+            </a:r>
+          </a:p>
+          <a:p>
+            <a:r>
+              <a:rPr lang="en-US" dirty="0"/>
+              <a:t>Attack = Type of attack (</a:t>
+            </a:r>
+            <a:r>
+              <a:rPr lang="en-US"/>
+              <a:t>Target column)</a:t>
+            </a:r>
+            <a:endParaRPr lang="en-US" dirty="0"/>
+          </a:p>
+        </p:txBody>
+      </p:sp>
+    </p:spTree>
+    <p:extLst>
+      <p:ext uri="{BB962C8B-B14F-4D97-AF65-F5344CB8AC3E}">
+        <p14:creationId xmlns:p14="http://schemas.microsoft.com/office/powerpoint/2010/main" val="104694007"/>
+      </p:ext>
+    </p:extLst>
+  </p:cSld>
+  <p:clrMapOvr>
+    <a:masterClrMapping/>
+  </p:clrMapOvr>
+</p:sld>
+</file>
+
 <file path=ppt/theme/theme1.xml><?xml version="1.0" encoding="utf-8"?>
 <a:theme xmlns:a="http://schemas.openxmlformats.org/drawingml/2006/main" name="Office Theme">
   <a:themeElements>

--- a/NSL_KDD_Network_Security_Analysis.pptx
+++ b/NSL_KDD_Network_Security_Analysis.pptx
@@ -10,6 +10,8 @@
     <p:sldId id="258" r:id="rId4"/>
     <p:sldId id="259" r:id="rId5"/>
     <p:sldId id="260" r:id="rId6"/>
+    <p:sldId id="261" r:id="rId7"/>
+    <p:sldId id="263" r:id="rId8"/>
   </p:sldIdLst>
   <p:sldSz cx="12192000" cy="6858000"/>
   <p:notesSz cx="6858000" cy="9144000"/>
@@ -114,6 +116,2100 @@
     </p:ext>
   </p:extLst>
 </p:presentation>
+</file>
+
+<file path=ppt/charts/chart1.xml><?xml version="1.0" encoding="utf-8"?>
+<c:chartSpace xmlns:c="http://schemas.openxmlformats.org/drawingml/2006/chart" xmlns:a="http://schemas.openxmlformats.org/drawingml/2006/main" xmlns:r="http://schemas.openxmlformats.org/officeDocument/2006/relationships" xmlns:c16r2="http://schemas.microsoft.com/office/drawing/2015/06/chart">
+  <c:date1904 val="0"/>
+  <c:lang val="en-US"/>
+  <c:roundedCorners val="0"/>
+  <mc:AlternateContent xmlns:mc="http://schemas.openxmlformats.org/markup-compatibility/2006">
+    <mc:Choice xmlns:c14="http://schemas.microsoft.com/office/drawing/2007/8/2/chart" Requires="c14">
+      <c14:style val="102"/>
+    </mc:Choice>
+    <mc:Fallback>
+      <c:style val="2"/>
+    </mc:Fallback>
+  </mc:AlternateContent>
+  <c:chart>
+    <c:title>
+      <c:tx>
+        <c:rich>
+          <a:bodyPr rot="0" spcFirstLastPara="1" vertOverflow="ellipsis" vert="horz" wrap="square" anchor="ctr" anchorCtr="1"/>
+          <a:lstStyle/>
+          <a:p>
+            <a:pPr>
+              <a:defRPr sz="2200" b="1" i="0" u="none" strike="noStrike" kern="1200" baseline="0">
+                <a:solidFill>
+                  <a:schemeClr val="dk1">
+                    <a:lumMod val="75000"/>
+                    <a:lumOff val="25000"/>
+                  </a:schemeClr>
+                </a:solidFill>
+                <a:latin typeface="+mn-lt"/>
+                <a:ea typeface="+mn-ea"/>
+                <a:cs typeface="+mn-cs"/>
+              </a:defRPr>
+            </a:pPr>
+            <a:r>
+              <a:rPr lang="en-US"/>
+              <a:t>Distribution of Network System</a:t>
+            </a:r>
+          </a:p>
+        </c:rich>
+      </c:tx>
+      <c:overlay val="0"/>
+      <c:spPr>
+        <a:noFill/>
+        <a:ln>
+          <a:noFill/>
+        </a:ln>
+        <a:effectLst/>
+      </c:spPr>
+      <c:txPr>
+        <a:bodyPr rot="0" spcFirstLastPara="1" vertOverflow="ellipsis" vert="horz" wrap="square" anchor="ctr" anchorCtr="1"/>
+        <a:lstStyle/>
+        <a:p>
+          <a:pPr>
+            <a:defRPr sz="2200" b="1" i="0" u="none" strike="noStrike" kern="1200" baseline="0">
+              <a:solidFill>
+                <a:schemeClr val="dk1">
+                  <a:lumMod val="75000"/>
+                  <a:lumOff val="25000"/>
+                </a:schemeClr>
+              </a:solidFill>
+              <a:latin typeface="+mn-lt"/>
+              <a:ea typeface="+mn-ea"/>
+              <a:cs typeface="+mn-cs"/>
+            </a:defRPr>
+          </a:pPr>
+          <a:endParaRPr lang="en-US"/>
+        </a:p>
+      </c:txPr>
+    </c:title>
+    <c:autoTitleDeleted val="0"/>
+    <c:plotArea>
+      <c:layout/>
+      <c:pieChart>
+        <c:varyColors val="1"/>
+        <c:ser>
+          <c:idx val="0"/>
+          <c:order val="0"/>
+          <c:dPt>
+            <c:idx val="0"/>
+            <c:bubble3D val="0"/>
+            <c:spPr>
+              <a:solidFill>
+                <a:schemeClr val="accent1"/>
+              </a:solidFill>
+              <a:ln>
+                <a:noFill/>
+              </a:ln>
+              <a:effectLst>
+                <a:outerShdw blurRad="254000" sx="102000" sy="102000" algn="ctr" rotWithShape="0">
+                  <a:prstClr val="black">
+                    <a:alpha val="20000"/>
+                  </a:prstClr>
+                </a:outerShdw>
+              </a:effectLst>
+            </c:spPr>
+            <c:extLst>
+              <c:ext xmlns:c16="http://schemas.microsoft.com/office/drawing/2014/chart" uri="{C3380CC4-5D6E-409C-BE32-E72D297353CC}">
+                <c16:uniqueId val="{00000001-4DE7-4A81-A77F-4D8255210103}"/>
+              </c:ext>
+            </c:extLst>
+          </c:dPt>
+          <c:dPt>
+            <c:idx val="1"/>
+            <c:bubble3D val="0"/>
+            <c:spPr>
+              <a:solidFill>
+                <a:schemeClr val="accent2"/>
+              </a:solidFill>
+              <a:ln>
+                <a:noFill/>
+              </a:ln>
+              <a:effectLst>
+                <a:outerShdw blurRad="254000" sx="102000" sy="102000" algn="ctr" rotWithShape="0">
+                  <a:prstClr val="black">
+                    <a:alpha val="20000"/>
+                  </a:prstClr>
+                </a:outerShdw>
+              </a:effectLst>
+            </c:spPr>
+            <c:extLst>
+              <c:ext xmlns:c16="http://schemas.microsoft.com/office/drawing/2014/chart" uri="{C3380CC4-5D6E-409C-BE32-E72D297353CC}">
+                <c16:uniqueId val="{00000003-4DE7-4A81-A77F-4D8255210103}"/>
+              </c:ext>
+            </c:extLst>
+          </c:dPt>
+          <c:dLbls>
+            <c:spPr>
+              <a:pattFill prst="pct75">
+                <a:fgClr>
+                  <a:schemeClr val="dk1">
+                    <a:lumMod val="75000"/>
+                    <a:lumOff val="25000"/>
+                  </a:schemeClr>
+                </a:fgClr>
+                <a:bgClr>
+                  <a:schemeClr val="dk1">
+                    <a:lumMod val="65000"/>
+                    <a:lumOff val="35000"/>
+                  </a:schemeClr>
+                </a:bgClr>
+              </a:pattFill>
+              <a:ln>
+                <a:noFill/>
+              </a:ln>
+              <a:effectLst>
+                <a:outerShdw blurRad="50800" dist="38100" dir="2700000" algn="tl" rotWithShape="0">
+                  <a:prstClr val="black">
+                    <a:alpha val="40000"/>
+                  </a:prstClr>
+                </a:outerShdw>
+              </a:effectLst>
+            </c:spPr>
+            <c:txPr>
+              <a:bodyPr rot="0" spcFirstLastPara="1" vertOverflow="ellipsis" vert="horz" wrap="square" lIns="38100" tIns="19050" rIns="38100" bIns="19050" anchor="ctr" anchorCtr="1">
+                <a:spAutoFit/>
+              </a:bodyPr>
+              <a:lstStyle/>
+              <a:p>
+                <a:pPr>
+                  <a:defRPr sz="1330" b="1" i="0" u="none" strike="noStrike" kern="1200" baseline="0">
+                    <a:solidFill>
+                      <a:schemeClr val="lt1"/>
+                    </a:solidFill>
+                    <a:latin typeface="+mn-lt"/>
+                    <a:ea typeface="+mn-ea"/>
+                    <a:cs typeface="+mn-cs"/>
+                  </a:defRPr>
+                </a:pPr>
+                <a:endParaRPr lang="en-US"/>
+              </a:p>
+            </c:txPr>
+            <c:dLblPos val="ctr"/>
+            <c:showLegendKey val="0"/>
+            <c:showVal val="1"/>
+            <c:showCatName val="0"/>
+            <c:showSerName val="0"/>
+            <c:showPercent val="1"/>
+            <c:showBubbleSize val="0"/>
+            <c:showLeaderLines val="1"/>
+            <c:leaderLines>
+              <c:spPr>
+                <a:ln w="9525">
+                  <a:solidFill>
+                    <a:schemeClr val="dk1">
+                      <a:lumMod val="50000"/>
+                      <a:lumOff val="50000"/>
+                    </a:schemeClr>
+                  </a:solidFill>
+                </a:ln>
+                <a:effectLst/>
+              </c:spPr>
+            </c:leaderLines>
+            <c:extLst>
+              <c:ext xmlns:c15="http://schemas.microsoft.com/office/drawing/2012/chart" uri="{CE6537A1-D6FC-4f65-9D91-7224C49458BB}"/>
+            </c:extLst>
+          </c:dLbls>
+          <c:cat>
+            <c:strRef>
+              <c:f>BinaryClass!$A$1:$B$1</c:f>
+              <c:strCache>
+                <c:ptCount val="2"/>
+                <c:pt idx="0">
+                  <c:v>Normal</c:v>
+                </c:pt>
+                <c:pt idx="1">
+                  <c:v>Attack</c:v>
+                </c:pt>
+              </c:strCache>
+            </c:strRef>
+          </c:cat>
+          <c:val>
+            <c:numRef>
+              <c:f>BinaryClass!$A$2:$B$2</c:f>
+              <c:numCache>
+                <c:formatCode>General</c:formatCode>
+                <c:ptCount val="2"/>
+                <c:pt idx="0">
+                  <c:v>53.5</c:v>
+                </c:pt>
+                <c:pt idx="1">
+                  <c:v>46.5</c:v>
+                </c:pt>
+              </c:numCache>
+            </c:numRef>
+          </c:val>
+          <c:extLst>
+            <c:ext xmlns:c16="http://schemas.microsoft.com/office/drawing/2014/chart" uri="{C3380CC4-5D6E-409C-BE32-E72D297353CC}">
+              <c16:uniqueId val="{00000004-4DE7-4A81-A77F-4D8255210103}"/>
+            </c:ext>
+          </c:extLst>
+        </c:ser>
+        <c:dLbls>
+          <c:dLblPos val="ctr"/>
+          <c:showLegendKey val="0"/>
+          <c:showVal val="1"/>
+          <c:showCatName val="0"/>
+          <c:showSerName val="0"/>
+          <c:showPercent val="0"/>
+          <c:showBubbleSize val="0"/>
+          <c:showLeaderLines val="1"/>
+        </c:dLbls>
+        <c:firstSliceAng val="0"/>
+      </c:pieChart>
+      <c:spPr>
+        <a:noFill/>
+        <a:ln>
+          <a:noFill/>
+        </a:ln>
+        <a:effectLst/>
+      </c:spPr>
+    </c:plotArea>
+    <c:legend>
+      <c:legendPos val="r"/>
+      <c:overlay val="0"/>
+      <c:spPr>
+        <a:solidFill>
+          <a:schemeClr val="lt1">
+            <a:lumMod val="95000"/>
+            <a:alpha val="39000"/>
+          </a:schemeClr>
+        </a:solidFill>
+        <a:ln>
+          <a:noFill/>
+        </a:ln>
+        <a:effectLst/>
+      </c:spPr>
+      <c:txPr>
+        <a:bodyPr rot="0" spcFirstLastPara="1" vertOverflow="ellipsis" vert="horz" wrap="square" anchor="ctr" anchorCtr="1"/>
+        <a:lstStyle/>
+        <a:p>
+          <a:pPr>
+            <a:defRPr sz="1197" b="0" i="0" u="none" strike="noStrike" kern="1200" baseline="0">
+              <a:solidFill>
+                <a:schemeClr val="dk1">
+                  <a:lumMod val="75000"/>
+                  <a:lumOff val="25000"/>
+                </a:schemeClr>
+              </a:solidFill>
+              <a:latin typeface="+mn-lt"/>
+              <a:ea typeface="+mn-ea"/>
+              <a:cs typeface="+mn-cs"/>
+            </a:defRPr>
+          </a:pPr>
+          <a:endParaRPr lang="en-US"/>
+        </a:p>
+      </c:txPr>
+    </c:legend>
+    <c:plotVisOnly val="1"/>
+    <c:dispBlanksAs val="gap"/>
+    <c:showDLblsOverMax val="0"/>
+  </c:chart>
+  <c:spPr>
+    <a:gradFill flip="none" rotWithShape="1">
+      <a:gsLst>
+        <a:gs pos="0">
+          <a:schemeClr val="lt1"/>
+        </a:gs>
+        <a:gs pos="39000">
+          <a:schemeClr val="lt1"/>
+        </a:gs>
+        <a:gs pos="100000">
+          <a:schemeClr val="lt1">
+            <a:lumMod val="75000"/>
+          </a:schemeClr>
+        </a:gs>
+      </a:gsLst>
+      <a:path path="circle">
+        <a:fillToRect l="50000" t="-80000" r="50000" b="180000"/>
+      </a:path>
+      <a:tileRect/>
+    </a:gradFill>
+    <a:ln w="9525" cap="flat" cmpd="sng" algn="ctr">
+      <a:solidFill>
+        <a:schemeClr val="dk1">
+          <a:lumMod val="25000"/>
+          <a:lumOff val="75000"/>
+        </a:schemeClr>
+      </a:solidFill>
+      <a:round/>
+    </a:ln>
+    <a:effectLst/>
+  </c:spPr>
+  <c:txPr>
+    <a:bodyPr/>
+    <a:lstStyle/>
+    <a:p>
+      <a:pPr>
+        <a:defRPr/>
+      </a:pPr>
+      <a:endParaRPr lang="en-US"/>
+    </a:p>
+  </c:txPr>
+  <c:externalData r:id="rId3">
+    <c:autoUpdate val="0"/>
+  </c:externalData>
+</c:chartSpace>
+</file>
+
+<file path=ppt/charts/chart2.xml><?xml version="1.0" encoding="utf-8"?>
+<c:chartSpace xmlns:c="http://schemas.openxmlformats.org/drawingml/2006/chart" xmlns:a="http://schemas.openxmlformats.org/drawingml/2006/main" xmlns:r="http://schemas.openxmlformats.org/officeDocument/2006/relationships" xmlns:c16r2="http://schemas.microsoft.com/office/drawing/2015/06/chart">
+  <c:date1904 val="0"/>
+  <c:lang val="en-US"/>
+  <c:roundedCorners val="0"/>
+  <mc:AlternateContent xmlns:mc="http://schemas.openxmlformats.org/markup-compatibility/2006">
+    <mc:Choice xmlns:c14="http://schemas.microsoft.com/office/drawing/2007/8/2/chart" Requires="c14">
+      <c14:style val="102"/>
+    </mc:Choice>
+    <mc:Fallback>
+      <c:style val="2"/>
+    </mc:Fallback>
+  </mc:AlternateContent>
+  <c:chart>
+    <c:title>
+      <c:tx>
+        <c:rich>
+          <a:bodyPr rot="0" spcFirstLastPara="1" vertOverflow="ellipsis" vert="horz" wrap="square" anchor="ctr" anchorCtr="1"/>
+          <a:lstStyle/>
+          <a:p>
+            <a:pPr>
+              <a:defRPr sz="2200" b="1" i="0" u="none" strike="noStrike" kern="1200" baseline="0">
+                <a:solidFill>
+                  <a:schemeClr val="dk1">
+                    <a:lumMod val="75000"/>
+                    <a:lumOff val="25000"/>
+                  </a:schemeClr>
+                </a:solidFill>
+                <a:latin typeface="+mn-lt"/>
+                <a:ea typeface="+mn-ea"/>
+                <a:cs typeface="+mn-cs"/>
+              </a:defRPr>
+            </a:pPr>
+            <a:r>
+              <a:rPr lang="en-US"/>
+              <a:t>Subclasses of Network Attacks</a:t>
+            </a:r>
+          </a:p>
+        </c:rich>
+      </c:tx>
+      <c:overlay val="0"/>
+      <c:spPr>
+        <a:noFill/>
+        <a:ln>
+          <a:noFill/>
+        </a:ln>
+        <a:effectLst/>
+      </c:spPr>
+      <c:txPr>
+        <a:bodyPr rot="0" spcFirstLastPara="1" vertOverflow="ellipsis" vert="horz" wrap="square" anchor="ctr" anchorCtr="1"/>
+        <a:lstStyle/>
+        <a:p>
+          <a:pPr>
+            <a:defRPr sz="2200" b="1" i="0" u="none" strike="noStrike" kern="1200" baseline="0">
+              <a:solidFill>
+                <a:schemeClr val="dk1">
+                  <a:lumMod val="75000"/>
+                  <a:lumOff val="25000"/>
+                </a:schemeClr>
+              </a:solidFill>
+              <a:latin typeface="+mn-lt"/>
+              <a:ea typeface="+mn-ea"/>
+              <a:cs typeface="+mn-cs"/>
+            </a:defRPr>
+          </a:pPr>
+          <a:endParaRPr lang="en-US"/>
+        </a:p>
+      </c:txPr>
+    </c:title>
+    <c:autoTitleDeleted val="0"/>
+    <c:plotArea>
+      <c:layout/>
+      <c:pieChart>
+        <c:varyColors val="1"/>
+        <c:ser>
+          <c:idx val="0"/>
+          <c:order val="0"/>
+          <c:dPt>
+            <c:idx val="0"/>
+            <c:bubble3D val="0"/>
+            <c:spPr>
+              <a:solidFill>
+                <a:schemeClr val="accent1"/>
+              </a:solidFill>
+              <a:ln>
+                <a:noFill/>
+              </a:ln>
+              <a:effectLst>
+                <a:outerShdw blurRad="254000" sx="102000" sy="102000" algn="ctr" rotWithShape="0">
+                  <a:prstClr val="black">
+                    <a:alpha val="20000"/>
+                  </a:prstClr>
+                </a:outerShdw>
+              </a:effectLst>
+            </c:spPr>
+            <c:extLst>
+              <c:ext xmlns:c16="http://schemas.microsoft.com/office/drawing/2014/chart" uri="{C3380CC4-5D6E-409C-BE32-E72D297353CC}">
+                <c16:uniqueId val="{00000001-1526-436A-B1DF-31E314E0BFC3}"/>
+              </c:ext>
+            </c:extLst>
+          </c:dPt>
+          <c:dPt>
+            <c:idx val="1"/>
+            <c:bubble3D val="0"/>
+            <c:spPr>
+              <a:solidFill>
+                <a:schemeClr val="accent2"/>
+              </a:solidFill>
+              <a:ln>
+                <a:noFill/>
+              </a:ln>
+              <a:effectLst>
+                <a:outerShdw blurRad="254000" sx="102000" sy="102000" algn="ctr" rotWithShape="0">
+                  <a:prstClr val="black">
+                    <a:alpha val="20000"/>
+                  </a:prstClr>
+                </a:outerShdw>
+              </a:effectLst>
+            </c:spPr>
+            <c:extLst>
+              <c:ext xmlns:c16="http://schemas.microsoft.com/office/drawing/2014/chart" uri="{C3380CC4-5D6E-409C-BE32-E72D297353CC}">
+                <c16:uniqueId val="{00000003-1526-436A-B1DF-31E314E0BFC3}"/>
+              </c:ext>
+            </c:extLst>
+          </c:dPt>
+          <c:dPt>
+            <c:idx val="2"/>
+            <c:bubble3D val="0"/>
+            <c:spPr>
+              <a:solidFill>
+                <a:schemeClr val="accent3"/>
+              </a:solidFill>
+              <a:ln>
+                <a:noFill/>
+              </a:ln>
+              <a:effectLst>
+                <a:outerShdw blurRad="254000" sx="102000" sy="102000" algn="ctr" rotWithShape="0">
+                  <a:prstClr val="black">
+                    <a:alpha val="20000"/>
+                  </a:prstClr>
+                </a:outerShdw>
+              </a:effectLst>
+            </c:spPr>
+            <c:extLst>
+              <c:ext xmlns:c16="http://schemas.microsoft.com/office/drawing/2014/chart" uri="{C3380CC4-5D6E-409C-BE32-E72D297353CC}">
+                <c16:uniqueId val="{00000005-1526-436A-B1DF-31E314E0BFC3}"/>
+              </c:ext>
+            </c:extLst>
+          </c:dPt>
+          <c:dPt>
+            <c:idx val="3"/>
+            <c:bubble3D val="0"/>
+            <c:spPr>
+              <a:solidFill>
+                <a:schemeClr val="accent4"/>
+              </a:solidFill>
+              <a:ln>
+                <a:noFill/>
+              </a:ln>
+              <a:effectLst>
+                <a:outerShdw blurRad="254000" sx="102000" sy="102000" algn="ctr" rotWithShape="0">
+                  <a:prstClr val="black">
+                    <a:alpha val="20000"/>
+                  </a:prstClr>
+                </a:outerShdw>
+              </a:effectLst>
+            </c:spPr>
+            <c:extLst>
+              <c:ext xmlns:c16="http://schemas.microsoft.com/office/drawing/2014/chart" uri="{C3380CC4-5D6E-409C-BE32-E72D297353CC}">
+                <c16:uniqueId val="{00000007-1526-436A-B1DF-31E314E0BFC3}"/>
+              </c:ext>
+            </c:extLst>
+          </c:dPt>
+          <c:dLbls>
+            <c:dLbl>
+              <c:idx val="1"/>
+              <c:layout>
+                <c:manualLayout>
+                  <c:x val="0.1502605707629828"/>
+                  <c:y val="0.18342242231678371"/>
+                </c:manualLayout>
+              </c:layout>
+              <c:dLblPos val="bestFit"/>
+              <c:showLegendKey val="0"/>
+              <c:showVal val="1"/>
+              <c:showCatName val="0"/>
+              <c:showSerName val="0"/>
+              <c:showPercent val="1"/>
+              <c:showBubbleSize val="0"/>
+              <c:extLst>
+                <c:ext xmlns:c15="http://schemas.microsoft.com/office/drawing/2012/chart" uri="{CE6537A1-D6FC-4f65-9D91-7224C49458BB}"/>
+                <c:ext xmlns:c16="http://schemas.microsoft.com/office/drawing/2014/chart" uri="{C3380CC4-5D6E-409C-BE32-E72D297353CC}">
+                  <c16:uniqueId val="{00000003-1526-436A-B1DF-31E314E0BFC3}"/>
+                </c:ext>
+              </c:extLst>
+            </c:dLbl>
+            <c:dLbl>
+              <c:idx val="2"/>
+              <c:layout>
+                <c:manualLayout>
+                  <c:x val="-3.3276346559011037E-2"/>
+                  <c:y val="5.4778210933903934E-2"/>
+                </c:manualLayout>
+              </c:layout>
+              <c:dLblPos val="bestFit"/>
+              <c:showLegendKey val="0"/>
+              <c:showVal val="1"/>
+              <c:showCatName val="0"/>
+              <c:showSerName val="0"/>
+              <c:showPercent val="1"/>
+              <c:showBubbleSize val="0"/>
+              <c:extLst>
+                <c:ext xmlns:c15="http://schemas.microsoft.com/office/drawing/2012/chart" uri="{CE6537A1-D6FC-4f65-9D91-7224C49458BB}"/>
+                <c:ext xmlns:c16="http://schemas.microsoft.com/office/drawing/2014/chart" uri="{C3380CC4-5D6E-409C-BE32-E72D297353CC}">
+                  <c16:uniqueId val="{00000005-1526-436A-B1DF-31E314E0BFC3}"/>
+                </c:ext>
+              </c:extLst>
+            </c:dLbl>
+            <c:dLbl>
+              <c:idx val="3"/>
+              <c:layout>
+                <c:manualLayout>
+                  <c:x val="8.3162431816677027E-2"/>
+                  <c:y val="9.253665824595711E-2"/>
+                </c:manualLayout>
+              </c:layout>
+              <c:dLblPos val="bestFit"/>
+              <c:showLegendKey val="0"/>
+              <c:showVal val="1"/>
+              <c:showCatName val="0"/>
+              <c:showSerName val="0"/>
+              <c:showPercent val="1"/>
+              <c:showBubbleSize val="0"/>
+              <c:extLst>
+                <c:ext xmlns:c15="http://schemas.microsoft.com/office/drawing/2012/chart" uri="{CE6537A1-D6FC-4f65-9D91-7224C49458BB}"/>
+                <c:ext xmlns:c16="http://schemas.microsoft.com/office/drawing/2014/chart" uri="{C3380CC4-5D6E-409C-BE32-E72D297353CC}">
+                  <c16:uniqueId val="{00000007-1526-436A-B1DF-31E314E0BFC3}"/>
+                </c:ext>
+              </c:extLst>
+            </c:dLbl>
+            <c:spPr>
+              <a:pattFill prst="pct75">
+                <a:fgClr>
+                  <a:schemeClr val="dk1">
+                    <a:lumMod val="75000"/>
+                    <a:lumOff val="25000"/>
+                  </a:schemeClr>
+                </a:fgClr>
+                <a:bgClr>
+                  <a:schemeClr val="dk1">
+                    <a:lumMod val="65000"/>
+                    <a:lumOff val="35000"/>
+                  </a:schemeClr>
+                </a:bgClr>
+              </a:pattFill>
+              <a:ln>
+                <a:noFill/>
+              </a:ln>
+              <a:effectLst>
+                <a:outerShdw blurRad="50800" dist="38100" dir="2700000" algn="tl" rotWithShape="0">
+                  <a:prstClr val="black">
+                    <a:alpha val="40000"/>
+                  </a:prstClr>
+                </a:outerShdw>
+              </a:effectLst>
+            </c:spPr>
+            <c:txPr>
+              <a:bodyPr rot="0" spcFirstLastPara="1" vertOverflow="ellipsis" vert="horz" wrap="square" lIns="38100" tIns="19050" rIns="38100" bIns="19050" anchor="ctr" anchorCtr="1">
+                <a:spAutoFit/>
+              </a:bodyPr>
+              <a:lstStyle/>
+              <a:p>
+                <a:pPr>
+                  <a:defRPr sz="1330" b="1" i="0" u="none" strike="noStrike" kern="1200" baseline="0">
+                    <a:solidFill>
+                      <a:schemeClr val="lt1"/>
+                    </a:solidFill>
+                    <a:latin typeface="+mn-lt"/>
+                    <a:ea typeface="+mn-ea"/>
+                    <a:cs typeface="+mn-cs"/>
+                  </a:defRPr>
+                </a:pPr>
+                <a:endParaRPr lang="en-US"/>
+              </a:p>
+            </c:txPr>
+            <c:dLblPos val="ctr"/>
+            <c:showLegendKey val="0"/>
+            <c:showVal val="1"/>
+            <c:showCatName val="0"/>
+            <c:showSerName val="0"/>
+            <c:showPercent val="1"/>
+            <c:showBubbleSize val="0"/>
+            <c:showLeaderLines val="1"/>
+            <c:leaderLines>
+              <c:spPr>
+                <a:ln w="9525">
+                  <a:solidFill>
+                    <a:schemeClr val="dk1">
+                      <a:lumMod val="50000"/>
+                      <a:lumOff val="50000"/>
+                    </a:schemeClr>
+                  </a:solidFill>
+                </a:ln>
+                <a:effectLst/>
+              </c:spPr>
+            </c:leaderLines>
+            <c:extLst>
+              <c:ext xmlns:c15="http://schemas.microsoft.com/office/drawing/2012/chart" uri="{CE6537A1-D6FC-4f65-9D91-7224C49458BB}"/>
+            </c:extLst>
+          </c:dLbls>
+          <c:cat>
+            <c:strRef>
+              <c:extLst>
+                <c:ext xmlns:c15="http://schemas.microsoft.com/office/drawing/2012/chart" uri="{02D57815-91ED-43cb-92C2-25804820EDAC}">
+                  <c15:fullRef>
+                    <c15:sqref>MultiClass!$A$1:$D$16</c15:sqref>
+                  </c15:fullRef>
+                  <c15:levelRef>
+                    <c15:sqref>MultiClass!$A$1:$D$1</c15:sqref>
+                  </c15:levelRef>
+                </c:ext>
+              </c:extLst>
+              <c:f>MultiClass!$A$1:$D$1</c:f>
+              <c:strCache>
+                <c:ptCount val="4"/>
+                <c:pt idx="0">
+                  <c:v>DoS</c:v>
+                </c:pt>
+                <c:pt idx="1">
+                  <c:v>Probe</c:v>
+                </c:pt>
+                <c:pt idx="2">
+                  <c:v>Privilege</c:v>
+                </c:pt>
+                <c:pt idx="3">
+                  <c:v>Access</c:v>
+                </c:pt>
+              </c:strCache>
+            </c:strRef>
+          </c:cat>
+          <c:val>
+            <c:numRef>
+              <c:f>MultiClass!$A$17:$D$17</c:f>
+              <c:numCache>
+                <c:formatCode>General</c:formatCode>
+                <c:ptCount val="4"/>
+                <c:pt idx="0">
+                  <c:v>45927</c:v>
+                </c:pt>
+                <c:pt idx="1">
+                  <c:v>11656</c:v>
+                </c:pt>
+                <c:pt idx="2">
+                  <c:v>52</c:v>
+                </c:pt>
+                <c:pt idx="3">
+                  <c:v>995</c:v>
+                </c:pt>
+              </c:numCache>
+            </c:numRef>
+          </c:val>
+          <c:extLst>
+            <c:ext xmlns:c16="http://schemas.microsoft.com/office/drawing/2014/chart" uri="{C3380CC4-5D6E-409C-BE32-E72D297353CC}">
+              <c16:uniqueId val="{00000008-1526-436A-B1DF-31E314E0BFC3}"/>
+            </c:ext>
+          </c:extLst>
+        </c:ser>
+        <c:dLbls>
+          <c:dLblPos val="ctr"/>
+          <c:showLegendKey val="0"/>
+          <c:showVal val="1"/>
+          <c:showCatName val="0"/>
+          <c:showSerName val="0"/>
+          <c:showPercent val="0"/>
+          <c:showBubbleSize val="0"/>
+          <c:showLeaderLines val="1"/>
+        </c:dLbls>
+        <c:firstSliceAng val="0"/>
+      </c:pieChart>
+      <c:spPr>
+        <a:noFill/>
+        <a:ln>
+          <a:noFill/>
+        </a:ln>
+        <a:effectLst/>
+      </c:spPr>
+    </c:plotArea>
+    <c:legend>
+      <c:legendPos val="r"/>
+      <c:overlay val="0"/>
+      <c:spPr>
+        <a:solidFill>
+          <a:schemeClr val="lt1">
+            <a:lumMod val="95000"/>
+            <a:alpha val="39000"/>
+          </a:schemeClr>
+        </a:solidFill>
+        <a:ln>
+          <a:noFill/>
+        </a:ln>
+        <a:effectLst/>
+      </c:spPr>
+      <c:txPr>
+        <a:bodyPr rot="0" spcFirstLastPara="1" vertOverflow="ellipsis" vert="horz" wrap="square" anchor="ctr" anchorCtr="1"/>
+        <a:lstStyle/>
+        <a:p>
+          <a:pPr>
+            <a:defRPr sz="1197" b="0" i="0" u="none" strike="noStrike" kern="1200" baseline="0">
+              <a:solidFill>
+                <a:schemeClr val="dk1">
+                  <a:lumMod val="75000"/>
+                  <a:lumOff val="25000"/>
+                </a:schemeClr>
+              </a:solidFill>
+              <a:latin typeface="+mn-lt"/>
+              <a:ea typeface="+mn-ea"/>
+              <a:cs typeface="+mn-cs"/>
+            </a:defRPr>
+          </a:pPr>
+          <a:endParaRPr lang="en-US"/>
+        </a:p>
+      </c:txPr>
+    </c:legend>
+    <c:plotVisOnly val="1"/>
+    <c:dispBlanksAs val="gap"/>
+    <c:showDLblsOverMax val="0"/>
+  </c:chart>
+  <c:spPr>
+    <a:gradFill flip="none" rotWithShape="1">
+      <a:gsLst>
+        <a:gs pos="0">
+          <a:schemeClr val="lt1"/>
+        </a:gs>
+        <a:gs pos="39000">
+          <a:schemeClr val="lt1"/>
+        </a:gs>
+        <a:gs pos="100000">
+          <a:schemeClr val="lt1">
+            <a:lumMod val="75000"/>
+          </a:schemeClr>
+        </a:gs>
+      </a:gsLst>
+      <a:path path="circle">
+        <a:fillToRect l="50000" t="-80000" r="50000" b="180000"/>
+      </a:path>
+      <a:tileRect/>
+    </a:gradFill>
+    <a:ln w="9525" cap="flat" cmpd="sng" algn="ctr">
+      <a:solidFill>
+        <a:schemeClr val="dk1">
+          <a:lumMod val="25000"/>
+          <a:lumOff val="75000"/>
+        </a:schemeClr>
+      </a:solidFill>
+      <a:round/>
+    </a:ln>
+    <a:effectLst/>
+  </c:spPr>
+  <c:txPr>
+    <a:bodyPr/>
+    <a:lstStyle/>
+    <a:p>
+      <a:pPr>
+        <a:defRPr/>
+      </a:pPr>
+      <a:endParaRPr lang="en-US"/>
+    </a:p>
+  </c:txPr>
+  <c:externalData r:id="rId3">
+    <c:autoUpdate val="0"/>
+  </c:externalData>
+</c:chartSpace>
+</file>
+
+<file path=ppt/charts/colors1.xml><?xml version="1.0" encoding="utf-8"?>
+<cs:colorStyle xmlns:cs="http://schemas.microsoft.com/office/drawing/2012/chartStyle" xmlns:a="http://schemas.openxmlformats.org/drawingml/2006/main" meth="cycle" id="10">
+  <a:schemeClr val="accent1"/>
+  <a:schemeClr val="accent2"/>
+  <a:schemeClr val="accent3"/>
+  <a:schemeClr val="accent4"/>
+  <a:schemeClr val="accent5"/>
+  <a:schemeClr val="accent6"/>
+  <cs:variation/>
+  <cs:variation>
+    <a:lumMod val="60000"/>
+  </cs:variation>
+  <cs:variation>
+    <a:lumMod val="80000"/>
+    <a:lumOff val="20000"/>
+  </cs:variation>
+  <cs:variation>
+    <a:lumMod val="80000"/>
+  </cs:variation>
+  <cs:variation>
+    <a:lumMod val="60000"/>
+    <a:lumOff val="40000"/>
+  </cs:variation>
+  <cs:variation>
+    <a:lumMod val="50000"/>
+  </cs:variation>
+  <cs:variation>
+    <a:lumMod val="70000"/>
+    <a:lumOff val="30000"/>
+  </cs:variation>
+  <cs:variation>
+    <a:lumMod val="70000"/>
+  </cs:variation>
+  <cs:variation>
+    <a:lumMod val="50000"/>
+    <a:lumOff val="50000"/>
+  </cs:variation>
+</cs:colorStyle>
+</file>
+
+<file path=ppt/charts/colors2.xml><?xml version="1.0" encoding="utf-8"?>
+<cs:colorStyle xmlns:cs="http://schemas.microsoft.com/office/drawing/2012/chartStyle" xmlns:a="http://schemas.openxmlformats.org/drawingml/2006/main" meth="cycle" id="10">
+  <a:schemeClr val="accent1"/>
+  <a:schemeClr val="accent2"/>
+  <a:schemeClr val="accent3"/>
+  <a:schemeClr val="accent4"/>
+  <a:schemeClr val="accent5"/>
+  <a:schemeClr val="accent6"/>
+  <cs:variation/>
+  <cs:variation>
+    <a:lumMod val="60000"/>
+  </cs:variation>
+  <cs:variation>
+    <a:lumMod val="80000"/>
+    <a:lumOff val="20000"/>
+  </cs:variation>
+  <cs:variation>
+    <a:lumMod val="80000"/>
+  </cs:variation>
+  <cs:variation>
+    <a:lumMod val="60000"/>
+    <a:lumOff val="40000"/>
+  </cs:variation>
+  <cs:variation>
+    <a:lumMod val="50000"/>
+  </cs:variation>
+  <cs:variation>
+    <a:lumMod val="70000"/>
+    <a:lumOff val="30000"/>
+  </cs:variation>
+  <cs:variation>
+    <a:lumMod val="70000"/>
+  </cs:variation>
+  <cs:variation>
+    <a:lumMod val="50000"/>
+    <a:lumOff val="50000"/>
+  </cs:variation>
+</cs:colorStyle>
+</file>
+
+<file path=ppt/charts/style1.xml><?xml version="1.0" encoding="utf-8"?>
+<cs:chartStyle xmlns:cs="http://schemas.microsoft.com/office/drawing/2012/chartStyle" xmlns:a="http://schemas.openxmlformats.org/drawingml/2006/main" id="253">
+  <cs:axisTitle>
+    <cs:lnRef idx="0"/>
+    <cs:fillRef idx="0"/>
+    <cs:effectRef idx="0"/>
+    <cs:fontRef idx="minor">
+      <a:schemeClr val="dk1">
+        <a:lumMod val="75000"/>
+        <a:lumOff val="25000"/>
+      </a:schemeClr>
+    </cs:fontRef>
+    <cs:defRPr sz="1197" b="1" kern="1200"/>
+  </cs:axisTitle>
+  <cs:categoryAxis>
+    <cs:lnRef idx="0"/>
+    <cs:fillRef idx="0"/>
+    <cs:effectRef idx="0"/>
+    <cs:fontRef idx="minor">
+      <a:schemeClr val="dk1">
+        <a:lumMod val="75000"/>
+        <a:lumOff val="25000"/>
+      </a:schemeClr>
+    </cs:fontRef>
+    <cs:spPr>
+      <a:ln w="19050" cap="flat" cmpd="sng" algn="ctr">
+        <a:solidFill>
+          <a:schemeClr val="dk1">
+            <a:lumMod val="75000"/>
+            <a:lumOff val="25000"/>
+          </a:schemeClr>
+        </a:solidFill>
+        <a:round/>
+      </a:ln>
+    </cs:spPr>
+    <cs:defRPr sz="1197" kern="1200" cap="all" baseline="0"/>
+  </cs:categoryAxis>
+  <cs:chartArea>
+    <cs:lnRef idx="0"/>
+    <cs:fillRef idx="0"/>
+    <cs:effectRef idx="0"/>
+    <cs:fontRef idx="minor">
+      <a:schemeClr val="dk1"/>
+    </cs:fontRef>
+    <cs:spPr>
+      <a:gradFill flip="none" rotWithShape="1">
+        <a:gsLst>
+          <a:gs pos="0">
+            <a:schemeClr val="lt1"/>
+          </a:gs>
+          <a:gs pos="39000">
+            <a:schemeClr val="lt1"/>
+          </a:gs>
+          <a:gs pos="100000">
+            <a:schemeClr val="lt1">
+              <a:lumMod val="75000"/>
+            </a:schemeClr>
+          </a:gs>
+        </a:gsLst>
+        <a:path path="circle">
+          <a:fillToRect l="50000" t="-80000" r="50000" b="180000"/>
+        </a:path>
+        <a:tileRect/>
+      </a:gradFill>
+      <a:ln w="9525" cap="flat" cmpd="sng" algn="ctr">
+        <a:solidFill>
+          <a:schemeClr val="dk1">
+            <a:lumMod val="25000"/>
+            <a:lumOff val="75000"/>
+          </a:schemeClr>
+        </a:solidFill>
+        <a:round/>
+      </a:ln>
+    </cs:spPr>
+    <cs:defRPr sz="1197" kern="1200"/>
+  </cs:chartArea>
+  <cs:dataLabel>
+    <cs:lnRef idx="0"/>
+    <cs:fillRef idx="0"/>
+    <cs:effectRef idx="0"/>
+    <cs:fontRef idx="minor">
+      <a:schemeClr val="lt1"/>
+    </cs:fontRef>
+    <cs:spPr>
+      <a:pattFill prst="pct75">
+        <a:fgClr>
+          <a:schemeClr val="dk1">
+            <a:lumMod val="75000"/>
+            <a:lumOff val="25000"/>
+          </a:schemeClr>
+        </a:fgClr>
+        <a:bgClr>
+          <a:schemeClr val="dk1">
+            <a:lumMod val="65000"/>
+            <a:lumOff val="35000"/>
+          </a:schemeClr>
+        </a:bgClr>
+      </a:pattFill>
+      <a:effectLst>
+        <a:outerShdw blurRad="50800" dist="38100" dir="2700000" algn="tl" rotWithShape="0">
+          <a:prstClr val="black">
+            <a:alpha val="40000"/>
+          </a:prstClr>
+        </a:outerShdw>
+      </a:effectLst>
+    </cs:spPr>
+    <cs:defRPr sz="1330" b="1" i="0" u="none" strike="noStrike" kern="1200" baseline="0"/>
+  </cs:dataLabel>
+  <cs:dataLabelCallout>
+    <cs:lnRef idx="0"/>
+    <cs:fillRef idx="0"/>
+    <cs:effectRef idx="0"/>
+    <cs:fontRef idx="minor">
+      <a:schemeClr val="lt1"/>
+    </cs:fontRef>
+    <cs:spPr>
+      <a:pattFill prst="pct75">
+        <a:fgClr>
+          <a:schemeClr val="dk1">
+            <a:lumMod val="75000"/>
+            <a:lumOff val="25000"/>
+          </a:schemeClr>
+        </a:fgClr>
+        <a:bgClr>
+          <a:schemeClr val="dk1">
+            <a:lumMod val="65000"/>
+            <a:lumOff val="35000"/>
+          </a:schemeClr>
+        </a:bgClr>
+      </a:pattFill>
+      <a:effectLst>
+        <a:outerShdw blurRad="50800" dist="38100" dir="2700000" algn="tl" rotWithShape="0">
+          <a:prstClr val="black">
+            <a:alpha val="40000"/>
+          </a:prstClr>
+        </a:outerShdw>
+      </a:effectLst>
+    </cs:spPr>
+    <cs:defRPr sz="1330" b="1" i="0" u="none" strike="noStrike" kern="1200" baseline="0"/>
+    <cs:bodyPr rot="0" spcFirstLastPara="1" vertOverflow="clip" horzOverflow="clip" vert="horz" wrap="square" lIns="36576" tIns="18288" rIns="36576" bIns="18288" anchor="ctr" anchorCtr="1">
+      <a:spAutoFit/>
+    </cs:bodyPr>
+  </cs:dataLabelCallout>
+  <cs:dataPoint>
+    <cs:lnRef idx="0"/>
+    <cs:fillRef idx="0">
+      <cs:styleClr val="auto"/>
+    </cs:fillRef>
+    <cs:effectRef idx="0"/>
+    <cs:fontRef idx="minor">
+      <a:schemeClr val="dk1"/>
+    </cs:fontRef>
+    <cs:spPr>
+      <a:solidFill>
+        <a:schemeClr val="phClr"/>
+      </a:solidFill>
+      <a:effectLst>
+        <a:outerShdw blurRad="254000" sx="102000" sy="102000" algn="ctr" rotWithShape="0">
+          <a:prstClr val="black">
+            <a:alpha val="20000"/>
+          </a:prstClr>
+        </a:outerShdw>
+      </a:effectLst>
+    </cs:spPr>
+  </cs:dataPoint>
+  <cs:dataPoint3D>
+    <cs:lnRef idx="0"/>
+    <cs:fillRef idx="0">
+      <cs:styleClr val="auto"/>
+    </cs:fillRef>
+    <cs:effectRef idx="0"/>
+    <cs:fontRef idx="minor">
+      <a:schemeClr val="dk1"/>
+    </cs:fontRef>
+    <cs:spPr>
+      <a:solidFill>
+        <a:schemeClr val="phClr"/>
+      </a:solidFill>
+      <a:effectLst>
+        <a:outerShdw blurRad="254000" sx="102000" sy="102000" algn="ctr" rotWithShape="0">
+          <a:prstClr val="black">
+            <a:alpha val="20000"/>
+          </a:prstClr>
+        </a:outerShdw>
+      </a:effectLst>
+    </cs:spPr>
+  </cs:dataPoint3D>
+  <cs:dataPointLine>
+    <cs:lnRef idx="0">
+      <cs:styleClr val="auto"/>
+    </cs:lnRef>
+    <cs:fillRef idx="0"/>
+    <cs:effectRef idx="0"/>
+    <cs:fontRef idx="minor">
+      <a:schemeClr val="dk1"/>
+    </cs:fontRef>
+    <cs:spPr>
+      <a:ln w="31750" cap="rnd">
+        <a:solidFill>
+          <a:schemeClr val="phClr">
+            <a:alpha val="85000"/>
+          </a:schemeClr>
+        </a:solidFill>
+        <a:round/>
+      </a:ln>
+    </cs:spPr>
+  </cs:dataPointLine>
+  <cs:dataPointMarker>
+    <cs:lnRef idx="0"/>
+    <cs:fillRef idx="0">
+      <cs:styleClr val="auto"/>
+    </cs:fillRef>
+    <cs:effectRef idx="0"/>
+    <cs:fontRef idx="minor">
+      <a:schemeClr val="dk1"/>
+    </cs:fontRef>
+    <cs:spPr>
+      <a:solidFill>
+        <a:schemeClr val="phClr">
+          <a:alpha val="85000"/>
+        </a:schemeClr>
+      </a:solidFill>
+    </cs:spPr>
+  </cs:dataPointMarker>
+  <cs:dataPointMarkerLayout symbol="circle" size="6"/>
+  <cs:dataPointWireframe>
+    <cs:lnRef idx="0">
+      <cs:styleClr val="auto"/>
+    </cs:lnRef>
+    <cs:fillRef idx="0"/>
+    <cs:effectRef idx="0"/>
+    <cs:fontRef idx="minor">
+      <a:schemeClr val="dk1"/>
+    </cs:fontRef>
+    <cs:spPr>
+      <a:ln w="9525" cap="rnd">
+        <a:solidFill>
+          <a:schemeClr val="phClr"/>
+        </a:solidFill>
+        <a:round/>
+      </a:ln>
+    </cs:spPr>
+  </cs:dataPointWireframe>
+  <cs:dataTable>
+    <cs:lnRef idx="0"/>
+    <cs:fillRef idx="0"/>
+    <cs:effectRef idx="0"/>
+    <cs:fontRef idx="minor">
+      <a:schemeClr val="dk1">
+        <a:lumMod val="75000"/>
+        <a:lumOff val="25000"/>
+      </a:schemeClr>
+    </cs:fontRef>
+    <cs:spPr>
+      <a:ln w="9525">
+        <a:solidFill>
+          <a:schemeClr val="dk1">
+            <a:lumMod val="35000"/>
+            <a:lumOff val="65000"/>
+          </a:schemeClr>
+        </a:solidFill>
+      </a:ln>
+    </cs:spPr>
+    <cs:defRPr sz="1197" kern="1200"/>
+  </cs:dataTable>
+  <cs:downBar>
+    <cs:lnRef idx="0"/>
+    <cs:fillRef idx="0"/>
+    <cs:effectRef idx="0"/>
+    <cs:fontRef idx="minor">
+      <a:schemeClr val="dk1"/>
+    </cs:fontRef>
+    <cs:spPr>
+      <a:solidFill>
+        <a:schemeClr val="dk1">
+          <a:lumMod val="50000"/>
+          <a:lumOff val="50000"/>
+        </a:schemeClr>
+      </a:solidFill>
+      <a:ln w="9525">
+        <a:solidFill>
+          <a:schemeClr val="dk1">
+            <a:lumMod val="65000"/>
+            <a:lumOff val="35000"/>
+          </a:schemeClr>
+        </a:solidFill>
+      </a:ln>
+    </cs:spPr>
+  </cs:downBar>
+  <cs:dropLine>
+    <cs:lnRef idx="0"/>
+    <cs:fillRef idx="0"/>
+    <cs:effectRef idx="0"/>
+    <cs:fontRef idx="minor">
+      <a:schemeClr val="dk1"/>
+    </cs:fontRef>
+    <cs:spPr>
+      <a:ln w="9525">
+        <a:solidFill>
+          <a:schemeClr val="dk1">
+            <a:lumMod val="35000"/>
+            <a:lumOff val="65000"/>
+          </a:schemeClr>
+        </a:solidFill>
+        <a:prstDash val="dash"/>
+      </a:ln>
+    </cs:spPr>
+  </cs:dropLine>
+  <cs:errorBar>
+    <cs:lnRef idx="0"/>
+    <cs:fillRef idx="0"/>
+    <cs:effectRef idx="0"/>
+    <cs:fontRef idx="minor">
+      <a:schemeClr val="dk1"/>
+    </cs:fontRef>
+    <cs:spPr>
+      <a:ln w="9525">
+        <a:solidFill>
+          <a:schemeClr val="dk1">
+            <a:lumMod val="65000"/>
+            <a:lumOff val="35000"/>
+          </a:schemeClr>
+        </a:solidFill>
+        <a:round/>
+      </a:ln>
+    </cs:spPr>
+  </cs:errorBar>
+  <cs:floor>
+    <cs:lnRef idx="0"/>
+    <cs:fillRef idx="0"/>
+    <cs:effectRef idx="0"/>
+    <cs:fontRef idx="minor">
+      <a:schemeClr val="dk1"/>
+    </cs:fontRef>
+  </cs:floor>
+  <cs:gridlineMajor>
+    <cs:lnRef idx="0"/>
+    <cs:fillRef idx="0"/>
+    <cs:effectRef idx="0"/>
+    <cs:fontRef idx="minor">
+      <a:schemeClr val="dk1"/>
+    </cs:fontRef>
+    <cs:spPr>
+      <a:ln w="9525" cap="flat" cmpd="sng" algn="ctr">
+        <a:gradFill>
+          <a:gsLst>
+            <a:gs pos="100000">
+              <a:schemeClr val="dk1">
+                <a:lumMod val="95000"/>
+                <a:lumOff val="5000"/>
+                <a:alpha val="42000"/>
+              </a:schemeClr>
+            </a:gs>
+            <a:gs pos="0">
+              <a:schemeClr val="lt1">
+                <a:lumMod val="75000"/>
+                <a:alpha val="36000"/>
+              </a:schemeClr>
+            </a:gs>
+          </a:gsLst>
+          <a:lin ang="5400000" scaled="0"/>
+        </a:gradFill>
+        <a:round/>
+      </a:ln>
+    </cs:spPr>
+  </cs:gridlineMajor>
+  <cs:gridlineMinor>
+    <cs:lnRef idx="0"/>
+    <cs:fillRef idx="0"/>
+    <cs:effectRef idx="0"/>
+    <cs:fontRef idx="minor">
+      <a:schemeClr val="dk1"/>
+    </cs:fontRef>
+    <cs:spPr>
+      <a:ln>
+        <a:gradFill>
+          <a:gsLst>
+            <a:gs pos="100000">
+              <a:schemeClr val="dk1">
+                <a:lumMod val="95000"/>
+                <a:lumOff val="5000"/>
+                <a:alpha val="42000"/>
+              </a:schemeClr>
+            </a:gs>
+            <a:gs pos="0">
+              <a:schemeClr val="lt1">
+                <a:lumMod val="75000"/>
+                <a:alpha val="36000"/>
+              </a:schemeClr>
+            </a:gs>
+          </a:gsLst>
+          <a:lin ang="5400000" scaled="0"/>
+        </a:gradFill>
+      </a:ln>
+    </cs:spPr>
+  </cs:gridlineMinor>
+  <cs:hiLoLine>
+    <cs:lnRef idx="0"/>
+    <cs:fillRef idx="0"/>
+    <cs:effectRef idx="0"/>
+    <cs:fontRef idx="minor">
+      <a:schemeClr val="dk1"/>
+    </cs:fontRef>
+    <cs:spPr>
+      <a:ln w="9525">
+        <a:solidFill>
+          <a:schemeClr val="dk1">
+            <a:lumMod val="35000"/>
+            <a:lumOff val="65000"/>
+          </a:schemeClr>
+        </a:solidFill>
+        <a:prstDash val="dash"/>
+      </a:ln>
+    </cs:spPr>
+  </cs:hiLoLine>
+  <cs:leaderLine>
+    <cs:lnRef idx="0"/>
+    <cs:fillRef idx="0"/>
+    <cs:effectRef idx="0"/>
+    <cs:fontRef idx="minor">
+      <a:schemeClr val="dk1"/>
+    </cs:fontRef>
+    <cs:spPr>
+      <a:ln w="9525">
+        <a:solidFill>
+          <a:schemeClr val="dk1">
+            <a:lumMod val="50000"/>
+            <a:lumOff val="50000"/>
+          </a:schemeClr>
+        </a:solidFill>
+      </a:ln>
+    </cs:spPr>
+  </cs:leaderLine>
+  <cs:legend>
+    <cs:lnRef idx="0"/>
+    <cs:fillRef idx="0"/>
+    <cs:effectRef idx="0"/>
+    <cs:fontRef idx="minor">
+      <a:schemeClr val="dk1">
+        <a:lumMod val="75000"/>
+        <a:lumOff val="25000"/>
+      </a:schemeClr>
+    </cs:fontRef>
+    <cs:spPr>
+      <a:solidFill>
+        <a:schemeClr val="lt1">
+          <a:lumMod val="95000"/>
+          <a:alpha val="39000"/>
+        </a:schemeClr>
+      </a:solidFill>
+    </cs:spPr>
+    <cs:defRPr sz="1197" kern="1200"/>
+  </cs:legend>
+  <cs:plotArea>
+    <cs:lnRef idx="0"/>
+    <cs:fillRef idx="0"/>
+    <cs:effectRef idx="0"/>
+    <cs:fontRef idx="minor">
+      <a:schemeClr val="dk1"/>
+    </cs:fontRef>
+  </cs:plotArea>
+  <cs:plotArea3D>
+    <cs:lnRef idx="0"/>
+    <cs:fillRef idx="0"/>
+    <cs:effectRef idx="0"/>
+    <cs:fontRef idx="minor">
+      <a:schemeClr val="dk1"/>
+    </cs:fontRef>
+  </cs:plotArea3D>
+  <cs:seriesAxis>
+    <cs:lnRef idx="0"/>
+    <cs:fillRef idx="0"/>
+    <cs:effectRef idx="0"/>
+    <cs:fontRef idx="minor">
+      <a:schemeClr val="dk1">
+        <a:lumMod val="75000"/>
+        <a:lumOff val="25000"/>
+      </a:schemeClr>
+    </cs:fontRef>
+    <cs:spPr>
+      <a:ln w="31750" cap="flat" cmpd="sng" algn="ctr">
+        <a:solidFill>
+          <a:schemeClr val="dk1">
+            <a:lumMod val="75000"/>
+            <a:lumOff val="25000"/>
+          </a:schemeClr>
+        </a:solidFill>
+        <a:round/>
+      </a:ln>
+    </cs:spPr>
+    <cs:defRPr sz="1197" kern="1200"/>
+  </cs:seriesAxis>
+  <cs:seriesLine>
+    <cs:lnRef idx="0"/>
+    <cs:fillRef idx="0"/>
+    <cs:effectRef idx="0"/>
+    <cs:fontRef idx="minor">
+      <a:schemeClr val="dk1"/>
+    </cs:fontRef>
+    <cs:spPr>
+      <a:ln w="9525">
+        <a:solidFill>
+          <a:schemeClr val="dk1">
+            <a:lumMod val="50000"/>
+            <a:lumOff val="50000"/>
+          </a:schemeClr>
+        </a:solidFill>
+        <a:round/>
+      </a:ln>
+    </cs:spPr>
+  </cs:seriesLine>
+  <cs:title>
+    <cs:lnRef idx="0"/>
+    <cs:fillRef idx="0"/>
+    <cs:effectRef idx="0"/>
+    <cs:fontRef idx="minor">
+      <a:schemeClr val="dk1">
+        <a:lumMod val="75000"/>
+        <a:lumOff val="25000"/>
+      </a:schemeClr>
+    </cs:fontRef>
+    <cs:defRPr sz="2200" b="1" kern="1200" baseline="0"/>
+  </cs:title>
+  <cs:trendline>
+    <cs:lnRef idx="0">
+      <cs:styleClr val="auto"/>
+    </cs:lnRef>
+    <cs:fillRef idx="0"/>
+    <cs:effectRef idx="0"/>
+    <cs:fontRef idx="minor">
+      <a:schemeClr val="dk1"/>
+    </cs:fontRef>
+    <cs:spPr>
+      <a:ln w="19050" cap="rnd">
+        <a:solidFill>
+          <a:schemeClr val="phClr"/>
+        </a:solidFill>
+      </a:ln>
+    </cs:spPr>
+  </cs:trendline>
+  <cs:trendlineLabel>
+    <cs:lnRef idx="0"/>
+    <cs:fillRef idx="0"/>
+    <cs:effectRef idx="0"/>
+    <cs:fontRef idx="minor">
+      <a:schemeClr val="dk1">
+        <a:lumMod val="75000"/>
+        <a:lumOff val="25000"/>
+      </a:schemeClr>
+    </cs:fontRef>
+    <cs:defRPr sz="1197" kern="1200"/>
+  </cs:trendlineLabel>
+  <cs:upBar>
+    <cs:lnRef idx="0"/>
+    <cs:fillRef idx="0"/>
+    <cs:effectRef idx="0"/>
+    <cs:fontRef idx="minor">
+      <a:schemeClr val="dk1"/>
+    </cs:fontRef>
+    <cs:spPr>
+      <a:solidFill>
+        <a:schemeClr val="lt1"/>
+      </a:solidFill>
+      <a:ln w="9525">
+        <a:solidFill>
+          <a:schemeClr val="dk1">
+            <a:lumMod val="65000"/>
+            <a:lumOff val="35000"/>
+          </a:schemeClr>
+        </a:solidFill>
+      </a:ln>
+    </cs:spPr>
+  </cs:upBar>
+  <cs:valueAxis>
+    <cs:lnRef idx="0"/>
+    <cs:fillRef idx="0"/>
+    <cs:effectRef idx="0"/>
+    <cs:fontRef idx="minor">
+      <a:schemeClr val="dk1">
+        <a:lumMod val="75000"/>
+        <a:lumOff val="25000"/>
+      </a:schemeClr>
+    </cs:fontRef>
+    <cs:spPr>
+      <a:ln>
+        <a:noFill/>
+      </a:ln>
+    </cs:spPr>
+    <cs:defRPr sz="1197" kern="1200"/>
+  </cs:valueAxis>
+  <cs:wall>
+    <cs:lnRef idx="0"/>
+    <cs:fillRef idx="0"/>
+    <cs:effectRef idx="0"/>
+    <cs:fontRef idx="minor">
+      <a:schemeClr val="dk1"/>
+    </cs:fontRef>
+  </cs:wall>
+</cs:chartStyle>
+</file>
+
+<file path=ppt/charts/style2.xml><?xml version="1.0" encoding="utf-8"?>
+<cs:chartStyle xmlns:cs="http://schemas.microsoft.com/office/drawing/2012/chartStyle" xmlns:a="http://schemas.openxmlformats.org/drawingml/2006/main" id="253">
+  <cs:axisTitle>
+    <cs:lnRef idx="0"/>
+    <cs:fillRef idx="0"/>
+    <cs:effectRef idx="0"/>
+    <cs:fontRef idx="minor">
+      <a:schemeClr val="dk1">
+        <a:lumMod val="75000"/>
+        <a:lumOff val="25000"/>
+      </a:schemeClr>
+    </cs:fontRef>
+    <cs:defRPr sz="1197" b="1" kern="1200"/>
+  </cs:axisTitle>
+  <cs:categoryAxis>
+    <cs:lnRef idx="0"/>
+    <cs:fillRef idx="0"/>
+    <cs:effectRef idx="0"/>
+    <cs:fontRef idx="minor">
+      <a:schemeClr val="dk1">
+        <a:lumMod val="75000"/>
+        <a:lumOff val="25000"/>
+      </a:schemeClr>
+    </cs:fontRef>
+    <cs:spPr>
+      <a:ln w="19050" cap="flat" cmpd="sng" algn="ctr">
+        <a:solidFill>
+          <a:schemeClr val="dk1">
+            <a:lumMod val="75000"/>
+            <a:lumOff val="25000"/>
+          </a:schemeClr>
+        </a:solidFill>
+        <a:round/>
+      </a:ln>
+    </cs:spPr>
+    <cs:defRPr sz="1197" kern="1200" cap="all" baseline="0"/>
+  </cs:categoryAxis>
+  <cs:chartArea>
+    <cs:lnRef idx="0"/>
+    <cs:fillRef idx="0"/>
+    <cs:effectRef idx="0"/>
+    <cs:fontRef idx="minor">
+      <a:schemeClr val="dk1"/>
+    </cs:fontRef>
+    <cs:spPr>
+      <a:gradFill flip="none" rotWithShape="1">
+        <a:gsLst>
+          <a:gs pos="0">
+            <a:schemeClr val="lt1"/>
+          </a:gs>
+          <a:gs pos="39000">
+            <a:schemeClr val="lt1"/>
+          </a:gs>
+          <a:gs pos="100000">
+            <a:schemeClr val="lt1">
+              <a:lumMod val="75000"/>
+            </a:schemeClr>
+          </a:gs>
+        </a:gsLst>
+        <a:path path="circle">
+          <a:fillToRect l="50000" t="-80000" r="50000" b="180000"/>
+        </a:path>
+        <a:tileRect/>
+      </a:gradFill>
+      <a:ln w="9525" cap="flat" cmpd="sng" algn="ctr">
+        <a:solidFill>
+          <a:schemeClr val="dk1">
+            <a:lumMod val="25000"/>
+            <a:lumOff val="75000"/>
+          </a:schemeClr>
+        </a:solidFill>
+        <a:round/>
+      </a:ln>
+    </cs:spPr>
+    <cs:defRPr sz="1197" kern="1200"/>
+  </cs:chartArea>
+  <cs:dataLabel>
+    <cs:lnRef idx="0"/>
+    <cs:fillRef idx="0"/>
+    <cs:effectRef idx="0"/>
+    <cs:fontRef idx="minor">
+      <a:schemeClr val="lt1"/>
+    </cs:fontRef>
+    <cs:spPr>
+      <a:pattFill prst="pct75">
+        <a:fgClr>
+          <a:schemeClr val="dk1">
+            <a:lumMod val="75000"/>
+            <a:lumOff val="25000"/>
+          </a:schemeClr>
+        </a:fgClr>
+        <a:bgClr>
+          <a:schemeClr val="dk1">
+            <a:lumMod val="65000"/>
+            <a:lumOff val="35000"/>
+          </a:schemeClr>
+        </a:bgClr>
+      </a:pattFill>
+      <a:effectLst>
+        <a:outerShdw blurRad="50800" dist="38100" dir="2700000" algn="tl" rotWithShape="0">
+          <a:prstClr val="black">
+            <a:alpha val="40000"/>
+          </a:prstClr>
+        </a:outerShdw>
+      </a:effectLst>
+    </cs:spPr>
+    <cs:defRPr sz="1330" b="1" i="0" u="none" strike="noStrike" kern="1200" baseline="0"/>
+  </cs:dataLabel>
+  <cs:dataLabelCallout>
+    <cs:lnRef idx="0"/>
+    <cs:fillRef idx="0"/>
+    <cs:effectRef idx="0"/>
+    <cs:fontRef idx="minor">
+      <a:schemeClr val="lt1"/>
+    </cs:fontRef>
+    <cs:spPr>
+      <a:pattFill prst="pct75">
+        <a:fgClr>
+          <a:schemeClr val="dk1">
+            <a:lumMod val="75000"/>
+            <a:lumOff val="25000"/>
+          </a:schemeClr>
+        </a:fgClr>
+        <a:bgClr>
+          <a:schemeClr val="dk1">
+            <a:lumMod val="65000"/>
+            <a:lumOff val="35000"/>
+          </a:schemeClr>
+        </a:bgClr>
+      </a:pattFill>
+      <a:effectLst>
+        <a:outerShdw blurRad="50800" dist="38100" dir="2700000" algn="tl" rotWithShape="0">
+          <a:prstClr val="black">
+            <a:alpha val="40000"/>
+          </a:prstClr>
+        </a:outerShdw>
+      </a:effectLst>
+    </cs:spPr>
+    <cs:defRPr sz="1330" b="1" i="0" u="none" strike="noStrike" kern="1200" baseline="0"/>
+    <cs:bodyPr rot="0" spcFirstLastPara="1" vertOverflow="clip" horzOverflow="clip" vert="horz" wrap="square" lIns="36576" tIns="18288" rIns="36576" bIns="18288" anchor="ctr" anchorCtr="1">
+      <a:spAutoFit/>
+    </cs:bodyPr>
+  </cs:dataLabelCallout>
+  <cs:dataPoint>
+    <cs:lnRef idx="0"/>
+    <cs:fillRef idx="0">
+      <cs:styleClr val="auto"/>
+    </cs:fillRef>
+    <cs:effectRef idx="0"/>
+    <cs:fontRef idx="minor">
+      <a:schemeClr val="dk1"/>
+    </cs:fontRef>
+    <cs:spPr>
+      <a:solidFill>
+        <a:schemeClr val="phClr"/>
+      </a:solidFill>
+      <a:effectLst>
+        <a:outerShdw blurRad="254000" sx="102000" sy="102000" algn="ctr" rotWithShape="0">
+          <a:prstClr val="black">
+            <a:alpha val="20000"/>
+          </a:prstClr>
+        </a:outerShdw>
+      </a:effectLst>
+    </cs:spPr>
+  </cs:dataPoint>
+  <cs:dataPoint3D>
+    <cs:lnRef idx="0"/>
+    <cs:fillRef idx="0">
+      <cs:styleClr val="auto"/>
+    </cs:fillRef>
+    <cs:effectRef idx="0"/>
+    <cs:fontRef idx="minor">
+      <a:schemeClr val="dk1"/>
+    </cs:fontRef>
+    <cs:spPr>
+      <a:solidFill>
+        <a:schemeClr val="phClr"/>
+      </a:solidFill>
+      <a:effectLst>
+        <a:outerShdw blurRad="254000" sx="102000" sy="102000" algn="ctr" rotWithShape="0">
+          <a:prstClr val="black">
+            <a:alpha val="20000"/>
+          </a:prstClr>
+        </a:outerShdw>
+      </a:effectLst>
+    </cs:spPr>
+  </cs:dataPoint3D>
+  <cs:dataPointLine>
+    <cs:lnRef idx="0">
+      <cs:styleClr val="auto"/>
+    </cs:lnRef>
+    <cs:fillRef idx="0"/>
+    <cs:effectRef idx="0"/>
+    <cs:fontRef idx="minor">
+      <a:schemeClr val="dk1"/>
+    </cs:fontRef>
+    <cs:spPr>
+      <a:ln w="31750" cap="rnd">
+        <a:solidFill>
+          <a:schemeClr val="phClr">
+            <a:alpha val="85000"/>
+          </a:schemeClr>
+        </a:solidFill>
+        <a:round/>
+      </a:ln>
+    </cs:spPr>
+  </cs:dataPointLine>
+  <cs:dataPointMarker>
+    <cs:lnRef idx="0"/>
+    <cs:fillRef idx="0">
+      <cs:styleClr val="auto"/>
+    </cs:fillRef>
+    <cs:effectRef idx="0"/>
+    <cs:fontRef idx="minor">
+      <a:schemeClr val="dk1"/>
+    </cs:fontRef>
+    <cs:spPr>
+      <a:solidFill>
+        <a:schemeClr val="phClr">
+          <a:alpha val="85000"/>
+        </a:schemeClr>
+      </a:solidFill>
+    </cs:spPr>
+  </cs:dataPointMarker>
+  <cs:dataPointMarkerLayout symbol="circle" size="6"/>
+  <cs:dataPointWireframe>
+    <cs:lnRef idx="0">
+      <cs:styleClr val="auto"/>
+    </cs:lnRef>
+    <cs:fillRef idx="0"/>
+    <cs:effectRef idx="0"/>
+    <cs:fontRef idx="minor">
+      <a:schemeClr val="dk1"/>
+    </cs:fontRef>
+    <cs:spPr>
+      <a:ln w="9525" cap="rnd">
+        <a:solidFill>
+          <a:schemeClr val="phClr"/>
+        </a:solidFill>
+        <a:round/>
+      </a:ln>
+    </cs:spPr>
+  </cs:dataPointWireframe>
+  <cs:dataTable>
+    <cs:lnRef idx="0"/>
+    <cs:fillRef idx="0"/>
+    <cs:effectRef idx="0"/>
+    <cs:fontRef idx="minor">
+      <a:schemeClr val="dk1">
+        <a:lumMod val="75000"/>
+        <a:lumOff val="25000"/>
+      </a:schemeClr>
+    </cs:fontRef>
+    <cs:spPr>
+      <a:ln w="9525">
+        <a:solidFill>
+          <a:schemeClr val="dk1">
+            <a:lumMod val="35000"/>
+            <a:lumOff val="65000"/>
+          </a:schemeClr>
+        </a:solidFill>
+      </a:ln>
+    </cs:spPr>
+    <cs:defRPr sz="1197" kern="1200"/>
+  </cs:dataTable>
+  <cs:downBar>
+    <cs:lnRef idx="0"/>
+    <cs:fillRef idx="0"/>
+    <cs:effectRef idx="0"/>
+    <cs:fontRef idx="minor">
+      <a:schemeClr val="dk1"/>
+    </cs:fontRef>
+    <cs:spPr>
+      <a:solidFill>
+        <a:schemeClr val="dk1">
+          <a:lumMod val="50000"/>
+          <a:lumOff val="50000"/>
+        </a:schemeClr>
+      </a:solidFill>
+      <a:ln w="9525">
+        <a:solidFill>
+          <a:schemeClr val="dk1">
+            <a:lumMod val="65000"/>
+            <a:lumOff val="35000"/>
+          </a:schemeClr>
+        </a:solidFill>
+      </a:ln>
+    </cs:spPr>
+  </cs:downBar>
+  <cs:dropLine>
+    <cs:lnRef idx="0"/>
+    <cs:fillRef idx="0"/>
+    <cs:effectRef idx="0"/>
+    <cs:fontRef idx="minor">
+      <a:schemeClr val="dk1"/>
+    </cs:fontRef>
+    <cs:spPr>
+      <a:ln w="9525">
+        <a:solidFill>
+          <a:schemeClr val="dk1">
+            <a:lumMod val="35000"/>
+            <a:lumOff val="65000"/>
+          </a:schemeClr>
+        </a:solidFill>
+        <a:prstDash val="dash"/>
+      </a:ln>
+    </cs:spPr>
+  </cs:dropLine>
+  <cs:errorBar>
+    <cs:lnRef idx="0"/>
+    <cs:fillRef idx="0"/>
+    <cs:effectRef idx="0"/>
+    <cs:fontRef idx="minor">
+      <a:schemeClr val="dk1"/>
+    </cs:fontRef>
+    <cs:spPr>
+      <a:ln w="9525">
+        <a:solidFill>
+          <a:schemeClr val="dk1">
+            <a:lumMod val="65000"/>
+            <a:lumOff val="35000"/>
+          </a:schemeClr>
+        </a:solidFill>
+        <a:round/>
+      </a:ln>
+    </cs:spPr>
+  </cs:errorBar>
+  <cs:floor>
+    <cs:lnRef idx="0"/>
+    <cs:fillRef idx="0"/>
+    <cs:effectRef idx="0"/>
+    <cs:fontRef idx="minor">
+      <a:schemeClr val="dk1"/>
+    </cs:fontRef>
+  </cs:floor>
+  <cs:gridlineMajor>
+    <cs:lnRef idx="0"/>
+    <cs:fillRef idx="0"/>
+    <cs:effectRef idx="0"/>
+    <cs:fontRef idx="minor">
+      <a:schemeClr val="dk1"/>
+    </cs:fontRef>
+    <cs:spPr>
+      <a:ln w="9525" cap="flat" cmpd="sng" algn="ctr">
+        <a:gradFill>
+          <a:gsLst>
+            <a:gs pos="100000">
+              <a:schemeClr val="dk1">
+                <a:lumMod val="95000"/>
+                <a:lumOff val="5000"/>
+                <a:alpha val="42000"/>
+              </a:schemeClr>
+            </a:gs>
+            <a:gs pos="0">
+              <a:schemeClr val="lt1">
+                <a:lumMod val="75000"/>
+                <a:alpha val="36000"/>
+              </a:schemeClr>
+            </a:gs>
+          </a:gsLst>
+          <a:lin ang="5400000" scaled="0"/>
+        </a:gradFill>
+        <a:round/>
+      </a:ln>
+    </cs:spPr>
+  </cs:gridlineMajor>
+  <cs:gridlineMinor>
+    <cs:lnRef idx="0"/>
+    <cs:fillRef idx="0"/>
+    <cs:effectRef idx="0"/>
+    <cs:fontRef idx="minor">
+      <a:schemeClr val="dk1"/>
+    </cs:fontRef>
+    <cs:spPr>
+      <a:ln>
+        <a:gradFill>
+          <a:gsLst>
+            <a:gs pos="100000">
+              <a:schemeClr val="dk1">
+                <a:lumMod val="95000"/>
+                <a:lumOff val="5000"/>
+                <a:alpha val="42000"/>
+              </a:schemeClr>
+            </a:gs>
+            <a:gs pos="0">
+              <a:schemeClr val="lt1">
+                <a:lumMod val="75000"/>
+                <a:alpha val="36000"/>
+              </a:schemeClr>
+            </a:gs>
+          </a:gsLst>
+          <a:lin ang="5400000" scaled="0"/>
+        </a:gradFill>
+      </a:ln>
+    </cs:spPr>
+  </cs:gridlineMinor>
+  <cs:hiLoLine>
+    <cs:lnRef idx="0"/>
+    <cs:fillRef idx="0"/>
+    <cs:effectRef idx="0"/>
+    <cs:fontRef idx="minor">
+      <a:schemeClr val="dk1"/>
+    </cs:fontRef>
+    <cs:spPr>
+      <a:ln w="9525">
+        <a:solidFill>
+          <a:schemeClr val="dk1">
+            <a:lumMod val="35000"/>
+            <a:lumOff val="65000"/>
+          </a:schemeClr>
+        </a:solidFill>
+        <a:prstDash val="dash"/>
+      </a:ln>
+    </cs:spPr>
+  </cs:hiLoLine>
+  <cs:leaderLine>
+    <cs:lnRef idx="0"/>
+    <cs:fillRef idx="0"/>
+    <cs:effectRef idx="0"/>
+    <cs:fontRef idx="minor">
+      <a:schemeClr val="dk1"/>
+    </cs:fontRef>
+    <cs:spPr>
+      <a:ln w="9525">
+        <a:solidFill>
+          <a:schemeClr val="dk1">
+            <a:lumMod val="50000"/>
+            <a:lumOff val="50000"/>
+          </a:schemeClr>
+        </a:solidFill>
+      </a:ln>
+    </cs:spPr>
+  </cs:leaderLine>
+  <cs:legend>
+    <cs:lnRef idx="0"/>
+    <cs:fillRef idx="0"/>
+    <cs:effectRef idx="0"/>
+    <cs:fontRef idx="minor">
+      <a:schemeClr val="dk1">
+        <a:lumMod val="75000"/>
+        <a:lumOff val="25000"/>
+      </a:schemeClr>
+    </cs:fontRef>
+    <cs:spPr>
+      <a:solidFill>
+        <a:schemeClr val="lt1">
+          <a:lumMod val="95000"/>
+          <a:alpha val="39000"/>
+        </a:schemeClr>
+      </a:solidFill>
+    </cs:spPr>
+    <cs:defRPr sz="1197" kern="1200"/>
+  </cs:legend>
+  <cs:plotArea>
+    <cs:lnRef idx="0"/>
+    <cs:fillRef idx="0"/>
+    <cs:effectRef idx="0"/>
+    <cs:fontRef idx="minor">
+      <a:schemeClr val="dk1"/>
+    </cs:fontRef>
+  </cs:plotArea>
+  <cs:plotArea3D>
+    <cs:lnRef idx="0"/>
+    <cs:fillRef idx="0"/>
+    <cs:effectRef idx="0"/>
+    <cs:fontRef idx="minor">
+      <a:schemeClr val="dk1"/>
+    </cs:fontRef>
+  </cs:plotArea3D>
+  <cs:seriesAxis>
+    <cs:lnRef idx="0"/>
+    <cs:fillRef idx="0"/>
+    <cs:effectRef idx="0"/>
+    <cs:fontRef idx="minor">
+      <a:schemeClr val="dk1">
+        <a:lumMod val="75000"/>
+        <a:lumOff val="25000"/>
+      </a:schemeClr>
+    </cs:fontRef>
+    <cs:spPr>
+      <a:ln w="31750" cap="flat" cmpd="sng" algn="ctr">
+        <a:solidFill>
+          <a:schemeClr val="dk1">
+            <a:lumMod val="75000"/>
+            <a:lumOff val="25000"/>
+          </a:schemeClr>
+        </a:solidFill>
+        <a:round/>
+      </a:ln>
+    </cs:spPr>
+    <cs:defRPr sz="1197" kern="1200"/>
+  </cs:seriesAxis>
+  <cs:seriesLine>
+    <cs:lnRef idx="0"/>
+    <cs:fillRef idx="0"/>
+    <cs:effectRef idx="0"/>
+    <cs:fontRef idx="minor">
+      <a:schemeClr val="dk1"/>
+    </cs:fontRef>
+    <cs:spPr>
+      <a:ln w="9525">
+        <a:solidFill>
+          <a:schemeClr val="dk1">
+            <a:lumMod val="50000"/>
+            <a:lumOff val="50000"/>
+          </a:schemeClr>
+        </a:solidFill>
+        <a:round/>
+      </a:ln>
+    </cs:spPr>
+  </cs:seriesLine>
+  <cs:title>
+    <cs:lnRef idx="0"/>
+    <cs:fillRef idx="0"/>
+    <cs:effectRef idx="0"/>
+    <cs:fontRef idx="minor">
+      <a:schemeClr val="dk1">
+        <a:lumMod val="75000"/>
+        <a:lumOff val="25000"/>
+      </a:schemeClr>
+    </cs:fontRef>
+    <cs:defRPr sz="2200" b="1" kern="1200" baseline="0"/>
+  </cs:title>
+  <cs:trendline>
+    <cs:lnRef idx="0">
+      <cs:styleClr val="auto"/>
+    </cs:lnRef>
+    <cs:fillRef idx="0"/>
+    <cs:effectRef idx="0"/>
+    <cs:fontRef idx="minor">
+      <a:schemeClr val="dk1"/>
+    </cs:fontRef>
+    <cs:spPr>
+      <a:ln w="19050" cap="rnd">
+        <a:solidFill>
+          <a:schemeClr val="phClr"/>
+        </a:solidFill>
+      </a:ln>
+    </cs:spPr>
+  </cs:trendline>
+  <cs:trendlineLabel>
+    <cs:lnRef idx="0"/>
+    <cs:fillRef idx="0"/>
+    <cs:effectRef idx="0"/>
+    <cs:fontRef idx="minor">
+      <a:schemeClr val="dk1">
+        <a:lumMod val="75000"/>
+        <a:lumOff val="25000"/>
+      </a:schemeClr>
+    </cs:fontRef>
+    <cs:defRPr sz="1197" kern="1200"/>
+  </cs:trendlineLabel>
+  <cs:upBar>
+    <cs:lnRef idx="0"/>
+    <cs:fillRef idx="0"/>
+    <cs:effectRef idx="0"/>
+    <cs:fontRef idx="minor">
+      <a:schemeClr val="dk1"/>
+    </cs:fontRef>
+    <cs:spPr>
+      <a:solidFill>
+        <a:schemeClr val="lt1"/>
+      </a:solidFill>
+      <a:ln w="9525">
+        <a:solidFill>
+          <a:schemeClr val="dk1">
+            <a:lumMod val="65000"/>
+            <a:lumOff val="35000"/>
+          </a:schemeClr>
+        </a:solidFill>
+      </a:ln>
+    </cs:spPr>
+  </cs:upBar>
+  <cs:valueAxis>
+    <cs:lnRef idx="0"/>
+    <cs:fillRef idx="0"/>
+    <cs:effectRef idx="0"/>
+    <cs:fontRef idx="minor">
+      <a:schemeClr val="dk1">
+        <a:lumMod val="75000"/>
+        <a:lumOff val="25000"/>
+      </a:schemeClr>
+    </cs:fontRef>
+    <cs:spPr>
+      <a:ln>
+        <a:noFill/>
+      </a:ln>
+    </cs:spPr>
+    <cs:defRPr sz="1197" kern="1200"/>
+  </cs:valueAxis>
+  <cs:wall>
+    <cs:lnRef idx="0"/>
+    <cs:fillRef idx="0"/>
+    <cs:effectRef idx="0"/>
+    <cs:fontRef idx="minor">
+      <a:schemeClr val="dk1"/>
+    </cs:fontRef>
+  </cs:wall>
+</cs:chartStyle>
 </file>
 
 <file path=ppt/slideLayouts/slideLayout1.xml><?xml version="1.0" encoding="utf-8"?>
@@ -3389,8 +5485,8 @@
         </p:nvSpPr>
         <p:spPr>
           <a:xfrm>
-            <a:off x="360000" y="359999"/>
-            <a:ext cx="4345296" cy="5321927"/>
+            <a:off x="1181093" y="951722"/>
+            <a:ext cx="9446473" cy="1744408"/>
           </a:xfrm>
           <a:solidFill>
             <a:schemeClr val="tx1">
@@ -3473,7 +5569,7 @@
         </p:nvSpPr>
         <p:spPr>
           <a:xfrm>
-            <a:off x="360001" y="5788733"/>
+            <a:off x="6282270" y="3176162"/>
             <a:ext cx="4345296" cy="816075"/>
           </a:xfrm>
           <a:solidFill>
@@ -4512,6 +6608,234 @@
     <p:extLst>
       <p:ext uri="{BB962C8B-B14F-4D97-AF65-F5344CB8AC3E}">
         <p14:creationId xmlns:p14="http://schemas.microsoft.com/office/powerpoint/2010/main" val="104694007"/>
+      </p:ext>
+    </p:extLst>
+  </p:cSld>
+  <p:clrMapOvr>
+    <a:masterClrMapping/>
+  </p:clrMapOvr>
+</p:sld>
+</file>
+
+<file path=ppt/slides/slide6.xml><?xml version="1.0" encoding="utf-8"?>
+<p:sld xmlns:a="http://schemas.openxmlformats.org/drawingml/2006/main" xmlns:r="http://schemas.openxmlformats.org/officeDocument/2006/relationships" xmlns:p="http://schemas.openxmlformats.org/presentationml/2006/main">
+  <p:cSld>
+    <p:spTree>
+      <p:nvGrpSpPr>
+        <p:cNvPr id="1" name=""/>
+        <p:cNvGrpSpPr/>
+        <p:nvPr/>
+      </p:nvGrpSpPr>
+      <p:grpSpPr>
+        <a:xfrm>
+          <a:off x="0" y="0"/>
+          <a:ext cx="0" cy="0"/>
+          <a:chOff x="0" y="0"/>
+          <a:chExt cx="0" cy="0"/>
+        </a:xfrm>
+      </p:grpSpPr>
+      <p:sp>
+        <p:nvSpPr>
+          <p:cNvPr id="2" name="Title 1">
+            <a:extLst>
+              <a:ext uri="{FF2B5EF4-FFF2-40B4-BE49-F238E27FC236}">
+                <a16:creationId xmlns:a16="http://schemas.microsoft.com/office/drawing/2014/main" id="{CE78AF4E-4994-458F-AD04-2C2AA1388FDA}"/>
+              </a:ext>
+            </a:extLst>
+          </p:cNvPr>
+          <p:cNvSpPr>
+            <a:spLocks noGrp="1"/>
+          </p:cNvSpPr>
+          <p:nvPr>
+            <p:ph type="title"/>
+          </p:nvPr>
+        </p:nvSpPr>
+        <p:spPr/>
+        <p:txBody>
+          <a:bodyPr/>
+          <a:lstStyle/>
+          <a:p>
+            <a:r>
+              <a:rPr lang="en-US" dirty="0"/>
+              <a:t>EXPLORATORY DATA ANALYSIS</a:t>
+            </a:r>
+          </a:p>
+        </p:txBody>
+      </p:sp>
+      <p:graphicFrame>
+        <p:nvGraphicFramePr>
+          <p:cNvPr id="7" name="Chart 6">
+            <a:extLst>
+              <a:ext uri="{FF2B5EF4-FFF2-40B4-BE49-F238E27FC236}">
+                <a16:creationId xmlns:a16="http://schemas.microsoft.com/office/drawing/2014/main" id="{59900A61-4596-446B-A776-6B31843690F0}"/>
+              </a:ext>
+            </a:extLst>
+          </p:cNvPr>
+          <p:cNvGraphicFramePr>
+            <a:graphicFrameLocks/>
+          </p:cNvGraphicFramePr>
+          <p:nvPr>
+            <p:extLst>
+              <p:ext uri="{D42A27DB-BD31-4B8C-83A1-F6EECF244321}">
+                <p14:modId xmlns:p14="http://schemas.microsoft.com/office/powerpoint/2010/main" val="3221087330"/>
+              </p:ext>
+            </p:extLst>
+          </p:nvPr>
+        </p:nvGraphicFramePr>
+        <p:xfrm>
+          <a:off x="838199" y="1468527"/>
+          <a:ext cx="4818077" cy="3799759"/>
+        </p:xfrm>
+        <a:graphic>
+          <a:graphicData uri="http://schemas.openxmlformats.org/drawingml/2006/chart">
+            <c:chart xmlns:c="http://schemas.openxmlformats.org/drawingml/2006/chart" xmlns:r="http://schemas.openxmlformats.org/officeDocument/2006/relationships" r:id="rId2"/>
+          </a:graphicData>
+        </a:graphic>
+      </p:graphicFrame>
+      <p:graphicFrame>
+        <p:nvGraphicFramePr>
+          <p:cNvPr id="12" name="Chart 11">
+            <a:extLst>
+              <a:ext uri="{FF2B5EF4-FFF2-40B4-BE49-F238E27FC236}">
+                <a16:creationId xmlns:a16="http://schemas.microsoft.com/office/drawing/2014/main" id="{4ABEB7EB-BB76-4458-8EFE-6EBB5D804ACC}"/>
+              </a:ext>
+            </a:extLst>
+          </p:cNvPr>
+          <p:cNvGraphicFramePr>
+            <a:graphicFrameLocks/>
+          </p:cNvGraphicFramePr>
+          <p:nvPr>
+            <p:extLst>
+              <p:ext uri="{D42A27DB-BD31-4B8C-83A1-F6EECF244321}">
+                <p14:modId xmlns:p14="http://schemas.microsoft.com/office/powerpoint/2010/main" val="1967260994"/>
+              </p:ext>
+            </p:extLst>
+          </p:nvPr>
+        </p:nvGraphicFramePr>
+        <p:xfrm>
+          <a:off x="5933784" y="1468526"/>
+          <a:ext cx="4818077" cy="3799759"/>
+        </p:xfrm>
+        <a:graphic>
+          <a:graphicData uri="http://schemas.openxmlformats.org/drawingml/2006/chart">
+            <c:chart xmlns:c="http://schemas.openxmlformats.org/drawingml/2006/chart" xmlns:r="http://schemas.openxmlformats.org/officeDocument/2006/relationships" r:id="rId3"/>
+          </a:graphicData>
+        </a:graphic>
+      </p:graphicFrame>
+    </p:spTree>
+    <p:extLst>
+      <p:ext uri="{BB962C8B-B14F-4D97-AF65-F5344CB8AC3E}">
+        <p14:creationId xmlns:p14="http://schemas.microsoft.com/office/powerpoint/2010/main" val="3586851763"/>
+      </p:ext>
+    </p:extLst>
+  </p:cSld>
+  <p:clrMapOvr>
+    <a:masterClrMapping/>
+  </p:clrMapOvr>
+</p:sld>
+</file>
+
+<file path=ppt/slides/slide7.xml><?xml version="1.0" encoding="utf-8"?>
+<p:sld xmlns:a="http://schemas.openxmlformats.org/drawingml/2006/main" xmlns:r="http://schemas.openxmlformats.org/officeDocument/2006/relationships" xmlns:p="http://schemas.openxmlformats.org/presentationml/2006/main">
+  <p:cSld>
+    <p:spTree>
+      <p:nvGrpSpPr>
+        <p:cNvPr id="1" name=""/>
+        <p:cNvGrpSpPr/>
+        <p:nvPr/>
+      </p:nvGrpSpPr>
+      <p:grpSpPr>
+        <a:xfrm>
+          <a:off x="0" y="0"/>
+          <a:ext cx="0" cy="0"/>
+          <a:chOff x="0" y="0"/>
+          <a:chExt cx="0" cy="0"/>
+        </a:xfrm>
+      </p:grpSpPr>
+      <p:sp>
+        <p:nvSpPr>
+          <p:cNvPr id="2" name="Title 1">
+            <a:extLst>
+              <a:ext uri="{FF2B5EF4-FFF2-40B4-BE49-F238E27FC236}">
+                <a16:creationId xmlns:a16="http://schemas.microsoft.com/office/drawing/2014/main" id="{EDA17F77-8FF0-443D-BD08-6C2430F3460F}"/>
+              </a:ext>
+            </a:extLst>
+          </p:cNvPr>
+          <p:cNvSpPr>
+            <a:spLocks noGrp="1"/>
+          </p:cNvSpPr>
+          <p:nvPr>
+            <p:ph type="title"/>
+          </p:nvPr>
+        </p:nvSpPr>
+        <p:spPr/>
+        <p:txBody>
+          <a:bodyPr/>
+          <a:lstStyle/>
+          <a:p>
+            <a:r>
+              <a:rPr lang="en-US" dirty="0"/>
+              <a:t>CLASSIFICTION OF NETWORKS</a:t>
+            </a:r>
+          </a:p>
+        </p:txBody>
+      </p:sp>
+      <p:sp>
+        <p:nvSpPr>
+          <p:cNvPr id="3" name="Content Placeholder 2">
+            <a:extLst>
+              <a:ext uri="{FF2B5EF4-FFF2-40B4-BE49-F238E27FC236}">
+                <a16:creationId xmlns:a16="http://schemas.microsoft.com/office/drawing/2014/main" id="{793C1112-97B2-4C1F-BC9B-27AF5C0A9021}"/>
+              </a:ext>
+            </a:extLst>
+          </p:cNvPr>
+          <p:cNvSpPr>
+            <a:spLocks noGrp="1"/>
+          </p:cNvSpPr>
+          <p:nvPr>
+            <p:ph idx="1"/>
+          </p:nvPr>
+        </p:nvSpPr>
+        <p:spPr/>
+        <p:txBody>
+          <a:bodyPr/>
+          <a:lstStyle/>
+          <a:p>
+            <a:r>
+              <a:rPr lang="en-US" dirty="0"/>
+              <a:t>Binary Classification (Normal or Intrusion)</a:t>
+            </a:r>
+          </a:p>
+          <a:p>
+            <a:r>
+              <a:rPr lang="en-US" dirty="0"/>
+              <a:t>Decision Tree Classifier</a:t>
+            </a:r>
+          </a:p>
+          <a:p>
+            <a:r>
+              <a:rPr lang="en-US" dirty="0"/>
+              <a:t>11 out of 42 features used</a:t>
+            </a:r>
+          </a:p>
+          <a:p>
+            <a:r>
+              <a:rPr lang="en-US" dirty="0"/>
+              <a:t>Train Accuracy: 97.97%</a:t>
+            </a:r>
+          </a:p>
+          <a:p>
+            <a:r>
+              <a:rPr lang="en-US" dirty="0"/>
+              <a:t>Test Accuracy: 77.45%</a:t>
+            </a:r>
+          </a:p>
+        </p:txBody>
+      </p:sp>
+    </p:spTree>
+    <p:extLst>
+      <p:ext uri="{BB962C8B-B14F-4D97-AF65-F5344CB8AC3E}">
+        <p14:creationId xmlns:p14="http://schemas.microsoft.com/office/powerpoint/2010/main" val="2131712126"/>
       </p:ext>
     </p:extLst>
   </p:cSld>

--- a/NSL_KDD_Network_Security_Analysis.pptx
+++ b/NSL_KDD_Network_Security_Analysis.pptx
@@ -11,7 +11,8 @@
     <p:sldId id="259" r:id="rId5"/>
     <p:sldId id="260" r:id="rId6"/>
     <p:sldId id="261" r:id="rId7"/>
-    <p:sldId id="263" r:id="rId8"/>
+    <p:sldId id="264" r:id="rId8"/>
+    <p:sldId id="263" r:id="rId9"/>
   </p:sldIdLst>
   <p:sldSz cx="12192000" cy="6858000"/>
   <p:notesSz cx="6858000" cy="9144000"/>
@@ -5569,8 +5570,8 @@
         </p:nvSpPr>
         <p:spPr>
           <a:xfrm>
-            <a:off x="6282270" y="3176162"/>
-            <a:ext cx="4345296" cy="816075"/>
+            <a:off x="7466202" y="3167773"/>
+            <a:ext cx="3161364" cy="816075"/>
           </a:xfrm>
           <a:solidFill>
             <a:schemeClr val="tx1">
@@ -6757,7 +6758,7 @@
           <p:cNvPr id="2" name="Title 1">
             <a:extLst>
               <a:ext uri="{FF2B5EF4-FFF2-40B4-BE49-F238E27FC236}">
-                <a16:creationId xmlns:a16="http://schemas.microsoft.com/office/drawing/2014/main" id="{EDA17F77-8FF0-443D-BD08-6C2430F3460F}"/>
+                <a16:creationId xmlns:a16="http://schemas.microsoft.com/office/drawing/2014/main" id="{B12C0676-8C65-45D7-908E-EFEC253EFD26}"/>
               </a:ext>
             </a:extLst>
           </p:cNvPr>
@@ -6775,7 +6776,7 @@
           <a:p>
             <a:r>
               <a:rPr lang="en-US" dirty="0"/>
-              <a:t>CLASSIFICTION OF NETWORKS</a:t>
+              <a:t>FEATURE SELECTION</a:t>
             </a:r>
           </a:p>
         </p:txBody>
@@ -6785,7 +6786,7 @@
           <p:cNvPr id="3" name="Content Placeholder 2">
             <a:extLst>
               <a:ext uri="{FF2B5EF4-FFF2-40B4-BE49-F238E27FC236}">
-                <a16:creationId xmlns:a16="http://schemas.microsoft.com/office/drawing/2014/main" id="{793C1112-97B2-4C1F-BC9B-27AF5C0A9021}"/>
+                <a16:creationId xmlns:a16="http://schemas.microsoft.com/office/drawing/2014/main" id="{76693B07-0BC7-4C63-96B4-C38A38DEC193}"/>
               </a:ext>
             </a:extLst>
           </p:cNvPr>
@@ -6794,6 +6795,130 @@
           </p:cNvSpPr>
           <p:nvPr>
             <p:ph idx="1"/>
+          </p:nvPr>
+        </p:nvSpPr>
+        <p:spPr>
+          <a:xfrm>
+            <a:off x="838200" y="1825624"/>
+            <a:ext cx="5553268" cy="4145968"/>
+          </a:xfrm>
+        </p:spPr>
+        <p:txBody>
+          <a:bodyPr>
+            <a:normAutofit/>
+          </a:bodyPr>
+          <a:lstStyle/>
+          <a:p>
+            <a:r>
+              <a:rPr lang="en-US" dirty="0"/>
+              <a:t>Find most important characters for identifying intrusions in network</a:t>
+            </a:r>
+          </a:p>
+          <a:p>
+            <a:r>
+              <a:rPr lang="en-US" dirty="0"/>
+              <a:t>Analyze correlations with Attack</a:t>
+            </a:r>
+          </a:p>
+          <a:p>
+            <a:r>
+              <a:rPr lang="en-US" dirty="0"/>
+              <a:t>Analyze co-linearity with one another</a:t>
+            </a:r>
+          </a:p>
+          <a:p>
+            <a:r>
+              <a:rPr lang="en-US" dirty="0"/>
+              <a:t>Identify 11 features out of 42</a:t>
+            </a:r>
+          </a:p>
+          <a:p>
+            <a:endParaRPr lang="en-US" dirty="0"/>
+          </a:p>
+          <a:p>
+            <a:endParaRPr lang="en-US" dirty="0"/>
+          </a:p>
+        </p:txBody>
+      </p:sp>
+      <p:pic>
+        <p:nvPicPr>
+          <p:cNvPr id="5" name="Picture 4" descr="A picture containing calendar&#10;&#10;Description automatically generated">
+            <a:extLst>
+              <a:ext uri="{FF2B5EF4-FFF2-40B4-BE49-F238E27FC236}">
+                <a16:creationId xmlns:a16="http://schemas.microsoft.com/office/drawing/2014/main" id="{E9ACF64E-9488-4C53-9520-18945FB8164B}"/>
+              </a:ext>
+            </a:extLst>
+          </p:cNvPr>
+          <p:cNvPicPr>
+            <a:picLocks noChangeAspect="1"/>
+          </p:cNvPicPr>
+          <p:nvPr/>
+        </p:nvPicPr>
+        <p:blipFill rotWithShape="1">
+          <a:blip r:embed="rId2">
+            <a:extLst>
+              <a:ext uri="{28A0092B-C50C-407E-A947-70E740481C1C}">
+                <a14:useLocalDpi xmlns:a14="http://schemas.microsoft.com/office/drawing/2010/main" val="0"/>
+              </a:ext>
+            </a:extLst>
+          </a:blip>
+          <a:srcRect l="9171" r="12411" b="8844"/>
+          <a:stretch/>
+        </p:blipFill>
+        <p:spPr>
+          <a:xfrm>
+            <a:off x="6391469" y="1390261"/>
+            <a:ext cx="5056766" cy="4749283"/>
+          </a:xfrm>
+          <a:prstGeom prst="rect">
+            <a:avLst/>
+          </a:prstGeom>
+        </p:spPr>
+      </p:pic>
+    </p:spTree>
+    <p:extLst>
+      <p:ext uri="{BB962C8B-B14F-4D97-AF65-F5344CB8AC3E}">
+        <p14:creationId xmlns:p14="http://schemas.microsoft.com/office/powerpoint/2010/main" val="1617664048"/>
+      </p:ext>
+    </p:extLst>
+  </p:cSld>
+  <p:clrMapOvr>
+    <a:masterClrMapping/>
+  </p:clrMapOvr>
+</p:sld>
+</file>
+
+<file path=ppt/slides/slide8.xml><?xml version="1.0" encoding="utf-8"?>
+<p:sld xmlns:a="http://schemas.openxmlformats.org/drawingml/2006/main" xmlns:r="http://schemas.openxmlformats.org/officeDocument/2006/relationships" xmlns:p="http://schemas.openxmlformats.org/presentationml/2006/main">
+  <p:cSld>
+    <p:spTree>
+      <p:nvGrpSpPr>
+        <p:cNvPr id="1" name=""/>
+        <p:cNvGrpSpPr/>
+        <p:nvPr/>
+      </p:nvGrpSpPr>
+      <p:grpSpPr>
+        <a:xfrm>
+          <a:off x="0" y="0"/>
+          <a:ext cx="0" cy="0"/>
+          <a:chOff x="0" y="0"/>
+          <a:chExt cx="0" cy="0"/>
+        </a:xfrm>
+      </p:grpSpPr>
+      <p:sp>
+        <p:nvSpPr>
+          <p:cNvPr id="2" name="Title 1">
+            <a:extLst>
+              <a:ext uri="{FF2B5EF4-FFF2-40B4-BE49-F238E27FC236}">
+                <a16:creationId xmlns:a16="http://schemas.microsoft.com/office/drawing/2014/main" id="{EDA17F77-8FF0-443D-BD08-6C2430F3460F}"/>
+              </a:ext>
+            </a:extLst>
+          </p:cNvPr>
+          <p:cNvSpPr>
+            <a:spLocks noGrp="1"/>
+          </p:cNvSpPr>
+          <p:nvPr>
+            <p:ph type="title"/>
           </p:nvPr>
         </p:nvSpPr>
         <p:spPr/>
@@ -6803,6 +6928,34 @@
           <a:p>
             <a:r>
               <a:rPr lang="en-US" dirty="0"/>
+              <a:t>CLASSIFICTION OF NETWORKS</a:t>
+            </a:r>
+          </a:p>
+        </p:txBody>
+      </p:sp>
+      <p:sp>
+        <p:nvSpPr>
+          <p:cNvPr id="3" name="Content Placeholder 2">
+            <a:extLst>
+              <a:ext uri="{FF2B5EF4-FFF2-40B4-BE49-F238E27FC236}">
+                <a16:creationId xmlns:a16="http://schemas.microsoft.com/office/drawing/2014/main" id="{793C1112-97B2-4C1F-BC9B-27AF5C0A9021}"/>
+              </a:ext>
+            </a:extLst>
+          </p:cNvPr>
+          <p:cNvSpPr>
+            <a:spLocks noGrp="1"/>
+          </p:cNvSpPr>
+          <p:nvPr>
+            <p:ph idx="1"/>
+          </p:nvPr>
+        </p:nvSpPr>
+        <p:spPr/>
+        <p:txBody>
+          <a:bodyPr/>
+          <a:lstStyle/>
+          <a:p>
+            <a:r>
+              <a:rPr lang="en-US" dirty="0"/>
               <a:t>Binary Classification (Normal or Intrusion)</a:t>
             </a:r>
           </a:p>
@@ -6815,12 +6968,6 @@
           <a:p>
             <a:r>
               <a:rPr lang="en-US" dirty="0"/>
-              <a:t>11 out of 42 features used</a:t>
-            </a:r>
-          </a:p>
-          <a:p>
-            <a:r>
-              <a:rPr lang="en-US" dirty="0"/>
               <a:t>Train Accuracy: 97.97%</a:t>
             </a:r>
           </a:p>
@@ -6828,6 +6975,18 @@
             <a:r>
               <a:rPr lang="en-US" dirty="0"/>
               <a:t>Test Accuracy: 77.45%</a:t>
+            </a:r>
+          </a:p>
+          <a:p>
+            <a:r>
+              <a:rPr lang="en-US" dirty="0"/>
+              <a:t>Precision: 0.8178</a:t>
+            </a:r>
+          </a:p>
+          <a:p>
+            <a:r>
+              <a:rPr lang="en-US" dirty="0"/>
+              <a:t>Recall: 0.777</a:t>
             </a:r>
           </a:p>
         </p:txBody>

--- a/NSL_KDD_Network_Security_Analysis.pptx
+++ b/NSL_KDD_Network_Security_Analysis.pptx
@@ -13,6 +13,7 @@
     <p:sldId id="261" r:id="rId7"/>
     <p:sldId id="264" r:id="rId8"/>
     <p:sldId id="263" r:id="rId9"/>
+    <p:sldId id="265" r:id="rId10"/>
   </p:sldIdLst>
   <p:sldSz cx="12192000" cy="6858000"/>
   <p:notesSz cx="6858000" cy="9144000"/>
@@ -142,18 +143,15 @@
             <a:pPr>
               <a:defRPr sz="2200" b="1" i="0" u="none" strike="noStrike" kern="1200" baseline="0">
                 <a:solidFill>
-                  <a:schemeClr val="dk1">
-                    <a:lumMod val="75000"/>
-                    <a:lumOff val="25000"/>
-                  </a:schemeClr>
+                  <a:schemeClr val="bg1"/>
                 </a:solidFill>
-                <a:latin typeface="+mn-lt"/>
+                <a:latin typeface="Times New Roman" panose="02020603050405020304" pitchFamily="18" charset="0"/>
                 <a:ea typeface="+mn-ea"/>
-                <a:cs typeface="+mn-cs"/>
+                <a:cs typeface="Times New Roman" panose="02020603050405020304" pitchFamily="18" charset="0"/>
               </a:defRPr>
             </a:pPr>
             <a:r>
-              <a:rPr lang="en-US"/>
+              <a:rPr lang="en-US" sz="2000" dirty="0"/>
               <a:t>Distribution of Network System</a:t>
             </a:r>
           </a:p>
@@ -174,14 +172,11 @@
           <a:pPr>
             <a:defRPr sz="2200" b="1" i="0" u="none" strike="noStrike" kern="1200" baseline="0">
               <a:solidFill>
-                <a:schemeClr val="dk1">
-                  <a:lumMod val="75000"/>
-                  <a:lumOff val="25000"/>
-                </a:schemeClr>
+                <a:schemeClr val="bg1"/>
               </a:solidFill>
-              <a:latin typeface="+mn-lt"/>
+              <a:latin typeface="Times New Roman" panose="02020603050405020304" pitchFamily="18" charset="0"/>
               <a:ea typeface="+mn-ea"/>
-              <a:cs typeface="+mn-cs"/>
+              <a:cs typeface="Times New Roman" panose="02020603050405020304" pitchFamily="18" charset="0"/>
             </a:defRPr>
           </a:pPr>
           <a:endParaRPr lang="en-US"/>
@@ -201,7 +196,7 @@
             <c:bubble3D val="0"/>
             <c:spPr>
               <a:solidFill>
-                <a:schemeClr val="accent1"/>
+                <a:schemeClr val="accent6"/>
               </a:solidFill>
               <a:ln>
                 <a:noFill/>
@@ -225,7 +220,7 @@
             <c:bubble3D val="0"/>
             <c:spPr>
               <a:solidFill>
-                <a:schemeClr val="accent2"/>
+                <a:schemeClr val="accent5"/>
               </a:solidFill>
               <a:ln>
                 <a:noFill/>
@@ -272,19 +267,17 @@
               </a:effectLst>
             </c:spPr>
             <c:txPr>
-              <a:bodyPr rot="0" spcFirstLastPara="1" vertOverflow="ellipsis" vert="horz" wrap="square" lIns="38100" tIns="19050" rIns="38100" bIns="19050" anchor="ctr" anchorCtr="1">
-                <a:spAutoFit/>
-              </a:bodyPr>
+              <a:bodyPr rot="0" spcFirstLastPara="1" vertOverflow="ellipsis" vert="horz" wrap="square" anchor="ctr" anchorCtr="1"/>
               <a:lstStyle/>
               <a:p>
                 <a:pPr>
                   <a:defRPr sz="1330" b="1" i="0" u="none" strike="noStrike" kern="1200" baseline="0">
                     <a:solidFill>
-                      <a:schemeClr val="lt1"/>
+                      <a:schemeClr val="bg1"/>
                     </a:solidFill>
-                    <a:latin typeface="+mn-lt"/>
+                    <a:latin typeface="Times New Roman" panose="02020603050405020304" pitchFamily="18" charset="0"/>
                     <a:ea typeface="+mn-ea"/>
-                    <a:cs typeface="+mn-cs"/>
+                    <a:cs typeface="Times New Roman" panose="02020603050405020304" pitchFamily="18" charset="0"/>
                   </a:defRPr>
                 </a:pPr>
                 <a:endParaRPr lang="en-US"/>
@@ -392,14 +385,11 @@
           <a:pPr>
             <a:defRPr sz="1197" b="0" i="0" u="none" strike="noStrike" kern="1200" baseline="0">
               <a:solidFill>
-                <a:schemeClr val="dk1">
-                  <a:lumMod val="75000"/>
-                  <a:lumOff val="25000"/>
-                </a:schemeClr>
+                <a:schemeClr val="bg1"/>
               </a:solidFill>
-              <a:latin typeface="+mn-lt"/>
+              <a:latin typeface="Times New Roman" panose="02020603050405020304" pitchFamily="18" charset="0"/>
               <a:ea typeface="+mn-ea"/>
-              <a:cs typeface="+mn-cs"/>
+              <a:cs typeface="Times New Roman" panose="02020603050405020304" pitchFamily="18" charset="0"/>
             </a:defRPr>
           </a:pPr>
           <a:endParaRPr lang="en-US"/>
@@ -411,32 +401,15 @@
     <c:showDLblsOverMax val="0"/>
   </c:chart>
   <c:spPr>
-    <a:gradFill flip="none" rotWithShape="1">
-      <a:gsLst>
-        <a:gs pos="0">
-          <a:schemeClr val="lt1"/>
-        </a:gs>
-        <a:gs pos="39000">
-          <a:schemeClr val="lt1"/>
-        </a:gs>
-        <a:gs pos="100000">
-          <a:schemeClr val="lt1">
-            <a:lumMod val="75000"/>
-          </a:schemeClr>
-        </a:gs>
-      </a:gsLst>
-      <a:path path="circle">
-        <a:fillToRect l="50000" t="-80000" r="50000" b="180000"/>
-      </a:path>
-      <a:tileRect/>
-    </a:gradFill>
+    <a:solidFill>
+      <a:schemeClr val="tx1">
+        <a:lumMod val="65000"/>
+        <a:lumOff val="35000"/>
+        <a:alpha val="41000"/>
+      </a:schemeClr>
+    </a:solidFill>
     <a:ln w="9525" cap="flat" cmpd="sng" algn="ctr">
-      <a:solidFill>
-        <a:schemeClr val="dk1">
-          <a:lumMod val="25000"/>
-          <a:lumOff val="75000"/>
-        </a:schemeClr>
-      </a:solidFill>
+      <a:noFill/>
       <a:round/>
     </a:ln>
     <a:effectLst/>
@@ -446,7 +419,13 @@
     <a:lstStyle/>
     <a:p>
       <a:pPr>
-        <a:defRPr/>
+        <a:defRPr>
+          <a:solidFill>
+            <a:schemeClr val="bg1"/>
+          </a:solidFill>
+          <a:latin typeface="Times New Roman" panose="02020603050405020304" pitchFamily="18" charset="0"/>
+          <a:cs typeface="Times New Roman" panose="02020603050405020304" pitchFamily="18" charset="0"/>
+        </a:defRPr>
       </a:pPr>
       <a:endParaRPr lang="en-US"/>
     </a:p>
@@ -480,18 +459,15 @@
             <a:pPr>
               <a:defRPr sz="2200" b="1" i="0" u="none" strike="noStrike" kern="1200" baseline="0">
                 <a:solidFill>
-                  <a:schemeClr val="dk1">
-                    <a:lumMod val="75000"/>
-                    <a:lumOff val="25000"/>
-                  </a:schemeClr>
+                  <a:schemeClr val="bg1"/>
                 </a:solidFill>
-                <a:latin typeface="+mn-lt"/>
+                <a:latin typeface="Times New Roman" panose="02020603050405020304" pitchFamily="18" charset="0"/>
                 <a:ea typeface="+mn-ea"/>
-                <a:cs typeface="+mn-cs"/>
+                <a:cs typeface="Times New Roman" panose="02020603050405020304" pitchFamily="18" charset="0"/>
               </a:defRPr>
             </a:pPr>
             <a:r>
-              <a:rPr lang="en-US"/>
+              <a:rPr lang="en-US" sz="2000" dirty="0"/>
               <a:t>Subclasses of Network Attacks</a:t>
             </a:r>
           </a:p>
@@ -512,14 +488,11 @@
           <a:pPr>
             <a:defRPr sz="2200" b="1" i="0" u="none" strike="noStrike" kern="1200" baseline="0">
               <a:solidFill>
-                <a:schemeClr val="dk1">
-                  <a:lumMod val="75000"/>
-                  <a:lumOff val="25000"/>
-                </a:schemeClr>
+                <a:schemeClr val="bg1"/>
               </a:solidFill>
-              <a:latin typeface="+mn-lt"/>
+              <a:latin typeface="Times New Roman" panose="02020603050405020304" pitchFamily="18" charset="0"/>
               <a:ea typeface="+mn-ea"/>
-              <a:cs typeface="+mn-cs"/>
+              <a:cs typeface="Times New Roman" panose="02020603050405020304" pitchFamily="18" charset="0"/>
             </a:defRPr>
           </a:pPr>
           <a:endParaRPr lang="en-US"/>
@@ -539,7 +512,7 @@
             <c:bubble3D val="0"/>
             <c:spPr>
               <a:solidFill>
-                <a:schemeClr val="accent1"/>
+                <a:schemeClr val="accent6"/>
               </a:solidFill>
               <a:ln>
                 <a:noFill/>
@@ -563,7 +536,7 @@
             <c:bubble3D val="0"/>
             <c:spPr>
               <a:solidFill>
-                <a:schemeClr val="accent2"/>
+                <a:schemeClr val="accent5"/>
               </a:solidFill>
               <a:ln>
                 <a:noFill/>
@@ -587,7 +560,7 @@
             <c:bubble3D val="0"/>
             <c:spPr>
               <a:solidFill>
-                <a:schemeClr val="accent3"/>
+                <a:schemeClr val="accent4"/>
               </a:solidFill>
               <a:ln>
                 <a:noFill/>
@@ -611,7 +584,9 @@
             <c:bubble3D val="0"/>
             <c:spPr>
               <a:solidFill>
-                <a:schemeClr val="accent4"/>
+                <a:schemeClr val="accent6">
+                  <a:lumMod val="60000"/>
+                </a:schemeClr>
               </a:solidFill>
               <a:ln>
                 <a:noFill/>
@@ -724,19 +699,17 @@
               </a:effectLst>
             </c:spPr>
             <c:txPr>
-              <a:bodyPr rot="0" spcFirstLastPara="1" vertOverflow="ellipsis" vert="horz" wrap="square" lIns="38100" tIns="19050" rIns="38100" bIns="19050" anchor="ctr" anchorCtr="1">
-                <a:spAutoFit/>
-              </a:bodyPr>
+              <a:bodyPr rot="0" spcFirstLastPara="1" vertOverflow="ellipsis" vert="horz" wrap="square" anchor="ctr" anchorCtr="1"/>
               <a:lstStyle/>
               <a:p>
                 <a:pPr>
                   <a:defRPr sz="1330" b="1" i="0" u="none" strike="noStrike" kern="1200" baseline="0">
                     <a:solidFill>
-                      <a:schemeClr val="lt1"/>
+                      <a:schemeClr val="bg1"/>
                     </a:solidFill>
-                    <a:latin typeface="+mn-lt"/>
+                    <a:latin typeface="Times New Roman" panose="02020603050405020304" pitchFamily="18" charset="0"/>
                     <a:ea typeface="+mn-ea"/>
-                    <a:cs typeface="+mn-cs"/>
+                    <a:cs typeface="Times New Roman" panose="02020603050405020304" pitchFamily="18" charset="0"/>
                   </a:defRPr>
                 </a:pPr>
                 <a:endParaRPr lang="en-US"/>
@@ -866,14 +839,11 @@
           <a:pPr>
             <a:defRPr sz="1197" b="0" i="0" u="none" strike="noStrike" kern="1200" baseline="0">
               <a:solidFill>
-                <a:schemeClr val="dk1">
-                  <a:lumMod val="75000"/>
-                  <a:lumOff val="25000"/>
-                </a:schemeClr>
+                <a:schemeClr val="bg1"/>
               </a:solidFill>
-              <a:latin typeface="+mn-lt"/>
+              <a:latin typeface="Times New Roman" panose="02020603050405020304" pitchFamily="18" charset="0"/>
               <a:ea typeface="+mn-ea"/>
-              <a:cs typeface="+mn-cs"/>
+              <a:cs typeface="Times New Roman" panose="02020603050405020304" pitchFamily="18" charset="0"/>
             </a:defRPr>
           </a:pPr>
           <a:endParaRPr lang="en-US"/>
@@ -885,32 +855,15 @@
     <c:showDLblsOverMax val="0"/>
   </c:chart>
   <c:spPr>
-    <a:gradFill flip="none" rotWithShape="1">
-      <a:gsLst>
-        <a:gs pos="0">
-          <a:schemeClr val="lt1"/>
-        </a:gs>
-        <a:gs pos="39000">
-          <a:schemeClr val="lt1"/>
-        </a:gs>
-        <a:gs pos="100000">
-          <a:schemeClr val="lt1">
-            <a:lumMod val="75000"/>
-          </a:schemeClr>
-        </a:gs>
-      </a:gsLst>
-      <a:path path="circle">
-        <a:fillToRect l="50000" t="-80000" r="50000" b="180000"/>
-      </a:path>
-      <a:tileRect/>
-    </a:gradFill>
+    <a:solidFill>
+      <a:schemeClr val="tx1">
+        <a:lumMod val="65000"/>
+        <a:lumOff val="35000"/>
+        <a:alpha val="50000"/>
+      </a:schemeClr>
+    </a:solidFill>
     <a:ln w="9525" cap="flat" cmpd="sng" algn="ctr">
-      <a:solidFill>
-        <a:schemeClr val="dk1">
-          <a:lumMod val="25000"/>
-          <a:lumOff val="75000"/>
-        </a:schemeClr>
-      </a:solidFill>
+      <a:noFill/>
       <a:round/>
     </a:ln>
     <a:effectLst/>
@@ -920,7 +873,13 @@
     <a:lstStyle/>
     <a:p>
       <a:pPr>
-        <a:defRPr/>
+        <a:defRPr>
+          <a:solidFill>
+            <a:schemeClr val="bg1"/>
+          </a:solidFill>
+          <a:latin typeface="Times New Roman" panose="02020603050405020304" pitchFamily="18" charset="0"/>
+          <a:cs typeface="Times New Roman" panose="02020603050405020304" pitchFamily="18" charset="0"/>
+        </a:defRPr>
       </a:pPr>
       <a:endParaRPr lang="en-US"/>
     </a:p>
@@ -932,13 +891,10 @@
 </file>
 
 <file path=ppt/charts/colors1.xml><?xml version="1.0" encoding="utf-8"?>
-<cs:colorStyle xmlns:cs="http://schemas.microsoft.com/office/drawing/2012/chartStyle" xmlns:a="http://schemas.openxmlformats.org/drawingml/2006/main" meth="cycle" id="10">
-  <a:schemeClr val="accent1"/>
-  <a:schemeClr val="accent2"/>
-  <a:schemeClr val="accent3"/>
+<cs:colorStyle xmlns:cs="http://schemas.microsoft.com/office/drawing/2012/chartStyle" xmlns:a="http://schemas.openxmlformats.org/drawingml/2006/main" meth="cycle" id="13">
+  <a:schemeClr val="accent6"/>
+  <a:schemeClr val="accent5"/>
   <a:schemeClr val="accent4"/>
-  <a:schemeClr val="accent5"/>
-  <a:schemeClr val="accent6"/>
   <cs:variation/>
   <cs:variation>
     <a:lumMod val="60000"/>
@@ -972,13 +928,10 @@
 </file>
 
 <file path=ppt/charts/colors2.xml><?xml version="1.0" encoding="utf-8"?>
-<cs:colorStyle xmlns:cs="http://schemas.microsoft.com/office/drawing/2012/chartStyle" xmlns:a="http://schemas.openxmlformats.org/drawingml/2006/main" meth="cycle" id="10">
-  <a:schemeClr val="accent1"/>
-  <a:schemeClr val="accent2"/>
-  <a:schemeClr val="accent3"/>
+<cs:colorStyle xmlns:cs="http://schemas.microsoft.com/office/drawing/2012/chartStyle" xmlns:a="http://schemas.openxmlformats.org/drawingml/2006/main" meth="cycle" id="13">
+  <a:schemeClr val="accent6"/>
+  <a:schemeClr val="accent5"/>
   <a:schemeClr val="accent4"/>
-  <a:schemeClr val="accent5"/>
-  <a:schemeClr val="accent6"/>
   <cs:variation/>
   <cs:variation>
     <a:lumMod val="60000"/>
@@ -5487,7 +5440,7 @@
         <p:spPr>
           <a:xfrm>
             <a:off x="1181093" y="951722"/>
-            <a:ext cx="9446473" cy="1744408"/>
+            <a:ext cx="9446473" cy="2477278"/>
           </a:xfrm>
           <a:solidFill>
             <a:schemeClr val="tx1">
@@ -5497,12 +5450,12 @@
         </p:spPr>
         <p:txBody>
           <a:bodyPr>
-            <a:normAutofit/>
+            <a:noAutofit/>
           </a:bodyPr>
           <a:lstStyle/>
           <a:p>
             <a:r>
-              <a:rPr lang="en-US" sz="3600" dirty="0">
+              <a:rPr lang="en-US" dirty="0">
                 <a:solidFill>
                   <a:schemeClr val="bg1"/>
                 </a:solidFill>
@@ -5512,7 +5465,7 @@
               <a:t>A Study on </a:t>
             </a:r>
             <a:br>
-              <a:rPr lang="en-US" sz="3600" dirty="0">
+              <a:rPr lang="en-US" dirty="0">
                 <a:solidFill>
                   <a:schemeClr val="bg1"/>
                 </a:solidFill>
@@ -5521,7 +5474,7 @@
               </a:rPr>
             </a:br>
             <a:r>
-              <a:rPr lang="en-US" sz="3600" dirty="0">
+              <a:rPr lang="en-US" dirty="0">
                 <a:solidFill>
                   <a:schemeClr val="bg1"/>
                 </a:solidFill>
@@ -5531,7 +5484,7 @@
               <a:t>NSL-KDD Dataset </a:t>
             </a:r>
             <a:br>
-              <a:rPr lang="en-US" sz="3600" dirty="0">
+              <a:rPr lang="en-US" dirty="0">
                 <a:solidFill>
                   <a:schemeClr val="bg1"/>
                 </a:solidFill>
@@ -5540,7 +5493,7 @@
               </a:rPr>
             </a:br>
             <a:r>
-              <a:rPr lang="en-US" sz="3600" dirty="0">
+              <a:rPr lang="en-US" dirty="0">
                 <a:solidFill>
                   <a:schemeClr val="bg1"/>
                 </a:solidFill>
@@ -5570,7 +5523,7 @@
         </p:nvSpPr>
         <p:spPr>
           <a:xfrm>
-            <a:off x="7466202" y="3167773"/>
+            <a:off x="7466202" y="3826301"/>
             <a:ext cx="3161364" cy="816075"/>
           </a:xfrm>
           <a:solidFill>
@@ -6678,13 +6631,13 @@
           <p:nvPr>
             <p:extLst>
               <p:ext uri="{D42A27DB-BD31-4B8C-83A1-F6EECF244321}">
-                <p14:modId xmlns:p14="http://schemas.microsoft.com/office/powerpoint/2010/main" val="3221087330"/>
+                <p14:modId xmlns:p14="http://schemas.microsoft.com/office/powerpoint/2010/main" val="779837717"/>
               </p:ext>
             </p:extLst>
           </p:nvPr>
         </p:nvGraphicFramePr>
         <p:xfrm>
-          <a:off x="838199" y="1468527"/>
+          <a:off x="1000415" y="1690689"/>
           <a:ext cx="4818077" cy="3799759"/>
         </p:xfrm>
         <a:graphic>
@@ -6708,13 +6661,13 @@
           <p:nvPr>
             <p:extLst>
               <p:ext uri="{D42A27DB-BD31-4B8C-83A1-F6EECF244321}">
-                <p14:modId xmlns:p14="http://schemas.microsoft.com/office/powerpoint/2010/main" val="1967260994"/>
+                <p14:modId xmlns:p14="http://schemas.microsoft.com/office/powerpoint/2010/main" val="2830453353"/>
               </p:ext>
             </p:extLst>
           </p:nvPr>
         </p:nvGraphicFramePr>
         <p:xfrm>
-          <a:off x="5933784" y="1468526"/>
+          <a:off x="6096000" y="1690688"/>
           <a:ext cx="4818077" cy="3799759"/>
         </p:xfrm>
         <a:graphic>
@@ -6995,6 +6948,115 @@
     <p:extLst>
       <p:ext uri="{BB962C8B-B14F-4D97-AF65-F5344CB8AC3E}">
         <p14:creationId xmlns:p14="http://schemas.microsoft.com/office/powerpoint/2010/main" val="2131712126"/>
+      </p:ext>
+    </p:extLst>
+  </p:cSld>
+  <p:clrMapOvr>
+    <a:masterClrMapping/>
+  </p:clrMapOvr>
+</p:sld>
+</file>
+
+<file path=ppt/slides/slide9.xml><?xml version="1.0" encoding="utf-8"?>
+<p:sld xmlns:a="http://schemas.openxmlformats.org/drawingml/2006/main" xmlns:r="http://schemas.openxmlformats.org/officeDocument/2006/relationships" xmlns:p="http://schemas.openxmlformats.org/presentationml/2006/main">
+  <p:cSld>
+    <p:spTree>
+      <p:nvGrpSpPr>
+        <p:cNvPr id="1" name=""/>
+        <p:cNvGrpSpPr/>
+        <p:nvPr/>
+      </p:nvGrpSpPr>
+      <p:grpSpPr>
+        <a:xfrm>
+          <a:off x="0" y="0"/>
+          <a:ext cx="0" cy="0"/>
+          <a:chOff x="0" y="0"/>
+          <a:chExt cx="0" cy="0"/>
+        </a:xfrm>
+      </p:grpSpPr>
+      <p:sp>
+        <p:nvSpPr>
+          <p:cNvPr id="2" name="Title 1">
+            <a:extLst>
+              <a:ext uri="{FF2B5EF4-FFF2-40B4-BE49-F238E27FC236}">
+                <a16:creationId xmlns:a16="http://schemas.microsoft.com/office/drawing/2014/main" id="{AC3EF083-DA6C-445C-B547-74226ADB5693}"/>
+              </a:ext>
+            </a:extLst>
+          </p:cNvPr>
+          <p:cNvSpPr>
+            <a:spLocks noGrp="1"/>
+          </p:cNvSpPr>
+          <p:nvPr>
+            <p:ph type="title"/>
+          </p:nvPr>
+        </p:nvSpPr>
+        <p:spPr/>
+        <p:txBody>
+          <a:bodyPr/>
+          <a:lstStyle/>
+          <a:p>
+            <a:r>
+              <a:rPr lang="en-US" dirty="0"/>
+              <a:t>FUTURE IMPROVEMENTS</a:t>
+            </a:r>
+          </a:p>
+        </p:txBody>
+      </p:sp>
+      <p:sp>
+        <p:nvSpPr>
+          <p:cNvPr id="3" name="Content Placeholder 2">
+            <a:extLst>
+              <a:ext uri="{FF2B5EF4-FFF2-40B4-BE49-F238E27FC236}">
+                <a16:creationId xmlns:a16="http://schemas.microsoft.com/office/drawing/2014/main" id="{6B43A2FF-592F-4016-ABF5-60A7F7D0D8FE}"/>
+              </a:ext>
+            </a:extLst>
+          </p:cNvPr>
+          <p:cNvSpPr>
+            <a:spLocks noGrp="1"/>
+          </p:cNvSpPr>
+          <p:nvPr>
+            <p:ph idx="1"/>
+          </p:nvPr>
+        </p:nvSpPr>
+        <p:spPr>
+          <a:xfrm>
+            <a:off x="838200" y="1825625"/>
+            <a:ext cx="10515600" cy="1949421"/>
+          </a:xfrm>
+        </p:spPr>
+        <p:txBody>
+          <a:bodyPr/>
+          <a:lstStyle/>
+          <a:p>
+            <a:r>
+              <a:rPr lang="en-US" dirty="0"/>
+              <a:t>Model found to be Overfitting</a:t>
+            </a:r>
+          </a:p>
+          <a:p>
+            <a:r>
+              <a:rPr lang="en-US" dirty="0"/>
+              <a:t>Increase Accuracy/Recall</a:t>
+            </a:r>
+          </a:p>
+          <a:p>
+            <a:r>
+              <a:rPr lang="en-US" dirty="0"/>
+              <a:t>Cross-validation, Regularization or Ensemble techniques</a:t>
+            </a:r>
+          </a:p>
+          <a:p>
+            <a:endParaRPr lang="en-US" dirty="0"/>
+          </a:p>
+          <a:p>
+            <a:endParaRPr lang="en-US" dirty="0"/>
+          </a:p>
+        </p:txBody>
+      </p:sp>
+    </p:spTree>
+    <p:extLst>
+      <p:ext uri="{BB962C8B-B14F-4D97-AF65-F5344CB8AC3E}">
+        <p14:creationId xmlns:p14="http://schemas.microsoft.com/office/powerpoint/2010/main" val="3778114619"/>
       </p:ext>
     </p:extLst>
   </p:cSld>

--- a/NSL_KDD_Network_Security_Analysis.pptx
+++ b/NSL_KDD_Network_Security_Analysis.pptx
@@ -10,10 +10,11 @@
     <p:sldId id="258" r:id="rId4"/>
     <p:sldId id="259" r:id="rId5"/>
     <p:sldId id="260" r:id="rId6"/>
-    <p:sldId id="261" r:id="rId7"/>
-    <p:sldId id="264" r:id="rId8"/>
-    <p:sldId id="263" r:id="rId9"/>
-    <p:sldId id="265" r:id="rId10"/>
+    <p:sldId id="266" r:id="rId7"/>
+    <p:sldId id="261" r:id="rId8"/>
+    <p:sldId id="264" r:id="rId9"/>
+    <p:sldId id="263" r:id="rId10"/>
+    <p:sldId id="265" r:id="rId11"/>
   </p:sldIdLst>
   <p:sldSz cx="12192000" cy="6858000"/>
   <p:notesSz cx="6858000" cy="9144000"/>
@@ -121,6 +122,456 @@
 </file>
 
 <file path=ppt/charts/chart1.xml><?xml version="1.0" encoding="utf-8"?>
+<c:chartSpace xmlns:c="http://schemas.openxmlformats.org/drawingml/2006/chart" xmlns:a="http://schemas.openxmlformats.org/drawingml/2006/main" xmlns:r="http://schemas.openxmlformats.org/officeDocument/2006/relationships" xmlns:c16r2="http://schemas.microsoft.com/office/drawing/2015/06/chart">
+  <c:date1904 val="0"/>
+  <c:lang val="en-US"/>
+  <c:roundedCorners val="0"/>
+  <mc:AlternateContent xmlns:mc="http://schemas.openxmlformats.org/markup-compatibility/2006">
+    <mc:Choice xmlns:c14="http://schemas.microsoft.com/office/drawing/2007/8/2/chart" Requires="c14">
+      <c14:style val="107"/>
+    </mc:Choice>
+    <mc:Fallback>
+      <c:style val="7"/>
+    </mc:Fallback>
+  </mc:AlternateContent>
+  <c:chart>
+    <c:title>
+      <c:tx>
+        <c:rich>
+          <a:bodyPr rot="0" spcFirstLastPara="1" vertOverflow="ellipsis" vert="horz" wrap="square" anchor="ctr" anchorCtr="1"/>
+          <a:lstStyle/>
+          <a:p>
+            <a:pPr>
+              <a:defRPr sz="1400" b="0" i="0" u="none" strike="noStrike" kern="1200" spc="0" baseline="0">
+                <a:solidFill>
+                  <a:schemeClr val="bg1"/>
+                </a:solidFill>
+                <a:latin typeface="Times New Roman" panose="02020603050405020304" pitchFamily="18" charset="0"/>
+                <a:ea typeface="+mn-ea"/>
+                <a:cs typeface="Times New Roman" panose="02020603050405020304" pitchFamily="18" charset="0"/>
+              </a:defRPr>
+            </a:pPr>
+            <a:r>
+              <a:rPr lang="en-US"/>
+              <a:t>Frequency of Network Attacks</a:t>
+            </a:r>
+          </a:p>
+        </c:rich>
+      </c:tx>
+      <c:overlay val="0"/>
+      <c:spPr>
+        <a:noFill/>
+        <a:ln>
+          <a:noFill/>
+        </a:ln>
+        <a:effectLst/>
+      </c:spPr>
+      <c:txPr>
+        <a:bodyPr rot="0" spcFirstLastPara="1" vertOverflow="ellipsis" vert="horz" wrap="square" anchor="ctr" anchorCtr="1"/>
+        <a:lstStyle/>
+        <a:p>
+          <a:pPr>
+            <a:defRPr sz="1400" b="0" i="0" u="none" strike="noStrike" kern="1200" spc="0" baseline="0">
+              <a:solidFill>
+                <a:schemeClr val="bg1"/>
+              </a:solidFill>
+              <a:latin typeface="Times New Roman" panose="02020603050405020304" pitchFamily="18" charset="0"/>
+              <a:ea typeface="+mn-ea"/>
+              <a:cs typeface="Times New Roman" panose="02020603050405020304" pitchFamily="18" charset="0"/>
+            </a:defRPr>
+          </a:pPr>
+          <a:endParaRPr lang="en-US"/>
+        </a:p>
+      </c:txPr>
+    </c:title>
+    <c:autoTitleDeleted val="0"/>
+    <c:plotArea>
+      <c:layout/>
+      <c:barChart>
+        <c:barDir val="bar"/>
+        <c:grouping val="clustered"/>
+        <c:varyColors val="0"/>
+        <c:ser>
+          <c:idx val="0"/>
+          <c:order val="0"/>
+          <c:tx>
+            <c:strRef>
+              <c:f>Frequency!$B$1</c:f>
+              <c:strCache>
+                <c:ptCount val="1"/>
+                <c:pt idx="0">
+                  <c:v>Total Count</c:v>
+                </c:pt>
+              </c:strCache>
+            </c:strRef>
+          </c:tx>
+          <c:spPr>
+            <a:solidFill>
+              <a:schemeClr val="accent5"/>
+            </a:solidFill>
+            <a:ln>
+              <a:noFill/>
+            </a:ln>
+            <a:effectLst/>
+          </c:spPr>
+          <c:invertIfNegative val="0"/>
+          <c:cat>
+            <c:strRef>
+              <c:extLst>
+                <c:ext xmlns:c15="http://schemas.microsoft.com/office/drawing/2012/chart" uri="{02D57815-91ED-43cb-92C2-25804820EDAC}">
+                  <c15:fullRef>
+                    <c15:sqref>Frequency!$A$2:$A$12</c15:sqref>
+                  </c15:fullRef>
+                </c:ext>
+              </c:extLst>
+              <c:f>Frequency!$A$3:$A$12</c:f>
+              <c:strCache>
+                <c:ptCount val="10"/>
+                <c:pt idx="0">
+                  <c:v>neptune</c:v>
+                </c:pt>
+                <c:pt idx="1">
+                  <c:v>satan</c:v>
+                </c:pt>
+                <c:pt idx="2">
+                  <c:v>ipsweep</c:v>
+                </c:pt>
+                <c:pt idx="3">
+                  <c:v>portsweep</c:v>
+                </c:pt>
+                <c:pt idx="4">
+                  <c:v>smurf</c:v>
+                </c:pt>
+                <c:pt idx="5">
+                  <c:v>nmap</c:v>
+                </c:pt>
+                <c:pt idx="6">
+                  <c:v>back</c:v>
+                </c:pt>
+                <c:pt idx="7">
+                  <c:v>teardrop</c:v>
+                </c:pt>
+                <c:pt idx="8">
+                  <c:v>warezclient</c:v>
+                </c:pt>
+                <c:pt idx="9">
+                  <c:v>pod</c:v>
+                </c:pt>
+              </c:strCache>
+            </c:strRef>
+          </c:cat>
+          <c:val>
+            <c:numRef>
+              <c:extLst>
+                <c:ext xmlns:c15="http://schemas.microsoft.com/office/drawing/2012/chart" uri="{02D57815-91ED-43cb-92C2-25804820EDAC}">
+                  <c15:fullRef>
+                    <c15:sqref>Frequency!$B$2:$B$12</c15:sqref>
+                  </c15:fullRef>
+                </c:ext>
+              </c:extLst>
+              <c:f>Frequency!$B$3:$B$12</c:f>
+              <c:numCache>
+                <c:formatCode>General</c:formatCode>
+                <c:ptCount val="10"/>
+                <c:pt idx="0">
+                  <c:v>41214</c:v>
+                </c:pt>
+                <c:pt idx="1">
+                  <c:v>3633</c:v>
+                </c:pt>
+                <c:pt idx="2">
+                  <c:v>3599</c:v>
+                </c:pt>
+                <c:pt idx="3">
+                  <c:v>2931</c:v>
+                </c:pt>
+                <c:pt idx="4">
+                  <c:v>2646</c:v>
+                </c:pt>
+                <c:pt idx="5">
+                  <c:v>1493</c:v>
+                </c:pt>
+                <c:pt idx="6">
+                  <c:v>956</c:v>
+                </c:pt>
+                <c:pt idx="7">
+                  <c:v>892</c:v>
+                </c:pt>
+                <c:pt idx="8">
+                  <c:v>890</c:v>
+                </c:pt>
+                <c:pt idx="9">
+                  <c:v>201</c:v>
+                </c:pt>
+              </c:numCache>
+            </c:numRef>
+          </c:val>
+          <c:extLst>
+            <c:ext xmlns:c16="http://schemas.microsoft.com/office/drawing/2014/chart" uri="{C3380CC4-5D6E-409C-BE32-E72D297353CC}">
+              <c16:uniqueId val="{00000000-8DB8-498E-8BDE-7D6B88FF7DA6}"/>
+            </c:ext>
+          </c:extLst>
+        </c:ser>
+        <c:dLbls>
+          <c:showLegendKey val="0"/>
+          <c:showVal val="0"/>
+          <c:showCatName val="0"/>
+          <c:showSerName val="0"/>
+          <c:showPercent val="0"/>
+          <c:showBubbleSize val="0"/>
+        </c:dLbls>
+        <c:gapWidth val="182"/>
+        <c:axId val="488929440"/>
+        <c:axId val="159485280"/>
+      </c:barChart>
+      <c:catAx>
+        <c:axId val="488929440"/>
+        <c:scaling>
+          <c:orientation val="minMax"/>
+        </c:scaling>
+        <c:delete val="0"/>
+        <c:axPos val="l"/>
+        <c:title>
+          <c:tx>
+            <c:rich>
+              <a:bodyPr rot="-5400000" spcFirstLastPara="1" vertOverflow="ellipsis" vert="horz" wrap="square" anchor="ctr" anchorCtr="1"/>
+              <a:lstStyle/>
+              <a:p>
+                <a:pPr>
+                  <a:defRPr sz="1000" b="0" i="0" u="none" strike="noStrike" kern="1200" baseline="0">
+                    <a:solidFill>
+                      <a:schemeClr val="bg1"/>
+                    </a:solidFill>
+                    <a:latin typeface="Times New Roman" panose="02020603050405020304" pitchFamily="18" charset="0"/>
+                    <a:ea typeface="+mn-ea"/>
+                    <a:cs typeface="Times New Roman" panose="02020603050405020304" pitchFamily="18" charset="0"/>
+                  </a:defRPr>
+                </a:pPr>
+                <a:r>
+                  <a:rPr lang="en-US"/>
+                  <a:t>Attack</a:t>
+                </a:r>
+              </a:p>
+            </c:rich>
+          </c:tx>
+          <c:overlay val="0"/>
+          <c:spPr>
+            <a:noFill/>
+            <a:ln>
+              <a:noFill/>
+            </a:ln>
+            <a:effectLst/>
+          </c:spPr>
+          <c:txPr>
+            <a:bodyPr rot="-5400000" spcFirstLastPara="1" vertOverflow="ellipsis" vert="horz" wrap="square" anchor="ctr" anchorCtr="1"/>
+            <a:lstStyle/>
+            <a:p>
+              <a:pPr>
+                <a:defRPr sz="1000" b="0" i="0" u="none" strike="noStrike" kern="1200" baseline="0">
+                  <a:solidFill>
+                    <a:schemeClr val="bg1"/>
+                  </a:solidFill>
+                  <a:latin typeface="Times New Roman" panose="02020603050405020304" pitchFamily="18" charset="0"/>
+                  <a:ea typeface="+mn-ea"/>
+                  <a:cs typeface="Times New Roman" panose="02020603050405020304" pitchFamily="18" charset="0"/>
+                </a:defRPr>
+              </a:pPr>
+              <a:endParaRPr lang="en-US"/>
+            </a:p>
+          </c:txPr>
+        </c:title>
+        <c:numFmt formatCode="General" sourceLinked="1"/>
+        <c:majorTickMark val="none"/>
+        <c:minorTickMark val="none"/>
+        <c:tickLblPos val="nextTo"/>
+        <c:spPr>
+          <a:noFill/>
+          <a:ln w="9525" cap="flat" cmpd="sng" algn="ctr">
+            <a:solidFill>
+              <a:schemeClr val="tx1">
+                <a:lumMod val="15000"/>
+                <a:lumOff val="85000"/>
+              </a:schemeClr>
+            </a:solidFill>
+            <a:round/>
+          </a:ln>
+          <a:effectLst/>
+        </c:spPr>
+        <c:txPr>
+          <a:bodyPr rot="-60000000" spcFirstLastPara="1" vertOverflow="ellipsis" vert="horz" wrap="square" anchor="ctr" anchorCtr="1"/>
+          <a:lstStyle/>
+          <a:p>
+            <a:pPr>
+              <a:defRPr sz="900" b="0" i="0" u="none" strike="noStrike" kern="1200" baseline="0">
+                <a:solidFill>
+                  <a:schemeClr val="bg1"/>
+                </a:solidFill>
+                <a:latin typeface="Times New Roman" panose="02020603050405020304" pitchFamily="18" charset="0"/>
+                <a:ea typeface="+mn-ea"/>
+                <a:cs typeface="Times New Roman" panose="02020603050405020304" pitchFamily="18" charset="0"/>
+              </a:defRPr>
+            </a:pPr>
+            <a:endParaRPr lang="en-US"/>
+          </a:p>
+        </c:txPr>
+        <c:crossAx val="159485280"/>
+        <c:crosses val="autoZero"/>
+        <c:auto val="1"/>
+        <c:lblAlgn val="ctr"/>
+        <c:lblOffset val="100"/>
+        <c:noMultiLvlLbl val="0"/>
+      </c:catAx>
+      <c:valAx>
+        <c:axId val="159485280"/>
+        <c:scaling>
+          <c:orientation val="minMax"/>
+        </c:scaling>
+        <c:delete val="0"/>
+        <c:axPos val="b"/>
+        <c:majorGridlines>
+          <c:spPr>
+            <a:ln w="9525" cap="flat" cmpd="sng" algn="ctr">
+              <a:solidFill>
+                <a:schemeClr val="tx1">
+                  <a:lumMod val="15000"/>
+                  <a:lumOff val="85000"/>
+                </a:schemeClr>
+              </a:solidFill>
+              <a:round/>
+            </a:ln>
+            <a:effectLst/>
+          </c:spPr>
+        </c:majorGridlines>
+        <c:title>
+          <c:tx>
+            <c:rich>
+              <a:bodyPr rot="0" spcFirstLastPara="1" vertOverflow="ellipsis" vert="horz" wrap="square" anchor="ctr" anchorCtr="1"/>
+              <a:lstStyle/>
+              <a:p>
+                <a:pPr>
+                  <a:defRPr sz="1000" b="0" i="0" u="none" strike="noStrike" kern="1200" baseline="0">
+                    <a:solidFill>
+                      <a:schemeClr val="bg1"/>
+                    </a:solidFill>
+                    <a:latin typeface="Times New Roman" panose="02020603050405020304" pitchFamily="18" charset="0"/>
+                    <a:ea typeface="+mn-ea"/>
+                    <a:cs typeface="Times New Roman" panose="02020603050405020304" pitchFamily="18" charset="0"/>
+                  </a:defRPr>
+                </a:pPr>
+                <a:r>
+                  <a:rPr lang="en-US"/>
+                  <a:t>Frequency</a:t>
+                </a:r>
+              </a:p>
+            </c:rich>
+          </c:tx>
+          <c:overlay val="0"/>
+          <c:spPr>
+            <a:noFill/>
+            <a:ln>
+              <a:noFill/>
+            </a:ln>
+            <a:effectLst/>
+          </c:spPr>
+          <c:txPr>
+            <a:bodyPr rot="0" spcFirstLastPara="1" vertOverflow="ellipsis" vert="horz" wrap="square" anchor="ctr" anchorCtr="1"/>
+            <a:lstStyle/>
+            <a:p>
+              <a:pPr>
+                <a:defRPr sz="1000" b="0" i="0" u="none" strike="noStrike" kern="1200" baseline="0">
+                  <a:solidFill>
+                    <a:schemeClr val="bg1"/>
+                  </a:solidFill>
+                  <a:latin typeface="Times New Roman" panose="02020603050405020304" pitchFamily="18" charset="0"/>
+                  <a:ea typeface="+mn-ea"/>
+                  <a:cs typeface="Times New Roman" panose="02020603050405020304" pitchFamily="18" charset="0"/>
+                </a:defRPr>
+              </a:pPr>
+              <a:endParaRPr lang="en-US"/>
+            </a:p>
+          </c:txPr>
+        </c:title>
+        <c:numFmt formatCode="General" sourceLinked="1"/>
+        <c:majorTickMark val="none"/>
+        <c:minorTickMark val="none"/>
+        <c:tickLblPos val="nextTo"/>
+        <c:spPr>
+          <a:noFill/>
+          <a:ln>
+            <a:noFill/>
+          </a:ln>
+          <a:effectLst/>
+        </c:spPr>
+        <c:txPr>
+          <a:bodyPr rot="-60000000" spcFirstLastPara="1" vertOverflow="ellipsis" vert="horz" wrap="square" anchor="ctr" anchorCtr="1"/>
+          <a:lstStyle/>
+          <a:p>
+            <a:pPr>
+              <a:defRPr sz="900" b="0" i="0" u="none" strike="noStrike" kern="1200" baseline="0">
+                <a:solidFill>
+                  <a:schemeClr val="bg1"/>
+                </a:solidFill>
+                <a:latin typeface="Times New Roman" panose="02020603050405020304" pitchFamily="18" charset="0"/>
+                <a:ea typeface="+mn-ea"/>
+                <a:cs typeface="Times New Roman" panose="02020603050405020304" pitchFamily="18" charset="0"/>
+              </a:defRPr>
+            </a:pPr>
+            <a:endParaRPr lang="en-US"/>
+          </a:p>
+        </c:txPr>
+        <c:crossAx val="488929440"/>
+        <c:crosses val="autoZero"/>
+        <c:crossBetween val="between"/>
+      </c:valAx>
+      <c:spPr>
+        <a:noFill/>
+        <a:ln>
+          <a:noFill/>
+        </a:ln>
+        <a:effectLst/>
+      </c:spPr>
+    </c:plotArea>
+    <c:plotVisOnly val="1"/>
+    <c:dispBlanksAs val="gap"/>
+    <c:extLst>
+      <c:ext xmlns:c16r3="http://schemas.microsoft.com/office/drawing/2017/03/chart" uri="{56B9EC1D-385E-4148-901F-78D8002777C0}">
+        <c16r3:dataDisplayOptions16>
+          <c16r3:dispNaAsBlank val="1"/>
+        </c16r3:dataDisplayOptions16>
+      </c:ext>
+    </c:extLst>
+    <c:showDLblsOverMax val="0"/>
+  </c:chart>
+  <c:spPr>
+    <a:noFill/>
+    <a:ln>
+      <a:noFill/>
+    </a:ln>
+    <a:effectLst/>
+  </c:spPr>
+  <c:txPr>
+    <a:bodyPr/>
+    <a:lstStyle/>
+    <a:p>
+      <a:pPr>
+        <a:defRPr>
+          <a:solidFill>
+            <a:schemeClr val="bg1"/>
+          </a:solidFill>
+          <a:latin typeface="Times New Roman" panose="02020603050405020304" pitchFamily="18" charset="0"/>
+          <a:cs typeface="Times New Roman" panose="02020603050405020304" pitchFamily="18" charset="0"/>
+        </a:defRPr>
+      </a:pPr>
+      <a:endParaRPr lang="en-US"/>
+    </a:p>
+  </c:txPr>
+  <c:externalData r:id="rId3">
+    <c:autoUpdate val="0"/>
+  </c:externalData>
+</c:chartSpace>
+</file>
+
+<file path=ppt/charts/chart2.xml><?xml version="1.0" encoding="utf-8"?>
 <c:chartSpace xmlns:c="http://schemas.openxmlformats.org/drawingml/2006/chart" xmlns:a="http://schemas.openxmlformats.org/drawingml/2006/main" xmlns:r="http://schemas.openxmlformats.org/officeDocument/2006/relationships" xmlns:c16r2="http://schemas.microsoft.com/office/drawing/2015/06/chart">
   <c:date1904 val="0"/>
   <c:lang val="en-US"/>
@@ -436,7 +887,7 @@
 </c:chartSpace>
 </file>
 
-<file path=ppt/charts/chart2.xml><?xml version="1.0" encoding="utf-8"?>
+<file path=ppt/charts/chart3.xml><?xml version="1.0" encoding="utf-8"?>
 <c:chartSpace xmlns:c="http://schemas.openxmlformats.org/drawingml/2006/chart" xmlns:a="http://schemas.openxmlformats.org/drawingml/2006/main" xmlns:r="http://schemas.openxmlformats.org/officeDocument/2006/relationships" xmlns:c16r2="http://schemas.microsoft.com/office/drawing/2015/06/chart">
   <c:date1904 val="0"/>
   <c:lang val="en-US"/>
@@ -891,39 +1342,8 @@
 </file>
 
 <file path=ppt/charts/colors1.xml><?xml version="1.0" encoding="utf-8"?>
-<cs:colorStyle xmlns:cs="http://schemas.microsoft.com/office/drawing/2012/chartStyle" xmlns:a="http://schemas.openxmlformats.org/drawingml/2006/main" meth="cycle" id="13">
-  <a:schemeClr val="accent6"/>
+<cs:colorStyle xmlns:cs="http://schemas.microsoft.com/office/drawing/2012/chartStyle" xmlns:a="http://schemas.openxmlformats.org/drawingml/2006/main" meth="withinLinear" id="18">
   <a:schemeClr val="accent5"/>
-  <a:schemeClr val="accent4"/>
-  <cs:variation/>
-  <cs:variation>
-    <a:lumMod val="60000"/>
-  </cs:variation>
-  <cs:variation>
-    <a:lumMod val="80000"/>
-    <a:lumOff val="20000"/>
-  </cs:variation>
-  <cs:variation>
-    <a:lumMod val="80000"/>
-  </cs:variation>
-  <cs:variation>
-    <a:lumMod val="60000"/>
-    <a:lumOff val="40000"/>
-  </cs:variation>
-  <cs:variation>
-    <a:lumMod val="50000"/>
-  </cs:variation>
-  <cs:variation>
-    <a:lumMod val="70000"/>
-    <a:lumOff val="30000"/>
-  </cs:variation>
-  <cs:variation>
-    <a:lumMod val="70000"/>
-  </cs:variation>
-  <cs:variation>
-    <a:lumMod val="50000"/>
-    <a:lumOff val="50000"/>
-  </cs:variation>
 </cs:colorStyle>
 </file>
 
@@ -964,7 +1384,549 @@
 </cs:colorStyle>
 </file>
 
+<file path=ppt/charts/colors3.xml><?xml version="1.0" encoding="utf-8"?>
+<cs:colorStyle xmlns:cs="http://schemas.microsoft.com/office/drawing/2012/chartStyle" xmlns:a="http://schemas.openxmlformats.org/drawingml/2006/main" meth="cycle" id="13">
+  <a:schemeClr val="accent6"/>
+  <a:schemeClr val="accent5"/>
+  <a:schemeClr val="accent4"/>
+  <cs:variation/>
+  <cs:variation>
+    <a:lumMod val="60000"/>
+  </cs:variation>
+  <cs:variation>
+    <a:lumMod val="80000"/>
+    <a:lumOff val="20000"/>
+  </cs:variation>
+  <cs:variation>
+    <a:lumMod val="80000"/>
+  </cs:variation>
+  <cs:variation>
+    <a:lumMod val="60000"/>
+    <a:lumOff val="40000"/>
+  </cs:variation>
+  <cs:variation>
+    <a:lumMod val="50000"/>
+  </cs:variation>
+  <cs:variation>
+    <a:lumMod val="70000"/>
+    <a:lumOff val="30000"/>
+  </cs:variation>
+  <cs:variation>
+    <a:lumMod val="70000"/>
+  </cs:variation>
+  <cs:variation>
+    <a:lumMod val="50000"/>
+    <a:lumOff val="50000"/>
+  </cs:variation>
+</cs:colorStyle>
+</file>
+
 <file path=ppt/charts/style1.xml><?xml version="1.0" encoding="utf-8"?>
+<cs:chartStyle xmlns:cs="http://schemas.microsoft.com/office/drawing/2012/chartStyle" xmlns:a="http://schemas.openxmlformats.org/drawingml/2006/main" id="216">
+  <cs:axisTitle>
+    <cs:lnRef idx="0"/>
+    <cs:fillRef idx="0"/>
+    <cs:effectRef idx="0"/>
+    <cs:fontRef idx="minor">
+      <a:schemeClr val="tx1">
+        <a:lumMod val="65000"/>
+        <a:lumOff val="35000"/>
+      </a:schemeClr>
+    </cs:fontRef>
+    <cs:defRPr sz="1000" kern="1200"/>
+  </cs:axisTitle>
+  <cs:categoryAxis>
+    <cs:lnRef idx="0"/>
+    <cs:fillRef idx="0"/>
+    <cs:effectRef idx="0"/>
+    <cs:fontRef idx="minor">
+      <a:schemeClr val="tx1">
+        <a:lumMod val="65000"/>
+        <a:lumOff val="35000"/>
+      </a:schemeClr>
+    </cs:fontRef>
+    <cs:spPr>
+      <a:ln w="9525" cap="flat" cmpd="sng" algn="ctr">
+        <a:solidFill>
+          <a:schemeClr val="tx1">
+            <a:lumMod val="15000"/>
+            <a:lumOff val="85000"/>
+          </a:schemeClr>
+        </a:solidFill>
+        <a:round/>
+      </a:ln>
+    </cs:spPr>
+    <cs:defRPr sz="900" kern="1200"/>
+  </cs:categoryAxis>
+  <cs:chartArea mods="allowNoFillOverride allowNoLineOverride">
+    <cs:lnRef idx="0"/>
+    <cs:fillRef idx="0"/>
+    <cs:effectRef idx="0"/>
+    <cs:fontRef idx="minor">
+      <a:schemeClr val="tx1"/>
+    </cs:fontRef>
+    <cs:spPr>
+      <a:solidFill>
+        <a:schemeClr val="bg1"/>
+      </a:solidFill>
+      <a:ln w="9525" cap="flat" cmpd="sng" algn="ctr">
+        <a:solidFill>
+          <a:schemeClr val="tx1">
+            <a:lumMod val="15000"/>
+            <a:lumOff val="85000"/>
+          </a:schemeClr>
+        </a:solidFill>
+        <a:round/>
+      </a:ln>
+    </cs:spPr>
+    <cs:defRPr sz="1000" kern="1200"/>
+  </cs:chartArea>
+  <cs:dataLabel>
+    <cs:lnRef idx="0"/>
+    <cs:fillRef idx="0"/>
+    <cs:effectRef idx="0"/>
+    <cs:fontRef idx="minor">
+      <a:schemeClr val="tx1">
+        <a:lumMod val="75000"/>
+        <a:lumOff val="25000"/>
+      </a:schemeClr>
+    </cs:fontRef>
+    <cs:defRPr sz="900" kern="1200"/>
+  </cs:dataLabel>
+  <cs:dataLabelCallout>
+    <cs:lnRef idx="0"/>
+    <cs:fillRef idx="0"/>
+    <cs:effectRef idx="0"/>
+    <cs:fontRef idx="minor">
+      <a:schemeClr val="dk1">
+        <a:lumMod val="65000"/>
+        <a:lumOff val="35000"/>
+      </a:schemeClr>
+    </cs:fontRef>
+    <cs:spPr>
+      <a:solidFill>
+        <a:schemeClr val="lt1"/>
+      </a:solidFill>
+      <a:ln>
+        <a:solidFill>
+          <a:schemeClr val="dk1">
+            <a:lumMod val="25000"/>
+            <a:lumOff val="75000"/>
+          </a:schemeClr>
+        </a:solidFill>
+      </a:ln>
+    </cs:spPr>
+    <cs:defRPr sz="900" kern="1200"/>
+    <cs:bodyPr rot="0" spcFirstLastPara="1" vertOverflow="clip" horzOverflow="clip" vert="horz" wrap="square" lIns="36576" tIns="18288" rIns="36576" bIns="18288" anchor="ctr" anchorCtr="1">
+      <a:spAutoFit/>
+    </cs:bodyPr>
+  </cs:dataLabelCallout>
+  <cs:dataPoint>
+    <cs:lnRef idx="0"/>
+    <cs:fillRef idx="1">
+      <cs:styleClr val="auto"/>
+    </cs:fillRef>
+    <cs:effectRef idx="0"/>
+    <cs:fontRef idx="minor">
+      <a:schemeClr val="tx1"/>
+    </cs:fontRef>
+  </cs:dataPoint>
+  <cs:dataPoint3D>
+    <cs:lnRef idx="0"/>
+    <cs:fillRef idx="1">
+      <cs:styleClr val="auto"/>
+    </cs:fillRef>
+    <cs:effectRef idx="0"/>
+    <cs:fontRef idx="minor">
+      <a:schemeClr val="tx1"/>
+    </cs:fontRef>
+  </cs:dataPoint3D>
+  <cs:dataPointLine>
+    <cs:lnRef idx="0">
+      <cs:styleClr val="auto"/>
+    </cs:lnRef>
+    <cs:fillRef idx="1"/>
+    <cs:effectRef idx="0"/>
+    <cs:fontRef idx="minor">
+      <a:schemeClr val="tx1"/>
+    </cs:fontRef>
+    <cs:spPr>
+      <a:ln w="28575" cap="rnd">
+        <a:solidFill>
+          <a:schemeClr val="phClr"/>
+        </a:solidFill>
+        <a:round/>
+      </a:ln>
+    </cs:spPr>
+  </cs:dataPointLine>
+  <cs:dataPointMarker>
+    <cs:lnRef idx="0">
+      <cs:styleClr val="auto"/>
+    </cs:lnRef>
+    <cs:fillRef idx="1">
+      <cs:styleClr val="auto"/>
+    </cs:fillRef>
+    <cs:effectRef idx="0"/>
+    <cs:fontRef idx="minor">
+      <a:schemeClr val="tx1"/>
+    </cs:fontRef>
+    <cs:spPr>
+      <a:ln w="9525">
+        <a:solidFill>
+          <a:schemeClr val="phClr"/>
+        </a:solidFill>
+      </a:ln>
+    </cs:spPr>
+  </cs:dataPointMarker>
+  <cs:dataPointMarkerLayout symbol="circle" size="5"/>
+  <cs:dataPointWireframe>
+    <cs:lnRef idx="0">
+      <cs:styleClr val="auto"/>
+    </cs:lnRef>
+    <cs:fillRef idx="1"/>
+    <cs:effectRef idx="0"/>
+    <cs:fontRef idx="minor">
+      <a:schemeClr val="tx1"/>
+    </cs:fontRef>
+    <cs:spPr>
+      <a:ln w="9525" cap="rnd">
+        <a:solidFill>
+          <a:schemeClr val="phClr"/>
+        </a:solidFill>
+        <a:round/>
+      </a:ln>
+    </cs:spPr>
+  </cs:dataPointWireframe>
+  <cs:dataTable>
+    <cs:lnRef idx="0"/>
+    <cs:fillRef idx="0"/>
+    <cs:effectRef idx="0"/>
+    <cs:fontRef idx="minor">
+      <a:schemeClr val="tx1">
+        <a:lumMod val="65000"/>
+        <a:lumOff val="35000"/>
+      </a:schemeClr>
+    </cs:fontRef>
+    <cs:spPr>
+      <a:noFill/>
+      <a:ln w="9525" cap="flat" cmpd="sng" algn="ctr">
+        <a:solidFill>
+          <a:schemeClr val="tx1">
+            <a:lumMod val="15000"/>
+            <a:lumOff val="85000"/>
+          </a:schemeClr>
+        </a:solidFill>
+        <a:round/>
+      </a:ln>
+    </cs:spPr>
+    <cs:defRPr sz="900" kern="1200"/>
+  </cs:dataTable>
+  <cs:downBar>
+    <cs:lnRef idx="0"/>
+    <cs:fillRef idx="0"/>
+    <cs:effectRef idx="0"/>
+    <cs:fontRef idx="minor">
+      <a:schemeClr val="tx1"/>
+    </cs:fontRef>
+    <cs:spPr>
+      <a:solidFill>
+        <a:schemeClr val="dk1">
+          <a:lumMod val="75000"/>
+          <a:lumOff val="25000"/>
+        </a:schemeClr>
+      </a:solidFill>
+      <a:ln w="9525" cap="flat" cmpd="sng" algn="ctr">
+        <a:solidFill>
+          <a:schemeClr val="tx1">
+            <a:lumMod val="65000"/>
+            <a:lumOff val="35000"/>
+          </a:schemeClr>
+        </a:solidFill>
+        <a:round/>
+      </a:ln>
+    </cs:spPr>
+  </cs:downBar>
+  <cs:dropLine>
+    <cs:lnRef idx="0"/>
+    <cs:fillRef idx="0"/>
+    <cs:effectRef idx="0"/>
+    <cs:fontRef idx="minor">
+      <a:schemeClr val="tx1"/>
+    </cs:fontRef>
+    <cs:spPr>
+      <a:ln w="9525" cap="flat" cmpd="sng" algn="ctr">
+        <a:solidFill>
+          <a:schemeClr val="tx1">
+            <a:lumMod val="35000"/>
+            <a:lumOff val="65000"/>
+          </a:schemeClr>
+        </a:solidFill>
+        <a:round/>
+      </a:ln>
+    </cs:spPr>
+  </cs:dropLine>
+  <cs:errorBar>
+    <cs:lnRef idx="0"/>
+    <cs:fillRef idx="0"/>
+    <cs:effectRef idx="0"/>
+    <cs:fontRef idx="minor">
+      <a:schemeClr val="tx1"/>
+    </cs:fontRef>
+    <cs:spPr>
+      <a:ln w="9525" cap="flat" cmpd="sng" algn="ctr">
+        <a:solidFill>
+          <a:schemeClr val="tx1">
+            <a:lumMod val="65000"/>
+            <a:lumOff val="35000"/>
+          </a:schemeClr>
+        </a:solidFill>
+        <a:round/>
+      </a:ln>
+    </cs:spPr>
+  </cs:errorBar>
+  <cs:floor>
+    <cs:lnRef idx="0"/>
+    <cs:fillRef idx="0"/>
+    <cs:effectRef idx="0"/>
+    <cs:fontRef idx="minor">
+      <a:schemeClr val="tx1"/>
+    </cs:fontRef>
+    <cs:spPr>
+      <a:noFill/>
+      <a:ln>
+        <a:noFill/>
+      </a:ln>
+    </cs:spPr>
+  </cs:floor>
+  <cs:gridlineMajor>
+    <cs:lnRef idx="0"/>
+    <cs:fillRef idx="0"/>
+    <cs:effectRef idx="0"/>
+    <cs:fontRef idx="minor">
+      <a:schemeClr val="tx1"/>
+    </cs:fontRef>
+    <cs:spPr>
+      <a:ln w="9525" cap="flat" cmpd="sng" algn="ctr">
+        <a:solidFill>
+          <a:schemeClr val="tx1">
+            <a:lumMod val="15000"/>
+            <a:lumOff val="85000"/>
+          </a:schemeClr>
+        </a:solidFill>
+        <a:round/>
+      </a:ln>
+    </cs:spPr>
+  </cs:gridlineMajor>
+  <cs:gridlineMinor>
+    <cs:lnRef idx="0"/>
+    <cs:fillRef idx="0"/>
+    <cs:effectRef idx="0"/>
+    <cs:fontRef idx="minor">
+      <a:schemeClr val="tx1"/>
+    </cs:fontRef>
+    <cs:spPr>
+      <a:ln w="9525" cap="flat" cmpd="sng" algn="ctr">
+        <a:solidFill>
+          <a:schemeClr val="tx1">
+            <a:lumMod val="5000"/>
+            <a:lumOff val="95000"/>
+          </a:schemeClr>
+        </a:solidFill>
+        <a:round/>
+      </a:ln>
+    </cs:spPr>
+  </cs:gridlineMinor>
+  <cs:hiLoLine>
+    <cs:lnRef idx="0"/>
+    <cs:fillRef idx="0"/>
+    <cs:effectRef idx="0"/>
+    <cs:fontRef idx="minor">
+      <a:schemeClr val="tx1"/>
+    </cs:fontRef>
+    <cs:spPr>
+      <a:ln w="9525" cap="flat" cmpd="sng" algn="ctr">
+        <a:solidFill>
+          <a:schemeClr val="tx1">
+            <a:lumMod val="50000"/>
+            <a:lumOff val="50000"/>
+          </a:schemeClr>
+        </a:solidFill>
+        <a:round/>
+      </a:ln>
+    </cs:spPr>
+  </cs:hiLoLine>
+  <cs:leaderLine>
+    <cs:lnRef idx="0"/>
+    <cs:fillRef idx="0"/>
+    <cs:effectRef idx="0"/>
+    <cs:fontRef idx="minor">
+      <a:schemeClr val="tx1"/>
+    </cs:fontRef>
+    <cs:spPr>
+      <a:ln w="9525" cap="flat" cmpd="sng" algn="ctr">
+        <a:solidFill>
+          <a:schemeClr val="tx1">
+            <a:lumMod val="35000"/>
+            <a:lumOff val="65000"/>
+          </a:schemeClr>
+        </a:solidFill>
+        <a:round/>
+      </a:ln>
+    </cs:spPr>
+  </cs:leaderLine>
+  <cs:legend>
+    <cs:lnRef idx="0"/>
+    <cs:fillRef idx="0"/>
+    <cs:effectRef idx="0"/>
+    <cs:fontRef idx="minor">
+      <a:schemeClr val="tx1">
+        <a:lumMod val="65000"/>
+        <a:lumOff val="35000"/>
+      </a:schemeClr>
+    </cs:fontRef>
+    <cs:defRPr sz="900" kern="1200"/>
+  </cs:legend>
+  <cs:plotArea mods="allowNoFillOverride allowNoLineOverride">
+    <cs:lnRef idx="0"/>
+    <cs:fillRef idx="0"/>
+    <cs:effectRef idx="0"/>
+    <cs:fontRef idx="minor">
+      <a:schemeClr val="tx1"/>
+    </cs:fontRef>
+  </cs:plotArea>
+  <cs:plotArea3D mods="allowNoFillOverride allowNoLineOverride">
+    <cs:lnRef idx="0"/>
+    <cs:fillRef idx="0"/>
+    <cs:effectRef idx="0"/>
+    <cs:fontRef idx="minor">
+      <a:schemeClr val="tx1"/>
+    </cs:fontRef>
+  </cs:plotArea3D>
+  <cs:seriesAxis>
+    <cs:lnRef idx="0"/>
+    <cs:fillRef idx="0"/>
+    <cs:effectRef idx="0"/>
+    <cs:fontRef idx="minor">
+      <a:schemeClr val="tx1">
+        <a:lumMod val="65000"/>
+        <a:lumOff val="35000"/>
+      </a:schemeClr>
+    </cs:fontRef>
+    <cs:defRPr sz="900" kern="1200"/>
+  </cs:seriesAxis>
+  <cs:seriesLine>
+    <cs:lnRef idx="0"/>
+    <cs:fillRef idx="0"/>
+    <cs:effectRef idx="0"/>
+    <cs:fontRef idx="minor">
+      <a:schemeClr val="tx1"/>
+    </cs:fontRef>
+    <cs:spPr>
+      <a:ln w="9525" cap="flat" cmpd="sng" algn="ctr">
+        <a:solidFill>
+          <a:schemeClr val="tx1">
+            <a:lumMod val="35000"/>
+            <a:lumOff val="65000"/>
+          </a:schemeClr>
+        </a:solidFill>
+        <a:round/>
+      </a:ln>
+    </cs:spPr>
+  </cs:seriesLine>
+  <cs:title>
+    <cs:lnRef idx="0"/>
+    <cs:fillRef idx="0"/>
+    <cs:effectRef idx="0"/>
+    <cs:fontRef idx="minor">
+      <a:schemeClr val="tx1">
+        <a:lumMod val="65000"/>
+        <a:lumOff val="35000"/>
+      </a:schemeClr>
+    </cs:fontRef>
+    <cs:defRPr sz="1400" b="0" kern="1200" spc="0" baseline="0"/>
+  </cs:title>
+  <cs:trendline>
+    <cs:lnRef idx="0">
+      <cs:styleClr val="auto"/>
+    </cs:lnRef>
+    <cs:fillRef idx="0"/>
+    <cs:effectRef idx="0"/>
+    <cs:fontRef idx="minor">
+      <a:schemeClr val="tx1"/>
+    </cs:fontRef>
+    <cs:spPr>
+      <a:ln w="19050" cap="rnd">
+        <a:solidFill>
+          <a:schemeClr val="phClr"/>
+        </a:solidFill>
+        <a:prstDash val="sysDot"/>
+      </a:ln>
+    </cs:spPr>
+  </cs:trendline>
+  <cs:trendlineLabel>
+    <cs:lnRef idx="0"/>
+    <cs:fillRef idx="0"/>
+    <cs:effectRef idx="0"/>
+    <cs:fontRef idx="minor">
+      <a:schemeClr val="tx1">
+        <a:lumMod val="65000"/>
+        <a:lumOff val="35000"/>
+      </a:schemeClr>
+    </cs:fontRef>
+    <cs:defRPr sz="900" kern="1200"/>
+  </cs:trendlineLabel>
+  <cs:upBar>
+    <cs:lnRef idx="0"/>
+    <cs:fillRef idx="0"/>
+    <cs:effectRef idx="0"/>
+    <cs:fontRef idx="minor">
+      <a:schemeClr val="tx1"/>
+    </cs:fontRef>
+    <cs:spPr>
+      <a:solidFill>
+        <a:schemeClr val="lt1"/>
+      </a:solidFill>
+      <a:ln w="9525" cap="flat" cmpd="sng" algn="ctr">
+        <a:solidFill>
+          <a:schemeClr val="tx1">
+            <a:lumMod val="65000"/>
+            <a:lumOff val="35000"/>
+          </a:schemeClr>
+        </a:solidFill>
+        <a:round/>
+      </a:ln>
+    </cs:spPr>
+  </cs:upBar>
+  <cs:valueAxis>
+    <cs:lnRef idx="0"/>
+    <cs:fillRef idx="0"/>
+    <cs:effectRef idx="0"/>
+    <cs:fontRef idx="minor">
+      <a:schemeClr val="tx1">
+        <a:lumMod val="65000"/>
+        <a:lumOff val="35000"/>
+      </a:schemeClr>
+    </cs:fontRef>
+    <cs:defRPr sz="900" kern="1200"/>
+  </cs:valueAxis>
+  <cs:wall>
+    <cs:lnRef idx="0"/>
+    <cs:fillRef idx="0"/>
+    <cs:effectRef idx="0"/>
+    <cs:fontRef idx="minor">
+      <a:schemeClr val="tx1"/>
+    </cs:fontRef>
+    <cs:spPr>
+      <a:noFill/>
+      <a:ln>
+        <a:noFill/>
+      </a:ln>
+    </cs:spPr>
+  </cs:wall>
+</cs:chartStyle>
+</file>
+
+<file path=ppt/charts/style2.xml><?xml version="1.0" encoding="utf-8"?>
 <cs:chartStyle xmlns:cs="http://schemas.microsoft.com/office/drawing/2012/chartStyle" xmlns:a="http://schemas.openxmlformats.org/drawingml/2006/main" id="253">
   <cs:axisTitle>
     <cs:lnRef idx="0"/>
@@ -1565,7 +2527,7 @@
 </cs:chartStyle>
 </file>
 
-<file path=ppt/charts/style2.xml><?xml version="1.0" encoding="utf-8"?>
+<file path=ppt/charts/style3.xml><?xml version="1.0" encoding="utf-8"?>
 <cs:chartStyle xmlns:cs="http://schemas.microsoft.com/office/drawing/2012/chartStyle" xmlns:a="http://schemas.openxmlformats.org/drawingml/2006/main" id="253">
   <cs:axisTitle>
     <cs:lnRef idx="0"/>
@@ -5581,6 +6543,115 @@
 </p:sld>
 </file>
 
+<file path=ppt/slides/slide10.xml><?xml version="1.0" encoding="utf-8"?>
+<p:sld xmlns:a="http://schemas.openxmlformats.org/drawingml/2006/main" xmlns:r="http://schemas.openxmlformats.org/officeDocument/2006/relationships" xmlns:p="http://schemas.openxmlformats.org/presentationml/2006/main">
+  <p:cSld>
+    <p:spTree>
+      <p:nvGrpSpPr>
+        <p:cNvPr id="1" name=""/>
+        <p:cNvGrpSpPr/>
+        <p:nvPr/>
+      </p:nvGrpSpPr>
+      <p:grpSpPr>
+        <a:xfrm>
+          <a:off x="0" y="0"/>
+          <a:ext cx="0" cy="0"/>
+          <a:chOff x="0" y="0"/>
+          <a:chExt cx="0" cy="0"/>
+        </a:xfrm>
+      </p:grpSpPr>
+      <p:sp>
+        <p:nvSpPr>
+          <p:cNvPr id="2" name="Title 1">
+            <a:extLst>
+              <a:ext uri="{FF2B5EF4-FFF2-40B4-BE49-F238E27FC236}">
+                <a16:creationId xmlns:a16="http://schemas.microsoft.com/office/drawing/2014/main" id="{AC3EF083-DA6C-445C-B547-74226ADB5693}"/>
+              </a:ext>
+            </a:extLst>
+          </p:cNvPr>
+          <p:cNvSpPr>
+            <a:spLocks noGrp="1"/>
+          </p:cNvSpPr>
+          <p:nvPr>
+            <p:ph type="title"/>
+          </p:nvPr>
+        </p:nvSpPr>
+        <p:spPr/>
+        <p:txBody>
+          <a:bodyPr/>
+          <a:lstStyle/>
+          <a:p>
+            <a:r>
+              <a:rPr lang="en-US" dirty="0"/>
+              <a:t>FUTURE IMPROVEMENTS</a:t>
+            </a:r>
+          </a:p>
+        </p:txBody>
+      </p:sp>
+      <p:sp>
+        <p:nvSpPr>
+          <p:cNvPr id="3" name="Content Placeholder 2">
+            <a:extLst>
+              <a:ext uri="{FF2B5EF4-FFF2-40B4-BE49-F238E27FC236}">
+                <a16:creationId xmlns:a16="http://schemas.microsoft.com/office/drawing/2014/main" id="{6B43A2FF-592F-4016-ABF5-60A7F7D0D8FE}"/>
+              </a:ext>
+            </a:extLst>
+          </p:cNvPr>
+          <p:cNvSpPr>
+            <a:spLocks noGrp="1"/>
+          </p:cNvSpPr>
+          <p:nvPr>
+            <p:ph idx="1"/>
+          </p:nvPr>
+        </p:nvSpPr>
+        <p:spPr>
+          <a:xfrm>
+            <a:off x="838200" y="1825625"/>
+            <a:ext cx="10515600" cy="1949421"/>
+          </a:xfrm>
+        </p:spPr>
+        <p:txBody>
+          <a:bodyPr/>
+          <a:lstStyle/>
+          <a:p>
+            <a:r>
+              <a:rPr lang="en-US" dirty="0"/>
+              <a:t>Model found to be Overfitting</a:t>
+            </a:r>
+          </a:p>
+          <a:p>
+            <a:r>
+              <a:rPr lang="en-US" dirty="0"/>
+              <a:t>Increase Accuracy/Recall</a:t>
+            </a:r>
+          </a:p>
+          <a:p>
+            <a:r>
+              <a:rPr lang="en-US" dirty="0"/>
+              <a:t>Cross-validation, Regularization or Ensemble techniques</a:t>
+            </a:r>
+          </a:p>
+          <a:p>
+            <a:endParaRPr lang="en-US" dirty="0"/>
+          </a:p>
+          <a:p>
+            <a:endParaRPr lang="en-US" dirty="0"/>
+          </a:p>
+        </p:txBody>
+      </p:sp>
+    </p:spTree>
+    <p:extLst>
+      <p:ext uri="{BB962C8B-B14F-4D97-AF65-F5344CB8AC3E}">
+        <p14:creationId xmlns:p14="http://schemas.microsoft.com/office/powerpoint/2010/main" val="3778114619"/>
+      </p:ext>
+    </p:extLst>
+  </p:cSld>
+  <p:clrMapOvr>
+    <a:masterClrMapping/>
+  </p:clrMapOvr>
+</p:sld>
+</file>
+
 <file path=ppt/slides/slide2.xml><?xml version="1.0" encoding="utf-8"?>
 <p:sld xmlns:a="http://schemas.openxmlformats.org/drawingml/2006/main" xmlns:r="http://schemas.openxmlformats.org/officeDocument/2006/relationships" xmlns:p="http://schemas.openxmlformats.org/presentationml/2006/main">
   <p:cSld>
@@ -6593,6 +7664,2273 @@
           <p:cNvPr id="2" name="Title 1">
             <a:extLst>
               <a:ext uri="{FF2B5EF4-FFF2-40B4-BE49-F238E27FC236}">
+                <a16:creationId xmlns:a16="http://schemas.microsoft.com/office/drawing/2014/main" id="{05D7191D-869C-480E-9862-78ACDF1974D1}"/>
+              </a:ext>
+            </a:extLst>
+          </p:cNvPr>
+          <p:cNvSpPr>
+            <a:spLocks noGrp="1"/>
+          </p:cNvSpPr>
+          <p:nvPr>
+            <p:ph type="title"/>
+          </p:nvPr>
+        </p:nvSpPr>
+        <p:spPr/>
+        <p:txBody>
+          <a:bodyPr/>
+          <a:lstStyle/>
+          <a:p>
+            <a:r>
+              <a:rPr lang="en-US" dirty="0"/>
+              <a:t>TYPES OF ATTACKS</a:t>
+            </a:r>
+          </a:p>
+        </p:txBody>
+      </p:sp>
+      <p:graphicFrame>
+        <p:nvGraphicFramePr>
+          <p:cNvPr id="5" name="Content Placeholder 4">
+            <a:extLst>
+              <a:ext uri="{FF2B5EF4-FFF2-40B4-BE49-F238E27FC236}">
+                <a16:creationId xmlns:a16="http://schemas.microsoft.com/office/drawing/2014/main" id="{BC84C2D1-6D16-4184-B48B-4125C0E9C57E}"/>
+              </a:ext>
+            </a:extLst>
+          </p:cNvPr>
+          <p:cNvGraphicFramePr>
+            <a:graphicFrameLocks noGrp="1"/>
+          </p:cNvGraphicFramePr>
+          <p:nvPr>
+            <p:ph idx="1"/>
+            <p:extLst>
+              <p:ext uri="{D42A27DB-BD31-4B8C-83A1-F6EECF244321}">
+                <p14:modId xmlns:p14="http://schemas.microsoft.com/office/powerpoint/2010/main" val="78515358"/>
+              </p:ext>
+            </p:extLst>
+          </p:nvPr>
+        </p:nvGraphicFramePr>
+        <p:xfrm>
+          <a:off x="960276" y="1535185"/>
+          <a:ext cx="3956180" cy="4208112"/>
+        </p:xfrm>
+        <a:graphic>
+          <a:graphicData uri="http://schemas.openxmlformats.org/drawingml/2006/table">
+            <a:tbl>
+              <a:tblPr>
+                <a:tableStyleId>{5940675A-B579-460E-94D1-54222C63F5DA}</a:tableStyleId>
+              </a:tblPr>
+              <a:tblGrid>
+                <a:gridCol w="937666">
+                  <a:extLst>
+                    <a:ext uri="{9D8B030D-6E8A-4147-A177-3AD203B41FA5}">
+                      <a16:colId xmlns:a16="http://schemas.microsoft.com/office/drawing/2014/main" val="252653784"/>
+                    </a:ext>
+                  </a:extLst>
+                </a:gridCol>
+                <a:gridCol w="937666">
+                  <a:extLst>
+                    <a:ext uri="{9D8B030D-6E8A-4147-A177-3AD203B41FA5}">
+                      <a16:colId xmlns:a16="http://schemas.microsoft.com/office/drawing/2014/main" val="2173456377"/>
+                    </a:ext>
+                  </a:extLst>
+                </a:gridCol>
+                <a:gridCol w="1053268">
+                  <a:extLst>
+                    <a:ext uri="{9D8B030D-6E8A-4147-A177-3AD203B41FA5}">
+                      <a16:colId xmlns:a16="http://schemas.microsoft.com/office/drawing/2014/main" val="2600908878"/>
+                    </a:ext>
+                  </a:extLst>
+                </a:gridCol>
+                <a:gridCol w="1027580">
+                  <a:extLst>
+                    <a:ext uri="{9D8B030D-6E8A-4147-A177-3AD203B41FA5}">
+                      <a16:colId xmlns:a16="http://schemas.microsoft.com/office/drawing/2014/main" val="3145042047"/>
+                    </a:ext>
+                  </a:extLst>
+                </a:gridCol>
+              </a:tblGrid>
+              <a:tr h="247536">
+                <a:tc>
+                  <a:txBody>
+                    <a:bodyPr/>
+                    <a:lstStyle/>
+                    <a:p>
+                      <a:pPr algn="l" fontAlgn="b"/>
+                      <a:r>
+                        <a:rPr lang="en-US" sz="1100" b="1" u="none" strike="noStrike" dirty="0">
+                          <a:solidFill>
+                            <a:schemeClr val="bg1"/>
+                          </a:solidFill>
+                          <a:effectLst/>
+                        </a:rPr>
+                        <a:t>DoS</a:t>
+                      </a:r>
+                      <a:endParaRPr lang="en-US" sz="1100" b="1" i="0" u="none" strike="noStrike" dirty="0">
+                        <a:solidFill>
+                          <a:schemeClr val="bg1"/>
+                        </a:solidFill>
+                        <a:effectLst/>
+                        <a:latin typeface="Calibri" panose="020F0502020204030204" pitchFamily="34" charset="0"/>
+                      </a:endParaRPr>
+                    </a:p>
+                  </a:txBody>
+                  <a:tcPr marL="7620" marR="7620" marT="7620" marB="0" anchor="b">
+                    <a:lnB w="12700" cap="flat" cmpd="sng" algn="ctr">
+                      <a:solidFill>
+                        <a:schemeClr val="bg1"/>
+                      </a:solidFill>
+                      <a:prstDash val="solid"/>
+                      <a:round/>
+                      <a:headEnd type="none" w="med" len="med"/>
+                      <a:tailEnd type="none" w="med" len="med"/>
+                    </a:lnB>
+                  </a:tcPr>
+                </a:tc>
+                <a:tc>
+                  <a:txBody>
+                    <a:bodyPr/>
+                    <a:lstStyle/>
+                    <a:p>
+                      <a:pPr algn="l" fontAlgn="b"/>
+                      <a:r>
+                        <a:rPr lang="en-US" sz="1100" b="1" u="none" strike="noStrike" dirty="0">
+                          <a:solidFill>
+                            <a:schemeClr val="bg1"/>
+                          </a:solidFill>
+                          <a:effectLst/>
+                        </a:rPr>
+                        <a:t>Probe</a:t>
+                      </a:r>
+                      <a:endParaRPr lang="en-US" sz="1100" b="1" i="0" u="none" strike="noStrike" dirty="0">
+                        <a:solidFill>
+                          <a:schemeClr val="bg1"/>
+                        </a:solidFill>
+                        <a:effectLst/>
+                        <a:latin typeface="Calibri" panose="020F0502020204030204" pitchFamily="34" charset="0"/>
+                      </a:endParaRPr>
+                    </a:p>
+                  </a:txBody>
+                  <a:tcPr marL="7620" marR="7620" marT="7620" marB="0" anchor="b">
+                    <a:lnB w="12700" cap="flat" cmpd="sng" algn="ctr">
+                      <a:solidFill>
+                        <a:schemeClr val="bg1"/>
+                      </a:solidFill>
+                      <a:prstDash val="solid"/>
+                      <a:round/>
+                      <a:headEnd type="none" w="med" len="med"/>
+                      <a:tailEnd type="none" w="med" len="med"/>
+                    </a:lnB>
+                  </a:tcPr>
+                </a:tc>
+                <a:tc>
+                  <a:txBody>
+                    <a:bodyPr/>
+                    <a:lstStyle/>
+                    <a:p>
+                      <a:pPr algn="l" fontAlgn="b"/>
+                      <a:r>
+                        <a:rPr lang="en-US" sz="1100" b="1" u="none" strike="noStrike" dirty="0">
+                          <a:solidFill>
+                            <a:schemeClr val="bg1"/>
+                          </a:solidFill>
+                          <a:effectLst/>
+                        </a:rPr>
+                        <a:t>Privilege</a:t>
+                      </a:r>
+                      <a:endParaRPr lang="en-US" sz="1100" b="1" i="0" u="none" strike="noStrike" dirty="0">
+                        <a:solidFill>
+                          <a:schemeClr val="bg1"/>
+                        </a:solidFill>
+                        <a:effectLst/>
+                        <a:latin typeface="Calibri" panose="020F0502020204030204" pitchFamily="34" charset="0"/>
+                      </a:endParaRPr>
+                    </a:p>
+                  </a:txBody>
+                  <a:tcPr marL="7620" marR="7620" marT="7620" marB="0" anchor="b">
+                    <a:lnB w="12700" cap="flat" cmpd="sng" algn="ctr">
+                      <a:solidFill>
+                        <a:schemeClr val="bg1"/>
+                      </a:solidFill>
+                      <a:prstDash val="solid"/>
+                      <a:round/>
+                      <a:headEnd type="none" w="med" len="med"/>
+                      <a:tailEnd type="none" w="med" len="med"/>
+                    </a:lnB>
+                  </a:tcPr>
+                </a:tc>
+                <a:tc>
+                  <a:txBody>
+                    <a:bodyPr/>
+                    <a:lstStyle/>
+                    <a:p>
+                      <a:pPr algn="l" fontAlgn="b"/>
+                      <a:r>
+                        <a:rPr lang="en-US" sz="1100" b="1" u="none" strike="noStrike" dirty="0">
+                          <a:solidFill>
+                            <a:schemeClr val="bg1"/>
+                          </a:solidFill>
+                          <a:effectLst/>
+                        </a:rPr>
+                        <a:t>Access</a:t>
+                      </a:r>
+                      <a:endParaRPr lang="en-US" sz="1100" b="1" i="0" u="none" strike="noStrike" dirty="0">
+                        <a:solidFill>
+                          <a:schemeClr val="bg1"/>
+                        </a:solidFill>
+                        <a:effectLst/>
+                        <a:latin typeface="Calibri" panose="020F0502020204030204" pitchFamily="34" charset="0"/>
+                      </a:endParaRPr>
+                    </a:p>
+                  </a:txBody>
+                  <a:tcPr marL="7620" marR="7620" marT="7620" marB="0" anchor="b">
+                    <a:lnB w="12700" cap="flat" cmpd="sng" algn="ctr">
+                      <a:solidFill>
+                        <a:schemeClr val="bg1"/>
+                      </a:solidFill>
+                      <a:prstDash val="solid"/>
+                      <a:round/>
+                      <a:headEnd type="none" w="med" len="med"/>
+                      <a:tailEnd type="none" w="med" len="med"/>
+                    </a:lnB>
+                  </a:tcPr>
+                </a:tc>
+                <a:extLst>
+                  <a:ext uri="{0D108BD9-81ED-4DB2-BD59-A6C34878D82A}">
+                    <a16:rowId xmlns:a16="http://schemas.microsoft.com/office/drawing/2014/main" val="4019375730"/>
+                  </a:ext>
+                </a:extLst>
+              </a:tr>
+              <a:tr h="247536">
+                <a:tc>
+                  <a:txBody>
+                    <a:bodyPr/>
+                    <a:lstStyle/>
+                    <a:p>
+                      <a:pPr algn="l" fontAlgn="b"/>
+                      <a:r>
+                        <a:rPr lang="en-US" sz="1100" u="none" strike="noStrike">
+                          <a:solidFill>
+                            <a:schemeClr val="bg1"/>
+                          </a:solidFill>
+                          <a:effectLst/>
+                        </a:rPr>
+                        <a:t>apache2</a:t>
+                      </a:r>
+                      <a:endParaRPr lang="en-US" sz="1100" b="0" i="0" u="none" strike="noStrike">
+                        <a:solidFill>
+                          <a:schemeClr val="bg1"/>
+                        </a:solidFill>
+                        <a:effectLst/>
+                        <a:latin typeface="Calibri" panose="020F0502020204030204" pitchFamily="34" charset="0"/>
+                      </a:endParaRPr>
+                    </a:p>
+                  </a:txBody>
+                  <a:tcPr marL="7620" marR="7620" marT="7620" marB="0" anchor="b">
+                    <a:lnT w="12700" cap="flat" cmpd="sng" algn="ctr">
+                      <a:solidFill>
+                        <a:schemeClr val="bg1"/>
+                      </a:solidFill>
+                      <a:prstDash val="solid"/>
+                      <a:round/>
+                      <a:headEnd type="none" w="med" len="med"/>
+                      <a:tailEnd type="none" w="med" len="med"/>
+                    </a:lnT>
+                  </a:tcPr>
+                </a:tc>
+                <a:tc>
+                  <a:txBody>
+                    <a:bodyPr/>
+                    <a:lstStyle/>
+                    <a:p>
+                      <a:pPr algn="l" fontAlgn="b"/>
+                      <a:r>
+                        <a:rPr lang="en-US" sz="1100" u="none" strike="noStrike" dirty="0" err="1">
+                          <a:solidFill>
+                            <a:schemeClr val="bg1"/>
+                          </a:solidFill>
+                          <a:effectLst/>
+                        </a:rPr>
+                        <a:t>ipsweep</a:t>
+                      </a:r>
+                      <a:endParaRPr lang="en-US" sz="1100" b="0" i="0" u="none" strike="noStrike" dirty="0">
+                        <a:solidFill>
+                          <a:schemeClr val="bg1"/>
+                        </a:solidFill>
+                        <a:effectLst/>
+                        <a:latin typeface="Calibri" panose="020F0502020204030204" pitchFamily="34" charset="0"/>
+                      </a:endParaRPr>
+                    </a:p>
+                  </a:txBody>
+                  <a:tcPr marL="7620" marR="7620" marT="7620" marB="0" anchor="b">
+                    <a:lnT w="12700" cap="flat" cmpd="sng" algn="ctr">
+                      <a:solidFill>
+                        <a:schemeClr val="bg1"/>
+                      </a:solidFill>
+                      <a:prstDash val="solid"/>
+                      <a:round/>
+                      <a:headEnd type="none" w="med" len="med"/>
+                      <a:tailEnd type="none" w="med" len="med"/>
+                    </a:lnT>
+                  </a:tcPr>
+                </a:tc>
+                <a:tc>
+                  <a:txBody>
+                    <a:bodyPr/>
+                    <a:lstStyle/>
+                    <a:p>
+                      <a:pPr algn="l" fontAlgn="b"/>
+                      <a:r>
+                        <a:rPr lang="en-US" sz="1100" u="none" strike="noStrike" dirty="0" err="1">
+                          <a:solidFill>
+                            <a:schemeClr val="bg1"/>
+                          </a:solidFill>
+                          <a:effectLst/>
+                        </a:rPr>
+                        <a:t>buffer_overflow</a:t>
+                      </a:r>
+                      <a:endParaRPr lang="en-US" sz="1100" b="0" i="0" u="none" strike="noStrike" dirty="0">
+                        <a:solidFill>
+                          <a:schemeClr val="bg1"/>
+                        </a:solidFill>
+                        <a:effectLst/>
+                        <a:latin typeface="Calibri" panose="020F0502020204030204" pitchFamily="34" charset="0"/>
+                      </a:endParaRPr>
+                    </a:p>
+                  </a:txBody>
+                  <a:tcPr marL="7620" marR="7620" marT="7620" marB="0" anchor="b">
+                    <a:lnT w="12700" cap="flat" cmpd="sng" algn="ctr">
+                      <a:solidFill>
+                        <a:schemeClr val="bg1"/>
+                      </a:solidFill>
+                      <a:prstDash val="solid"/>
+                      <a:round/>
+                      <a:headEnd type="none" w="med" len="med"/>
+                      <a:tailEnd type="none" w="med" len="med"/>
+                    </a:lnT>
+                  </a:tcPr>
+                </a:tc>
+                <a:tc>
+                  <a:txBody>
+                    <a:bodyPr/>
+                    <a:lstStyle/>
+                    <a:p>
+                      <a:pPr algn="l" fontAlgn="b"/>
+                      <a:r>
+                        <a:rPr lang="en-US" sz="1100" u="none" strike="noStrike">
+                          <a:solidFill>
+                            <a:schemeClr val="bg1"/>
+                          </a:solidFill>
+                          <a:effectLst/>
+                        </a:rPr>
+                        <a:t>ftp_write</a:t>
+                      </a:r>
+                      <a:endParaRPr lang="en-US" sz="1100" b="0" i="0" u="none" strike="noStrike">
+                        <a:solidFill>
+                          <a:schemeClr val="bg1"/>
+                        </a:solidFill>
+                        <a:effectLst/>
+                        <a:latin typeface="Calibri" panose="020F0502020204030204" pitchFamily="34" charset="0"/>
+                      </a:endParaRPr>
+                    </a:p>
+                  </a:txBody>
+                  <a:tcPr marL="7620" marR="7620" marT="7620" marB="0" anchor="b">
+                    <a:lnT w="12700" cap="flat" cmpd="sng" algn="ctr">
+                      <a:solidFill>
+                        <a:schemeClr val="bg1"/>
+                      </a:solidFill>
+                      <a:prstDash val="solid"/>
+                      <a:round/>
+                      <a:headEnd type="none" w="med" len="med"/>
+                      <a:tailEnd type="none" w="med" len="med"/>
+                    </a:lnT>
+                  </a:tcPr>
+                </a:tc>
+                <a:extLst>
+                  <a:ext uri="{0D108BD9-81ED-4DB2-BD59-A6C34878D82A}">
+                    <a16:rowId xmlns:a16="http://schemas.microsoft.com/office/drawing/2014/main" val="3268227846"/>
+                  </a:ext>
+                </a:extLst>
+              </a:tr>
+              <a:tr h="247536">
+                <a:tc>
+                  <a:txBody>
+                    <a:bodyPr/>
+                    <a:lstStyle/>
+                    <a:p>
+                      <a:pPr algn="l" fontAlgn="b"/>
+                      <a:r>
+                        <a:rPr lang="en-US" sz="1100" u="none" strike="noStrike">
+                          <a:solidFill>
+                            <a:schemeClr val="bg1"/>
+                          </a:solidFill>
+                          <a:effectLst/>
+                        </a:rPr>
+                        <a:t>back</a:t>
+                      </a:r>
+                      <a:endParaRPr lang="en-US" sz="1100" b="0" i="0" u="none" strike="noStrike">
+                        <a:solidFill>
+                          <a:schemeClr val="bg1"/>
+                        </a:solidFill>
+                        <a:effectLst/>
+                        <a:latin typeface="Calibri" panose="020F0502020204030204" pitchFamily="34" charset="0"/>
+                      </a:endParaRPr>
+                    </a:p>
+                  </a:txBody>
+                  <a:tcPr marL="7620" marR="7620" marT="7620" marB="0" anchor="b"/>
+                </a:tc>
+                <a:tc>
+                  <a:txBody>
+                    <a:bodyPr/>
+                    <a:lstStyle/>
+                    <a:p>
+                      <a:pPr algn="l" fontAlgn="b"/>
+                      <a:r>
+                        <a:rPr lang="en-US" sz="1100" u="none" strike="noStrike">
+                          <a:solidFill>
+                            <a:schemeClr val="bg1"/>
+                          </a:solidFill>
+                          <a:effectLst/>
+                        </a:rPr>
+                        <a:t>mscan</a:t>
+                      </a:r>
+                      <a:endParaRPr lang="en-US" sz="1100" b="0" i="0" u="none" strike="noStrike">
+                        <a:solidFill>
+                          <a:schemeClr val="bg1"/>
+                        </a:solidFill>
+                        <a:effectLst/>
+                        <a:latin typeface="Calibri" panose="020F0502020204030204" pitchFamily="34" charset="0"/>
+                      </a:endParaRPr>
+                    </a:p>
+                  </a:txBody>
+                  <a:tcPr marL="7620" marR="7620" marT="7620" marB="0" anchor="b"/>
+                </a:tc>
+                <a:tc>
+                  <a:txBody>
+                    <a:bodyPr/>
+                    <a:lstStyle/>
+                    <a:p>
+                      <a:pPr algn="l" fontAlgn="b"/>
+                      <a:r>
+                        <a:rPr lang="en-US" sz="1100" u="none" strike="noStrike">
+                          <a:solidFill>
+                            <a:schemeClr val="bg1"/>
+                          </a:solidFill>
+                          <a:effectLst/>
+                        </a:rPr>
+                        <a:t>loadmodule</a:t>
+                      </a:r>
+                      <a:endParaRPr lang="en-US" sz="1100" b="0" i="0" u="none" strike="noStrike">
+                        <a:solidFill>
+                          <a:schemeClr val="bg1"/>
+                        </a:solidFill>
+                        <a:effectLst/>
+                        <a:latin typeface="Calibri" panose="020F0502020204030204" pitchFamily="34" charset="0"/>
+                      </a:endParaRPr>
+                    </a:p>
+                  </a:txBody>
+                  <a:tcPr marL="7620" marR="7620" marT="7620" marB="0" anchor="b"/>
+                </a:tc>
+                <a:tc>
+                  <a:txBody>
+                    <a:bodyPr/>
+                    <a:lstStyle/>
+                    <a:p>
+                      <a:pPr algn="l" fontAlgn="b"/>
+                      <a:r>
+                        <a:rPr lang="en-US" sz="1100" u="none" strike="noStrike">
+                          <a:solidFill>
+                            <a:schemeClr val="bg1"/>
+                          </a:solidFill>
+                          <a:effectLst/>
+                        </a:rPr>
+                        <a:t>guess_passwd</a:t>
+                      </a:r>
+                      <a:endParaRPr lang="en-US" sz="1100" b="0" i="0" u="none" strike="noStrike">
+                        <a:solidFill>
+                          <a:schemeClr val="bg1"/>
+                        </a:solidFill>
+                        <a:effectLst/>
+                        <a:latin typeface="Calibri" panose="020F0502020204030204" pitchFamily="34" charset="0"/>
+                      </a:endParaRPr>
+                    </a:p>
+                  </a:txBody>
+                  <a:tcPr marL="7620" marR="7620" marT="7620" marB="0" anchor="b"/>
+                </a:tc>
+                <a:extLst>
+                  <a:ext uri="{0D108BD9-81ED-4DB2-BD59-A6C34878D82A}">
+                    <a16:rowId xmlns:a16="http://schemas.microsoft.com/office/drawing/2014/main" val="3761880092"/>
+                  </a:ext>
+                </a:extLst>
+              </a:tr>
+              <a:tr h="247536">
+                <a:tc>
+                  <a:txBody>
+                    <a:bodyPr/>
+                    <a:lstStyle/>
+                    <a:p>
+                      <a:pPr algn="l" fontAlgn="b"/>
+                      <a:r>
+                        <a:rPr lang="en-US" sz="1100" u="none" strike="noStrike">
+                          <a:solidFill>
+                            <a:schemeClr val="bg1"/>
+                          </a:solidFill>
+                          <a:effectLst/>
+                        </a:rPr>
+                        <a:t>land</a:t>
+                      </a:r>
+                      <a:endParaRPr lang="en-US" sz="1100" b="0" i="0" u="none" strike="noStrike">
+                        <a:solidFill>
+                          <a:schemeClr val="bg1"/>
+                        </a:solidFill>
+                        <a:effectLst/>
+                        <a:latin typeface="Calibri" panose="020F0502020204030204" pitchFamily="34" charset="0"/>
+                      </a:endParaRPr>
+                    </a:p>
+                  </a:txBody>
+                  <a:tcPr marL="7620" marR="7620" marT="7620" marB="0" anchor="b">
+                    <a:lnB w="12700" cap="flat" cmpd="sng" algn="ctr">
+                      <a:solidFill>
+                        <a:schemeClr val="tx1"/>
+                      </a:solidFill>
+                      <a:prstDash val="sysDot"/>
+                      <a:round/>
+                      <a:headEnd type="none" w="med" len="med"/>
+                      <a:tailEnd type="none" w="med" len="med"/>
+                    </a:lnB>
+                  </a:tcPr>
+                </a:tc>
+                <a:tc>
+                  <a:txBody>
+                    <a:bodyPr/>
+                    <a:lstStyle/>
+                    <a:p>
+                      <a:pPr algn="l" fontAlgn="b"/>
+                      <a:r>
+                        <a:rPr lang="en-US" sz="1100" u="none" strike="noStrike">
+                          <a:solidFill>
+                            <a:schemeClr val="bg1"/>
+                          </a:solidFill>
+                          <a:effectLst/>
+                        </a:rPr>
+                        <a:t>nmap</a:t>
+                      </a:r>
+                      <a:endParaRPr lang="en-US" sz="1100" b="0" i="0" u="none" strike="noStrike">
+                        <a:solidFill>
+                          <a:schemeClr val="bg1"/>
+                        </a:solidFill>
+                        <a:effectLst/>
+                        <a:latin typeface="Calibri" panose="020F0502020204030204" pitchFamily="34" charset="0"/>
+                      </a:endParaRPr>
+                    </a:p>
+                  </a:txBody>
+                  <a:tcPr marL="7620" marR="7620" marT="7620" marB="0" anchor="b"/>
+                </a:tc>
+                <a:tc>
+                  <a:txBody>
+                    <a:bodyPr/>
+                    <a:lstStyle/>
+                    <a:p>
+                      <a:pPr algn="l" fontAlgn="b"/>
+                      <a:r>
+                        <a:rPr lang="en-US" sz="1100" u="none" strike="noStrike" dirty="0" err="1">
+                          <a:solidFill>
+                            <a:schemeClr val="bg1"/>
+                          </a:solidFill>
+                          <a:effectLst/>
+                        </a:rPr>
+                        <a:t>perl</a:t>
+                      </a:r>
+                      <a:endParaRPr lang="en-US" sz="1100" b="0" i="0" u="none" strike="noStrike" dirty="0">
+                        <a:solidFill>
+                          <a:schemeClr val="bg1"/>
+                        </a:solidFill>
+                        <a:effectLst/>
+                        <a:latin typeface="Calibri" panose="020F0502020204030204" pitchFamily="34" charset="0"/>
+                      </a:endParaRPr>
+                    </a:p>
+                  </a:txBody>
+                  <a:tcPr marL="7620" marR="7620" marT="7620" marB="0" anchor="b"/>
+                </a:tc>
+                <a:tc>
+                  <a:txBody>
+                    <a:bodyPr/>
+                    <a:lstStyle/>
+                    <a:p>
+                      <a:pPr algn="l" fontAlgn="b"/>
+                      <a:r>
+                        <a:rPr lang="en-US" sz="1100" u="none" strike="noStrike">
+                          <a:solidFill>
+                            <a:schemeClr val="bg1"/>
+                          </a:solidFill>
+                          <a:effectLst/>
+                        </a:rPr>
+                        <a:t>http_tunnel</a:t>
+                      </a:r>
+                      <a:endParaRPr lang="en-US" sz="1100" b="0" i="0" u="none" strike="noStrike">
+                        <a:solidFill>
+                          <a:schemeClr val="bg1"/>
+                        </a:solidFill>
+                        <a:effectLst/>
+                        <a:latin typeface="Calibri" panose="020F0502020204030204" pitchFamily="34" charset="0"/>
+                      </a:endParaRPr>
+                    </a:p>
+                  </a:txBody>
+                  <a:tcPr marL="7620" marR="7620" marT="7620" marB="0" anchor="b"/>
+                </a:tc>
+                <a:extLst>
+                  <a:ext uri="{0D108BD9-81ED-4DB2-BD59-A6C34878D82A}">
+                    <a16:rowId xmlns:a16="http://schemas.microsoft.com/office/drawing/2014/main" val="1745585411"/>
+                  </a:ext>
+                </a:extLst>
+              </a:tr>
+              <a:tr h="247536">
+                <a:tc>
+                  <a:txBody>
+                    <a:bodyPr/>
+                    <a:lstStyle/>
+                    <a:p>
+                      <a:pPr algn="l" fontAlgn="b"/>
+                      <a:r>
+                        <a:rPr lang="en-US" sz="1100" u="none" strike="noStrike" dirty="0" err="1">
+                          <a:solidFill>
+                            <a:schemeClr val="bg1"/>
+                          </a:solidFill>
+                          <a:effectLst/>
+                        </a:rPr>
+                        <a:t>neptune</a:t>
+                      </a:r>
+                      <a:endParaRPr lang="en-US" sz="1100" b="0" i="0" u="none" strike="noStrike" dirty="0">
+                        <a:solidFill>
+                          <a:schemeClr val="bg1"/>
+                        </a:solidFill>
+                        <a:effectLst/>
+                        <a:latin typeface="Calibri" panose="020F0502020204030204" pitchFamily="34" charset="0"/>
+                      </a:endParaRPr>
+                    </a:p>
+                  </a:txBody>
+                  <a:tcPr marL="7620" marR="7620" marT="7620" marB="0" anchor="b">
+                    <a:lnL w="12700" cap="flat" cmpd="sng" algn="ctr">
+                      <a:solidFill>
+                        <a:schemeClr val="tx1"/>
+                      </a:solidFill>
+                      <a:prstDash val="sysDot"/>
+                      <a:round/>
+                      <a:headEnd type="none" w="med" len="med"/>
+                      <a:tailEnd type="none" w="med" len="med"/>
+                    </a:lnL>
+                    <a:lnR w="12700" cap="flat" cmpd="sng" algn="ctr">
+                      <a:solidFill>
+                        <a:schemeClr val="tx1"/>
+                      </a:solidFill>
+                      <a:prstDash val="sysDot"/>
+                      <a:round/>
+                      <a:headEnd type="none" w="med" len="med"/>
+                      <a:tailEnd type="none" w="med" len="med"/>
+                    </a:lnR>
+                    <a:lnT w="12700" cap="flat" cmpd="sng" algn="ctr">
+                      <a:solidFill>
+                        <a:schemeClr val="tx1"/>
+                      </a:solidFill>
+                      <a:prstDash val="sysDot"/>
+                      <a:round/>
+                      <a:headEnd type="none" w="med" len="med"/>
+                      <a:tailEnd type="none" w="med" len="med"/>
+                    </a:lnT>
+                    <a:lnB w="12700" cap="flat" cmpd="sng" algn="ctr">
+                      <a:solidFill>
+                        <a:schemeClr val="tx1"/>
+                      </a:solidFill>
+                      <a:prstDash val="sysDot"/>
+                      <a:round/>
+                      <a:headEnd type="none" w="med" len="med"/>
+                      <a:tailEnd type="none" w="med" len="med"/>
+                    </a:lnB>
+                  </a:tcPr>
+                </a:tc>
+                <a:tc>
+                  <a:txBody>
+                    <a:bodyPr/>
+                    <a:lstStyle/>
+                    <a:p>
+                      <a:pPr algn="l" fontAlgn="b"/>
+                      <a:r>
+                        <a:rPr lang="en-US" sz="1100" u="none" strike="noStrike">
+                          <a:solidFill>
+                            <a:schemeClr val="bg1"/>
+                          </a:solidFill>
+                          <a:effectLst/>
+                        </a:rPr>
+                        <a:t>portsweep</a:t>
+                      </a:r>
+                      <a:endParaRPr lang="en-US" sz="1100" b="0" i="0" u="none" strike="noStrike">
+                        <a:solidFill>
+                          <a:schemeClr val="bg1"/>
+                        </a:solidFill>
+                        <a:effectLst/>
+                        <a:latin typeface="Calibri" panose="020F0502020204030204" pitchFamily="34" charset="0"/>
+                      </a:endParaRPr>
+                    </a:p>
+                  </a:txBody>
+                  <a:tcPr marL="7620" marR="7620" marT="7620" marB="0" anchor="b">
+                    <a:lnL w="12700" cap="flat" cmpd="sng" algn="ctr">
+                      <a:solidFill>
+                        <a:schemeClr val="tx1"/>
+                      </a:solidFill>
+                      <a:prstDash val="sysDot"/>
+                      <a:round/>
+                      <a:headEnd type="none" w="med" len="med"/>
+                      <a:tailEnd type="none" w="med" len="med"/>
+                    </a:lnL>
+                  </a:tcPr>
+                </a:tc>
+                <a:tc>
+                  <a:txBody>
+                    <a:bodyPr/>
+                    <a:lstStyle/>
+                    <a:p>
+                      <a:pPr algn="l" fontAlgn="b"/>
+                      <a:r>
+                        <a:rPr lang="en-US" sz="1100" u="none" strike="noStrike">
+                          <a:solidFill>
+                            <a:schemeClr val="bg1"/>
+                          </a:solidFill>
+                          <a:effectLst/>
+                        </a:rPr>
+                        <a:t>ps</a:t>
+                      </a:r>
+                      <a:endParaRPr lang="en-US" sz="1100" b="0" i="0" u="none" strike="noStrike">
+                        <a:solidFill>
+                          <a:schemeClr val="bg1"/>
+                        </a:solidFill>
+                        <a:effectLst/>
+                        <a:latin typeface="Calibri" panose="020F0502020204030204" pitchFamily="34" charset="0"/>
+                      </a:endParaRPr>
+                    </a:p>
+                  </a:txBody>
+                  <a:tcPr marL="7620" marR="7620" marT="7620" marB="0" anchor="b"/>
+                </a:tc>
+                <a:tc>
+                  <a:txBody>
+                    <a:bodyPr/>
+                    <a:lstStyle/>
+                    <a:p>
+                      <a:pPr algn="l" fontAlgn="b"/>
+                      <a:r>
+                        <a:rPr lang="en-US" sz="1100" u="none" strike="noStrike">
+                          <a:solidFill>
+                            <a:schemeClr val="bg1"/>
+                          </a:solidFill>
+                          <a:effectLst/>
+                        </a:rPr>
+                        <a:t>imap</a:t>
+                      </a:r>
+                      <a:endParaRPr lang="en-US" sz="1100" b="0" i="0" u="none" strike="noStrike">
+                        <a:solidFill>
+                          <a:schemeClr val="bg1"/>
+                        </a:solidFill>
+                        <a:effectLst/>
+                        <a:latin typeface="Calibri" panose="020F0502020204030204" pitchFamily="34" charset="0"/>
+                      </a:endParaRPr>
+                    </a:p>
+                  </a:txBody>
+                  <a:tcPr marL="7620" marR="7620" marT="7620" marB="0" anchor="b"/>
+                </a:tc>
+                <a:extLst>
+                  <a:ext uri="{0D108BD9-81ED-4DB2-BD59-A6C34878D82A}">
+                    <a16:rowId xmlns:a16="http://schemas.microsoft.com/office/drawing/2014/main" val="2261692720"/>
+                  </a:ext>
+                </a:extLst>
+              </a:tr>
+              <a:tr h="247536">
+                <a:tc>
+                  <a:txBody>
+                    <a:bodyPr/>
+                    <a:lstStyle/>
+                    <a:p>
+                      <a:pPr algn="l" fontAlgn="b"/>
+                      <a:r>
+                        <a:rPr lang="en-US" sz="1100" u="none" strike="noStrike">
+                          <a:solidFill>
+                            <a:schemeClr val="bg1"/>
+                          </a:solidFill>
+                          <a:effectLst/>
+                        </a:rPr>
+                        <a:t>mailbomb</a:t>
+                      </a:r>
+                      <a:endParaRPr lang="en-US" sz="1100" b="0" i="0" u="none" strike="noStrike">
+                        <a:solidFill>
+                          <a:schemeClr val="bg1"/>
+                        </a:solidFill>
+                        <a:effectLst/>
+                        <a:latin typeface="Calibri" panose="020F0502020204030204" pitchFamily="34" charset="0"/>
+                      </a:endParaRPr>
+                    </a:p>
+                  </a:txBody>
+                  <a:tcPr marL="7620" marR="7620" marT="7620" marB="0" anchor="b">
+                    <a:lnT w="12700" cap="flat" cmpd="sng" algn="ctr">
+                      <a:solidFill>
+                        <a:schemeClr val="tx1"/>
+                      </a:solidFill>
+                      <a:prstDash val="sysDot"/>
+                      <a:round/>
+                      <a:headEnd type="none" w="med" len="med"/>
+                      <a:tailEnd type="none" w="med" len="med"/>
+                    </a:lnT>
+                  </a:tcPr>
+                </a:tc>
+                <a:tc>
+                  <a:txBody>
+                    <a:bodyPr/>
+                    <a:lstStyle/>
+                    <a:p>
+                      <a:pPr algn="l" fontAlgn="b"/>
+                      <a:r>
+                        <a:rPr lang="en-US" sz="1100" u="none" strike="noStrike">
+                          <a:solidFill>
+                            <a:schemeClr val="bg1"/>
+                          </a:solidFill>
+                          <a:effectLst/>
+                        </a:rPr>
+                        <a:t>saint</a:t>
+                      </a:r>
+                      <a:endParaRPr lang="en-US" sz="1100" b="0" i="0" u="none" strike="noStrike">
+                        <a:solidFill>
+                          <a:schemeClr val="bg1"/>
+                        </a:solidFill>
+                        <a:effectLst/>
+                        <a:latin typeface="Calibri" panose="020F0502020204030204" pitchFamily="34" charset="0"/>
+                      </a:endParaRPr>
+                    </a:p>
+                  </a:txBody>
+                  <a:tcPr marL="7620" marR="7620" marT="7620" marB="0" anchor="b"/>
+                </a:tc>
+                <a:tc>
+                  <a:txBody>
+                    <a:bodyPr/>
+                    <a:lstStyle/>
+                    <a:p>
+                      <a:pPr algn="l" fontAlgn="b"/>
+                      <a:r>
+                        <a:rPr lang="en-US" sz="1100" u="none" strike="noStrike">
+                          <a:solidFill>
+                            <a:schemeClr val="bg1"/>
+                          </a:solidFill>
+                          <a:effectLst/>
+                        </a:rPr>
+                        <a:t>rootkit</a:t>
+                      </a:r>
+                      <a:endParaRPr lang="en-US" sz="1100" b="0" i="0" u="none" strike="noStrike">
+                        <a:solidFill>
+                          <a:schemeClr val="bg1"/>
+                        </a:solidFill>
+                        <a:effectLst/>
+                        <a:latin typeface="Calibri" panose="020F0502020204030204" pitchFamily="34" charset="0"/>
+                      </a:endParaRPr>
+                    </a:p>
+                  </a:txBody>
+                  <a:tcPr marL="7620" marR="7620" marT="7620" marB="0" anchor="b"/>
+                </a:tc>
+                <a:tc>
+                  <a:txBody>
+                    <a:bodyPr/>
+                    <a:lstStyle/>
+                    <a:p>
+                      <a:pPr algn="l" fontAlgn="b"/>
+                      <a:r>
+                        <a:rPr lang="en-US" sz="1100" u="none" strike="noStrike">
+                          <a:solidFill>
+                            <a:schemeClr val="bg1"/>
+                          </a:solidFill>
+                          <a:effectLst/>
+                        </a:rPr>
+                        <a:t>multihop</a:t>
+                      </a:r>
+                      <a:endParaRPr lang="en-US" sz="1100" b="0" i="0" u="none" strike="noStrike">
+                        <a:solidFill>
+                          <a:schemeClr val="bg1"/>
+                        </a:solidFill>
+                        <a:effectLst/>
+                        <a:latin typeface="Calibri" panose="020F0502020204030204" pitchFamily="34" charset="0"/>
+                      </a:endParaRPr>
+                    </a:p>
+                  </a:txBody>
+                  <a:tcPr marL="7620" marR="7620" marT="7620" marB="0" anchor="b"/>
+                </a:tc>
+                <a:extLst>
+                  <a:ext uri="{0D108BD9-81ED-4DB2-BD59-A6C34878D82A}">
+                    <a16:rowId xmlns:a16="http://schemas.microsoft.com/office/drawing/2014/main" val="1773796788"/>
+                  </a:ext>
+                </a:extLst>
+              </a:tr>
+              <a:tr h="247536">
+                <a:tc>
+                  <a:txBody>
+                    <a:bodyPr/>
+                    <a:lstStyle/>
+                    <a:p>
+                      <a:pPr algn="l" fontAlgn="b"/>
+                      <a:r>
+                        <a:rPr lang="en-US" sz="1100" u="none" strike="noStrike">
+                          <a:solidFill>
+                            <a:schemeClr val="bg1"/>
+                          </a:solidFill>
+                          <a:effectLst/>
+                        </a:rPr>
+                        <a:t>pod</a:t>
+                      </a:r>
+                      <a:endParaRPr lang="en-US" sz="1100" b="0" i="0" u="none" strike="noStrike">
+                        <a:solidFill>
+                          <a:schemeClr val="bg1"/>
+                        </a:solidFill>
+                        <a:effectLst/>
+                        <a:latin typeface="Calibri" panose="020F0502020204030204" pitchFamily="34" charset="0"/>
+                      </a:endParaRPr>
+                    </a:p>
+                  </a:txBody>
+                  <a:tcPr marL="7620" marR="7620" marT="7620" marB="0" anchor="b"/>
+                </a:tc>
+                <a:tc>
+                  <a:txBody>
+                    <a:bodyPr/>
+                    <a:lstStyle/>
+                    <a:p>
+                      <a:pPr algn="l" fontAlgn="b"/>
+                      <a:r>
+                        <a:rPr lang="en-US" sz="1100" u="none" strike="noStrike">
+                          <a:solidFill>
+                            <a:schemeClr val="bg1"/>
+                          </a:solidFill>
+                          <a:effectLst/>
+                        </a:rPr>
+                        <a:t>satan</a:t>
+                      </a:r>
+                      <a:endParaRPr lang="en-US" sz="1100" b="0" i="0" u="none" strike="noStrike">
+                        <a:solidFill>
+                          <a:schemeClr val="bg1"/>
+                        </a:solidFill>
+                        <a:effectLst/>
+                        <a:latin typeface="Calibri" panose="020F0502020204030204" pitchFamily="34" charset="0"/>
+                      </a:endParaRPr>
+                    </a:p>
+                  </a:txBody>
+                  <a:tcPr marL="7620" marR="7620" marT="7620" marB="0" anchor="b"/>
+                </a:tc>
+                <a:tc>
+                  <a:txBody>
+                    <a:bodyPr/>
+                    <a:lstStyle/>
+                    <a:p>
+                      <a:pPr algn="l" fontAlgn="b"/>
+                      <a:r>
+                        <a:rPr lang="en-US" sz="1100" u="none" strike="noStrike">
+                          <a:solidFill>
+                            <a:schemeClr val="bg1"/>
+                          </a:solidFill>
+                          <a:effectLst/>
+                        </a:rPr>
+                        <a:t>sqlattack</a:t>
+                      </a:r>
+                      <a:endParaRPr lang="en-US" sz="1100" b="0" i="0" u="none" strike="noStrike">
+                        <a:solidFill>
+                          <a:schemeClr val="bg1"/>
+                        </a:solidFill>
+                        <a:effectLst/>
+                        <a:latin typeface="Calibri" panose="020F0502020204030204" pitchFamily="34" charset="0"/>
+                      </a:endParaRPr>
+                    </a:p>
+                  </a:txBody>
+                  <a:tcPr marL="7620" marR="7620" marT="7620" marB="0" anchor="b"/>
+                </a:tc>
+                <a:tc>
+                  <a:txBody>
+                    <a:bodyPr/>
+                    <a:lstStyle/>
+                    <a:p>
+                      <a:pPr algn="l" fontAlgn="b"/>
+                      <a:r>
+                        <a:rPr lang="en-US" sz="1100" u="none" strike="noStrike">
+                          <a:solidFill>
+                            <a:schemeClr val="bg1"/>
+                          </a:solidFill>
+                          <a:effectLst/>
+                        </a:rPr>
+                        <a:t>named</a:t>
+                      </a:r>
+                      <a:endParaRPr lang="en-US" sz="1100" b="0" i="0" u="none" strike="noStrike">
+                        <a:solidFill>
+                          <a:schemeClr val="bg1"/>
+                        </a:solidFill>
+                        <a:effectLst/>
+                        <a:latin typeface="Calibri" panose="020F0502020204030204" pitchFamily="34" charset="0"/>
+                      </a:endParaRPr>
+                    </a:p>
+                  </a:txBody>
+                  <a:tcPr marL="7620" marR="7620" marT="7620" marB="0" anchor="b"/>
+                </a:tc>
+                <a:extLst>
+                  <a:ext uri="{0D108BD9-81ED-4DB2-BD59-A6C34878D82A}">
+                    <a16:rowId xmlns:a16="http://schemas.microsoft.com/office/drawing/2014/main" val="4058366550"/>
+                  </a:ext>
+                </a:extLst>
+              </a:tr>
+              <a:tr h="247536">
+                <a:tc>
+                  <a:txBody>
+                    <a:bodyPr/>
+                    <a:lstStyle/>
+                    <a:p>
+                      <a:pPr algn="l" fontAlgn="b"/>
+                      <a:r>
+                        <a:rPr lang="en-US" sz="1100" u="none" strike="noStrike">
+                          <a:solidFill>
+                            <a:schemeClr val="bg1"/>
+                          </a:solidFill>
+                          <a:effectLst/>
+                        </a:rPr>
+                        <a:t>processtable</a:t>
+                      </a:r>
+                      <a:endParaRPr lang="en-US" sz="1100" b="0" i="0" u="none" strike="noStrike">
+                        <a:solidFill>
+                          <a:schemeClr val="bg1"/>
+                        </a:solidFill>
+                        <a:effectLst/>
+                        <a:latin typeface="Calibri" panose="020F0502020204030204" pitchFamily="34" charset="0"/>
+                      </a:endParaRPr>
+                    </a:p>
+                  </a:txBody>
+                  <a:tcPr marL="7620" marR="7620" marT="7620" marB="0" anchor="b"/>
+                </a:tc>
+                <a:tc>
+                  <a:txBody>
+                    <a:bodyPr/>
+                    <a:lstStyle/>
+                    <a:p>
+                      <a:pPr algn="l" fontAlgn="b"/>
+                      <a:r>
+                        <a:rPr lang="en-US" sz="1100" u="none" strike="noStrike">
+                          <a:solidFill>
+                            <a:schemeClr val="bg1"/>
+                          </a:solidFill>
+                          <a:effectLst/>
+                        </a:rPr>
+                        <a:t> </a:t>
+                      </a:r>
+                      <a:endParaRPr lang="en-US" sz="1100" b="0" i="0" u="none" strike="noStrike">
+                        <a:solidFill>
+                          <a:schemeClr val="bg1"/>
+                        </a:solidFill>
+                        <a:effectLst/>
+                        <a:latin typeface="Calibri" panose="020F0502020204030204" pitchFamily="34" charset="0"/>
+                      </a:endParaRPr>
+                    </a:p>
+                  </a:txBody>
+                  <a:tcPr marL="7620" marR="7620" marT="7620" marB="0" anchor="b"/>
+                </a:tc>
+                <a:tc>
+                  <a:txBody>
+                    <a:bodyPr/>
+                    <a:lstStyle/>
+                    <a:p>
+                      <a:pPr algn="l" fontAlgn="b"/>
+                      <a:r>
+                        <a:rPr lang="en-US" sz="1100" u="none" strike="noStrike">
+                          <a:solidFill>
+                            <a:schemeClr val="bg1"/>
+                          </a:solidFill>
+                          <a:effectLst/>
+                        </a:rPr>
+                        <a:t>xterm</a:t>
+                      </a:r>
+                      <a:endParaRPr lang="en-US" sz="1100" b="0" i="0" u="none" strike="noStrike">
+                        <a:solidFill>
+                          <a:schemeClr val="bg1"/>
+                        </a:solidFill>
+                        <a:effectLst/>
+                        <a:latin typeface="Calibri" panose="020F0502020204030204" pitchFamily="34" charset="0"/>
+                      </a:endParaRPr>
+                    </a:p>
+                  </a:txBody>
+                  <a:tcPr marL="7620" marR="7620" marT="7620" marB="0" anchor="b"/>
+                </a:tc>
+                <a:tc>
+                  <a:txBody>
+                    <a:bodyPr/>
+                    <a:lstStyle/>
+                    <a:p>
+                      <a:pPr algn="l" fontAlgn="b"/>
+                      <a:r>
+                        <a:rPr lang="en-US" sz="1100" u="none" strike="noStrike">
+                          <a:solidFill>
+                            <a:schemeClr val="bg1"/>
+                          </a:solidFill>
+                          <a:effectLst/>
+                        </a:rPr>
+                        <a:t>phf</a:t>
+                      </a:r>
+                      <a:endParaRPr lang="en-US" sz="1100" b="0" i="0" u="none" strike="noStrike">
+                        <a:solidFill>
+                          <a:schemeClr val="bg1"/>
+                        </a:solidFill>
+                        <a:effectLst/>
+                        <a:latin typeface="Calibri" panose="020F0502020204030204" pitchFamily="34" charset="0"/>
+                      </a:endParaRPr>
+                    </a:p>
+                  </a:txBody>
+                  <a:tcPr marL="7620" marR="7620" marT="7620" marB="0" anchor="b"/>
+                </a:tc>
+                <a:extLst>
+                  <a:ext uri="{0D108BD9-81ED-4DB2-BD59-A6C34878D82A}">
+                    <a16:rowId xmlns:a16="http://schemas.microsoft.com/office/drawing/2014/main" val="2377783825"/>
+                  </a:ext>
+                </a:extLst>
+              </a:tr>
+              <a:tr h="247536">
+                <a:tc>
+                  <a:txBody>
+                    <a:bodyPr/>
+                    <a:lstStyle/>
+                    <a:p>
+                      <a:pPr algn="l" fontAlgn="b"/>
+                      <a:r>
+                        <a:rPr lang="en-US" sz="1100" u="none" strike="noStrike">
+                          <a:solidFill>
+                            <a:schemeClr val="bg1"/>
+                          </a:solidFill>
+                          <a:effectLst/>
+                        </a:rPr>
+                        <a:t>smurf</a:t>
+                      </a:r>
+                      <a:endParaRPr lang="en-US" sz="1100" b="0" i="0" u="none" strike="noStrike">
+                        <a:solidFill>
+                          <a:schemeClr val="bg1"/>
+                        </a:solidFill>
+                        <a:effectLst/>
+                        <a:latin typeface="Calibri" panose="020F0502020204030204" pitchFamily="34" charset="0"/>
+                      </a:endParaRPr>
+                    </a:p>
+                  </a:txBody>
+                  <a:tcPr marL="7620" marR="7620" marT="7620" marB="0" anchor="b"/>
+                </a:tc>
+                <a:tc>
+                  <a:txBody>
+                    <a:bodyPr/>
+                    <a:lstStyle/>
+                    <a:p>
+                      <a:pPr algn="l" fontAlgn="b"/>
+                      <a:r>
+                        <a:rPr lang="en-US" sz="1100" u="none" strike="noStrike">
+                          <a:solidFill>
+                            <a:schemeClr val="bg1"/>
+                          </a:solidFill>
+                          <a:effectLst/>
+                        </a:rPr>
+                        <a:t> </a:t>
+                      </a:r>
+                      <a:endParaRPr lang="en-US" sz="1100" b="0" i="0" u="none" strike="noStrike">
+                        <a:solidFill>
+                          <a:schemeClr val="bg1"/>
+                        </a:solidFill>
+                        <a:effectLst/>
+                        <a:latin typeface="Calibri" panose="020F0502020204030204" pitchFamily="34" charset="0"/>
+                      </a:endParaRPr>
+                    </a:p>
+                  </a:txBody>
+                  <a:tcPr marL="7620" marR="7620" marT="7620" marB="0" anchor="b"/>
+                </a:tc>
+                <a:tc>
+                  <a:txBody>
+                    <a:bodyPr/>
+                    <a:lstStyle/>
+                    <a:p>
+                      <a:pPr algn="l" fontAlgn="b"/>
+                      <a:r>
+                        <a:rPr lang="en-US" sz="1100" u="none" strike="noStrike">
+                          <a:solidFill>
+                            <a:schemeClr val="bg1"/>
+                          </a:solidFill>
+                          <a:effectLst/>
+                        </a:rPr>
+                        <a:t> </a:t>
+                      </a:r>
+                      <a:endParaRPr lang="en-US" sz="1100" b="0" i="0" u="none" strike="noStrike">
+                        <a:solidFill>
+                          <a:schemeClr val="bg1"/>
+                        </a:solidFill>
+                        <a:effectLst/>
+                        <a:latin typeface="Calibri" panose="020F0502020204030204" pitchFamily="34" charset="0"/>
+                      </a:endParaRPr>
+                    </a:p>
+                  </a:txBody>
+                  <a:tcPr marL="7620" marR="7620" marT="7620" marB="0" anchor="b"/>
+                </a:tc>
+                <a:tc>
+                  <a:txBody>
+                    <a:bodyPr/>
+                    <a:lstStyle/>
+                    <a:p>
+                      <a:pPr algn="l" fontAlgn="b"/>
+                      <a:r>
+                        <a:rPr lang="en-US" sz="1100" u="none" strike="noStrike">
+                          <a:solidFill>
+                            <a:schemeClr val="bg1"/>
+                          </a:solidFill>
+                          <a:effectLst/>
+                        </a:rPr>
+                        <a:t>sendmail</a:t>
+                      </a:r>
+                      <a:endParaRPr lang="en-US" sz="1100" b="0" i="0" u="none" strike="noStrike">
+                        <a:solidFill>
+                          <a:schemeClr val="bg1"/>
+                        </a:solidFill>
+                        <a:effectLst/>
+                        <a:latin typeface="Calibri" panose="020F0502020204030204" pitchFamily="34" charset="0"/>
+                      </a:endParaRPr>
+                    </a:p>
+                  </a:txBody>
+                  <a:tcPr marL="7620" marR="7620" marT="7620" marB="0" anchor="b"/>
+                </a:tc>
+                <a:extLst>
+                  <a:ext uri="{0D108BD9-81ED-4DB2-BD59-A6C34878D82A}">
+                    <a16:rowId xmlns:a16="http://schemas.microsoft.com/office/drawing/2014/main" val="1171157050"/>
+                  </a:ext>
+                </a:extLst>
+              </a:tr>
+              <a:tr h="247536">
+                <a:tc>
+                  <a:txBody>
+                    <a:bodyPr/>
+                    <a:lstStyle/>
+                    <a:p>
+                      <a:pPr algn="l" fontAlgn="b"/>
+                      <a:r>
+                        <a:rPr lang="en-US" sz="1100" u="none" strike="noStrike">
+                          <a:solidFill>
+                            <a:schemeClr val="bg1"/>
+                          </a:solidFill>
+                          <a:effectLst/>
+                        </a:rPr>
+                        <a:t>teardrop</a:t>
+                      </a:r>
+                      <a:endParaRPr lang="en-US" sz="1100" b="0" i="0" u="none" strike="noStrike">
+                        <a:solidFill>
+                          <a:schemeClr val="bg1"/>
+                        </a:solidFill>
+                        <a:effectLst/>
+                        <a:latin typeface="Calibri" panose="020F0502020204030204" pitchFamily="34" charset="0"/>
+                      </a:endParaRPr>
+                    </a:p>
+                  </a:txBody>
+                  <a:tcPr marL="7620" marR="7620" marT="7620" marB="0" anchor="b"/>
+                </a:tc>
+                <a:tc>
+                  <a:txBody>
+                    <a:bodyPr/>
+                    <a:lstStyle/>
+                    <a:p>
+                      <a:pPr algn="l" fontAlgn="b"/>
+                      <a:r>
+                        <a:rPr lang="en-US" sz="1100" u="none" strike="noStrike">
+                          <a:solidFill>
+                            <a:schemeClr val="bg1"/>
+                          </a:solidFill>
+                          <a:effectLst/>
+                        </a:rPr>
+                        <a:t> </a:t>
+                      </a:r>
+                      <a:endParaRPr lang="en-US" sz="1100" b="0" i="0" u="none" strike="noStrike">
+                        <a:solidFill>
+                          <a:schemeClr val="bg1"/>
+                        </a:solidFill>
+                        <a:effectLst/>
+                        <a:latin typeface="Calibri" panose="020F0502020204030204" pitchFamily="34" charset="0"/>
+                      </a:endParaRPr>
+                    </a:p>
+                  </a:txBody>
+                  <a:tcPr marL="7620" marR="7620" marT="7620" marB="0" anchor="b"/>
+                </a:tc>
+                <a:tc>
+                  <a:txBody>
+                    <a:bodyPr/>
+                    <a:lstStyle/>
+                    <a:p>
+                      <a:pPr algn="l" fontAlgn="b"/>
+                      <a:r>
+                        <a:rPr lang="en-US" sz="1100" u="none" strike="noStrike">
+                          <a:solidFill>
+                            <a:schemeClr val="bg1"/>
+                          </a:solidFill>
+                          <a:effectLst/>
+                        </a:rPr>
+                        <a:t> </a:t>
+                      </a:r>
+                      <a:endParaRPr lang="en-US" sz="1100" b="0" i="0" u="none" strike="noStrike">
+                        <a:solidFill>
+                          <a:schemeClr val="bg1"/>
+                        </a:solidFill>
+                        <a:effectLst/>
+                        <a:latin typeface="Calibri" panose="020F0502020204030204" pitchFamily="34" charset="0"/>
+                      </a:endParaRPr>
+                    </a:p>
+                  </a:txBody>
+                  <a:tcPr marL="7620" marR="7620" marT="7620" marB="0" anchor="b"/>
+                </a:tc>
+                <a:tc>
+                  <a:txBody>
+                    <a:bodyPr/>
+                    <a:lstStyle/>
+                    <a:p>
+                      <a:pPr algn="l" fontAlgn="b"/>
+                      <a:r>
+                        <a:rPr lang="en-US" sz="1100" u="none" strike="noStrike">
+                          <a:solidFill>
+                            <a:schemeClr val="bg1"/>
+                          </a:solidFill>
+                          <a:effectLst/>
+                        </a:rPr>
+                        <a:t>snmpgetattack</a:t>
+                      </a:r>
+                      <a:endParaRPr lang="en-US" sz="1100" b="0" i="0" u="none" strike="noStrike">
+                        <a:solidFill>
+                          <a:schemeClr val="bg1"/>
+                        </a:solidFill>
+                        <a:effectLst/>
+                        <a:latin typeface="Calibri" panose="020F0502020204030204" pitchFamily="34" charset="0"/>
+                      </a:endParaRPr>
+                    </a:p>
+                  </a:txBody>
+                  <a:tcPr marL="7620" marR="7620" marT="7620" marB="0" anchor="b"/>
+                </a:tc>
+                <a:extLst>
+                  <a:ext uri="{0D108BD9-81ED-4DB2-BD59-A6C34878D82A}">
+                    <a16:rowId xmlns:a16="http://schemas.microsoft.com/office/drawing/2014/main" val="1608128537"/>
+                  </a:ext>
+                </a:extLst>
+              </a:tr>
+              <a:tr h="247536">
+                <a:tc>
+                  <a:txBody>
+                    <a:bodyPr/>
+                    <a:lstStyle/>
+                    <a:p>
+                      <a:pPr algn="l" fontAlgn="b"/>
+                      <a:r>
+                        <a:rPr lang="en-US" sz="1100" u="none" strike="noStrike">
+                          <a:solidFill>
+                            <a:schemeClr val="bg1"/>
+                          </a:solidFill>
+                          <a:effectLst/>
+                        </a:rPr>
+                        <a:t>udpstorm</a:t>
+                      </a:r>
+                      <a:endParaRPr lang="en-US" sz="1100" b="0" i="0" u="none" strike="noStrike">
+                        <a:solidFill>
+                          <a:schemeClr val="bg1"/>
+                        </a:solidFill>
+                        <a:effectLst/>
+                        <a:latin typeface="Calibri" panose="020F0502020204030204" pitchFamily="34" charset="0"/>
+                      </a:endParaRPr>
+                    </a:p>
+                  </a:txBody>
+                  <a:tcPr marL="7620" marR="7620" marT="7620" marB="0" anchor="b"/>
+                </a:tc>
+                <a:tc>
+                  <a:txBody>
+                    <a:bodyPr/>
+                    <a:lstStyle/>
+                    <a:p>
+                      <a:pPr algn="l" fontAlgn="b"/>
+                      <a:r>
+                        <a:rPr lang="en-US" sz="1100" u="none" strike="noStrike">
+                          <a:solidFill>
+                            <a:schemeClr val="bg1"/>
+                          </a:solidFill>
+                          <a:effectLst/>
+                        </a:rPr>
+                        <a:t> </a:t>
+                      </a:r>
+                      <a:endParaRPr lang="en-US" sz="1100" b="0" i="0" u="none" strike="noStrike">
+                        <a:solidFill>
+                          <a:schemeClr val="bg1"/>
+                        </a:solidFill>
+                        <a:effectLst/>
+                        <a:latin typeface="Calibri" panose="020F0502020204030204" pitchFamily="34" charset="0"/>
+                      </a:endParaRPr>
+                    </a:p>
+                  </a:txBody>
+                  <a:tcPr marL="7620" marR="7620" marT="7620" marB="0" anchor="b"/>
+                </a:tc>
+                <a:tc>
+                  <a:txBody>
+                    <a:bodyPr/>
+                    <a:lstStyle/>
+                    <a:p>
+                      <a:pPr algn="l" fontAlgn="b"/>
+                      <a:r>
+                        <a:rPr lang="en-US" sz="1100" u="none" strike="noStrike">
+                          <a:solidFill>
+                            <a:schemeClr val="bg1"/>
+                          </a:solidFill>
+                          <a:effectLst/>
+                        </a:rPr>
+                        <a:t> </a:t>
+                      </a:r>
+                      <a:endParaRPr lang="en-US" sz="1100" b="0" i="0" u="none" strike="noStrike">
+                        <a:solidFill>
+                          <a:schemeClr val="bg1"/>
+                        </a:solidFill>
+                        <a:effectLst/>
+                        <a:latin typeface="Calibri" panose="020F0502020204030204" pitchFamily="34" charset="0"/>
+                      </a:endParaRPr>
+                    </a:p>
+                  </a:txBody>
+                  <a:tcPr marL="7620" marR="7620" marT="7620" marB="0" anchor="b"/>
+                </a:tc>
+                <a:tc>
+                  <a:txBody>
+                    <a:bodyPr/>
+                    <a:lstStyle/>
+                    <a:p>
+                      <a:pPr algn="l" fontAlgn="b"/>
+                      <a:r>
+                        <a:rPr lang="en-US" sz="1100" u="none" strike="noStrike">
+                          <a:solidFill>
+                            <a:schemeClr val="bg1"/>
+                          </a:solidFill>
+                          <a:effectLst/>
+                        </a:rPr>
+                        <a:t>spy</a:t>
+                      </a:r>
+                      <a:endParaRPr lang="en-US" sz="1100" b="0" i="0" u="none" strike="noStrike">
+                        <a:solidFill>
+                          <a:schemeClr val="bg1"/>
+                        </a:solidFill>
+                        <a:effectLst/>
+                        <a:latin typeface="Calibri" panose="020F0502020204030204" pitchFamily="34" charset="0"/>
+                      </a:endParaRPr>
+                    </a:p>
+                  </a:txBody>
+                  <a:tcPr marL="7620" marR="7620" marT="7620" marB="0" anchor="b"/>
+                </a:tc>
+                <a:extLst>
+                  <a:ext uri="{0D108BD9-81ED-4DB2-BD59-A6C34878D82A}">
+                    <a16:rowId xmlns:a16="http://schemas.microsoft.com/office/drawing/2014/main" val="3734027518"/>
+                  </a:ext>
+                </a:extLst>
+              </a:tr>
+              <a:tr h="247536">
+                <a:tc>
+                  <a:txBody>
+                    <a:bodyPr/>
+                    <a:lstStyle/>
+                    <a:p>
+                      <a:pPr algn="l" fontAlgn="b"/>
+                      <a:r>
+                        <a:rPr lang="en-US" sz="1100" u="none" strike="noStrike">
+                          <a:solidFill>
+                            <a:schemeClr val="bg1"/>
+                          </a:solidFill>
+                          <a:effectLst/>
+                        </a:rPr>
+                        <a:t>worm</a:t>
+                      </a:r>
+                      <a:endParaRPr lang="en-US" sz="1100" b="0" i="0" u="none" strike="noStrike">
+                        <a:solidFill>
+                          <a:schemeClr val="bg1"/>
+                        </a:solidFill>
+                        <a:effectLst/>
+                        <a:latin typeface="Calibri" panose="020F0502020204030204" pitchFamily="34" charset="0"/>
+                      </a:endParaRPr>
+                    </a:p>
+                  </a:txBody>
+                  <a:tcPr marL="7620" marR="7620" marT="7620" marB="0" anchor="b"/>
+                </a:tc>
+                <a:tc>
+                  <a:txBody>
+                    <a:bodyPr/>
+                    <a:lstStyle/>
+                    <a:p>
+                      <a:pPr algn="l" fontAlgn="b"/>
+                      <a:r>
+                        <a:rPr lang="en-US" sz="1100" u="none" strike="noStrike">
+                          <a:solidFill>
+                            <a:schemeClr val="bg1"/>
+                          </a:solidFill>
+                          <a:effectLst/>
+                        </a:rPr>
+                        <a:t> </a:t>
+                      </a:r>
+                      <a:endParaRPr lang="en-US" sz="1100" b="0" i="0" u="none" strike="noStrike">
+                        <a:solidFill>
+                          <a:schemeClr val="bg1"/>
+                        </a:solidFill>
+                        <a:effectLst/>
+                        <a:latin typeface="Calibri" panose="020F0502020204030204" pitchFamily="34" charset="0"/>
+                      </a:endParaRPr>
+                    </a:p>
+                  </a:txBody>
+                  <a:tcPr marL="7620" marR="7620" marT="7620" marB="0" anchor="b"/>
+                </a:tc>
+                <a:tc>
+                  <a:txBody>
+                    <a:bodyPr/>
+                    <a:lstStyle/>
+                    <a:p>
+                      <a:pPr algn="l" fontAlgn="b"/>
+                      <a:r>
+                        <a:rPr lang="en-US" sz="1100" u="none" strike="noStrike">
+                          <a:solidFill>
+                            <a:schemeClr val="bg1"/>
+                          </a:solidFill>
+                          <a:effectLst/>
+                        </a:rPr>
+                        <a:t> </a:t>
+                      </a:r>
+                      <a:endParaRPr lang="en-US" sz="1100" b="0" i="0" u="none" strike="noStrike">
+                        <a:solidFill>
+                          <a:schemeClr val="bg1"/>
+                        </a:solidFill>
+                        <a:effectLst/>
+                        <a:latin typeface="Calibri" panose="020F0502020204030204" pitchFamily="34" charset="0"/>
+                      </a:endParaRPr>
+                    </a:p>
+                  </a:txBody>
+                  <a:tcPr marL="7620" marR="7620" marT="7620" marB="0" anchor="b"/>
+                </a:tc>
+                <a:tc>
+                  <a:txBody>
+                    <a:bodyPr/>
+                    <a:lstStyle/>
+                    <a:p>
+                      <a:pPr algn="l" fontAlgn="b"/>
+                      <a:r>
+                        <a:rPr lang="en-US" sz="1100" u="none" strike="noStrike">
+                          <a:solidFill>
+                            <a:schemeClr val="bg1"/>
+                          </a:solidFill>
+                          <a:effectLst/>
+                        </a:rPr>
+                        <a:t>snmpguess</a:t>
+                      </a:r>
+                      <a:endParaRPr lang="en-US" sz="1100" b="0" i="0" u="none" strike="noStrike">
+                        <a:solidFill>
+                          <a:schemeClr val="bg1"/>
+                        </a:solidFill>
+                        <a:effectLst/>
+                        <a:latin typeface="Calibri" panose="020F0502020204030204" pitchFamily="34" charset="0"/>
+                      </a:endParaRPr>
+                    </a:p>
+                  </a:txBody>
+                  <a:tcPr marL="7620" marR="7620" marT="7620" marB="0" anchor="b"/>
+                </a:tc>
+                <a:extLst>
+                  <a:ext uri="{0D108BD9-81ED-4DB2-BD59-A6C34878D82A}">
+                    <a16:rowId xmlns:a16="http://schemas.microsoft.com/office/drawing/2014/main" val="2316762148"/>
+                  </a:ext>
+                </a:extLst>
+              </a:tr>
+              <a:tr h="247536">
+                <a:tc>
+                  <a:txBody>
+                    <a:bodyPr/>
+                    <a:lstStyle/>
+                    <a:p>
+                      <a:pPr algn="l" fontAlgn="b"/>
+                      <a:r>
+                        <a:rPr lang="en-US" sz="1100" u="none" strike="noStrike">
+                          <a:solidFill>
+                            <a:schemeClr val="bg1"/>
+                          </a:solidFill>
+                          <a:effectLst/>
+                        </a:rPr>
+                        <a:t> </a:t>
+                      </a:r>
+                      <a:endParaRPr lang="en-US" sz="1100" b="0" i="0" u="none" strike="noStrike">
+                        <a:solidFill>
+                          <a:schemeClr val="bg1"/>
+                        </a:solidFill>
+                        <a:effectLst/>
+                        <a:latin typeface="Calibri" panose="020F0502020204030204" pitchFamily="34" charset="0"/>
+                      </a:endParaRPr>
+                    </a:p>
+                  </a:txBody>
+                  <a:tcPr marL="7620" marR="7620" marT="7620" marB="0" anchor="b"/>
+                </a:tc>
+                <a:tc>
+                  <a:txBody>
+                    <a:bodyPr/>
+                    <a:lstStyle/>
+                    <a:p>
+                      <a:pPr algn="l" fontAlgn="b"/>
+                      <a:r>
+                        <a:rPr lang="en-US" sz="1100" u="none" strike="noStrike">
+                          <a:solidFill>
+                            <a:schemeClr val="bg1"/>
+                          </a:solidFill>
+                          <a:effectLst/>
+                        </a:rPr>
+                        <a:t> </a:t>
+                      </a:r>
+                      <a:endParaRPr lang="en-US" sz="1100" b="0" i="0" u="none" strike="noStrike">
+                        <a:solidFill>
+                          <a:schemeClr val="bg1"/>
+                        </a:solidFill>
+                        <a:effectLst/>
+                        <a:latin typeface="Calibri" panose="020F0502020204030204" pitchFamily="34" charset="0"/>
+                      </a:endParaRPr>
+                    </a:p>
+                  </a:txBody>
+                  <a:tcPr marL="7620" marR="7620" marT="7620" marB="0" anchor="b"/>
+                </a:tc>
+                <a:tc>
+                  <a:txBody>
+                    <a:bodyPr/>
+                    <a:lstStyle/>
+                    <a:p>
+                      <a:pPr algn="l" fontAlgn="b"/>
+                      <a:r>
+                        <a:rPr lang="en-US" sz="1100" u="none" strike="noStrike">
+                          <a:solidFill>
+                            <a:schemeClr val="bg1"/>
+                          </a:solidFill>
+                          <a:effectLst/>
+                        </a:rPr>
+                        <a:t> </a:t>
+                      </a:r>
+                      <a:endParaRPr lang="en-US" sz="1100" b="0" i="0" u="none" strike="noStrike">
+                        <a:solidFill>
+                          <a:schemeClr val="bg1"/>
+                        </a:solidFill>
+                        <a:effectLst/>
+                        <a:latin typeface="Calibri" panose="020F0502020204030204" pitchFamily="34" charset="0"/>
+                      </a:endParaRPr>
+                    </a:p>
+                  </a:txBody>
+                  <a:tcPr marL="7620" marR="7620" marT="7620" marB="0" anchor="b"/>
+                </a:tc>
+                <a:tc>
+                  <a:txBody>
+                    <a:bodyPr/>
+                    <a:lstStyle/>
+                    <a:p>
+                      <a:pPr algn="l" fontAlgn="b"/>
+                      <a:r>
+                        <a:rPr lang="en-US" sz="1100" u="none" strike="noStrike">
+                          <a:solidFill>
+                            <a:schemeClr val="bg1"/>
+                          </a:solidFill>
+                          <a:effectLst/>
+                        </a:rPr>
+                        <a:t>warezclient</a:t>
+                      </a:r>
+                      <a:endParaRPr lang="en-US" sz="1100" b="0" i="0" u="none" strike="noStrike">
+                        <a:solidFill>
+                          <a:schemeClr val="bg1"/>
+                        </a:solidFill>
+                        <a:effectLst/>
+                        <a:latin typeface="Calibri" panose="020F0502020204030204" pitchFamily="34" charset="0"/>
+                      </a:endParaRPr>
+                    </a:p>
+                  </a:txBody>
+                  <a:tcPr marL="7620" marR="7620" marT="7620" marB="0" anchor="b"/>
+                </a:tc>
+                <a:extLst>
+                  <a:ext uri="{0D108BD9-81ED-4DB2-BD59-A6C34878D82A}">
+                    <a16:rowId xmlns:a16="http://schemas.microsoft.com/office/drawing/2014/main" val="2896912233"/>
+                  </a:ext>
+                </a:extLst>
+              </a:tr>
+              <a:tr h="247536">
+                <a:tc>
+                  <a:txBody>
+                    <a:bodyPr/>
+                    <a:lstStyle/>
+                    <a:p>
+                      <a:pPr algn="l" fontAlgn="b"/>
+                      <a:r>
+                        <a:rPr lang="en-US" sz="1100" u="none" strike="noStrike">
+                          <a:solidFill>
+                            <a:schemeClr val="bg1"/>
+                          </a:solidFill>
+                          <a:effectLst/>
+                        </a:rPr>
+                        <a:t> </a:t>
+                      </a:r>
+                      <a:endParaRPr lang="en-US" sz="1100" b="0" i="0" u="none" strike="noStrike">
+                        <a:solidFill>
+                          <a:schemeClr val="bg1"/>
+                        </a:solidFill>
+                        <a:effectLst/>
+                        <a:latin typeface="Calibri" panose="020F0502020204030204" pitchFamily="34" charset="0"/>
+                      </a:endParaRPr>
+                    </a:p>
+                  </a:txBody>
+                  <a:tcPr marL="7620" marR="7620" marT="7620" marB="0" anchor="b"/>
+                </a:tc>
+                <a:tc>
+                  <a:txBody>
+                    <a:bodyPr/>
+                    <a:lstStyle/>
+                    <a:p>
+                      <a:pPr algn="l" fontAlgn="b"/>
+                      <a:r>
+                        <a:rPr lang="en-US" sz="1100" u="none" strike="noStrike">
+                          <a:solidFill>
+                            <a:schemeClr val="bg1"/>
+                          </a:solidFill>
+                          <a:effectLst/>
+                        </a:rPr>
+                        <a:t> </a:t>
+                      </a:r>
+                      <a:endParaRPr lang="en-US" sz="1100" b="0" i="0" u="none" strike="noStrike">
+                        <a:solidFill>
+                          <a:schemeClr val="bg1"/>
+                        </a:solidFill>
+                        <a:effectLst/>
+                        <a:latin typeface="Calibri" panose="020F0502020204030204" pitchFamily="34" charset="0"/>
+                      </a:endParaRPr>
+                    </a:p>
+                  </a:txBody>
+                  <a:tcPr marL="7620" marR="7620" marT="7620" marB="0" anchor="b"/>
+                </a:tc>
+                <a:tc>
+                  <a:txBody>
+                    <a:bodyPr/>
+                    <a:lstStyle/>
+                    <a:p>
+                      <a:pPr algn="l" fontAlgn="b"/>
+                      <a:r>
+                        <a:rPr lang="en-US" sz="1100" u="none" strike="noStrike">
+                          <a:solidFill>
+                            <a:schemeClr val="bg1"/>
+                          </a:solidFill>
+                          <a:effectLst/>
+                        </a:rPr>
+                        <a:t> </a:t>
+                      </a:r>
+                      <a:endParaRPr lang="en-US" sz="1100" b="0" i="0" u="none" strike="noStrike">
+                        <a:solidFill>
+                          <a:schemeClr val="bg1"/>
+                        </a:solidFill>
+                        <a:effectLst/>
+                        <a:latin typeface="Calibri" panose="020F0502020204030204" pitchFamily="34" charset="0"/>
+                      </a:endParaRPr>
+                    </a:p>
+                  </a:txBody>
+                  <a:tcPr marL="7620" marR="7620" marT="7620" marB="0" anchor="b"/>
+                </a:tc>
+                <a:tc>
+                  <a:txBody>
+                    <a:bodyPr/>
+                    <a:lstStyle/>
+                    <a:p>
+                      <a:pPr algn="l" fontAlgn="b"/>
+                      <a:r>
+                        <a:rPr lang="en-US" sz="1100" u="none" strike="noStrike">
+                          <a:solidFill>
+                            <a:schemeClr val="bg1"/>
+                          </a:solidFill>
+                          <a:effectLst/>
+                        </a:rPr>
+                        <a:t>warezmaster</a:t>
+                      </a:r>
+                      <a:endParaRPr lang="en-US" sz="1100" b="0" i="0" u="none" strike="noStrike">
+                        <a:solidFill>
+                          <a:schemeClr val="bg1"/>
+                        </a:solidFill>
+                        <a:effectLst/>
+                        <a:latin typeface="Calibri" panose="020F0502020204030204" pitchFamily="34" charset="0"/>
+                      </a:endParaRPr>
+                    </a:p>
+                  </a:txBody>
+                  <a:tcPr marL="7620" marR="7620" marT="7620" marB="0" anchor="b"/>
+                </a:tc>
+                <a:extLst>
+                  <a:ext uri="{0D108BD9-81ED-4DB2-BD59-A6C34878D82A}">
+                    <a16:rowId xmlns:a16="http://schemas.microsoft.com/office/drawing/2014/main" val="1246249888"/>
+                  </a:ext>
+                </a:extLst>
+              </a:tr>
+              <a:tr h="247536">
+                <a:tc>
+                  <a:txBody>
+                    <a:bodyPr/>
+                    <a:lstStyle/>
+                    <a:p>
+                      <a:pPr algn="l" fontAlgn="b"/>
+                      <a:r>
+                        <a:rPr lang="en-US" sz="1100" u="none" strike="noStrike">
+                          <a:solidFill>
+                            <a:schemeClr val="bg1"/>
+                          </a:solidFill>
+                          <a:effectLst/>
+                        </a:rPr>
+                        <a:t> </a:t>
+                      </a:r>
+                      <a:endParaRPr lang="en-US" sz="1100" b="0" i="0" u="none" strike="noStrike">
+                        <a:solidFill>
+                          <a:schemeClr val="bg1"/>
+                        </a:solidFill>
+                        <a:effectLst/>
+                        <a:latin typeface="Calibri" panose="020F0502020204030204" pitchFamily="34" charset="0"/>
+                      </a:endParaRPr>
+                    </a:p>
+                  </a:txBody>
+                  <a:tcPr marL="7620" marR="7620" marT="7620" marB="0" anchor="b"/>
+                </a:tc>
+                <a:tc>
+                  <a:txBody>
+                    <a:bodyPr/>
+                    <a:lstStyle/>
+                    <a:p>
+                      <a:pPr algn="l" fontAlgn="b"/>
+                      <a:r>
+                        <a:rPr lang="en-US" sz="1100" u="none" strike="noStrike">
+                          <a:solidFill>
+                            <a:schemeClr val="bg1"/>
+                          </a:solidFill>
+                          <a:effectLst/>
+                        </a:rPr>
+                        <a:t> </a:t>
+                      </a:r>
+                      <a:endParaRPr lang="en-US" sz="1100" b="0" i="0" u="none" strike="noStrike">
+                        <a:solidFill>
+                          <a:schemeClr val="bg1"/>
+                        </a:solidFill>
+                        <a:effectLst/>
+                        <a:latin typeface="Calibri" panose="020F0502020204030204" pitchFamily="34" charset="0"/>
+                      </a:endParaRPr>
+                    </a:p>
+                  </a:txBody>
+                  <a:tcPr marL="7620" marR="7620" marT="7620" marB="0" anchor="b"/>
+                </a:tc>
+                <a:tc>
+                  <a:txBody>
+                    <a:bodyPr/>
+                    <a:lstStyle/>
+                    <a:p>
+                      <a:pPr algn="l" fontAlgn="b"/>
+                      <a:r>
+                        <a:rPr lang="en-US" sz="1100" u="none" strike="noStrike">
+                          <a:solidFill>
+                            <a:schemeClr val="bg1"/>
+                          </a:solidFill>
+                          <a:effectLst/>
+                        </a:rPr>
+                        <a:t> </a:t>
+                      </a:r>
+                      <a:endParaRPr lang="en-US" sz="1100" b="0" i="0" u="none" strike="noStrike">
+                        <a:solidFill>
+                          <a:schemeClr val="bg1"/>
+                        </a:solidFill>
+                        <a:effectLst/>
+                        <a:latin typeface="Calibri" panose="020F0502020204030204" pitchFamily="34" charset="0"/>
+                      </a:endParaRPr>
+                    </a:p>
+                  </a:txBody>
+                  <a:tcPr marL="7620" marR="7620" marT="7620" marB="0" anchor="b"/>
+                </a:tc>
+                <a:tc>
+                  <a:txBody>
+                    <a:bodyPr/>
+                    <a:lstStyle/>
+                    <a:p>
+                      <a:pPr algn="l" fontAlgn="b"/>
+                      <a:r>
+                        <a:rPr lang="en-US" sz="1100" u="none" strike="noStrike">
+                          <a:solidFill>
+                            <a:schemeClr val="bg1"/>
+                          </a:solidFill>
+                          <a:effectLst/>
+                        </a:rPr>
+                        <a:t>xclock</a:t>
+                      </a:r>
+                      <a:endParaRPr lang="en-US" sz="1100" b="0" i="0" u="none" strike="noStrike">
+                        <a:solidFill>
+                          <a:schemeClr val="bg1"/>
+                        </a:solidFill>
+                        <a:effectLst/>
+                        <a:latin typeface="Calibri" panose="020F0502020204030204" pitchFamily="34" charset="0"/>
+                      </a:endParaRPr>
+                    </a:p>
+                  </a:txBody>
+                  <a:tcPr marL="7620" marR="7620" marT="7620" marB="0" anchor="b"/>
+                </a:tc>
+                <a:extLst>
+                  <a:ext uri="{0D108BD9-81ED-4DB2-BD59-A6C34878D82A}">
+                    <a16:rowId xmlns:a16="http://schemas.microsoft.com/office/drawing/2014/main" val="120427492"/>
+                  </a:ext>
+                </a:extLst>
+              </a:tr>
+              <a:tr h="247536">
+                <a:tc>
+                  <a:txBody>
+                    <a:bodyPr/>
+                    <a:lstStyle/>
+                    <a:p>
+                      <a:pPr algn="l" fontAlgn="b"/>
+                      <a:r>
+                        <a:rPr lang="en-US" sz="1100" u="none" strike="noStrike" dirty="0">
+                          <a:solidFill>
+                            <a:schemeClr val="bg1"/>
+                          </a:solidFill>
+                          <a:effectLst/>
+                        </a:rPr>
+                        <a:t> </a:t>
+                      </a:r>
+                      <a:endParaRPr lang="en-US" sz="1100" b="0" i="0" u="none" strike="noStrike" dirty="0">
+                        <a:solidFill>
+                          <a:schemeClr val="bg1"/>
+                        </a:solidFill>
+                        <a:effectLst/>
+                        <a:latin typeface="Calibri" panose="020F0502020204030204" pitchFamily="34" charset="0"/>
+                      </a:endParaRPr>
+                    </a:p>
+                  </a:txBody>
+                  <a:tcPr marL="7620" marR="7620" marT="7620" marB="0" anchor="b">
+                    <a:lnB w="12700" cap="flat" cmpd="sng" algn="ctr">
+                      <a:solidFill>
+                        <a:schemeClr val="bg1"/>
+                      </a:solidFill>
+                      <a:prstDash val="solid"/>
+                      <a:round/>
+                      <a:headEnd type="none" w="med" len="med"/>
+                      <a:tailEnd type="none" w="med" len="med"/>
+                    </a:lnB>
+                  </a:tcPr>
+                </a:tc>
+                <a:tc>
+                  <a:txBody>
+                    <a:bodyPr/>
+                    <a:lstStyle/>
+                    <a:p>
+                      <a:pPr algn="l" fontAlgn="b"/>
+                      <a:r>
+                        <a:rPr lang="en-US" sz="1100" u="none" strike="noStrike" dirty="0">
+                          <a:solidFill>
+                            <a:schemeClr val="bg1"/>
+                          </a:solidFill>
+                          <a:effectLst/>
+                        </a:rPr>
+                        <a:t> </a:t>
+                      </a:r>
+                      <a:endParaRPr lang="en-US" sz="1100" b="0" i="0" u="none" strike="noStrike" dirty="0">
+                        <a:solidFill>
+                          <a:schemeClr val="bg1"/>
+                        </a:solidFill>
+                        <a:effectLst/>
+                        <a:latin typeface="Calibri" panose="020F0502020204030204" pitchFamily="34" charset="0"/>
+                      </a:endParaRPr>
+                    </a:p>
+                  </a:txBody>
+                  <a:tcPr marL="7620" marR="7620" marT="7620" marB="0" anchor="b">
+                    <a:lnB w="12700" cap="flat" cmpd="sng" algn="ctr">
+                      <a:solidFill>
+                        <a:schemeClr val="bg1"/>
+                      </a:solidFill>
+                      <a:prstDash val="solid"/>
+                      <a:round/>
+                      <a:headEnd type="none" w="med" len="med"/>
+                      <a:tailEnd type="none" w="med" len="med"/>
+                    </a:lnB>
+                  </a:tcPr>
+                </a:tc>
+                <a:tc>
+                  <a:txBody>
+                    <a:bodyPr/>
+                    <a:lstStyle/>
+                    <a:p>
+                      <a:pPr algn="l" fontAlgn="b"/>
+                      <a:r>
+                        <a:rPr lang="en-US" sz="1100" u="none" strike="noStrike" dirty="0">
+                          <a:solidFill>
+                            <a:schemeClr val="bg1"/>
+                          </a:solidFill>
+                          <a:effectLst/>
+                        </a:rPr>
+                        <a:t> </a:t>
+                      </a:r>
+                      <a:endParaRPr lang="en-US" sz="1100" b="0" i="0" u="none" strike="noStrike" dirty="0">
+                        <a:solidFill>
+                          <a:schemeClr val="bg1"/>
+                        </a:solidFill>
+                        <a:effectLst/>
+                        <a:latin typeface="Calibri" panose="020F0502020204030204" pitchFamily="34" charset="0"/>
+                      </a:endParaRPr>
+                    </a:p>
+                  </a:txBody>
+                  <a:tcPr marL="7620" marR="7620" marT="7620" marB="0" anchor="b">
+                    <a:lnB w="12700" cap="flat" cmpd="sng" algn="ctr">
+                      <a:solidFill>
+                        <a:schemeClr val="bg1"/>
+                      </a:solidFill>
+                      <a:prstDash val="solid"/>
+                      <a:round/>
+                      <a:headEnd type="none" w="med" len="med"/>
+                      <a:tailEnd type="none" w="med" len="med"/>
+                    </a:lnB>
+                  </a:tcPr>
+                </a:tc>
+                <a:tc>
+                  <a:txBody>
+                    <a:bodyPr/>
+                    <a:lstStyle/>
+                    <a:p>
+                      <a:pPr algn="l" fontAlgn="b"/>
+                      <a:r>
+                        <a:rPr lang="en-US" sz="1100" u="none" strike="noStrike" dirty="0" err="1">
+                          <a:solidFill>
+                            <a:schemeClr val="bg1"/>
+                          </a:solidFill>
+                          <a:effectLst/>
+                        </a:rPr>
+                        <a:t>xsnoop</a:t>
+                      </a:r>
+                      <a:endParaRPr lang="en-US" sz="1100" b="0" i="0" u="none" strike="noStrike" dirty="0">
+                        <a:solidFill>
+                          <a:schemeClr val="bg1"/>
+                        </a:solidFill>
+                        <a:effectLst/>
+                        <a:latin typeface="Calibri" panose="020F0502020204030204" pitchFamily="34" charset="0"/>
+                      </a:endParaRPr>
+                    </a:p>
+                  </a:txBody>
+                  <a:tcPr marL="7620" marR="7620" marT="7620" marB="0" anchor="b">
+                    <a:lnB w="12700" cap="flat" cmpd="sng" algn="ctr">
+                      <a:solidFill>
+                        <a:schemeClr val="bg1"/>
+                      </a:solidFill>
+                      <a:prstDash val="solid"/>
+                      <a:round/>
+                      <a:headEnd type="none" w="med" len="med"/>
+                      <a:tailEnd type="none" w="med" len="med"/>
+                    </a:lnB>
+                  </a:tcPr>
+                </a:tc>
+                <a:extLst>
+                  <a:ext uri="{0D108BD9-81ED-4DB2-BD59-A6C34878D82A}">
+                    <a16:rowId xmlns:a16="http://schemas.microsoft.com/office/drawing/2014/main" val="3892438211"/>
+                  </a:ext>
+                </a:extLst>
+              </a:tr>
+              <a:tr h="247536">
+                <a:tc>
+                  <a:txBody>
+                    <a:bodyPr/>
+                    <a:lstStyle/>
+                    <a:p>
+                      <a:pPr algn="r" fontAlgn="b"/>
+                      <a:r>
+                        <a:rPr lang="en-US" sz="1100" b="1" u="none" strike="noStrike" dirty="0">
+                          <a:solidFill>
+                            <a:schemeClr val="bg1"/>
+                          </a:solidFill>
+                          <a:effectLst/>
+                        </a:rPr>
+                        <a:t>45927</a:t>
+                      </a:r>
+                      <a:endParaRPr lang="en-US" sz="1100" b="1" i="0" u="none" strike="noStrike" dirty="0">
+                        <a:solidFill>
+                          <a:schemeClr val="bg1"/>
+                        </a:solidFill>
+                        <a:effectLst/>
+                        <a:latin typeface="Calibri" panose="020F0502020204030204" pitchFamily="34" charset="0"/>
+                      </a:endParaRPr>
+                    </a:p>
+                  </a:txBody>
+                  <a:tcPr marL="7620" marR="7620" marT="7620" marB="0" anchor="b">
+                    <a:lnT w="12700" cap="flat" cmpd="sng" algn="ctr">
+                      <a:solidFill>
+                        <a:schemeClr val="bg1"/>
+                      </a:solidFill>
+                      <a:prstDash val="solid"/>
+                      <a:round/>
+                      <a:headEnd type="none" w="med" len="med"/>
+                      <a:tailEnd type="none" w="med" len="med"/>
+                    </a:lnT>
+                  </a:tcPr>
+                </a:tc>
+                <a:tc>
+                  <a:txBody>
+                    <a:bodyPr/>
+                    <a:lstStyle/>
+                    <a:p>
+                      <a:pPr algn="r" fontAlgn="b"/>
+                      <a:r>
+                        <a:rPr lang="en-US" sz="1100" b="1" u="none" strike="noStrike" dirty="0">
+                          <a:solidFill>
+                            <a:schemeClr val="bg1"/>
+                          </a:solidFill>
+                          <a:effectLst/>
+                        </a:rPr>
+                        <a:t>11656</a:t>
+                      </a:r>
+                      <a:endParaRPr lang="en-US" sz="1100" b="1" i="0" u="none" strike="noStrike" dirty="0">
+                        <a:solidFill>
+                          <a:schemeClr val="bg1"/>
+                        </a:solidFill>
+                        <a:effectLst/>
+                        <a:latin typeface="Calibri" panose="020F0502020204030204" pitchFamily="34" charset="0"/>
+                      </a:endParaRPr>
+                    </a:p>
+                  </a:txBody>
+                  <a:tcPr marL="7620" marR="7620" marT="7620" marB="0" anchor="b">
+                    <a:lnT w="12700" cap="flat" cmpd="sng" algn="ctr">
+                      <a:solidFill>
+                        <a:schemeClr val="bg1"/>
+                      </a:solidFill>
+                      <a:prstDash val="solid"/>
+                      <a:round/>
+                      <a:headEnd type="none" w="med" len="med"/>
+                      <a:tailEnd type="none" w="med" len="med"/>
+                    </a:lnT>
+                  </a:tcPr>
+                </a:tc>
+                <a:tc>
+                  <a:txBody>
+                    <a:bodyPr/>
+                    <a:lstStyle/>
+                    <a:p>
+                      <a:pPr algn="r" fontAlgn="b"/>
+                      <a:r>
+                        <a:rPr lang="en-US" sz="1100" b="1" u="none" strike="noStrike" dirty="0">
+                          <a:solidFill>
+                            <a:schemeClr val="bg1"/>
+                          </a:solidFill>
+                          <a:effectLst/>
+                        </a:rPr>
+                        <a:t>52</a:t>
+                      </a:r>
+                      <a:endParaRPr lang="en-US" sz="1100" b="1" i="0" u="none" strike="noStrike" dirty="0">
+                        <a:solidFill>
+                          <a:schemeClr val="bg1"/>
+                        </a:solidFill>
+                        <a:effectLst/>
+                        <a:latin typeface="Calibri" panose="020F0502020204030204" pitchFamily="34" charset="0"/>
+                      </a:endParaRPr>
+                    </a:p>
+                  </a:txBody>
+                  <a:tcPr marL="7620" marR="7620" marT="7620" marB="0" anchor="b">
+                    <a:lnT w="12700" cap="flat" cmpd="sng" algn="ctr">
+                      <a:solidFill>
+                        <a:schemeClr val="bg1"/>
+                      </a:solidFill>
+                      <a:prstDash val="solid"/>
+                      <a:round/>
+                      <a:headEnd type="none" w="med" len="med"/>
+                      <a:tailEnd type="none" w="med" len="med"/>
+                    </a:lnT>
+                  </a:tcPr>
+                </a:tc>
+                <a:tc>
+                  <a:txBody>
+                    <a:bodyPr/>
+                    <a:lstStyle/>
+                    <a:p>
+                      <a:pPr algn="r" fontAlgn="b"/>
+                      <a:r>
+                        <a:rPr lang="en-US" sz="1100" b="1" u="none" strike="noStrike" dirty="0">
+                          <a:solidFill>
+                            <a:schemeClr val="bg1"/>
+                          </a:solidFill>
+                          <a:effectLst/>
+                        </a:rPr>
+                        <a:t>995</a:t>
+                      </a:r>
+                      <a:endParaRPr lang="en-US" sz="1100" b="1" i="0" u="none" strike="noStrike" dirty="0">
+                        <a:solidFill>
+                          <a:schemeClr val="bg1"/>
+                        </a:solidFill>
+                        <a:effectLst/>
+                        <a:latin typeface="Calibri" panose="020F0502020204030204" pitchFamily="34" charset="0"/>
+                      </a:endParaRPr>
+                    </a:p>
+                  </a:txBody>
+                  <a:tcPr marL="7620" marR="7620" marT="7620" marB="0" anchor="b">
+                    <a:lnT w="12700" cap="flat" cmpd="sng" algn="ctr">
+                      <a:solidFill>
+                        <a:schemeClr val="bg1"/>
+                      </a:solidFill>
+                      <a:prstDash val="solid"/>
+                      <a:round/>
+                      <a:headEnd type="none" w="med" len="med"/>
+                      <a:tailEnd type="none" w="med" len="med"/>
+                    </a:lnT>
+                  </a:tcPr>
+                </a:tc>
+                <a:extLst>
+                  <a:ext uri="{0D108BD9-81ED-4DB2-BD59-A6C34878D82A}">
+                    <a16:rowId xmlns:a16="http://schemas.microsoft.com/office/drawing/2014/main" val="1596976619"/>
+                  </a:ext>
+                </a:extLst>
+              </a:tr>
+            </a:tbl>
+          </a:graphicData>
+        </a:graphic>
+      </p:graphicFrame>
+      <p:graphicFrame>
+        <p:nvGraphicFramePr>
+          <p:cNvPr id="4" name="Chart 3">
+            <a:extLst>
+              <a:ext uri="{FF2B5EF4-FFF2-40B4-BE49-F238E27FC236}">
+                <a16:creationId xmlns:a16="http://schemas.microsoft.com/office/drawing/2014/main" id="{D47EA318-5CAC-4AF9-B336-71EF80646D99}"/>
+              </a:ext>
+            </a:extLst>
+          </p:cNvPr>
+          <p:cNvGraphicFramePr>
+            <a:graphicFrameLocks/>
+          </p:cNvGraphicFramePr>
+          <p:nvPr>
+            <p:extLst>
+              <p:ext uri="{D42A27DB-BD31-4B8C-83A1-F6EECF244321}">
+                <p14:modId xmlns:p14="http://schemas.microsoft.com/office/powerpoint/2010/main" val="3609066632"/>
+              </p:ext>
+            </p:extLst>
+          </p:nvPr>
+        </p:nvGraphicFramePr>
+        <p:xfrm>
+          <a:off x="5038531" y="1535185"/>
+          <a:ext cx="6857058" cy="4498552"/>
+        </p:xfrm>
+        <a:graphic>
+          <a:graphicData uri="http://schemas.openxmlformats.org/drawingml/2006/chart">
+            <c:chart xmlns:c="http://schemas.openxmlformats.org/drawingml/2006/chart" xmlns:r="http://schemas.openxmlformats.org/officeDocument/2006/relationships" r:id="rId2"/>
+          </a:graphicData>
+        </a:graphic>
+      </p:graphicFrame>
+    </p:spTree>
+    <p:extLst>
+      <p:ext uri="{BB962C8B-B14F-4D97-AF65-F5344CB8AC3E}">
+        <p14:creationId xmlns:p14="http://schemas.microsoft.com/office/powerpoint/2010/main" val="2579228114"/>
+      </p:ext>
+    </p:extLst>
+  </p:cSld>
+  <p:clrMapOvr>
+    <a:masterClrMapping/>
+  </p:clrMapOvr>
+</p:sld>
+</file>
+
+<file path=ppt/slides/slide7.xml><?xml version="1.0" encoding="utf-8"?>
+<p:sld xmlns:a="http://schemas.openxmlformats.org/drawingml/2006/main" xmlns:r="http://schemas.openxmlformats.org/officeDocument/2006/relationships" xmlns:p="http://schemas.openxmlformats.org/presentationml/2006/main">
+  <p:cSld>
+    <p:spTree>
+      <p:nvGrpSpPr>
+        <p:cNvPr id="1" name=""/>
+        <p:cNvGrpSpPr/>
+        <p:nvPr/>
+      </p:nvGrpSpPr>
+      <p:grpSpPr>
+        <a:xfrm>
+          <a:off x="0" y="0"/>
+          <a:ext cx="0" cy="0"/>
+          <a:chOff x="0" y="0"/>
+          <a:chExt cx="0" cy="0"/>
+        </a:xfrm>
+      </p:grpSpPr>
+      <p:sp>
+        <p:nvSpPr>
+          <p:cNvPr id="2" name="Title 1">
+            <a:extLst>
+              <a:ext uri="{FF2B5EF4-FFF2-40B4-BE49-F238E27FC236}">
                 <a16:creationId xmlns:a16="http://schemas.microsoft.com/office/drawing/2014/main" id="{CE78AF4E-4994-458F-AD04-2C2AA1388FDA}"/>
               </a:ext>
             </a:extLst>
@@ -6689,7 +10027,7 @@
 </p:sld>
 </file>
 
-<file path=ppt/slides/slide7.xml><?xml version="1.0" encoding="utf-8"?>
+<file path=ppt/slides/slide8.xml><?xml version="1.0" encoding="utf-8"?>
 <p:sld xmlns:a="http://schemas.openxmlformats.org/drawingml/2006/main" xmlns:r="http://schemas.openxmlformats.org/officeDocument/2006/relationships" xmlns:p="http://schemas.openxmlformats.org/presentationml/2006/main">
   <p:cSld>
     <p:spTree>
@@ -6841,7 +10179,7 @@
 </p:sld>
 </file>
 
-<file path=ppt/slides/slide8.xml><?xml version="1.0" encoding="utf-8"?>
+<file path=ppt/slides/slide9.xml><?xml version="1.0" encoding="utf-8"?>
 <p:sld xmlns:a="http://schemas.openxmlformats.org/drawingml/2006/main" xmlns:r="http://schemas.openxmlformats.org/officeDocument/2006/relationships" xmlns:p="http://schemas.openxmlformats.org/presentationml/2006/main">
   <p:cSld>
     <p:spTree>
@@ -6948,115 +10286,6 @@
     <p:extLst>
       <p:ext uri="{BB962C8B-B14F-4D97-AF65-F5344CB8AC3E}">
         <p14:creationId xmlns:p14="http://schemas.microsoft.com/office/powerpoint/2010/main" val="2131712126"/>
-      </p:ext>
-    </p:extLst>
-  </p:cSld>
-  <p:clrMapOvr>
-    <a:masterClrMapping/>
-  </p:clrMapOvr>
-</p:sld>
-</file>
-
-<file path=ppt/slides/slide9.xml><?xml version="1.0" encoding="utf-8"?>
-<p:sld xmlns:a="http://schemas.openxmlformats.org/drawingml/2006/main" xmlns:r="http://schemas.openxmlformats.org/officeDocument/2006/relationships" xmlns:p="http://schemas.openxmlformats.org/presentationml/2006/main">
-  <p:cSld>
-    <p:spTree>
-      <p:nvGrpSpPr>
-        <p:cNvPr id="1" name=""/>
-        <p:cNvGrpSpPr/>
-        <p:nvPr/>
-      </p:nvGrpSpPr>
-      <p:grpSpPr>
-        <a:xfrm>
-          <a:off x="0" y="0"/>
-          <a:ext cx="0" cy="0"/>
-          <a:chOff x="0" y="0"/>
-          <a:chExt cx="0" cy="0"/>
-        </a:xfrm>
-      </p:grpSpPr>
-      <p:sp>
-        <p:nvSpPr>
-          <p:cNvPr id="2" name="Title 1">
-            <a:extLst>
-              <a:ext uri="{FF2B5EF4-FFF2-40B4-BE49-F238E27FC236}">
-                <a16:creationId xmlns:a16="http://schemas.microsoft.com/office/drawing/2014/main" id="{AC3EF083-DA6C-445C-B547-74226ADB5693}"/>
-              </a:ext>
-            </a:extLst>
-          </p:cNvPr>
-          <p:cNvSpPr>
-            <a:spLocks noGrp="1"/>
-          </p:cNvSpPr>
-          <p:nvPr>
-            <p:ph type="title"/>
-          </p:nvPr>
-        </p:nvSpPr>
-        <p:spPr/>
-        <p:txBody>
-          <a:bodyPr/>
-          <a:lstStyle/>
-          <a:p>
-            <a:r>
-              <a:rPr lang="en-US" dirty="0"/>
-              <a:t>FUTURE IMPROVEMENTS</a:t>
-            </a:r>
-          </a:p>
-        </p:txBody>
-      </p:sp>
-      <p:sp>
-        <p:nvSpPr>
-          <p:cNvPr id="3" name="Content Placeholder 2">
-            <a:extLst>
-              <a:ext uri="{FF2B5EF4-FFF2-40B4-BE49-F238E27FC236}">
-                <a16:creationId xmlns:a16="http://schemas.microsoft.com/office/drawing/2014/main" id="{6B43A2FF-592F-4016-ABF5-60A7F7D0D8FE}"/>
-              </a:ext>
-            </a:extLst>
-          </p:cNvPr>
-          <p:cNvSpPr>
-            <a:spLocks noGrp="1"/>
-          </p:cNvSpPr>
-          <p:nvPr>
-            <p:ph idx="1"/>
-          </p:nvPr>
-        </p:nvSpPr>
-        <p:spPr>
-          <a:xfrm>
-            <a:off x="838200" y="1825625"/>
-            <a:ext cx="10515600" cy="1949421"/>
-          </a:xfrm>
-        </p:spPr>
-        <p:txBody>
-          <a:bodyPr/>
-          <a:lstStyle/>
-          <a:p>
-            <a:r>
-              <a:rPr lang="en-US" dirty="0"/>
-              <a:t>Model found to be Overfitting</a:t>
-            </a:r>
-          </a:p>
-          <a:p>
-            <a:r>
-              <a:rPr lang="en-US" dirty="0"/>
-              <a:t>Increase Accuracy/Recall</a:t>
-            </a:r>
-          </a:p>
-          <a:p>
-            <a:r>
-              <a:rPr lang="en-US" dirty="0"/>
-              <a:t>Cross-validation, Regularization or Ensemble techniques</a:t>
-            </a:r>
-          </a:p>
-          <a:p>
-            <a:endParaRPr lang="en-US" dirty="0"/>
-          </a:p>
-          <a:p>
-            <a:endParaRPr lang="en-US" dirty="0"/>
-          </a:p>
-        </p:txBody>
-      </p:sp>
-    </p:spTree>
-    <p:extLst>
-      <p:ext uri="{BB962C8B-B14F-4D97-AF65-F5344CB8AC3E}">
-        <p14:creationId xmlns:p14="http://schemas.microsoft.com/office/powerpoint/2010/main" val="3778114619"/>
       </p:ext>
     </p:extLst>
   </p:cSld>

--- a/NSL_KDD_Network_Security_Analysis.pptx
+++ b/NSL_KDD_Network_Security_Analysis.pptx
@@ -128,10 +128,10 @@
   <c:roundedCorners val="0"/>
   <mc:AlternateContent xmlns:mc="http://schemas.openxmlformats.org/markup-compatibility/2006">
     <mc:Choice xmlns:c14="http://schemas.microsoft.com/office/drawing/2007/8/2/chart" Requires="c14">
-      <c14:style val="107"/>
+      <c14:style val="106"/>
     </mc:Choice>
     <mc:Fallback>
-      <c:style val="7"/>
+      <c:style val="6"/>
     </mc:Fallback>
   </mc:AlternateContent>
   <c:chart>
@@ -146,13 +146,13 @@
                 <a:solidFill>
                   <a:schemeClr val="bg1"/>
                 </a:solidFill>
-                <a:latin typeface="Times New Roman" panose="02020603050405020304" pitchFamily="18" charset="0"/>
-                <a:ea typeface="+mn-ea"/>
+                <a:latin typeface="Cambria" panose="02040503050406030204" pitchFamily="18" charset="0"/>
+                <a:ea typeface="Cambria" panose="02040503050406030204" pitchFamily="18" charset="0"/>
                 <a:cs typeface="Times New Roman" panose="02020603050405020304" pitchFamily="18" charset="0"/>
               </a:defRPr>
             </a:pPr>
             <a:r>
-              <a:rPr lang="en-US"/>
+              <a:rPr lang="en-US" sz="2000" dirty="0"/>
               <a:t>Frequency of Network Attacks</a:t>
             </a:r>
           </a:p>
@@ -175,8 +175,8 @@
               <a:solidFill>
                 <a:schemeClr val="bg1"/>
               </a:solidFill>
-              <a:latin typeface="Times New Roman" panose="02020603050405020304" pitchFamily="18" charset="0"/>
-              <a:ea typeface="+mn-ea"/>
+              <a:latin typeface="Cambria" panose="02040503050406030204" pitchFamily="18" charset="0"/>
+              <a:ea typeface="Cambria" panose="02040503050406030204" pitchFamily="18" charset="0"/>
               <a:cs typeface="Times New Roman" panose="02020603050405020304" pitchFamily="18" charset="0"/>
             </a:defRPr>
           </a:pPr>
@@ -207,7 +207,7 @@
           </c:tx>
           <c:spPr>
             <a:solidFill>
-              <a:schemeClr val="accent5"/>
+              <a:schemeClr val="accent4"/>
             </a:solidFill>
             <a:ln>
               <a:noFill/>
@@ -224,38 +224,38 @@
                   </c15:fullRef>
                 </c:ext>
               </c:extLst>
-              <c:f>Frequency!$A$3:$A$12</c:f>
+              <c:f>Frequency!$A$2:$A$11</c:f>
               <c:strCache>
                 <c:ptCount val="10"/>
                 <c:pt idx="0">
-                  <c:v>neptune</c:v>
+                  <c:v>pod</c:v>
                 </c:pt>
                 <c:pt idx="1">
+                  <c:v>warezclient</c:v>
+                </c:pt>
+                <c:pt idx="2">
+                  <c:v>teardrop</c:v>
+                </c:pt>
+                <c:pt idx="3">
+                  <c:v>back</c:v>
+                </c:pt>
+                <c:pt idx="4">
+                  <c:v>nmap</c:v>
+                </c:pt>
+                <c:pt idx="5">
+                  <c:v>smurf</c:v>
+                </c:pt>
+                <c:pt idx="6">
+                  <c:v>portsweep</c:v>
+                </c:pt>
+                <c:pt idx="7">
+                  <c:v>ipsweep</c:v>
+                </c:pt>
+                <c:pt idx="8">
                   <c:v>satan</c:v>
                 </c:pt>
-                <c:pt idx="2">
-                  <c:v>ipsweep</c:v>
-                </c:pt>
-                <c:pt idx="3">
-                  <c:v>portsweep</c:v>
-                </c:pt>
-                <c:pt idx="4">
-                  <c:v>smurf</c:v>
-                </c:pt>
-                <c:pt idx="5">
-                  <c:v>nmap</c:v>
-                </c:pt>
-                <c:pt idx="6">
-                  <c:v>back</c:v>
-                </c:pt>
-                <c:pt idx="7">
-                  <c:v>teardrop</c:v>
-                </c:pt>
-                <c:pt idx="8">
-                  <c:v>warezclient</c:v>
-                </c:pt>
                 <c:pt idx="9">
-                  <c:v>pod</c:v>
+                  <c:v>neptune</c:v>
                 </c:pt>
               </c:strCache>
             </c:strRef>
@@ -269,39 +269,39 @@
                   </c15:fullRef>
                 </c:ext>
               </c:extLst>
-              <c:f>Frequency!$B$3:$B$12</c:f>
+              <c:f>Frequency!$B$2:$B$11</c:f>
               <c:numCache>
                 <c:formatCode>General</c:formatCode>
                 <c:ptCount val="10"/>
                 <c:pt idx="0">
-                  <c:v>41214</c:v>
+                  <c:v>201</c:v>
                 </c:pt>
                 <c:pt idx="1">
+                  <c:v>890</c:v>
+                </c:pt>
+                <c:pt idx="2">
+                  <c:v>892</c:v>
+                </c:pt>
+                <c:pt idx="3">
+                  <c:v>956</c:v>
+                </c:pt>
+                <c:pt idx="4">
+                  <c:v>1493</c:v>
+                </c:pt>
+                <c:pt idx="5">
+                  <c:v>2646</c:v>
+                </c:pt>
+                <c:pt idx="6">
+                  <c:v>2931</c:v>
+                </c:pt>
+                <c:pt idx="7">
+                  <c:v>3599</c:v>
+                </c:pt>
+                <c:pt idx="8">
                   <c:v>3633</c:v>
                 </c:pt>
-                <c:pt idx="2">
-                  <c:v>3599</c:v>
-                </c:pt>
-                <c:pt idx="3">
-                  <c:v>2931</c:v>
-                </c:pt>
-                <c:pt idx="4">
-                  <c:v>2646</c:v>
-                </c:pt>
-                <c:pt idx="5">
-                  <c:v>1493</c:v>
-                </c:pt>
-                <c:pt idx="6">
-                  <c:v>956</c:v>
-                </c:pt>
-                <c:pt idx="7">
-                  <c:v>892</c:v>
-                </c:pt>
-                <c:pt idx="8">
-                  <c:v>890</c:v>
-                </c:pt>
                 <c:pt idx="9">
-                  <c:v>201</c:v>
+                  <c:v>41214</c:v>
                 </c:pt>
               </c:numCache>
             </c:numRef>
@@ -342,8 +342,8 @@
                     <a:solidFill>
                       <a:schemeClr val="bg1"/>
                     </a:solidFill>
-                    <a:latin typeface="Times New Roman" panose="02020603050405020304" pitchFamily="18" charset="0"/>
-                    <a:ea typeface="+mn-ea"/>
+                    <a:latin typeface="Cambria" panose="02040503050406030204" pitchFamily="18" charset="0"/>
+                    <a:ea typeface="Cambria" panose="02040503050406030204" pitchFamily="18" charset="0"/>
                     <a:cs typeface="Times New Roman" panose="02020603050405020304" pitchFamily="18" charset="0"/>
                   </a:defRPr>
                 </a:pPr>
@@ -371,8 +371,8 @@
                   <a:solidFill>
                     <a:schemeClr val="bg1"/>
                   </a:solidFill>
-                  <a:latin typeface="Times New Roman" panose="02020603050405020304" pitchFamily="18" charset="0"/>
-                  <a:ea typeface="+mn-ea"/>
+                  <a:latin typeface="Cambria" panose="02040503050406030204" pitchFamily="18" charset="0"/>
+                  <a:ea typeface="Cambria" panose="02040503050406030204" pitchFamily="18" charset="0"/>
                   <a:cs typeface="Times New Roman" panose="02020603050405020304" pitchFamily="18" charset="0"/>
                 </a:defRPr>
               </a:pPr>
@@ -406,8 +406,8 @@
                 <a:solidFill>
                   <a:schemeClr val="bg1"/>
                 </a:solidFill>
-                <a:latin typeface="Times New Roman" panose="02020603050405020304" pitchFamily="18" charset="0"/>
-                <a:ea typeface="+mn-ea"/>
+                <a:latin typeface="Cambria" panose="02040503050406030204" pitchFamily="18" charset="0"/>
+                <a:ea typeface="Cambria" panose="02040503050406030204" pitchFamily="18" charset="0"/>
                 <a:cs typeface="Times New Roman" panose="02020603050405020304" pitchFamily="18" charset="0"/>
               </a:defRPr>
             </a:pPr>
@@ -453,8 +453,8 @@
                     <a:solidFill>
                       <a:schemeClr val="bg1"/>
                     </a:solidFill>
-                    <a:latin typeface="Times New Roman" panose="02020603050405020304" pitchFamily="18" charset="0"/>
-                    <a:ea typeface="+mn-ea"/>
+                    <a:latin typeface="Cambria" panose="02040503050406030204" pitchFamily="18" charset="0"/>
+                    <a:ea typeface="Cambria" panose="02040503050406030204" pitchFamily="18" charset="0"/>
                     <a:cs typeface="Times New Roman" panose="02020603050405020304" pitchFamily="18" charset="0"/>
                   </a:defRPr>
                 </a:pPr>
@@ -482,8 +482,8 @@
                   <a:solidFill>
                     <a:schemeClr val="bg1"/>
                   </a:solidFill>
-                  <a:latin typeface="Times New Roman" panose="02020603050405020304" pitchFamily="18" charset="0"/>
-                  <a:ea typeface="+mn-ea"/>
+                  <a:latin typeface="Cambria" panose="02040503050406030204" pitchFamily="18" charset="0"/>
+                  <a:ea typeface="Cambria" panose="02040503050406030204" pitchFamily="18" charset="0"/>
                   <a:cs typeface="Times New Roman" panose="02020603050405020304" pitchFamily="18" charset="0"/>
                 </a:defRPr>
               </a:pPr>
@@ -511,8 +511,8 @@
                 <a:solidFill>
                   <a:schemeClr val="bg1"/>
                 </a:solidFill>
-                <a:latin typeface="Times New Roman" panose="02020603050405020304" pitchFamily="18" charset="0"/>
-                <a:ea typeface="+mn-ea"/>
+                <a:latin typeface="Cambria" panose="02040503050406030204" pitchFamily="18" charset="0"/>
+                <a:ea typeface="Cambria" panose="02040503050406030204" pitchFamily="18" charset="0"/>
                 <a:cs typeface="Times New Roman" panose="02020603050405020304" pitchFamily="18" charset="0"/>
               </a:defRPr>
             </a:pPr>
@@ -558,7 +558,8 @@
           <a:solidFill>
             <a:schemeClr val="bg1"/>
           </a:solidFill>
-          <a:latin typeface="Times New Roman" panose="02020603050405020304" pitchFamily="18" charset="0"/>
+          <a:latin typeface="Cambria" panose="02040503050406030204" pitchFamily="18" charset="0"/>
+          <a:ea typeface="Cambria" panose="02040503050406030204" pitchFamily="18" charset="0"/>
           <a:cs typeface="Times New Roman" panose="02020603050405020304" pitchFamily="18" charset="0"/>
         </a:defRPr>
       </a:pPr>
@@ -592,22 +593,30 @@
           <a:lstStyle/>
           <a:p>
             <a:pPr>
-              <a:defRPr sz="2200" b="1" i="0" u="none" strike="noStrike" kern="1200" baseline="0">
+              <a:defRPr sz="2200" b="0" i="0" u="none" strike="noStrike" kern="1200" baseline="0">
                 <a:solidFill>
                   <a:schemeClr val="bg1"/>
                 </a:solidFill>
-                <a:latin typeface="Times New Roman" panose="02020603050405020304" pitchFamily="18" charset="0"/>
-                <a:ea typeface="+mn-ea"/>
+                <a:latin typeface="Cambria" panose="02040503050406030204" pitchFamily="18" charset="0"/>
+                <a:ea typeface="Cambria" panose="02040503050406030204" pitchFamily="18" charset="0"/>
                 <a:cs typeface="Times New Roman" panose="02020603050405020304" pitchFamily="18" charset="0"/>
               </a:defRPr>
             </a:pPr>
             <a:r>
-              <a:rPr lang="en-US" sz="2000" dirty="0"/>
+              <a:rPr lang="en-US" sz="2000" b="0" dirty="0"/>
               <a:t>Distribution of Network System</a:t>
             </a:r>
           </a:p>
         </c:rich>
       </c:tx>
+      <c:layout>
+        <c:manualLayout>
+          <c:xMode val="edge"/>
+          <c:yMode val="edge"/>
+          <c:x val="0.11190896284970124"/>
+          <c:y val="2.005390341861155E-2"/>
+        </c:manualLayout>
+      </c:layout>
       <c:overlay val="0"/>
       <c:spPr>
         <a:noFill/>
@@ -621,12 +630,12 @@
         <a:lstStyle/>
         <a:p>
           <a:pPr>
-            <a:defRPr sz="2200" b="1" i="0" u="none" strike="noStrike" kern="1200" baseline="0">
+            <a:defRPr sz="2200" b="0" i="0" u="none" strike="noStrike" kern="1200" baseline="0">
               <a:solidFill>
                 <a:schemeClr val="bg1"/>
               </a:solidFill>
-              <a:latin typeface="Times New Roman" panose="02020603050405020304" pitchFamily="18" charset="0"/>
-              <a:ea typeface="+mn-ea"/>
+              <a:latin typeface="Cambria" panose="02040503050406030204" pitchFamily="18" charset="0"/>
+              <a:ea typeface="Cambria" panose="02040503050406030204" pitchFamily="18" charset="0"/>
               <a:cs typeface="Times New Roman" panose="02020603050405020304" pitchFamily="18" charset="0"/>
             </a:defRPr>
           </a:pPr>
@@ -726,8 +735,8 @@
                     <a:solidFill>
                       <a:schemeClr val="bg1"/>
                     </a:solidFill>
-                    <a:latin typeface="Times New Roman" panose="02020603050405020304" pitchFamily="18" charset="0"/>
-                    <a:ea typeface="+mn-ea"/>
+                    <a:latin typeface="Cambria" panose="02040503050406030204" pitchFamily="18" charset="0"/>
+                    <a:ea typeface="Cambria" panose="02040503050406030204" pitchFamily="18" charset="0"/>
                     <a:cs typeface="Times New Roman" panose="02020603050405020304" pitchFamily="18" charset="0"/>
                   </a:defRPr>
                 </a:pPr>
@@ -838,8 +847,8 @@
               <a:solidFill>
                 <a:schemeClr val="bg1"/>
               </a:solidFill>
-              <a:latin typeface="Times New Roman" panose="02020603050405020304" pitchFamily="18" charset="0"/>
-              <a:ea typeface="+mn-ea"/>
+              <a:latin typeface="Cambria" panose="02040503050406030204" pitchFamily="18" charset="0"/>
+              <a:ea typeface="Cambria" panose="02040503050406030204" pitchFamily="18" charset="0"/>
               <a:cs typeface="Times New Roman" panose="02020603050405020304" pitchFamily="18" charset="0"/>
             </a:defRPr>
           </a:pPr>
@@ -852,13 +861,7 @@
     <c:showDLblsOverMax val="0"/>
   </c:chart>
   <c:spPr>
-    <a:solidFill>
-      <a:schemeClr val="tx1">
-        <a:lumMod val="65000"/>
-        <a:lumOff val="35000"/>
-        <a:alpha val="41000"/>
-      </a:schemeClr>
-    </a:solidFill>
+    <a:noFill/>
     <a:ln w="9525" cap="flat" cmpd="sng" algn="ctr">
       <a:noFill/>
       <a:round/>
@@ -874,7 +877,8 @@
           <a:solidFill>
             <a:schemeClr val="bg1"/>
           </a:solidFill>
-          <a:latin typeface="Times New Roman" panose="02020603050405020304" pitchFamily="18" charset="0"/>
+          <a:latin typeface="Cambria" panose="02040503050406030204" pitchFamily="18" charset="0"/>
+          <a:ea typeface="Cambria" panose="02040503050406030204" pitchFamily="18" charset="0"/>
           <a:cs typeface="Times New Roman" panose="02020603050405020304" pitchFamily="18" charset="0"/>
         </a:defRPr>
       </a:pPr>
@@ -908,17 +912,17 @@
           <a:lstStyle/>
           <a:p>
             <a:pPr>
-              <a:defRPr sz="2200" b="1" i="0" u="none" strike="noStrike" kern="1200" baseline="0">
+              <a:defRPr sz="2200" b="0" i="0" u="none" strike="noStrike" kern="1200" baseline="0">
                 <a:solidFill>
                   <a:schemeClr val="bg1"/>
                 </a:solidFill>
-                <a:latin typeface="Times New Roman" panose="02020603050405020304" pitchFamily="18" charset="0"/>
-                <a:ea typeface="+mn-ea"/>
+                <a:latin typeface="Cambria" panose="02040503050406030204" pitchFamily="18" charset="0"/>
+                <a:ea typeface="Cambria" panose="02040503050406030204" pitchFamily="18" charset="0"/>
                 <a:cs typeface="Times New Roman" panose="02020603050405020304" pitchFamily="18" charset="0"/>
               </a:defRPr>
             </a:pPr>
             <a:r>
-              <a:rPr lang="en-US" sz="2000" dirty="0"/>
+              <a:rPr lang="en-US" sz="2000" b="0" dirty="0"/>
               <a:t>Subclasses of Network Attacks</a:t>
             </a:r>
           </a:p>
@@ -937,12 +941,12 @@
         <a:lstStyle/>
         <a:p>
           <a:pPr>
-            <a:defRPr sz="2200" b="1" i="0" u="none" strike="noStrike" kern="1200" baseline="0">
+            <a:defRPr sz="2200" b="0" i="0" u="none" strike="noStrike" kern="1200" baseline="0">
               <a:solidFill>
                 <a:schemeClr val="bg1"/>
               </a:solidFill>
-              <a:latin typeface="Times New Roman" panose="02020603050405020304" pitchFamily="18" charset="0"/>
-              <a:ea typeface="+mn-ea"/>
+              <a:latin typeface="Cambria" panose="02040503050406030204" pitchFamily="18" charset="0"/>
+              <a:ea typeface="Cambria" panose="02040503050406030204" pitchFamily="18" charset="0"/>
               <a:cs typeface="Times New Roman" panose="02020603050405020304" pitchFamily="18" charset="0"/>
             </a:defRPr>
           </a:pPr>
@@ -1158,8 +1162,8 @@
                     <a:solidFill>
                       <a:schemeClr val="bg1"/>
                     </a:solidFill>
-                    <a:latin typeface="Times New Roman" panose="02020603050405020304" pitchFamily="18" charset="0"/>
-                    <a:ea typeface="+mn-ea"/>
+                    <a:latin typeface="Cambria" panose="02040503050406030204" pitchFamily="18" charset="0"/>
+                    <a:ea typeface="Cambria" panose="02040503050406030204" pitchFamily="18" charset="0"/>
                     <a:cs typeface="Times New Roman" panose="02020603050405020304" pitchFamily="18" charset="0"/>
                   </a:defRPr>
                 </a:pPr>
@@ -1292,8 +1296,8 @@
               <a:solidFill>
                 <a:schemeClr val="bg1"/>
               </a:solidFill>
-              <a:latin typeface="Times New Roman" panose="02020603050405020304" pitchFamily="18" charset="0"/>
-              <a:ea typeface="+mn-ea"/>
+              <a:latin typeface="Cambria" panose="02040503050406030204" pitchFamily="18" charset="0"/>
+              <a:ea typeface="Cambria" panose="02040503050406030204" pitchFamily="18" charset="0"/>
               <a:cs typeface="Times New Roman" panose="02020603050405020304" pitchFamily="18" charset="0"/>
             </a:defRPr>
           </a:pPr>
@@ -1306,13 +1310,7 @@
     <c:showDLblsOverMax val="0"/>
   </c:chart>
   <c:spPr>
-    <a:solidFill>
-      <a:schemeClr val="tx1">
-        <a:lumMod val="65000"/>
-        <a:lumOff val="35000"/>
-        <a:alpha val="50000"/>
-      </a:schemeClr>
-    </a:solidFill>
+    <a:noFill/>
     <a:ln w="9525" cap="flat" cmpd="sng" algn="ctr">
       <a:noFill/>
       <a:round/>
@@ -1328,7 +1326,8 @@
           <a:solidFill>
             <a:schemeClr val="bg1"/>
           </a:solidFill>
-          <a:latin typeface="Times New Roman" panose="02020603050405020304" pitchFamily="18" charset="0"/>
+          <a:latin typeface="Cambria" panose="02040503050406030204" pitchFamily="18" charset="0"/>
+          <a:ea typeface="Cambria" panose="02040503050406030204" pitchFamily="18" charset="0"/>
           <a:cs typeface="Times New Roman" panose="02020603050405020304" pitchFamily="18" charset="0"/>
         </a:defRPr>
       </a:pPr>
@@ -1342,8 +1341,8 @@
 </file>
 
 <file path=ppt/charts/colors1.xml><?xml version="1.0" encoding="utf-8"?>
-<cs:colorStyle xmlns:cs="http://schemas.microsoft.com/office/drawing/2012/chartStyle" xmlns:a="http://schemas.openxmlformats.org/drawingml/2006/main" meth="withinLinear" id="18">
-  <a:schemeClr val="accent5"/>
+<cs:colorStyle xmlns:cs="http://schemas.microsoft.com/office/drawing/2012/chartStyle" xmlns:a="http://schemas.openxmlformats.org/drawingml/2006/main" meth="withinLinear" id="17">
+  <a:schemeClr val="accent4"/>
 </cs:colorStyle>
 </file>
 
@@ -3171,12 +3170,15 @@
           <a:bodyPr anchor="b"/>
           <a:lstStyle>
             <a:lvl1pPr algn="ctr">
-              <a:defRPr sz="6000"/>
+              <a:defRPr sz="6000">
+                <a:latin typeface="Cambria" panose="02040503050406030204" pitchFamily="18" charset="0"/>
+                <a:ea typeface="Cambria" panose="02040503050406030204" pitchFamily="18" charset="0"/>
+              </a:defRPr>
             </a:lvl1pPr>
           </a:lstStyle>
           <a:p>
             <a:r>
-              <a:rPr lang="en-US"/>
+              <a:rPr lang="en-US" dirty="0"/>
               <a:t>Click to edit Master title style</a:t>
             </a:r>
           </a:p>
@@ -3209,7 +3211,10 @@
           <a:lstStyle>
             <a:lvl1pPr marL="0" indent="0" algn="ctr">
               <a:buNone/>
-              <a:defRPr sz="2400"/>
+              <a:defRPr sz="2400">
+                <a:latin typeface="Cambria" panose="02040503050406030204" pitchFamily="18" charset="0"/>
+                <a:ea typeface="Cambria" panose="02040503050406030204" pitchFamily="18" charset="0"/>
+              </a:defRPr>
             </a:lvl1pPr>
             <a:lvl2pPr marL="457200" indent="0" algn="ctr">
               <a:buNone/>
@@ -3271,10 +3276,18 @@
         <p:spPr/>
         <p:txBody>
           <a:bodyPr/>
-          <a:lstStyle/>
+          <a:lstStyle>
+            <a:lvl1pPr>
+              <a:defRPr>
+                <a:latin typeface="Cambria" panose="02040503050406030204" pitchFamily="18" charset="0"/>
+                <a:ea typeface="Cambria" panose="02040503050406030204" pitchFamily="18" charset="0"/>
+              </a:defRPr>
+            </a:lvl1pPr>
+          </a:lstStyle>
           <a:p>
             <a:fld id="{5929ED88-003D-480F-AE63-0F53292C31A9}" type="datetimeFigureOut">
               <a:rPr lang="en-US" smtClean="0"/>
+              <a:pPr/>
               <a:t>11/21/2020</a:t>
             </a:fld>
             <a:endParaRPr lang="en-US"/>
@@ -3300,7 +3313,14 @@
         <p:spPr/>
         <p:txBody>
           <a:bodyPr/>
-          <a:lstStyle/>
+          <a:lstStyle>
+            <a:lvl1pPr>
+              <a:defRPr>
+                <a:latin typeface="Cambria" panose="02040503050406030204" pitchFamily="18" charset="0"/>
+                <a:ea typeface="Cambria" panose="02040503050406030204" pitchFamily="18" charset="0"/>
+              </a:defRPr>
+            </a:lvl1pPr>
+          </a:lstStyle>
           <a:p>
             <a:endParaRPr lang="en-US"/>
           </a:p>
@@ -3325,10 +3345,18 @@
         <p:spPr/>
         <p:txBody>
           <a:bodyPr/>
-          <a:lstStyle/>
+          <a:lstStyle>
+            <a:lvl1pPr>
+              <a:defRPr>
+                <a:latin typeface="Cambria" panose="02040503050406030204" pitchFamily="18" charset="0"/>
+                <a:ea typeface="Cambria" panose="02040503050406030204" pitchFamily="18" charset="0"/>
+              </a:defRPr>
+            </a:lvl1pPr>
+          </a:lstStyle>
           <a:p>
             <a:fld id="{81F2E7C5-725F-41A1-9EA4-DA3A52D40463}" type="slidenum">
               <a:rPr lang="en-US" smtClean="0"/>
+              <a:pPr/>
               <a:t>‹#›</a:t>
             </a:fld>
             <a:endParaRPr lang="en-US"/>
@@ -4271,7 +4299,13 @@
         <p:spPr/>
         <p:txBody>
           <a:bodyPr/>
-          <a:lstStyle/>
+          <a:lstStyle>
+            <a:lvl1pPr>
+              <a:defRPr>
+                <a:latin typeface="+mn-lt"/>
+              </a:defRPr>
+            </a:lvl1pPr>
+          </a:lstStyle>
           <a:p>
             <a:r>
               <a:rPr lang="en-US"/>
@@ -4304,7 +4338,33 @@
         </p:spPr>
         <p:txBody>
           <a:bodyPr/>
-          <a:lstStyle/>
+          <a:lstStyle>
+            <a:lvl1pPr>
+              <a:defRPr>
+                <a:latin typeface="+mn-lt"/>
+              </a:defRPr>
+            </a:lvl1pPr>
+            <a:lvl2pPr>
+              <a:defRPr>
+                <a:latin typeface="+mn-lt"/>
+              </a:defRPr>
+            </a:lvl2pPr>
+            <a:lvl3pPr>
+              <a:defRPr>
+                <a:latin typeface="+mn-lt"/>
+              </a:defRPr>
+            </a:lvl3pPr>
+            <a:lvl4pPr>
+              <a:defRPr>
+                <a:latin typeface="+mn-lt"/>
+              </a:defRPr>
+            </a:lvl4pPr>
+            <a:lvl5pPr>
+              <a:defRPr>
+                <a:latin typeface="+mn-lt"/>
+              </a:defRPr>
+            </a:lvl5pPr>
+          </a:lstStyle>
           <a:p>
             <a:pPr lvl="0"/>
             <a:r>
@@ -4366,7 +4426,33 @@
         </p:spPr>
         <p:txBody>
           <a:bodyPr/>
-          <a:lstStyle/>
+          <a:lstStyle>
+            <a:lvl1pPr>
+              <a:defRPr>
+                <a:latin typeface="+mn-lt"/>
+              </a:defRPr>
+            </a:lvl1pPr>
+            <a:lvl2pPr>
+              <a:defRPr>
+                <a:latin typeface="+mn-lt"/>
+              </a:defRPr>
+            </a:lvl2pPr>
+            <a:lvl3pPr>
+              <a:defRPr>
+                <a:latin typeface="+mn-lt"/>
+              </a:defRPr>
+            </a:lvl3pPr>
+            <a:lvl4pPr>
+              <a:defRPr>
+                <a:latin typeface="+mn-lt"/>
+              </a:defRPr>
+            </a:lvl4pPr>
+            <a:lvl5pPr>
+              <a:defRPr>
+                <a:latin typeface="+mn-lt"/>
+              </a:defRPr>
+            </a:lvl5pPr>
+          </a:lstStyle>
           <a:p>
             <a:pPr lvl="0"/>
             <a:r>
@@ -4423,13 +4509,22 @@
         <p:spPr/>
         <p:txBody>
           <a:bodyPr/>
-          <a:lstStyle/>
+          <a:lstStyle>
+            <a:lvl1pPr>
+              <a:defRPr>
+                <a:latin typeface="+mn-lt"/>
+              </a:defRPr>
+            </a:lvl1pPr>
+          </a:lstStyle>
           <a:p>
             <a:fld id="{5929ED88-003D-480F-AE63-0F53292C31A9}" type="datetimeFigureOut">
               <a:rPr lang="en-US" smtClean="0"/>
+              <a:pPr/>
               <a:t>11/21/2020</a:t>
             </a:fld>
-            <a:endParaRPr lang="en-US"/>
+            <a:endParaRPr lang="en-US">
+              <a:latin typeface="+mn-lt"/>
+            </a:endParaRPr>
           </a:p>
         </p:txBody>
       </p:sp>
@@ -4452,9 +4547,17 @@
         <p:spPr/>
         <p:txBody>
           <a:bodyPr/>
-          <a:lstStyle/>
-          <a:p>
-            <a:endParaRPr lang="en-US"/>
+          <a:lstStyle>
+            <a:lvl1pPr>
+              <a:defRPr>
+                <a:latin typeface="+mn-lt"/>
+              </a:defRPr>
+            </a:lvl1pPr>
+          </a:lstStyle>
+          <a:p>
+            <a:endParaRPr lang="en-US">
+              <a:latin typeface="+mn-lt"/>
+            </a:endParaRPr>
           </a:p>
         </p:txBody>
       </p:sp>
@@ -4477,13 +4580,22 @@
         <p:spPr/>
         <p:txBody>
           <a:bodyPr/>
-          <a:lstStyle/>
+          <a:lstStyle>
+            <a:lvl1pPr>
+              <a:defRPr>
+                <a:latin typeface="+mn-lt"/>
+              </a:defRPr>
+            </a:lvl1pPr>
+          </a:lstStyle>
           <a:p>
             <a:fld id="{81F2E7C5-725F-41A1-9EA4-DA3A52D40463}" type="slidenum">
               <a:rPr lang="en-US" smtClean="0"/>
+              <a:pPr/>
               <a:t>‹#›</a:t>
             </a:fld>
-            <a:endParaRPr lang="en-US"/>
+            <a:endParaRPr lang="en-US">
+              <a:latin typeface="+mn-lt"/>
+            </a:endParaRPr>
           </a:p>
         </p:txBody>
       </p:sp>
@@ -5930,12 +6042,15 @@
                     <a:tint val="75000"/>
                   </a:schemeClr>
                 </a:solidFill>
+                <a:latin typeface="Cambria" panose="02040503050406030204" pitchFamily="18" charset="0"/>
+                <a:ea typeface="Cambria" panose="02040503050406030204" pitchFamily="18" charset="0"/>
               </a:defRPr>
             </a:lvl1pPr>
           </a:lstStyle>
           <a:p>
             <a:fld id="{5929ED88-003D-480F-AE63-0F53292C31A9}" type="datetimeFigureOut">
               <a:rPr lang="en-US" smtClean="0"/>
+              <a:pPr/>
               <a:t>11/21/2020</a:t>
             </a:fld>
             <a:endParaRPr lang="en-US"/>
@@ -5977,6 +6092,8 @@
                     <a:tint val="75000"/>
                   </a:schemeClr>
                 </a:solidFill>
+                <a:latin typeface="Cambria" panose="02040503050406030204" pitchFamily="18" charset="0"/>
+                <a:ea typeface="Cambria" panose="02040503050406030204" pitchFamily="18" charset="0"/>
               </a:defRPr>
             </a:lvl1pPr>
           </a:lstStyle>
@@ -6020,12 +6137,15 @@
                     <a:tint val="75000"/>
                   </a:schemeClr>
                 </a:solidFill>
+                <a:latin typeface="Cambria" panose="02040503050406030204" pitchFamily="18" charset="0"/>
+                <a:ea typeface="Cambria" panose="02040503050406030204" pitchFamily="18" charset="0"/>
               </a:defRPr>
             </a:lvl1pPr>
           </a:lstStyle>
           <a:p>
             <a:fld id="{81F2E7C5-725F-41A1-9EA4-DA3A52D40463}" type="slidenum">
               <a:rPr lang="en-US" smtClean="0"/>
+              <a:pPr/>
               <a:t>‹#›</a:t>
             </a:fld>
             <a:endParaRPr lang="en-US"/>
@@ -6067,8 +6187,8 @@
           <a:solidFill>
             <a:schemeClr val="bg1"/>
           </a:solidFill>
-          <a:latin typeface="Times New Roman" panose="02020603050405020304" pitchFamily="18" charset="0"/>
-          <a:ea typeface="+mj-ea"/>
+          <a:latin typeface="Cambria" panose="02040503050406030204" pitchFamily="18" charset="0"/>
+          <a:ea typeface="Cambria" panose="02040503050406030204" pitchFamily="18" charset="0"/>
           <a:cs typeface="Times New Roman" panose="02020603050405020304" pitchFamily="18" charset="0"/>
         </a:defRPr>
       </a:lvl1pPr>
@@ -6087,8 +6207,8 @@
           <a:solidFill>
             <a:schemeClr val="bg1"/>
           </a:solidFill>
-          <a:latin typeface="Times New Roman" panose="02020603050405020304" pitchFamily="18" charset="0"/>
-          <a:ea typeface="+mn-ea"/>
+          <a:latin typeface="Cambria" panose="02040503050406030204" pitchFamily="18" charset="0"/>
+          <a:ea typeface="Cambria" panose="02040503050406030204" pitchFamily="18" charset="0"/>
           <a:cs typeface="Times New Roman" panose="02020603050405020304" pitchFamily="18" charset="0"/>
         </a:defRPr>
       </a:lvl1pPr>
@@ -6105,8 +6225,8 @@
           <a:solidFill>
             <a:schemeClr val="bg1"/>
           </a:solidFill>
-          <a:latin typeface="Times New Roman" panose="02020603050405020304" pitchFamily="18" charset="0"/>
-          <a:ea typeface="+mn-ea"/>
+          <a:latin typeface="Cambria" panose="02040503050406030204" pitchFamily="18" charset="0"/>
+          <a:ea typeface="Cambria" panose="02040503050406030204" pitchFamily="18" charset="0"/>
           <a:cs typeface="Times New Roman" panose="02020603050405020304" pitchFamily="18" charset="0"/>
         </a:defRPr>
       </a:lvl2pPr>
@@ -6123,8 +6243,8 @@
           <a:solidFill>
             <a:schemeClr val="bg1"/>
           </a:solidFill>
-          <a:latin typeface="Times New Roman" panose="02020603050405020304" pitchFamily="18" charset="0"/>
-          <a:ea typeface="+mn-ea"/>
+          <a:latin typeface="Cambria" panose="02040503050406030204" pitchFamily="18" charset="0"/>
+          <a:ea typeface="Cambria" panose="02040503050406030204" pitchFamily="18" charset="0"/>
           <a:cs typeface="Times New Roman" panose="02020603050405020304" pitchFamily="18" charset="0"/>
         </a:defRPr>
       </a:lvl3pPr>
@@ -6141,8 +6261,8 @@
           <a:solidFill>
             <a:schemeClr val="bg1"/>
           </a:solidFill>
-          <a:latin typeface="Times New Roman" panose="02020603050405020304" pitchFamily="18" charset="0"/>
-          <a:ea typeface="+mn-ea"/>
+          <a:latin typeface="Cambria" panose="02040503050406030204" pitchFamily="18" charset="0"/>
+          <a:ea typeface="Cambria" panose="02040503050406030204" pitchFamily="18" charset="0"/>
           <a:cs typeface="Times New Roman" panose="02020603050405020304" pitchFamily="18" charset="0"/>
         </a:defRPr>
       </a:lvl4pPr>
@@ -6159,8 +6279,8 @@
           <a:solidFill>
             <a:schemeClr val="bg1"/>
           </a:solidFill>
-          <a:latin typeface="Times New Roman" panose="02020603050405020304" pitchFamily="18" charset="0"/>
-          <a:ea typeface="+mn-ea"/>
+          <a:latin typeface="Cambria" panose="02040503050406030204" pitchFamily="18" charset="0"/>
+          <a:ea typeface="Cambria" panose="02040503050406030204" pitchFamily="18" charset="0"/>
           <a:cs typeface="Times New Roman" panose="02020603050405020304" pitchFamily="18" charset="0"/>
         </a:defRPr>
       </a:lvl5pPr>
@@ -6530,6 +6650,55 @@
           </a:p>
         </p:txBody>
       </p:sp>
+      <p:sp>
+        <p:nvSpPr>
+          <p:cNvPr id="2" name="Rectangle 1">
+            <a:extLst>
+              <a:ext uri="{FF2B5EF4-FFF2-40B4-BE49-F238E27FC236}">
+                <a16:creationId xmlns:a16="http://schemas.microsoft.com/office/drawing/2014/main" id="{AD699901-13AA-4344-BECE-F4F75BA552ED}"/>
+              </a:ext>
+            </a:extLst>
+          </p:cNvPr>
+          <p:cNvSpPr/>
+          <p:nvPr/>
+        </p:nvSpPr>
+        <p:spPr>
+          <a:xfrm>
+            <a:off x="10030408" y="4058816"/>
+            <a:ext cx="1502229" cy="175523"/>
+          </a:xfrm>
+          <a:prstGeom prst="rect">
+            <a:avLst/>
+          </a:prstGeom>
+          <a:ln>
+            <a:noFill/>
+          </a:ln>
+        </p:spPr>
+        <p:style>
+          <a:lnRef idx="2">
+            <a:schemeClr val="accent4">
+              <a:shade val="50000"/>
+            </a:schemeClr>
+          </a:lnRef>
+          <a:fillRef idx="1">
+            <a:schemeClr val="accent4"/>
+          </a:fillRef>
+          <a:effectRef idx="0">
+            <a:schemeClr val="accent4"/>
+          </a:effectRef>
+          <a:fontRef idx="minor">
+            <a:schemeClr val="lt1"/>
+          </a:fontRef>
+        </p:style>
+        <p:txBody>
+          <a:bodyPr rtlCol="0" anchor="ctr"/>
+          <a:lstStyle/>
+          <a:p>
+            <a:pPr algn="ctr"/>
+            <a:endParaRPr lang="en-US"/>
+          </a:p>
+        </p:txBody>
+      </p:sp>
     </p:spTree>
     <p:extLst>
       <p:ext uri="{BB962C8B-B14F-4D97-AF65-F5344CB8AC3E}">
@@ -6582,7 +6751,9 @@
           <a:lstStyle/>
           <a:p>
             <a:r>
-              <a:rPr lang="en-US" dirty="0"/>
+              <a:rPr lang="en-US" dirty="0">
+                <a:latin typeface="Times New Roman" panose="02020603050405020304" pitchFamily="18" charset="0"/>
+              </a:rPr>
               <a:t>FUTURE IMPROVEMENTS</a:t>
             </a:r>
           </a:p>
@@ -6615,27 +6786,37 @@
           <a:lstStyle/>
           <a:p>
             <a:r>
-              <a:rPr lang="en-US" dirty="0"/>
+              <a:rPr lang="en-US" dirty="0">
+                <a:latin typeface="Times New Roman" panose="02020603050405020304" pitchFamily="18" charset="0"/>
+              </a:rPr>
               <a:t>Model found to be Overfitting</a:t>
             </a:r>
           </a:p>
           <a:p>
             <a:r>
-              <a:rPr lang="en-US" dirty="0"/>
+              <a:rPr lang="en-US" dirty="0">
+                <a:latin typeface="Times New Roman" panose="02020603050405020304" pitchFamily="18" charset="0"/>
+              </a:rPr>
               <a:t>Increase Accuracy/Recall</a:t>
             </a:r>
           </a:p>
           <a:p>
             <a:r>
-              <a:rPr lang="en-US" dirty="0"/>
+              <a:rPr lang="en-US" dirty="0">
+                <a:latin typeface="Times New Roman" panose="02020603050405020304" pitchFamily="18" charset="0"/>
+              </a:rPr>
               <a:t>Cross-validation, Regularization or Ensemble techniques</a:t>
             </a:r>
           </a:p>
           <a:p>
-            <a:endParaRPr lang="en-US" dirty="0"/>
-          </a:p>
-          <a:p>
-            <a:endParaRPr lang="en-US" dirty="0"/>
+            <a:endParaRPr lang="en-US" dirty="0">
+              <a:latin typeface="Times New Roman" panose="02020603050405020304" pitchFamily="18" charset="0"/>
+            </a:endParaRPr>
+          </a:p>
+          <a:p>
+            <a:endParaRPr lang="en-US" dirty="0">
+              <a:latin typeface="Times New Roman" panose="02020603050405020304" pitchFamily="18" charset="0"/>
+            </a:endParaRPr>
           </a:p>
         </p:txBody>
       </p:sp>
@@ -6699,7 +6880,9 @@
           <a:lstStyle/>
           <a:p>
             <a:r>
-              <a:rPr lang="en-US" dirty="0"/>
+              <a:rPr lang="en-US" dirty="0">
+                <a:latin typeface="Times New Roman" panose="02020603050405020304" pitchFamily="18" charset="0"/>
+              </a:rPr>
               <a:t>NETWORK SECURITY</a:t>
             </a:r>
           </a:p>
@@ -6727,24 +6910,65 @@
           <a:lstStyle/>
           <a:p>
             <a:r>
-              <a:rPr lang="en-US" dirty="0"/>
+              <a:rPr lang="en-US" dirty="0">
+                <a:latin typeface="Times New Roman" panose="02020603050405020304" pitchFamily="18" charset="0"/>
+              </a:rPr>
               <a:t>A set of rules, configurations or systems</a:t>
             </a:r>
           </a:p>
           <a:p>
             <a:r>
-              <a:rPr lang="en-US" dirty="0"/>
+              <a:rPr lang="en-US" dirty="0">
+                <a:latin typeface="Times New Roman" panose="02020603050405020304" pitchFamily="18" charset="0"/>
+              </a:rPr>
               <a:t>Designed to enhance the protection of critical data in a network</a:t>
             </a:r>
           </a:p>
           <a:p>
             <a:r>
-              <a:rPr lang="en-US" dirty="0"/>
+              <a:rPr lang="en-US" dirty="0">
+                <a:latin typeface="Times New Roman" panose="02020603050405020304" pitchFamily="18" charset="0"/>
+              </a:rPr>
               <a:t>Prevent loss, theft or unauthorized access of sensitive information</a:t>
             </a:r>
           </a:p>
         </p:txBody>
       </p:sp>
+      <p:pic>
+        <p:nvPicPr>
+          <p:cNvPr id="7" name="Picture 6" descr="A picture containing fireworks, dark&#10;&#10;Description automatically generated">
+            <a:extLst>
+              <a:ext uri="{FF2B5EF4-FFF2-40B4-BE49-F238E27FC236}">
+                <a16:creationId xmlns:a16="http://schemas.microsoft.com/office/drawing/2014/main" id="{EC744BB5-DAEA-4D09-8AE3-409DFE2EA2FB}"/>
+              </a:ext>
+            </a:extLst>
+          </p:cNvPr>
+          <p:cNvPicPr>
+            <a:picLocks noChangeAspect="1"/>
+          </p:cNvPicPr>
+          <p:nvPr/>
+        </p:nvPicPr>
+        <p:blipFill rotWithShape="1">
+          <a:blip r:embed="rId2">
+            <a:extLst>
+              <a:ext uri="{28A0092B-C50C-407E-A947-70E740481C1C}">
+                <a14:useLocalDpi xmlns:a14="http://schemas.microsoft.com/office/drawing/2010/main" val="0"/>
+              </a:ext>
+            </a:extLst>
+          </a:blip>
+          <a:srcRect b="28823"/>
+          <a:stretch/>
+        </p:blipFill>
+        <p:spPr>
+          <a:xfrm rot="10800000">
+            <a:off x="0" y="3531869"/>
+            <a:ext cx="12192000" cy="3326130"/>
+          </a:xfrm>
+          <a:prstGeom prst="rect">
+            <a:avLst/>
+          </a:prstGeom>
+        </p:spPr>
+      </p:pic>
     </p:spTree>
     <p:extLst>
       <p:ext uri="{BB962C8B-B14F-4D97-AF65-F5344CB8AC3E}">
@@ -6797,7 +7021,9 @@
           <a:lstStyle/>
           <a:p>
             <a:r>
-              <a:rPr lang="en-US" dirty="0"/>
+              <a:rPr lang="en-US" dirty="0">
+                <a:latin typeface="Times New Roman" panose="02020603050405020304" pitchFamily="18" charset="0"/>
+              </a:rPr>
               <a:t>INTRUSION</a:t>
             </a:r>
           </a:p>
@@ -6821,7 +7047,7 @@
         </p:nvSpPr>
         <p:spPr>
           <a:xfrm>
-            <a:off x="838200" y="1690688"/>
+            <a:off x="838200" y="1426862"/>
             <a:ext cx="10515600" cy="1043410"/>
           </a:xfrm>
         </p:spPr>
@@ -6830,41 +7056,59 @@
           <a:lstStyle/>
           <a:p>
             <a:r>
-              <a:rPr lang="en-US" dirty="0"/>
+              <a:rPr lang="en-US" dirty="0">
+                <a:latin typeface="Times New Roman" panose="02020603050405020304" pitchFamily="18" charset="0"/>
+              </a:rPr>
               <a:t>An attempt to bypass the security mechanisms of a system</a:t>
             </a:r>
           </a:p>
           <a:p>
             <a:r>
-              <a:rPr lang="en-US" dirty="0"/>
+              <a:rPr lang="en-US" dirty="0">
+                <a:latin typeface="Times New Roman" panose="02020603050405020304" pitchFamily="18" charset="0"/>
+              </a:rPr>
               <a:t>Compromise </a:t>
             </a:r>
             <a:r>
-              <a:rPr lang="en-US" b="1" dirty="0"/>
+              <a:rPr lang="en-US" b="1" dirty="0">
+                <a:latin typeface="Times New Roman" panose="02020603050405020304" pitchFamily="18" charset="0"/>
+              </a:rPr>
               <a:t>Confidentiality</a:t>
             </a:r>
             <a:r>
-              <a:rPr lang="en-US" dirty="0"/>
+              <a:rPr lang="en-US" dirty="0">
+                <a:latin typeface="Times New Roman" panose="02020603050405020304" pitchFamily="18" charset="0"/>
+              </a:rPr>
               <a:t>, </a:t>
             </a:r>
             <a:r>
-              <a:rPr lang="en-US" b="1" dirty="0"/>
+              <a:rPr lang="en-US" b="1" dirty="0">
+                <a:latin typeface="Times New Roman" panose="02020603050405020304" pitchFamily="18" charset="0"/>
+              </a:rPr>
               <a:t>Integrity</a:t>
             </a:r>
             <a:r>
-              <a:rPr lang="en-US" dirty="0"/>
+              <a:rPr lang="en-US" dirty="0">
+                <a:latin typeface="Times New Roman" panose="02020603050405020304" pitchFamily="18" charset="0"/>
+              </a:rPr>
               <a:t> and </a:t>
             </a:r>
             <a:r>
-              <a:rPr lang="en-US" b="1" dirty="0"/>
+              <a:rPr lang="en-US" b="1" dirty="0">
+                <a:latin typeface="Times New Roman" panose="02020603050405020304" pitchFamily="18" charset="0"/>
+              </a:rPr>
               <a:t>Availability</a:t>
             </a:r>
             <a:r>
-              <a:rPr lang="en-US" dirty="0"/>
+              <a:rPr lang="en-US" dirty="0">
+                <a:latin typeface="Times New Roman" panose="02020603050405020304" pitchFamily="18" charset="0"/>
+              </a:rPr>
               <a:t> </a:t>
             </a:r>
             <a:r>
-              <a:rPr lang="en-US" b="1" dirty="0"/>
+              <a:rPr lang="en-US" b="1" dirty="0">
+                <a:latin typeface="Times New Roman" panose="02020603050405020304" pitchFamily="18" charset="0"/>
+              </a:rPr>
               <a:t>(CIA)</a:t>
             </a:r>
           </a:p>
@@ -6940,7 +7184,7 @@
         </p:nvSpPr>
         <p:spPr>
           <a:xfrm>
-            <a:off x="838200" y="4426898"/>
+            <a:off x="838200" y="4212294"/>
             <a:ext cx="10515600" cy="1043410"/>
           </a:xfrm>
           <a:prstGeom prst="rect">
@@ -7182,7 +7426,9 @@
           <a:lstStyle/>
           <a:p>
             <a:r>
-              <a:rPr lang="en-US" dirty="0"/>
+              <a:rPr lang="en-US" dirty="0">
+                <a:latin typeface="Times New Roman" panose="02020603050405020304" pitchFamily="18" charset="0"/>
+              </a:rPr>
               <a:t>TYPES OF INTRUSION DETECTION</a:t>
             </a:r>
           </a:p>
@@ -7206,7 +7452,7 @@
         </p:nvSpPr>
         <p:spPr>
           <a:xfrm>
-            <a:off x="838200" y="1615405"/>
+            <a:off x="838200" y="1391471"/>
             <a:ext cx="10515600" cy="1603375"/>
           </a:xfrm>
         </p:spPr>
@@ -7214,20 +7460,38 @@
           <a:bodyPr/>
           <a:lstStyle/>
           <a:p>
-            <a:r>
-              <a:rPr lang="en-US" dirty="0"/>
+            <a:pPr marL="514350" indent="-514350">
+              <a:buFont typeface="+mj-lt"/>
+              <a:buAutoNum type="arabicPeriod"/>
+            </a:pPr>
+            <a:r>
+              <a:rPr lang="en-US" dirty="0">
+                <a:latin typeface="Times New Roman" panose="02020603050405020304" pitchFamily="18" charset="0"/>
+              </a:rPr>
               <a:t>Signature-based Detection (SD)</a:t>
             </a:r>
           </a:p>
           <a:p>
-            <a:r>
-              <a:rPr lang="en-US" dirty="0"/>
+            <a:pPr marL="514350" indent="-514350">
+              <a:buFont typeface="+mj-lt"/>
+              <a:buAutoNum type="arabicPeriod"/>
+            </a:pPr>
+            <a:r>
+              <a:rPr lang="en-US" dirty="0">
+                <a:latin typeface="Times New Roman" panose="02020603050405020304" pitchFamily="18" charset="0"/>
+              </a:rPr>
               <a:t>Anomaly-based Detection (AD)</a:t>
             </a:r>
           </a:p>
           <a:p>
-            <a:r>
-              <a:rPr lang="en-US" dirty="0"/>
+            <a:pPr marL="514350" indent="-514350">
+              <a:buFont typeface="+mj-lt"/>
+              <a:buAutoNum type="arabicPeriod"/>
+            </a:pPr>
+            <a:r>
+              <a:rPr lang="en-US" dirty="0">
+                <a:latin typeface="Times New Roman" panose="02020603050405020304" pitchFamily="18" charset="0"/>
+              </a:rPr>
               <a:t>Stateful Protocol Analysis (SPA)</a:t>
             </a:r>
           </a:p>
@@ -7249,7 +7513,7 @@
         </p:nvSpPr>
         <p:spPr>
           <a:xfrm>
-            <a:off x="838200" y="3218780"/>
+            <a:off x="838200" y="3429000"/>
             <a:ext cx="10515600" cy="1325563"/>
           </a:xfrm>
           <a:prstGeom prst="rect">
@@ -7303,7 +7567,7 @@
         </p:nvSpPr>
         <p:spPr>
           <a:xfrm>
-            <a:off x="838200" y="4679280"/>
+            <a:off x="838200" y="4558666"/>
             <a:ext cx="10515600" cy="1603375"/>
           </a:xfrm>
           <a:prstGeom prst="rect">
@@ -7544,7 +7808,9 @@
           <a:lstStyle/>
           <a:p>
             <a:r>
-              <a:rPr lang="en-US" dirty="0"/>
+              <a:rPr lang="en-US" dirty="0">
+                <a:latin typeface="Times New Roman" panose="02020603050405020304" pitchFamily="18" charset="0"/>
+              </a:rPr>
               <a:t>NSL-KDD DATASET</a:t>
             </a:r>
           </a:p>
@@ -7572,60 +7838,75 @@
           <a:lstStyle/>
           <a:p>
             <a:r>
-              <a:rPr lang="en-US" dirty="0"/>
+              <a:rPr lang="en-US" dirty="0">
+                <a:latin typeface="Times New Roman" panose="02020603050405020304" pitchFamily="18" charset="0"/>
+              </a:rPr>
               <a:t>Released as new and improved version of KDD’99 dataset</a:t>
             </a:r>
           </a:p>
           <a:p>
             <a:r>
-              <a:rPr lang="en-US" dirty="0"/>
+              <a:rPr lang="en-US" dirty="0">
+                <a:latin typeface="Times New Roman" panose="02020603050405020304" pitchFamily="18" charset="0"/>
+              </a:rPr>
               <a:t>Benchmark to evaluate intrusion detection systems</a:t>
             </a:r>
           </a:p>
           <a:p>
             <a:r>
-              <a:rPr lang="en-US" dirty="0"/>
+              <a:rPr lang="en-US" dirty="0">
+                <a:latin typeface="Times New Roman" panose="02020603050405020304" pitchFamily="18" charset="0"/>
+              </a:rPr>
               <a:t>Train and test subsets (</a:t>
             </a:r>
             <a:r>
-              <a:rPr lang="en-US" dirty="0" err="1"/>
+              <a:rPr lang="en-US" dirty="0" err="1">
+                <a:latin typeface="Times New Roman" panose="02020603050405020304" pitchFamily="18" charset="0"/>
+              </a:rPr>
               <a:t>KDDTrain</a:t>
             </a:r>
             <a:r>
-              <a:rPr lang="en-US" dirty="0"/>
+              <a:rPr lang="en-US" dirty="0">
+                <a:latin typeface="Times New Roman" panose="02020603050405020304" pitchFamily="18" charset="0"/>
+              </a:rPr>
               <a:t>+ and </a:t>
             </a:r>
             <a:r>
-              <a:rPr lang="en-US" dirty="0" err="1"/>
+              <a:rPr lang="en-US" dirty="0" err="1">
+                <a:latin typeface="Times New Roman" panose="02020603050405020304" pitchFamily="18" charset="0"/>
+              </a:rPr>
               <a:t>KDDTest</a:t>
             </a:r>
             <a:r>
-              <a:rPr lang="en-US" dirty="0"/>
+              <a:rPr lang="en-US" dirty="0">
+                <a:latin typeface="Times New Roman" panose="02020603050405020304" pitchFamily="18" charset="0"/>
+              </a:rPr>
               <a:t>+)</a:t>
             </a:r>
           </a:p>
           <a:p>
             <a:r>
-              <a:rPr lang="en-US" dirty="0"/>
+              <a:rPr lang="en-US" dirty="0">
+                <a:latin typeface="Times New Roman" panose="02020603050405020304" pitchFamily="18" charset="0"/>
+              </a:rPr>
               <a:t>43 total attributes (42 input features + Score + Attack)</a:t>
             </a:r>
           </a:p>
           <a:p>
             <a:r>
-              <a:rPr lang="en-US" dirty="0"/>
+              <a:rPr lang="en-US" dirty="0">
+                <a:latin typeface="Times New Roman" panose="02020603050405020304" pitchFamily="18" charset="0"/>
+              </a:rPr>
               <a:t>Score = Difficulty level</a:t>
             </a:r>
           </a:p>
           <a:p>
             <a:r>
-              <a:rPr lang="en-US" dirty="0"/>
-              <a:t>Attack = Type of attack (</a:t>
-            </a:r>
-            <a:r>
-              <a:rPr lang="en-US"/>
-              <a:t>Target column)</a:t>
-            </a:r>
-            <a:endParaRPr lang="en-US" dirty="0"/>
+              <a:rPr lang="en-US" dirty="0">
+                <a:latin typeface="Times New Roman" panose="02020603050405020304" pitchFamily="18" charset="0"/>
+              </a:rPr>
+              <a:t>Attack = Type of attack (Target column)</a:t>
+            </a:r>
           </a:p>
         </p:txBody>
       </p:sp>
@@ -7681,7 +7962,9 @@
           <a:lstStyle/>
           <a:p>
             <a:r>
-              <a:rPr lang="en-US" dirty="0"/>
+              <a:rPr lang="en-US" dirty="0">
+                <a:latin typeface="Times New Roman" panose="02020603050405020304" pitchFamily="18" charset="0"/>
+              </a:rPr>
               <a:t>TYPES OF ATTACKS</a:t>
             </a:r>
           </a:p>
@@ -7703,7 +7986,7 @@
             <p:ph idx="1"/>
             <p:extLst>
               <p:ext uri="{D42A27DB-BD31-4B8C-83A1-F6EECF244321}">
-                <p14:modId xmlns:p14="http://schemas.microsoft.com/office/powerpoint/2010/main" val="78515358"/>
+                <p14:modId xmlns:p14="http://schemas.microsoft.com/office/powerpoint/2010/main" val="2495526737"/>
               </p:ext>
             </p:extLst>
           </p:nvPr>
@@ -7761,6 +8044,8 @@
                             <a:schemeClr val="bg1"/>
                           </a:solidFill>
                           <a:effectLst/>
+                          <a:latin typeface="Cambria" panose="02040503050406030204" pitchFamily="18" charset="0"/>
+                          <a:ea typeface="Cambria" panose="02040503050406030204" pitchFamily="18" charset="0"/>
                         </a:rPr>
                         <a:t>DoS</a:t>
                       </a:r>
@@ -7769,7 +8054,8 @@
                           <a:schemeClr val="bg1"/>
                         </a:solidFill>
                         <a:effectLst/>
-                        <a:latin typeface="Calibri" panose="020F0502020204030204" pitchFamily="34" charset="0"/>
+                        <a:latin typeface="Cambria" panose="02040503050406030204" pitchFamily="18" charset="0"/>
+                        <a:ea typeface="Cambria" panose="02040503050406030204" pitchFamily="18" charset="0"/>
                       </a:endParaRPr>
                     </a:p>
                   </a:txBody>
@@ -7797,6 +8083,8 @@
                             <a:schemeClr val="bg1"/>
                           </a:solidFill>
                           <a:effectLst/>
+                          <a:latin typeface="Cambria" panose="02040503050406030204" pitchFamily="18" charset="0"/>
+                          <a:ea typeface="Cambria" panose="02040503050406030204" pitchFamily="18" charset="0"/>
                         </a:rPr>
                         <a:t>Probe</a:t>
                       </a:r>
@@ -7805,7 +8093,8 @@
                           <a:schemeClr val="bg1"/>
                         </a:solidFill>
                         <a:effectLst/>
-                        <a:latin typeface="Calibri" panose="020F0502020204030204" pitchFamily="34" charset="0"/>
+                        <a:latin typeface="Cambria" panose="02040503050406030204" pitchFamily="18" charset="0"/>
+                        <a:ea typeface="Cambria" panose="02040503050406030204" pitchFamily="18" charset="0"/>
                       </a:endParaRPr>
                     </a:p>
                   </a:txBody>
@@ -7833,6 +8122,8 @@
                             <a:schemeClr val="bg1"/>
                           </a:solidFill>
                           <a:effectLst/>
+                          <a:latin typeface="Cambria" panose="02040503050406030204" pitchFamily="18" charset="0"/>
+                          <a:ea typeface="Cambria" panose="02040503050406030204" pitchFamily="18" charset="0"/>
                         </a:rPr>
                         <a:t>Privilege</a:t>
                       </a:r>
@@ -7841,7 +8132,8 @@
                           <a:schemeClr val="bg1"/>
                         </a:solidFill>
                         <a:effectLst/>
-                        <a:latin typeface="Calibri" panose="020F0502020204030204" pitchFamily="34" charset="0"/>
+                        <a:latin typeface="Cambria" panose="02040503050406030204" pitchFamily="18" charset="0"/>
+                        <a:ea typeface="Cambria" panose="02040503050406030204" pitchFamily="18" charset="0"/>
                       </a:endParaRPr>
                     </a:p>
                   </a:txBody>
@@ -7869,6 +8161,8 @@
                             <a:schemeClr val="bg1"/>
                           </a:solidFill>
                           <a:effectLst/>
+                          <a:latin typeface="Cambria" panose="02040503050406030204" pitchFamily="18" charset="0"/>
+                          <a:ea typeface="Cambria" panose="02040503050406030204" pitchFamily="18" charset="0"/>
                         </a:rPr>
                         <a:t>Access</a:t>
                       </a:r>
@@ -7877,7 +8171,8 @@
                           <a:schemeClr val="bg1"/>
                         </a:solidFill>
                         <a:effectLst/>
-                        <a:latin typeface="Calibri" panose="020F0502020204030204" pitchFamily="34" charset="0"/>
+                        <a:latin typeface="Cambria" panose="02040503050406030204" pitchFamily="18" charset="0"/>
+                        <a:ea typeface="Cambria" panose="02040503050406030204" pitchFamily="18" charset="0"/>
                       </a:endParaRPr>
                     </a:p>
                   </a:txBody>
@@ -7912,6 +8207,8 @@
                             <a:schemeClr val="bg1"/>
                           </a:solidFill>
                           <a:effectLst/>
+                          <a:latin typeface="Cambria" panose="02040503050406030204" pitchFamily="18" charset="0"/>
+                          <a:ea typeface="Cambria" panose="02040503050406030204" pitchFamily="18" charset="0"/>
                         </a:rPr>
                         <a:t>apache2</a:t>
                       </a:r>
@@ -7920,7 +8217,8 @@
                           <a:schemeClr val="bg1"/>
                         </a:solidFill>
                         <a:effectLst/>
-                        <a:latin typeface="Calibri" panose="020F0502020204030204" pitchFamily="34" charset="0"/>
+                        <a:latin typeface="Cambria" panose="02040503050406030204" pitchFamily="18" charset="0"/>
+                        <a:ea typeface="Cambria" panose="02040503050406030204" pitchFamily="18" charset="0"/>
                       </a:endParaRPr>
                     </a:p>
                   </a:txBody>
@@ -7948,6 +8246,8 @@
                             <a:schemeClr val="bg1"/>
                           </a:solidFill>
                           <a:effectLst/>
+                          <a:latin typeface="Cambria" panose="02040503050406030204" pitchFamily="18" charset="0"/>
+                          <a:ea typeface="Cambria" panose="02040503050406030204" pitchFamily="18" charset="0"/>
                         </a:rPr>
                         <a:t>ipsweep</a:t>
                       </a:r>
@@ -7956,7 +8256,8 @@
                           <a:schemeClr val="bg1"/>
                         </a:solidFill>
                         <a:effectLst/>
-                        <a:latin typeface="Calibri" panose="020F0502020204030204" pitchFamily="34" charset="0"/>
+                        <a:latin typeface="Cambria" panose="02040503050406030204" pitchFamily="18" charset="0"/>
+                        <a:ea typeface="Cambria" panose="02040503050406030204" pitchFamily="18" charset="0"/>
                       </a:endParaRPr>
                     </a:p>
                   </a:txBody>
@@ -7984,6 +8285,8 @@
                             <a:schemeClr val="bg1"/>
                           </a:solidFill>
                           <a:effectLst/>
+                          <a:latin typeface="Cambria" panose="02040503050406030204" pitchFamily="18" charset="0"/>
+                          <a:ea typeface="Cambria" panose="02040503050406030204" pitchFamily="18" charset="0"/>
                         </a:rPr>
                         <a:t>buffer_overflow</a:t>
                       </a:r>
@@ -7992,7 +8295,8 @@
                           <a:schemeClr val="bg1"/>
                         </a:solidFill>
                         <a:effectLst/>
-                        <a:latin typeface="Calibri" panose="020F0502020204030204" pitchFamily="34" charset="0"/>
+                        <a:latin typeface="Cambria" panose="02040503050406030204" pitchFamily="18" charset="0"/>
+                        <a:ea typeface="Cambria" panose="02040503050406030204" pitchFamily="18" charset="0"/>
                       </a:endParaRPr>
                     </a:p>
                   </a:txBody>
@@ -8020,6 +8324,8 @@
                             <a:schemeClr val="bg1"/>
                           </a:solidFill>
                           <a:effectLst/>
+                          <a:latin typeface="Cambria" panose="02040503050406030204" pitchFamily="18" charset="0"/>
+                          <a:ea typeface="Cambria" panose="02040503050406030204" pitchFamily="18" charset="0"/>
                         </a:rPr>
                         <a:t>ftp_write</a:t>
                       </a:r>
@@ -8028,7 +8334,8 @@
                           <a:schemeClr val="bg1"/>
                         </a:solidFill>
                         <a:effectLst/>
-                        <a:latin typeface="Calibri" panose="020F0502020204030204" pitchFamily="34" charset="0"/>
+                        <a:latin typeface="Cambria" panose="02040503050406030204" pitchFamily="18" charset="0"/>
+                        <a:ea typeface="Cambria" panose="02040503050406030204" pitchFamily="18" charset="0"/>
                       </a:endParaRPr>
                     </a:p>
                   </a:txBody>
@@ -8063,6 +8370,8 @@
                             <a:schemeClr val="bg1"/>
                           </a:solidFill>
                           <a:effectLst/>
+                          <a:latin typeface="Cambria" panose="02040503050406030204" pitchFamily="18" charset="0"/>
+                          <a:ea typeface="Cambria" panose="02040503050406030204" pitchFamily="18" charset="0"/>
                         </a:rPr>
                         <a:t>back</a:t>
                       </a:r>
@@ -8071,7 +8380,8 @@
                           <a:schemeClr val="bg1"/>
                         </a:solidFill>
                         <a:effectLst/>
-                        <a:latin typeface="Calibri" panose="020F0502020204030204" pitchFamily="34" charset="0"/>
+                        <a:latin typeface="Cambria" panose="02040503050406030204" pitchFamily="18" charset="0"/>
+                        <a:ea typeface="Cambria" panose="02040503050406030204" pitchFamily="18" charset="0"/>
                       </a:endParaRPr>
                     </a:p>
                   </a:txBody>
@@ -8089,6 +8399,8 @@
                             <a:schemeClr val="bg1"/>
                           </a:solidFill>
                           <a:effectLst/>
+                          <a:latin typeface="Cambria" panose="02040503050406030204" pitchFamily="18" charset="0"/>
+                          <a:ea typeface="Cambria" panose="02040503050406030204" pitchFamily="18" charset="0"/>
                         </a:rPr>
                         <a:t>mscan</a:t>
                       </a:r>
@@ -8097,7 +8409,8 @@
                           <a:schemeClr val="bg1"/>
                         </a:solidFill>
                         <a:effectLst/>
-                        <a:latin typeface="Calibri" panose="020F0502020204030204" pitchFamily="34" charset="0"/>
+                        <a:latin typeface="Cambria" panose="02040503050406030204" pitchFamily="18" charset="0"/>
+                        <a:ea typeface="Cambria" panose="02040503050406030204" pitchFamily="18" charset="0"/>
                       </a:endParaRPr>
                     </a:p>
                   </a:txBody>
@@ -8115,6 +8428,8 @@
                             <a:schemeClr val="bg1"/>
                           </a:solidFill>
                           <a:effectLst/>
+                          <a:latin typeface="Cambria" panose="02040503050406030204" pitchFamily="18" charset="0"/>
+                          <a:ea typeface="Cambria" panose="02040503050406030204" pitchFamily="18" charset="0"/>
                         </a:rPr>
                         <a:t>loadmodule</a:t>
                       </a:r>
@@ -8123,7 +8438,8 @@
                           <a:schemeClr val="bg1"/>
                         </a:solidFill>
                         <a:effectLst/>
-                        <a:latin typeface="Calibri" panose="020F0502020204030204" pitchFamily="34" charset="0"/>
+                        <a:latin typeface="Cambria" panose="02040503050406030204" pitchFamily="18" charset="0"/>
+                        <a:ea typeface="Cambria" panose="02040503050406030204" pitchFamily="18" charset="0"/>
                       </a:endParaRPr>
                     </a:p>
                   </a:txBody>
@@ -8141,6 +8457,8 @@
                             <a:schemeClr val="bg1"/>
                           </a:solidFill>
                           <a:effectLst/>
+                          <a:latin typeface="Cambria" panose="02040503050406030204" pitchFamily="18" charset="0"/>
+                          <a:ea typeface="Cambria" panose="02040503050406030204" pitchFamily="18" charset="0"/>
                         </a:rPr>
                         <a:t>guess_passwd</a:t>
                       </a:r>
@@ -8149,7 +8467,8 @@
                           <a:schemeClr val="bg1"/>
                         </a:solidFill>
                         <a:effectLst/>
-                        <a:latin typeface="Calibri" panose="020F0502020204030204" pitchFamily="34" charset="0"/>
+                        <a:latin typeface="Cambria" panose="02040503050406030204" pitchFamily="18" charset="0"/>
+                        <a:ea typeface="Cambria" panose="02040503050406030204" pitchFamily="18" charset="0"/>
                       </a:endParaRPr>
                     </a:p>
                   </a:txBody>
@@ -8174,6 +8493,8 @@
                             <a:schemeClr val="bg1"/>
                           </a:solidFill>
                           <a:effectLst/>
+                          <a:latin typeface="Cambria" panose="02040503050406030204" pitchFamily="18" charset="0"/>
+                          <a:ea typeface="Cambria" panose="02040503050406030204" pitchFamily="18" charset="0"/>
                         </a:rPr>
                         <a:t>land</a:t>
                       </a:r>
@@ -8182,7 +8503,8 @@
                           <a:schemeClr val="bg1"/>
                         </a:solidFill>
                         <a:effectLst/>
-                        <a:latin typeface="Calibri" panose="020F0502020204030204" pitchFamily="34" charset="0"/>
+                        <a:latin typeface="Cambria" panose="02040503050406030204" pitchFamily="18" charset="0"/>
+                        <a:ea typeface="Cambria" panose="02040503050406030204" pitchFamily="18" charset="0"/>
                       </a:endParaRPr>
                     </a:p>
                   </a:txBody>
@@ -8210,6 +8532,8 @@
                             <a:schemeClr val="bg1"/>
                           </a:solidFill>
                           <a:effectLst/>
+                          <a:latin typeface="Cambria" panose="02040503050406030204" pitchFamily="18" charset="0"/>
+                          <a:ea typeface="Cambria" panose="02040503050406030204" pitchFamily="18" charset="0"/>
                         </a:rPr>
                         <a:t>nmap</a:t>
                       </a:r>
@@ -8218,7 +8542,8 @@
                           <a:schemeClr val="bg1"/>
                         </a:solidFill>
                         <a:effectLst/>
-                        <a:latin typeface="Calibri" panose="020F0502020204030204" pitchFamily="34" charset="0"/>
+                        <a:latin typeface="Cambria" panose="02040503050406030204" pitchFamily="18" charset="0"/>
+                        <a:ea typeface="Cambria" panose="02040503050406030204" pitchFamily="18" charset="0"/>
                       </a:endParaRPr>
                     </a:p>
                   </a:txBody>
@@ -8236,6 +8561,8 @@
                             <a:schemeClr val="bg1"/>
                           </a:solidFill>
                           <a:effectLst/>
+                          <a:latin typeface="Cambria" panose="02040503050406030204" pitchFamily="18" charset="0"/>
+                          <a:ea typeface="Cambria" panose="02040503050406030204" pitchFamily="18" charset="0"/>
                         </a:rPr>
                         <a:t>perl</a:t>
                       </a:r>
@@ -8244,7 +8571,8 @@
                           <a:schemeClr val="bg1"/>
                         </a:solidFill>
                         <a:effectLst/>
-                        <a:latin typeface="Calibri" panose="020F0502020204030204" pitchFamily="34" charset="0"/>
+                        <a:latin typeface="Cambria" panose="02040503050406030204" pitchFamily="18" charset="0"/>
+                        <a:ea typeface="Cambria" panose="02040503050406030204" pitchFamily="18" charset="0"/>
                       </a:endParaRPr>
                     </a:p>
                   </a:txBody>
@@ -8262,6 +8590,8 @@
                             <a:schemeClr val="bg1"/>
                           </a:solidFill>
                           <a:effectLst/>
+                          <a:latin typeface="Cambria" panose="02040503050406030204" pitchFamily="18" charset="0"/>
+                          <a:ea typeface="Cambria" panose="02040503050406030204" pitchFamily="18" charset="0"/>
                         </a:rPr>
                         <a:t>http_tunnel</a:t>
                       </a:r>
@@ -8270,7 +8600,8 @@
                           <a:schemeClr val="bg1"/>
                         </a:solidFill>
                         <a:effectLst/>
-                        <a:latin typeface="Calibri" panose="020F0502020204030204" pitchFamily="34" charset="0"/>
+                        <a:latin typeface="Cambria" panose="02040503050406030204" pitchFamily="18" charset="0"/>
+                        <a:ea typeface="Cambria" panose="02040503050406030204" pitchFamily="18" charset="0"/>
                       </a:endParaRPr>
                     </a:p>
                   </a:txBody>
@@ -8295,6 +8626,8 @@
                             <a:schemeClr val="bg1"/>
                           </a:solidFill>
                           <a:effectLst/>
+                          <a:latin typeface="Cambria" panose="02040503050406030204" pitchFamily="18" charset="0"/>
+                          <a:ea typeface="Cambria" panose="02040503050406030204" pitchFamily="18" charset="0"/>
                         </a:rPr>
                         <a:t>neptune</a:t>
                       </a:r>
@@ -8303,7 +8636,8 @@
                           <a:schemeClr val="bg1"/>
                         </a:solidFill>
                         <a:effectLst/>
-                        <a:latin typeface="Calibri" panose="020F0502020204030204" pitchFamily="34" charset="0"/>
+                        <a:latin typeface="Cambria" panose="02040503050406030204" pitchFamily="18" charset="0"/>
+                        <a:ea typeface="Cambria" panose="02040503050406030204" pitchFamily="18" charset="0"/>
                       </a:endParaRPr>
                     </a:p>
                   </a:txBody>
@@ -8358,6 +8692,8 @@
                             <a:schemeClr val="bg1"/>
                           </a:solidFill>
                           <a:effectLst/>
+                          <a:latin typeface="Cambria" panose="02040503050406030204" pitchFamily="18" charset="0"/>
+                          <a:ea typeface="Cambria" panose="02040503050406030204" pitchFamily="18" charset="0"/>
                         </a:rPr>
                         <a:t>portsweep</a:t>
                       </a:r>
@@ -8366,7 +8702,8 @@
                           <a:schemeClr val="bg1"/>
                         </a:solidFill>
                         <a:effectLst/>
-                        <a:latin typeface="Calibri" panose="020F0502020204030204" pitchFamily="34" charset="0"/>
+                        <a:latin typeface="Cambria" panose="02040503050406030204" pitchFamily="18" charset="0"/>
+                        <a:ea typeface="Cambria" panose="02040503050406030204" pitchFamily="18" charset="0"/>
                       </a:endParaRPr>
                     </a:p>
                   </a:txBody>
@@ -8394,6 +8731,8 @@
                             <a:schemeClr val="bg1"/>
                           </a:solidFill>
                           <a:effectLst/>
+                          <a:latin typeface="Cambria" panose="02040503050406030204" pitchFamily="18" charset="0"/>
+                          <a:ea typeface="Cambria" panose="02040503050406030204" pitchFamily="18" charset="0"/>
                         </a:rPr>
                         <a:t>ps</a:t>
                       </a:r>
@@ -8402,7 +8741,8 @@
                           <a:schemeClr val="bg1"/>
                         </a:solidFill>
                         <a:effectLst/>
-                        <a:latin typeface="Calibri" panose="020F0502020204030204" pitchFamily="34" charset="0"/>
+                        <a:latin typeface="Cambria" panose="02040503050406030204" pitchFamily="18" charset="0"/>
+                        <a:ea typeface="Cambria" panose="02040503050406030204" pitchFamily="18" charset="0"/>
                       </a:endParaRPr>
                     </a:p>
                   </a:txBody>
@@ -8420,6 +8760,8 @@
                             <a:schemeClr val="bg1"/>
                           </a:solidFill>
                           <a:effectLst/>
+                          <a:latin typeface="Cambria" panose="02040503050406030204" pitchFamily="18" charset="0"/>
+                          <a:ea typeface="Cambria" panose="02040503050406030204" pitchFamily="18" charset="0"/>
                         </a:rPr>
                         <a:t>imap</a:t>
                       </a:r>
@@ -8428,7 +8770,8 @@
                           <a:schemeClr val="bg1"/>
                         </a:solidFill>
                         <a:effectLst/>
-                        <a:latin typeface="Calibri" panose="020F0502020204030204" pitchFamily="34" charset="0"/>
+                        <a:latin typeface="Cambria" panose="02040503050406030204" pitchFamily="18" charset="0"/>
+                        <a:ea typeface="Cambria" panose="02040503050406030204" pitchFamily="18" charset="0"/>
                       </a:endParaRPr>
                     </a:p>
                   </a:txBody>
@@ -8453,6 +8796,8 @@
                             <a:schemeClr val="bg1"/>
                           </a:solidFill>
                           <a:effectLst/>
+                          <a:latin typeface="Cambria" panose="02040503050406030204" pitchFamily="18" charset="0"/>
+                          <a:ea typeface="Cambria" panose="02040503050406030204" pitchFamily="18" charset="0"/>
                         </a:rPr>
                         <a:t>mailbomb</a:t>
                       </a:r>
@@ -8461,7 +8806,8 @@
                           <a:schemeClr val="bg1"/>
                         </a:solidFill>
                         <a:effectLst/>
-                        <a:latin typeface="Calibri" panose="020F0502020204030204" pitchFamily="34" charset="0"/>
+                        <a:latin typeface="Cambria" panose="02040503050406030204" pitchFamily="18" charset="0"/>
+                        <a:ea typeface="Cambria" panose="02040503050406030204" pitchFamily="18" charset="0"/>
                       </a:endParaRPr>
                     </a:p>
                   </a:txBody>
@@ -8489,6 +8835,8 @@
                             <a:schemeClr val="bg1"/>
                           </a:solidFill>
                           <a:effectLst/>
+                          <a:latin typeface="Cambria" panose="02040503050406030204" pitchFamily="18" charset="0"/>
+                          <a:ea typeface="Cambria" panose="02040503050406030204" pitchFamily="18" charset="0"/>
                         </a:rPr>
                         <a:t>saint</a:t>
                       </a:r>
@@ -8497,7 +8845,8 @@
                           <a:schemeClr val="bg1"/>
                         </a:solidFill>
                         <a:effectLst/>
-                        <a:latin typeface="Calibri" panose="020F0502020204030204" pitchFamily="34" charset="0"/>
+                        <a:latin typeface="Cambria" panose="02040503050406030204" pitchFamily="18" charset="0"/>
+                        <a:ea typeface="Cambria" panose="02040503050406030204" pitchFamily="18" charset="0"/>
                       </a:endParaRPr>
                     </a:p>
                   </a:txBody>
@@ -8515,6 +8864,8 @@
                             <a:schemeClr val="bg1"/>
                           </a:solidFill>
                           <a:effectLst/>
+                          <a:latin typeface="Cambria" panose="02040503050406030204" pitchFamily="18" charset="0"/>
+                          <a:ea typeface="Cambria" panose="02040503050406030204" pitchFamily="18" charset="0"/>
                         </a:rPr>
                         <a:t>rootkit</a:t>
                       </a:r>
@@ -8523,7 +8874,8 @@
                           <a:schemeClr val="bg1"/>
                         </a:solidFill>
                         <a:effectLst/>
-                        <a:latin typeface="Calibri" panose="020F0502020204030204" pitchFamily="34" charset="0"/>
+                        <a:latin typeface="Cambria" panose="02040503050406030204" pitchFamily="18" charset="0"/>
+                        <a:ea typeface="Cambria" panose="02040503050406030204" pitchFamily="18" charset="0"/>
                       </a:endParaRPr>
                     </a:p>
                   </a:txBody>
@@ -8541,6 +8893,8 @@
                             <a:schemeClr val="bg1"/>
                           </a:solidFill>
                           <a:effectLst/>
+                          <a:latin typeface="Cambria" panose="02040503050406030204" pitchFamily="18" charset="0"/>
+                          <a:ea typeface="Cambria" panose="02040503050406030204" pitchFamily="18" charset="0"/>
                         </a:rPr>
                         <a:t>multihop</a:t>
                       </a:r>
@@ -8549,7 +8903,8 @@
                           <a:schemeClr val="bg1"/>
                         </a:solidFill>
                         <a:effectLst/>
-                        <a:latin typeface="Calibri" panose="020F0502020204030204" pitchFamily="34" charset="0"/>
+                        <a:latin typeface="Cambria" panose="02040503050406030204" pitchFamily="18" charset="0"/>
+                        <a:ea typeface="Cambria" panose="02040503050406030204" pitchFamily="18" charset="0"/>
                       </a:endParaRPr>
                     </a:p>
                   </a:txBody>
@@ -8574,6 +8929,8 @@
                             <a:schemeClr val="bg1"/>
                           </a:solidFill>
                           <a:effectLst/>
+                          <a:latin typeface="Cambria" panose="02040503050406030204" pitchFamily="18" charset="0"/>
+                          <a:ea typeface="Cambria" panose="02040503050406030204" pitchFamily="18" charset="0"/>
                         </a:rPr>
                         <a:t>pod</a:t>
                       </a:r>
@@ -8582,7 +8939,8 @@
                           <a:schemeClr val="bg1"/>
                         </a:solidFill>
                         <a:effectLst/>
-                        <a:latin typeface="Calibri" panose="020F0502020204030204" pitchFamily="34" charset="0"/>
+                        <a:latin typeface="Cambria" panose="02040503050406030204" pitchFamily="18" charset="0"/>
+                        <a:ea typeface="Cambria" panose="02040503050406030204" pitchFamily="18" charset="0"/>
                       </a:endParaRPr>
                     </a:p>
                   </a:txBody>
@@ -8600,6 +8958,8 @@
                             <a:schemeClr val="bg1"/>
                           </a:solidFill>
                           <a:effectLst/>
+                          <a:latin typeface="Cambria" panose="02040503050406030204" pitchFamily="18" charset="0"/>
+                          <a:ea typeface="Cambria" panose="02040503050406030204" pitchFamily="18" charset="0"/>
                         </a:rPr>
                         <a:t>satan</a:t>
                       </a:r>
@@ -8608,7 +8968,37 @@
                           <a:schemeClr val="bg1"/>
                         </a:solidFill>
                         <a:effectLst/>
-                        <a:latin typeface="Calibri" panose="020F0502020204030204" pitchFamily="34" charset="0"/>
+                        <a:latin typeface="Cambria" panose="02040503050406030204" pitchFamily="18" charset="0"/>
+                        <a:ea typeface="Cambria" panose="02040503050406030204" pitchFamily="18" charset="0"/>
+                      </a:endParaRPr>
+                    </a:p>
+                  </a:txBody>
+                  <a:tcPr marL="7620" marR="7620" marT="7620" marB="0" anchor="b"/>
+                </a:tc>
+                <a:tc>
+                  <a:txBody>
+                    <a:bodyPr/>
+                    <a:lstStyle/>
+                    <a:p>
+                      <a:pPr algn="l" fontAlgn="b"/>
+                      <a:r>
+                        <a:rPr lang="en-US" sz="1100" u="none" strike="noStrike" dirty="0" err="1">
+                          <a:solidFill>
+                            <a:schemeClr val="bg1"/>
+                          </a:solidFill>
+                          <a:effectLst/>
+                          <a:latin typeface="Cambria" panose="02040503050406030204" pitchFamily="18" charset="0"/>
+                          <a:ea typeface="Cambria" panose="02040503050406030204" pitchFamily="18" charset="0"/>
+                        </a:rPr>
+                        <a:t>sqlattack</a:t>
+                      </a:r>
+                      <a:endParaRPr lang="en-US" sz="1100" b="0" i="0" u="none" strike="noStrike" dirty="0">
+                        <a:solidFill>
+                          <a:schemeClr val="bg1"/>
+                        </a:solidFill>
+                        <a:effectLst/>
+                        <a:latin typeface="Cambria" panose="02040503050406030204" pitchFamily="18" charset="0"/>
+                        <a:ea typeface="Cambria" panose="02040503050406030204" pitchFamily="18" charset="0"/>
                       </a:endParaRPr>
                     </a:p>
                   </a:txBody>
@@ -8626,32 +9016,8 @@
                             <a:schemeClr val="bg1"/>
                           </a:solidFill>
                           <a:effectLst/>
-                        </a:rPr>
-                        <a:t>sqlattack</a:t>
-                      </a:r>
-                      <a:endParaRPr lang="en-US" sz="1100" b="0" i="0" u="none" strike="noStrike">
-                        <a:solidFill>
-                          <a:schemeClr val="bg1"/>
-                        </a:solidFill>
-                        <a:effectLst/>
-                        <a:latin typeface="Calibri" panose="020F0502020204030204" pitchFamily="34" charset="0"/>
-                      </a:endParaRPr>
-                    </a:p>
-                  </a:txBody>
-                  <a:tcPr marL="7620" marR="7620" marT="7620" marB="0" anchor="b"/>
-                </a:tc>
-                <a:tc>
-                  <a:txBody>
-                    <a:bodyPr/>
-                    <a:lstStyle/>
-                    <a:p>
-                      <a:pPr algn="l" fontAlgn="b"/>
-                      <a:r>
-                        <a:rPr lang="en-US" sz="1100" u="none" strike="noStrike">
-                          <a:solidFill>
-                            <a:schemeClr val="bg1"/>
-                          </a:solidFill>
-                          <a:effectLst/>
+                          <a:latin typeface="Cambria" panose="02040503050406030204" pitchFamily="18" charset="0"/>
+                          <a:ea typeface="Cambria" panose="02040503050406030204" pitchFamily="18" charset="0"/>
                         </a:rPr>
                         <a:t>named</a:t>
                       </a:r>
@@ -8660,7 +9026,8 @@
                           <a:schemeClr val="bg1"/>
                         </a:solidFill>
                         <a:effectLst/>
-                        <a:latin typeface="Calibri" panose="020F0502020204030204" pitchFamily="34" charset="0"/>
+                        <a:latin typeface="Cambria" panose="02040503050406030204" pitchFamily="18" charset="0"/>
+                        <a:ea typeface="Cambria" panose="02040503050406030204" pitchFamily="18" charset="0"/>
                       </a:endParaRPr>
                     </a:p>
                   </a:txBody>
@@ -8685,6 +9052,8 @@
                             <a:schemeClr val="bg1"/>
                           </a:solidFill>
                           <a:effectLst/>
+                          <a:latin typeface="Cambria" panose="02040503050406030204" pitchFamily="18" charset="0"/>
+                          <a:ea typeface="Cambria" panose="02040503050406030204" pitchFamily="18" charset="0"/>
                         </a:rPr>
                         <a:t>processtable</a:t>
                       </a:r>
@@ -8693,7 +9062,8 @@
                           <a:schemeClr val="bg1"/>
                         </a:solidFill>
                         <a:effectLst/>
-                        <a:latin typeface="Calibri" panose="020F0502020204030204" pitchFamily="34" charset="0"/>
+                        <a:latin typeface="Cambria" panose="02040503050406030204" pitchFamily="18" charset="0"/>
+                        <a:ea typeface="Cambria" panose="02040503050406030204" pitchFamily="18" charset="0"/>
                       </a:endParaRPr>
                     </a:p>
                   </a:txBody>
@@ -8711,6 +9081,8 @@
                             <a:schemeClr val="bg1"/>
                           </a:solidFill>
                           <a:effectLst/>
+                          <a:latin typeface="Cambria" panose="02040503050406030204" pitchFamily="18" charset="0"/>
+                          <a:ea typeface="Cambria" panose="02040503050406030204" pitchFamily="18" charset="0"/>
                         </a:rPr>
                         <a:t> </a:t>
                       </a:r>
@@ -8719,7 +9091,8 @@
                           <a:schemeClr val="bg1"/>
                         </a:solidFill>
                         <a:effectLst/>
-                        <a:latin typeface="Calibri" panose="020F0502020204030204" pitchFamily="34" charset="0"/>
+                        <a:latin typeface="Cambria" panose="02040503050406030204" pitchFamily="18" charset="0"/>
+                        <a:ea typeface="Cambria" panose="02040503050406030204" pitchFamily="18" charset="0"/>
                       </a:endParaRPr>
                     </a:p>
                   </a:txBody>
@@ -8737,6 +9110,8 @@
                             <a:schemeClr val="bg1"/>
                           </a:solidFill>
                           <a:effectLst/>
+                          <a:latin typeface="Cambria" panose="02040503050406030204" pitchFamily="18" charset="0"/>
+                          <a:ea typeface="Cambria" panose="02040503050406030204" pitchFamily="18" charset="0"/>
                         </a:rPr>
                         <a:t>xterm</a:t>
                       </a:r>
@@ -8745,7 +9120,8 @@
                           <a:schemeClr val="bg1"/>
                         </a:solidFill>
                         <a:effectLst/>
-                        <a:latin typeface="Calibri" panose="020F0502020204030204" pitchFamily="34" charset="0"/>
+                        <a:latin typeface="Cambria" panose="02040503050406030204" pitchFamily="18" charset="0"/>
+                        <a:ea typeface="Cambria" panose="02040503050406030204" pitchFamily="18" charset="0"/>
                       </a:endParaRPr>
                     </a:p>
                   </a:txBody>
@@ -8763,6 +9139,8 @@
                             <a:schemeClr val="bg1"/>
                           </a:solidFill>
                           <a:effectLst/>
+                          <a:latin typeface="Cambria" panose="02040503050406030204" pitchFamily="18" charset="0"/>
+                          <a:ea typeface="Cambria" panose="02040503050406030204" pitchFamily="18" charset="0"/>
                         </a:rPr>
                         <a:t>phf</a:t>
                       </a:r>
@@ -8771,7 +9149,8 @@
                           <a:schemeClr val="bg1"/>
                         </a:solidFill>
                         <a:effectLst/>
-                        <a:latin typeface="Calibri" panose="020F0502020204030204" pitchFamily="34" charset="0"/>
+                        <a:latin typeface="Cambria" panose="02040503050406030204" pitchFamily="18" charset="0"/>
+                        <a:ea typeface="Cambria" panose="02040503050406030204" pitchFamily="18" charset="0"/>
                       </a:endParaRPr>
                     </a:p>
                   </a:txBody>
@@ -8796,6 +9175,8 @@
                             <a:schemeClr val="bg1"/>
                           </a:solidFill>
                           <a:effectLst/>
+                          <a:latin typeface="Cambria" panose="02040503050406030204" pitchFamily="18" charset="0"/>
+                          <a:ea typeface="Cambria" panose="02040503050406030204" pitchFamily="18" charset="0"/>
                         </a:rPr>
                         <a:t>smurf</a:t>
                       </a:r>
@@ -8804,7 +9185,8 @@
                           <a:schemeClr val="bg1"/>
                         </a:solidFill>
                         <a:effectLst/>
-                        <a:latin typeface="Calibri" panose="020F0502020204030204" pitchFamily="34" charset="0"/>
+                        <a:latin typeface="Cambria" panose="02040503050406030204" pitchFamily="18" charset="0"/>
+                        <a:ea typeface="Cambria" panose="02040503050406030204" pitchFamily="18" charset="0"/>
                       </a:endParaRPr>
                     </a:p>
                   </a:txBody>
@@ -8822,6 +9204,8 @@
                             <a:schemeClr val="bg1"/>
                           </a:solidFill>
                           <a:effectLst/>
+                          <a:latin typeface="Cambria" panose="02040503050406030204" pitchFamily="18" charset="0"/>
+                          <a:ea typeface="Cambria" panose="02040503050406030204" pitchFamily="18" charset="0"/>
                         </a:rPr>
                         <a:t> </a:t>
                       </a:r>
@@ -8830,7 +9214,8 @@
                           <a:schemeClr val="bg1"/>
                         </a:solidFill>
                         <a:effectLst/>
-                        <a:latin typeface="Calibri" panose="020F0502020204030204" pitchFamily="34" charset="0"/>
+                        <a:latin typeface="Cambria" panose="02040503050406030204" pitchFamily="18" charset="0"/>
+                        <a:ea typeface="Cambria" panose="02040503050406030204" pitchFamily="18" charset="0"/>
                       </a:endParaRPr>
                     </a:p>
                   </a:txBody>
@@ -8848,6 +9233,8 @@
                             <a:schemeClr val="bg1"/>
                           </a:solidFill>
                           <a:effectLst/>
+                          <a:latin typeface="Cambria" panose="02040503050406030204" pitchFamily="18" charset="0"/>
+                          <a:ea typeface="Cambria" panose="02040503050406030204" pitchFamily="18" charset="0"/>
                         </a:rPr>
                         <a:t> </a:t>
                       </a:r>
@@ -8856,7 +9243,8 @@
                           <a:schemeClr val="bg1"/>
                         </a:solidFill>
                         <a:effectLst/>
-                        <a:latin typeface="Calibri" panose="020F0502020204030204" pitchFamily="34" charset="0"/>
+                        <a:latin typeface="Cambria" panose="02040503050406030204" pitchFamily="18" charset="0"/>
+                        <a:ea typeface="Cambria" panose="02040503050406030204" pitchFamily="18" charset="0"/>
                       </a:endParaRPr>
                     </a:p>
                   </a:txBody>
@@ -8874,6 +9262,8 @@
                             <a:schemeClr val="bg1"/>
                           </a:solidFill>
                           <a:effectLst/>
+                          <a:latin typeface="Cambria" panose="02040503050406030204" pitchFamily="18" charset="0"/>
+                          <a:ea typeface="Cambria" panose="02040503050406030204" pitchFamily="18" charset="0"/>
                         </a:rPr>
                         <a:t>sendmail</a:t>
                       </a:r>
@@ -8882,7 +9272,8 @@
                           <a:schemeClr val="bg1"/>
                         </a:solidFill>
                         <a:effectLst/>
-                        <a:latin typeface="Calibri" panose="020F0502020204030204" pitchFamily="34" charset="0"/>
+                        <a:latin typeface="Cambria" panose="02040503050406030204" pitchFamily="18" charset="0"/>
+                        <a:ea typeface="Cambria" panose="02040503050406030204" pitchFamily="18" charset="0"/>
                       </a:endParaRPr>
                     </a:p>
                   </a:txBody>
@@ -8907,6 +9298,8 @@
                             <a:schemeClr val="bg1"/>
                           </a:solidFill>
                           <a:effectLst/>
+                          <a:latin typeface="Cambria" panose="02040503050406030204" pitchFamily="18" charset="0"/>
+                          <a:ea typeface="Cambria" panose="02040503050406030204" pitchFamily="18" charset="0"/>
                         </a:rPr>
                         <a:t>teardrop</a:t>
                       </a:r>
@@ -8915,7 +9308,8 @@
                           <a:schemeClr val="bg1"/>
                         </a:solidFill>
                         <a:effectLst/>
-                        <a:latin typeface="Calibri" panose="020F0502020204030204" pitchFamily="34" charset="0"/>
+                        <a:latin typeface="Cambria" panose="02040503050406030204" pitchFamily="18" charset="0"/>
+                        <a:ea typeface="Cambria" panose="02040503050406030204" pitchFamily="18" charset="0"/>
                       </a:endParaRPr>
                     </a:p>
                   </a:txBody>
@@ -8933,6 +9327,8 @@
                             <a:schemeClr val="bg1"/>
                           </a:solidFill>
                           <a:effectLst/>
+                          <a:latin typeface="Cambria" panose="02040503050406030204" pitchFamily="18" charset="0"/>
+                          <a:ea typeface="Cambria" panose="02040503050406030204" pitchFamily="18" charset="0"/>
                         </a:rPr>
                         <a:t> </a:t>
                       </a:r>
@@ -8941,7 +9337,8 @@
                           <a:schemeClr val="bg1"/>
                         </a:solidFill>
                         <a:effectLst/>
-                        <a:latin typeface="Calibri" panose="020F0502020204030204" pitchFamily="34" charset="0"/>
+                        <a:latin typeface="Cambria" panose="02040503050406030204" pitchFamily="18" charset="0"/>
+                        <a:ea typeface="Cambria" panose="02040503050406030204" pitchFamily="18" charset="0"/>
                       </a:endParaRPr>
                     </a:p>
                   </a:txBody>
@@ -8959,6 +9356,8 @@
                             <a:schemeClr val="bg1"/>
                           </a:solidFill>
                           <a:effectLst/>
+                          <a:latin typeface="Cambria" panose="02040503050406030204" pitchFamily="18" charset="0"/>
+                          <a:ea typeface="Cambria" panose="02040503050406030204" pitchFamily="18" charset="0"/>
                         </a:rPr>
                         <a:t> </a:t>
                       </a:r>
@@ -8967,7 +9366,8 @@
                           <a:schemeClr val="bg1"/>
                         </a:solidFill>
                         <a:effectLst/>
-                        <a:latin typeface="Calibri" panose="020F0502020204030204" pitchFamily="34" charset="0"/>
+                        <a:latin typeface="Cambria" panose="02040503050406030204" pitchFamily="18" charset="0"/>
+                        <a:ea typeface="Cambria" panose="02040503050406030204" pitchFamily="18" charset="0"/>
                       </a:endParaRPr>
                     </a:p>
                   </a:txBody>
@@ -8985,6 +9385,8 @@
                             <a:schemeClr val="bg1"/>
                           </a:solidFill>
                           <a:effectLst/>
+                          <a:latin typeface="Cambria" panose="02040503050406030204" pitchFamily="18" charset="0"/>
+                          <a:ea typeface="Cambria" panose="02040503050406030204" pitchFamily="18" charset="0"/>
                         </a:rPr>
                         <a:t>snmpgetattack</a:t>
                       </a:r>
@@ -8993,7 +9395,8 @@
                           <a:schemeClr val="bg1"/>
                         </a:solidFill>
                         <a:effectLst/>
-                        <a:latin typeface="Calibri" panose="020F0502020204030204" pitchFamily="34" charset="0"/>
+                        <a:latin typeface="Cambria" panose="02040503050406030204" pitchFamily="18" charset="0"/>
+                        <a:ea typeface="Cambria" panose="02040503050406030204" pitchFamily="18" charset="0"/>
                       </a:endParaRPr>
                     </a:p>
                   </a:txBody>
@@ -9018,6 +9421,8 @@
                             <a:schemeClr val="bg1"/>
                           </a:solidFill>
                           <a:effectLst/>
+                          <a:latin typeface="Cambria" panose="02040503050406030204" pitchFamily="18" charset="0"/>
+                          <a:ea typeface="Cambria" panose="02040503050406030204" pitchFamily="18" charset="0"/>
                         </a:rPr>
                         <a:t>udpstorm</a:t>
                       </a:r>
@@ -9026,7 +9431,8 @@
                           <a:schemeClr val="bg1"/>
                         </a:solidFill>
                         <a:effectLst/>
-                        <a:latin typeface="Calibri" panose="020F0502020204030204" pitchFamily="34" charset="0"/>
+                        <a:latin typeface="Cambria" panose="02040503050406030204" pitchFamily="18" charset="0"/>
+                        <a:ea typeface="Cambria" panose="02040503050406030204" pitchFamily="18" charset="0"/>
                       </a:endParaRPr>
                     </a:p>
                   </a:txBody>
@@ -9044,6 +9450,8 @@
                             <a:schemeClr val="bg1"/>
                           </a:solidFill>
                           <a:effectLst/>
+                          <a:latin typeface="Cambria" panose="02040503050406030204" pitchFamily="18" charset="0"/>
+                          <a:ea typeface="Cambria" panose="02040503050406030204" pitchFamily="18" charset="0"/>
                         </a:rPr>
                         <a:t> </a:t>
                       </a:r>
@@ -9052,7 +9460,8 @@
                           <a:schemeClr val="bg1"/>
                         </a:solidFill>
                         <a:effectLst/>
-                        <a:latin typeface="Calibri" panose="020F0502020204030204" pitchFamily="34" charset="0"/>
+                        <a:latin typeface="Cambria" panose="02040503050406030204" pitchFamily="18" charset="0"/>
+                        <a:ea typeface="Cambria" panose="02040503050406030204" pitchFamily="18" charset="0"/>
                       </a:endParaRPr>
                     </a:p>
                   </a:txBody>
@@ -9070,6 +9479,8 @@
                             <a:schemeClr val="bg1"/>
                           </a:solidFill>
                           <a:effectLst/>
+                          <a:latin typeface="Cambria" panose="02040503050406030204" pitchFamily="18" charset="0"/>
+                          <a:ea typeface="Cambria" panose="02040503050406030204" pitchFamily="18" charset="0"/>
                         </a:rPr>
                         <a:t> </a:t>
                       </a:r>
@@ -9078,7 +9489,8 @@
                           <a:schemeClr val="bg1"/>
                         </a:solidFill>
                         <a:effectLst/>
-                        <a:latin typeface="Calibri" panose="020F0502020204030204" pitchFamily="34" charset="0"/>
+                        <a:latin typeface="Cambria" panose="02040503050406030204" pitchFamily="18" charset="0"/>
+                        <a:ea typeface="Cambria" panose="02040503050406030204" pitchFamily="18" charset="0"/>
                       </a:endParaRPr>
                     </a:p>
                   </a:txBody>
@@ -9096,6 +9508,8 @@
                             <a:schemeClr val="bg1"/>
                           </a:solidFill>
                           <a:effectLst/>
+                          <a:latin typeface="Cambria" panose="02040503050406030204" pitchFamily="18" charset="0"/>
+                          <a:ea typeface="Cambria" panose="02040503050406030204" pitchFamily="18" charset="0"/>
                         </a:rPr>
                         <a:t>spy</a:t>
                       </a:r>
@@ -9104,7 +9518,8 @@
                           <a:schemeClr val="bg1"/>
                         </a:solidFill>
                         <a:effectLst/>
-                        <a:latin typeface="Calibri" panose="020F0502020204030204" pitchFamily="34" charset="0"/>
+                        <a:latin typeface="Cambria" panose="02040503050406030204" pitchFamily="18" charset="0"/>
+                        <a:ea typeface="Cambria" panose="02040503050406030204" pitchFamily="18" charset="0"/>
                       </a:endParaRPr>
                     </a:p>
                   </a:txBody>
@@ -9129,6 +9544,8 @@
                             <a:schemeClr val="bg1"/>
                           </a:solidFill>
                           <a:effectLst/>
+                          <a:latin typeface="Cambria" panose="02040503050406030204" pitchFamily="18" charset="0"/>
+                          <a:ea typeface="Cambria" panose="02040503050406030204" pitchFamily="18" charset="0"/>
                         </a:rPr>
                         <a:t>worm</a:t>
                       </a:r>
@@ -9137,7 +9554,8 @@
                           <a:schemeClr val="bg1"/>
                         </a:solidFill>
                         <a:effectLst/>
-                        <a:latin typeface="Calibri" panose="020F0502020204030204" pitchFamily="34" charset="0"/>
+                        <a:latin typeface="Cambria" panose="02040503050406030204" pitchFamily="18" charset="0"/>
+                        <a:ea typeface="Cambria" panose="02040503050406030204" pitchFamily="18" charset="0"/>
                       </a:endParaRPr>
                     </a:p>
                   </a:txBody>
@@ -9155,6 +9573,8 @@
                             <a:schemeClr val="bg1"/>
                           </a:solidFill>
                           <a:effectLst/>
+                          <a:latin typeface="Cambria" panose="02040503050406030204" pitchFamily="18" charset="0"/>
+                          <a:ea typeface="Cambria" panose="02040503050406030204" pitchFamily="18" charset="0"/>
                         </a:rPr>
                         <a:t> </a:t>
                       </a:r>
@@ -9163,7 +9583,8 @@
                           <a:schemeClr val="bg1"/>
                         </a:solidFill>
                         <a:effectLst/>
-                        <a:latin typeface="Calibri" panose="020F0502020204030204" pitchFamily="34" charset="0"/>
+                        <a:latin typeface="Cambria" panose="02040503050406030204" pitchFamily="18" charset="0"/>
+                        <a:ea typeface="Cambria" panose="02040503050406030204" pitchFamily="18" charset="0"/>
                       </a:endParaRPr>
                     </a:p>
                   </a:txBody>
@@ -9181,6 +9602,8 @@
                             <a:schemeClr val="bg1"/>
                           </a:solidFill>
                           <a:effectLst/>
+                          <a:latin typeface="Cambria" panose="02040503050406030204" pitchFamily="18" charset="0"/>
+                          <a:ea typeface="Cambria" panose="02040503050406030204" pitchFamily="18" charset="0"/>
                         </a:rPr>
                         <a:t> </a:t>
                       </a:r>
@@ -9189,7 +9612,8 @@
                           <a:schemeClr val="bg1"/>
                         </a:solidFill>
                         <a:effectLst/>
-                        <a:latin typeface="Calibri" panose="020F0502020204030204" pitchFamily="34" charset="0"/>
+                        <a:latin typeface="Cambria" panose="02040503050406030204" pitchFamily="18" charset="0"/>
+                        <a:ea typeface="Cambria" panose="02040503050406030204" pitchFamily="18" charset="0"/>
                       </a:endParaRPr>
                     </a:p>
                   </a:txBody>
@@ -9207,6 +9631,8 @@
                             <a:schemeClr val="bg1"/>
                           </a:solidFill>
                           <a:effectLst/>
+                          <a:latin typeface="Cambria" panose="02040503050406030204" pitchFamily="18" charset="0"/>
+                          <a:ea typeface="Cambria" panose="02040503050406030204" pitchFamily="18" charset="0"/>
                         </a:rPr>
                         <a:t>snmpguess</a:t>
                       </a:r>
@@ -9215,7 +9641,8 @@
                           <a:schemeClr val="bg1"/>
                         </a:solidFill>
                         <a:effectLst/>
-                        <a:latin typeface="Calibri" panose="020F0502020204030204" pitchFamily="34" charset="0"/>
+                        <a:latin typeface="Cambria" panose="02040503050406030204" pitchFamily="18" charset="0"/>
+                        <a:ea typeface="Cambria" panose="02040503050406030204" pitchFamily="18" charset="0"/>
                       </a:endParaRPr>
                     </a:p>
                   </a:txBody>
@@ -9240,6 +9667,8 @@
                             <a:schemeClr val="bg1"/>
                           </a:solidFill>
                           <a:effectLst/>
+                          <a:latin typeface="Cambria" panose="02040503050406030204" pitchFamily="18" charset="0"/>
+                          <a:ea typeface="Cambria" panose="02040503050406030204" pitchFamily="18" charset="0"/>
                         </a:rPr>
                         <a:t> </a:t>
                       </a:r>
@@ -9248,7 +9677,8 @@
                           <a:schemeClr val="bg1"/>
                         </a:solidFill>
                         <a:effectLst/>
-                        <a:latin typeface="Calibri" panose="020F0502020204030204" pitchFamily="34" charset="0"/>
+                        <a:latin typeface="Cambria" panose="02040503050406030204" pitchFamily="18" charset="0"/>
+                        <a:ea typeface="Cambria" panose="02040503050406030204" pitchFamily="18" charset="0"/>
                       </a:endParaRPr>
                     </a:p>
                   </a:txBody>
@@ -9266,6 +9696,8 @@
                             <a:schemeClr val="bg1"/>
                           </a:solidFill>
                           <a:effectLst/>
+                          <a:latin typeface="Cambria" panose="02040503050406030204" pitchFamily="18" charset="0"/>
+                          <a:ea typeface="Cambria" panose="02040503050406030204" pitchFamily="18" charset="0"/>
                         </a:rPr>
                         <a:t> </a:t>
                       </a:r>
@@ -9274,7 +9706,8 @@
                           <a:schemeClr val="bg1"/>
                         </a:solidFill>
                         <a:effectLst/>
-                        <a:latin typeface="Calibri" panose="020F0502020204030204" pitchFamily="34" charset="0"/>
+                        <a:latin typeface="Cambria" panose="02040503050406030204" pitchFamily="18" charset="0"/>
+                        <a:ea typeface="Cambria" panose="02040503050406030204" pitchFamily="18" charset="0"/>
                       </a:endParaRPr>
                     </a:p>
                   </a:txBody>
@@ -9292,6 +9725,8 @@
                             <a:schemeClr val="bg1"/>
                           </a:solidFill>
                           <a:effectLst/>
+                          <a:latin typeface="Cambria" panose="02040503050406030204" pitchFamily="18" charset="0"/>
+                          <a:ea typeface="Cambria" panose="02040503050406030204" pitchFamily="18" charset="0"/>
                         </a:rPr>
                         <a:t> </a:t>
                       </a:r>
@@ -9300,7 +9735,8 @@
                           <a:schemeClr val="bg1"/>
                         </a:solidFill>
                         <a:effectLst/>
-                        <a:latin typeface="Calibri" panose="020F0502020204030204" pitchFamily="34" charset="0"/>
+                        <a:latin typeface="Cambria" panose="02040503050406030204" pitchFamily="18" charset="0"/>
+                        <a:ea typeface="Cambria" panose="02040503050406030204" pitchFamily="18" charset="0"/>
                       </a:endParaRPr>
                     </a:p>
                   </a:txBody>
@@ -9318,6 +9754,8 @@
                             <a:schemeClr val="bg1"/>
                           </a:solidFill>
                           <a:effectLst/>
+                          <a:latin typeface="Cambria" panose="02040503050406030204" pitchFamily="18" charset="0"/>
+                          <a:ea typeface="Cambria" panose="02040503050406030204" pitchFamily="18" charset="0"/>
                         </a:rPr>
                         <a:t>warezclient</a:t>
                       </a:r>
@@ -9326,7 +9764,8 @@
                           <a:schemeClr val="bg1"/>
                         </a:solidFill>
                         <a:effectLst/>
-                        <a:latin typeface="Calibri" panose="020F0502020204030204" pitchFamily="34" charset="0"/>
+                        <a:latin typeface="Cambria" panose="02040503050406030204" pitchFamily="18" charset="0"/>
+                        <a:ea typeface="Cambria" panose="02040503050406030204" pitchFamily="18" charset="0"/>
                       </a:endParaRPr>
                     </a:p>
                   </a:txBody>
@@ -9351,6 +9790,8 @@
                             <a:schemeClr val="bg1"/>
                           </a:solidFill>
                           <a:effectLst/>
+                          <a:latin typeface="Cambria" panose="02040503050406030204" pitchFamily="18" charset="0"/>
+                          <a:ea typeface="Cambria" panose="02040503050406030204" pitchFamily="18" charset="0"/>
                         </a:rPr>
                         <a:t> </a:t>
                       </a:r>
@@ -9359,7 +9800,8 @@
                           <a:schemeClr val="bg1"/>
                         </a:solidFill>
                         <a:effectLst/>
-                        <a:latin typeface="Calibri" panose="020F0502020204030204" pitchFamily="34" charset="0"/>
+                        <a:latin typeface="Cambria" panose="02040503050406030204" pitchFamily="18" charset="0"/>
+                        <a:ea typeface="Cambria" panose="02040503050406030204" pitchFamily="18" charset="0"/>
                       </a:endParaRPr>
                     </a:p>
                   </a:txBody>
@@ -9377,6 +9819,8 @@
                             <a:schemeClr val="bg1"/>
                           </a:solidFill>
                           <a:effectLst/>
+                          <a:latin typeface="Cambria" panose="02040503050406030204" pitchFamily="18" charset="0"/>
+                          <a:ea typeface="Cambria" panose="02040503050406030204" pitchFamily="18" charset="0"/>
                         </a:rPr>
                         <a:t> </a:t>
                       </a:r>
@@ -9385,7 +9829,8 @@
                           <a:schemeClr val="bg1"/>
                         </a:solidFill>
                         <a:effectLst/>
-                        <a:latin typeface="Calibri" panose="020F0502020204030204" pitchFamily="34" charset="0"/>
+                        <a:latin typeface="Cambria" panose="02040503050406030204" pitchFamily="18" charset="0"/>
+                        <a:ea typeface="Cambria" panose="02040503050406030204" pitchFamily="18" charset="0"/>
                       </a:endParaRPr>
                     </a:p>
                   </a:txBody>
@@ -9403,6 +9848,8 @@
                             <a:schemeClr val="bg1"/>
                           </a:solidFill>
                           <a:effectLst/>
+                          <a:latin typeface="Cambria" panose="02040503050406030204" pitchFamily="18" charset="0"/>
+                          <a:ea typeface="Cambria" panose="02040503050406030204" pitchFamily="18" charset="0"/>
                         </a:rPr>
                         <a:t> </a:t>
                       </a:r>
@@ -9411,7 +9858,8 @@
                           <a:schemeClr val="bg1"/>
                         </a:solidFill>
                         <a:effectLst/>
-                        <a:latin typeface="Calibri" panose="020F0502020204030204" pitchFamily="34" charset="0"/>
+                        <a:latin typeface="Cambria" panose="02040503050406030204" pitchFamily="18" charset="0"/>
+                        <a:ea typeface="Cambria" panose="02040503050406030204" pitchFamily="18" charset="0"/>
                       </a:endParaRPr>
                     </a:p>
                   </a:txBody>
@@ -9429,6 +9877,8 @@
                             <a:schemeClr val="bg1"/>
                           </a:solidFill>
                           <a:effectLst/>
+                          <a:latin typeface="Cambria" panose="02040503050406030204" pitchFamily="18" charset="0"/>
+                          <a:ea typeface="Cambria" panose="02040503050406030204" pitchFamily="18" charset="0"/>
                         </a:rPr>
                         <a:t>warezmaster</a:t>
                       </a:r>
@@ -9437,7 +9887,8 @@
                           <a:schemeClr val="bg1"/>
                         </a:solidFill>
                         <a:effectLst/>
-                        <a:latin typeface="Calibri" panose="020F0502020204030204" pitchFamily="34" charset="0"/>
+                        <a:latin typeface="Cambria" panose="02040503050406030204" pitchFamily="18" charset="0"/>
+                        <a:ea typeface="Cambria" panose="02040503050406030204" pitchFamily="18" charset="0"/>
                       </a:endParaRPr>
                     </a:p>
                   </a:txBody>
@@ -9462,6 +9913,8 @@
                             <a:schemeClr val="bg1"/>
                           </a:solidFill>
                           <a:effectLst/>
+                          <a:latin typeface="Cambria" panose="02040503050406030204" pitchFamily="18" charset="0"/>
+                          <a:ea typeface="Cambria" panose="02040503050406030204" pitchFamily="18" charset="0"/>
                         </a:rPr>
                         <a:t> </a:t>
                       </a:r>
@@ -9470,7 +9923,8 @@
                           <a:schemeClr val="bg1"/>
                         </a:solidFill>
                         <a:effectLst/>
-                        <a:latin typeface="Calibri" panose="020F0502020204030204" pitchFamily="34" charset="0"/>
+                        <a:latin typeface="Cambria" panose="02040503050406030204" pitchFamily="18" charset="0"/>
+                        <a:ea typeface="Cambria" panose="02040503050406030204" pitchFamily="18" charset="0"/>
                       </a:endParaRPr>
                     </a:p>
                   </a:txBody>
@@ -9488,6 +9942,8 @@
                             <a:schemeClr val="bg1"/>
                           </a:solidFill>
                           <a:effectLst/>
+                          <a:latin typeface="Cambria" panose="02040503050406030204" pitchFamily="18" charset="0"/>
+                          <a:ea typeface="Cambria" panose="02040503050406030204" pitchFamily="18" charset="0"/>
                         </a:rPr>
                         <a:t> </a:t>
                       </a:r>
@@ -9496,7 +9952,8 @@
                           <a:schemeClr val="bg1"/>
                         </a:solidFill>
                         <a:effectLst/>
-                        <a:latin typeface="Calibri" panose="020F0502020204030204" pitchFamily="34" charset="0"/>
+                        <a:latin typeface="Cambria" panose="02040503050406030204" pitchFamily="18" charset="0"/>
+                        <a:ea typeface="Cambria" panose="02040503050406030204" pitchFamily="18" charset="0"/>
                       </a:endParaRPr>
                     </a:p>
                   </a:txBody>
@@ -9514,6 +9971,8 @@
                             <a:schemeClr val="bg1"/>
                           </a:solidFill>
                           <a:effectLst/>
+                          <a:latin typeface="Cambria" panose="02040503050406030204" pitchFamily="18" charset="0"/>
+                          <a:ea typeface="Cambria" panose="02040503050406030204" pitchFamily="18" charset="0"/>
                         </a:rPr>
                         <a:t> </a:t>
                       </a:r>
@@ -9522,7 +9981,8 @@
                           <a:schemeClr val="bg1"/>
                         </a:solidFill>
                         <a:effectLst/>
-                        <a:latin typeface="Calibri" panose="020F0502020204030204" pitchFamily="34" charset="0"/>
+                        <a:latin typeface="Cambria" panose="02040503050406030204" pitchFamily="18" charset="0"/>
+                        <a:ea typeface="Cambria" panose="02040503050406030204" pitchFamily="18" charset="0"/>
                       </a:endParaRPr>
                     </a:p>
                   </a:txBody>
@@ -9540,6 +10000,8 @@
                             <a:schemeClr val="bg1"/>
                           </a:solidFill>
                           <a:effectLst/>
+                          <a:latin typeface="Cambria" panose="02040503050406030204" pitchFamily="18" charset="0"/>
+                          <a:ea typeface="Cambria" panose="02040503050406030204" pitchFamily="18" charset="0"/>
                         </a:rPr>
                         <a:t>xclock</a:t>
                       </a:r>
@@ -9548,7 +10010,8 @@
                           <a:schemeClr val="bg1"/>
                         </a:solidFill>
                         <a:effectLst/>
-                        <a:latin typeface="Calibri" panose="020F0502020204030204" pitchFamily="34" charset="0"/>
+                        <a:latin typeface="Cambria" panose="02040503050406030204" pitchFamily="18" charset="0"/>
+                        <a:ea typeface="Cambria" panose="02040503050406030204" pitchFamily="18" charset="0"/>
                       </a:endParaRPr>
                     </a:p>
                   </a:txBody>
@@ -9573,6 +10036,8 @@
                             <a:schemeClr val="bg1"/>
                           </a:solidFill>
                           <a:effectLst/>
+                          <a:latin typeface="Cambria" panose="02040503050406030204" pitchFamily="18" charset="0"/>
+                          <a:ea typeface="Cambria" panose="02040503050406030204" pitchFamily="18" charset="0"/>
                         </a:rPr>
                         <a:t> </a:t>
                       </a:r>
@@ -9581,7 +10046,8 @@
                           <a:schemeClr val="bg1"/>
                         </a:solidFill>
                         <a:effectLst/>
-                        <a:latin typeface="Calibri" panose="020F0502020204030204" pitchFamily="34" charset="0"/>
+                        <a:latin typeface="Cambria" panose="02040503050406030204" pitchFamily="18" charset="0"/>
+                        <a:ea typeface="Cambria" panose="02040503050406030204" pitchFamily="18" charset="0"/>
                       </a:endParaRPr>
                     </a:p>
                   </a:txBody>
@@ -9609,6 +10075,8 @@
                             <a:schemeClr val="bg1"/>
                           </a:solidFill>
                           <a:effectLst/>
+                          <a:latin typeface="Cambria" panose="02040503050406030204" pitchFamily="18" charset="0"/>
+                          <a:ea typeface="Cambria" panose="02040503050406030204" pitchFamily="18" charset="0"/>
                         </a:rPr>
                         <a:t> </a:t>
                       </a:r>
@@ -9617,7 +10085,8 @@
                           <a:schemeClr val="bg1"/>
                         </a:solidFill>
                         <a:effectLst/>
-                        <a:latin typeface="Calibri" panose="020F0502020204030204" pitchFamily="34" charset="0"/>
+                        <a:latin typeface="Cambria" panose="02040503050406030204" pitchFamily="18" charset="0"/>
+                        <a:ea typeface="Cambria" panose="02040503050406030204" pitchFamily="18" charset="0"/>
                       </a:endParaRPr>
                     </a:p>
                   </a:txBody>
@@ -9645,6 +10114,8 @@
                             <a:schemeClr val="bg1"/>
                           </a:solidFill>
                           <a:effectLst/>
+                          <a:latin typeface="Cambria" panose="02040503050406030204" pitchFamily="18" charset="0"/>
+                          <a:ea typeface="Cambria" panose="02040503050406030204" pitchFamily="18" charset="0"/>
                         </a:rPr>
                         <a:t> </a:t>
                       </a:r>
@@ -9653,7 +10124,8 @@
                           <a:schemeClr val="bg1"/>
                         </a:solidFill>
                         <a:effectLst/>
-                        <a:latin typeface="Calibri" panose="020F0502020204030204" pitchFamily="34" charset="0"/>
+                        <a:latin typeface="Cambria" panose="02040503050406030204" pitchFamily="18" charset="0"/>
+                        <a:ea typeface="Cambria" panose="02040503050406030204" pitchFamily="18" charset="0"/>
                       </a:endParaRPr>
                     </a:p>
                   </a:txBody>
@@ -9681,6 +10153,8 @@
                             <a:schemeClr val="bg1"/>
                           </a:solidFill>
                           <a:effectLst/>
+                          <a:latin typeface="Cambria" panose="02040503050406030204" pitchFamily="18" charset="0"/>
+                          <a:ea typeface="Cambria" panose="02040503050406030204" pitchFamily="18" charset="0"/>
                         </a:rPr>
                         <a:t>xsnoop</a:t>
                       </a:r>
@@ -9689,7 +10163,8 @@
                           <a:schemeClr val="bg1"/>
                         </a:solidFill>
                         <a:effectLst/>
-                        <a:latin typeface="Calibri" panose="020F0502020204030204" pitchFamily="34" charset="0"/>
+                        <a:latin typeface="Cambria" panose="02040503050406030204" pitchFamily="18" charset="0"/>
+                        <a:ea typeface="Cambria" panose="02040503050406030204" pitchFamily="18" charset="0"/>
                       </a:endParaRPr>
                     </a:p>
                   </a:txBody>
@@ -9724,6 +10199,8 @@
                             <a:schemeClr val="bg1"/>
                           </a:solidFill>
                           <a:effectLst/>
+                          <a:latin typeface="Cambria" panose="02040503050406030204" pitchFamily="18" charset="0"/>
+                          <a:ea typeface="Cambria" panose="02040503050406030204" pitchFamily="18" charset="0"/>
                         </a:rPr>
                         <a:t>45927</a:t>
                       </a:r>
@@ -9732,7 +10209,8 @@
                           <a:schemeClr val="bg1"/>
                         </a:solidFill>
                         <a:effectLst/>
-                        <a:latin typeface="Calibri" panose="020F0502020204030204" pitchFamily="34" charset="0"/>
+                        <a:latin typeface="Cambria" panose="02040503050406030204" pitchFamily="18" charset="0"/>
+                        <a:ea typeface="Cambria" panose="02040503050406030204" pitchFamily="18" charset="0"/>
                       </a:endParaRPr>
                     </a:p>
                   </a:txBody>
@@ -9760,6 +10238,8 @@
                             <a:schemeClr val="bg1"/>
                           </a:solidFill>
                           <a:effectLst/>
+                          <a:latin typeface="Cambria" panose="02040503050406030204" pitchFamily="18" charset="0"/>
+                          <a:ea typeface="Cambria" panose="02040503050406030204" pitchFamily="18" charset="0"/>
                         </a:rPr>
                         <a:t>11656</a:t>
                       </a:r>
@@ -9768,7 +10248,8 @@
                           <a:schemeClr val="bg1"/>
                         </a:solidFill>
                         <a:effectLst/>
-                        <a:latin typeface="Calibri" panose="020F0502020204030204" pitchFamily="34" charset="0"/>
+                        <a:latin typeface="Cambria" panose="02040503050406030204" pitchFamily="18" charset="0"/>
+                        <a:ea typeface="Cambria" panose="02040503050406030204" pitchFamily="18" charset="0"/>
                       </a:endParaRPr>
                     </a:p>
                   </a:txBody>
@@ -9796,6 +10277,8 @@
                             <a:schemeClr val="bg1"/>
                           </a:solidFill>
                           <a:effectLst/>
+                          <a:latin typeface="Cambria" panose="02040503050406030204" pitchFamily="18" charset="0"/>
+                          <a:ea typeface="Cambria" panose="02040503050406030204" pitchFamily="18" charset="0"/>
                         </a:rPr>
                         <a:t>52</a:t>
                       </a:r>
@@ -9804,7 +10287,8 @@
                           <a:schemeClr val="bg1"/>
                         </a:solidFill>
                         <a:effectLst/>
-                        <a:latin typeface="Calibri" panose="020F0502020204030204" pitchFamily="34" charset="0"/>
+                        <a:latin typeface="Cambria" panose="02040503050406030204" pitchFamily="18" charset="0"/>
+                        <a:ea typeface="Cambria" panose="02040503050406030204" pitchFamily="18" charset="0"/>
                       </a:endParaRPr>
                     </a:p>
                   </a:txBody>
@@ -9832,6 +10316,8 @@
                             <a:schemeClr val="bg1"/>
                           </a:solidFill>
                           <a:effectLst/>
+                          <a:latin typeface="Cambria" panose="02040503050406030204" pitchFamily="18" charset="0"/>
+                          <a:ea typeface="Cambria" panose="02040503050406030204" pitchFamily="18" charset="0"/>
                         </a:rPr>
                         <a:t>995</a:t>
                       </a:r>
@@ -9840,7 +10326,8 @@
                           <a:schemeClr val="bg1"/>
                         </a:solidFill>
                         <a:effectLst/>
-                        <a:latin typeface="Calibri" panose="020F0502020204030204" pitchFamily="34" charset="0"/>
+                        <a:latin typeface="Cambria" panose="02040503050406030204" pitchFamily="18" charset="0"/>
+                        <a:ea typeface="Cambria" panose="02040503050406030204" pitchFamily="18" charset="0"/>
                       </a:endParaRPr>
                     </a:p>
                   </a:txBody>
@@ -9881,14 +10368,14 @@
           <p:nvPr>
             <p:extLst>
               <p:ext uri="{D42A27DB-BD31-4B8C-83A1-F6EECF244321}">
-                <p14:modId xmlns:p14="http://schemas.microsoft.com/office/powerpoint/2010/main" val="3609066632"/>
+                <p14:modId xmlns:p14="http://schemas.microsoft.com/office/powerpoint/2010/main" val="2554411595"/>
               </p:ext>
             </p:extLst>
           </p:nvPr>
         </p:nvGraphicFramePr>
         <p:xfrm>
-          <a:off x="5038531" y="1535185"/>
-          <a:ext cx="6857058" cy="4498552"/>
+          <a:off x="5047863" y="1274855"/>
+          <a:ext cx="6857058" cy="4884276"/>
         </p:xfrm>
         <a:graphic>
           <a:graphicData uri="http://schemas.openxmlformats.org/drawingml/2006/chart">
@@ -9948,7 +10435,9 @@
           <a:lstStyle/>
           <a:p>
             <a:r>
-              <a:rPr lang="en-US" dirty="0"/>
+              <a:rPr lang="en-US" dirty="0">
+                <a:latin typeface="Times New Roman" panose="02020603050405020304" pitchFamily="18" charset="0"/>
+              </a:rPr>
               <a:t>EXPLORATORY DATA ANALYSIS</a:t>
             </a:r>
           </a:p>
@@ -9969,7 +10458,7 @@
           <p:nvPr>
             <p:extLst>
               <p:ext uri="{D42A27DB-BD31-4B8C-83A1-F6EECF244321}">
-                <p14:modId xmlns:p14="http://schemas.microsoft.com/office/powerpoint/2010/main" val="779837717"/>
+                <p14:modId xmlns:p14="http://schemas.microsoft.com/office/powerpoint/2010/main" val="4065986959"/>
               </p:ext>
             </p:extLst>
           </p:nvPr>
@@ -9999,7 +10488,7 @@
           <p:nvPr>
             <p:extLst>
               <p:ext uri="{D42A27DB-BD31-4B8C-83A1-F6EECF244321}">
-                <p14:modId xmlns:p14="http://schemas.microsoft.com/office/powerpoint/2010/main" val="2830453353"/>
+                <p14:modId xmlns:p14="http://schemas.microsoft.com/office/powerpoint/2010/main" val="4208213005"/>
               </p:ext>
             </p:extLst>
           </p:nvPr>
@@ -10066,7 +10555,9 @@
           <a:lstStyle/>
           <a:p>
             <a:r>
-              <a:rPr lang="en-US" dirty="0"/>
+              <a:rPr lang="en-US" dirty="0">
+                <a:latin typeface="Times New Roman" panose="02020603050405020304" pitchFamily="18" charset="0"/>
+              </a:rPr>
               <a:t>FEATURE SELECTION</a:t>
             </a:r>
           </a:p>
@@ -10101,33 +10592,45 @@
           <a:lstStyle/>
           <a:p>
             <a:r>
-              <a:rPr lang="en-US" dirty="0"/>
-              <a:t>Find most important characters for identifying intrusions in network</a:t>
-            </a:r>
-          </a:p>
-          <a:p>
-            <a:r>
-              <a:rPr lang="en-US" dirty="0"/>
+              <a:rPr lang="en-US" dirty="0">
+                <a:latin typeface="Times New Roman" panose="02020603050405020304" pitchFamily="18" charset="0"/>
+              </a:rPr>
+              <a:t>Find most important characters to identify intrusions in network</a:t>
+            </a:r>
+          </a:p>
+          <a:p>
+            <a:r>
+              <a:rPr lang="en-US" dirty="0">
+                <a:latin typeface="Times New Roman" panose="02020603050405020304" pitchFamily="18" charset="0"/>
+              </a:rPr>
               <a:t>Analyze correlations with Attack</a:t>
             </a:r>
           </a:p>
           <a:p>
             <a:r>
-              <a:rPr lang="en-US" dirty="0"/>
+              <a:rPr lang="en-US" dirty="0">
+                <a:latin typeface="Times New Roman" panose="02020603050405020304" pitchFamily="18" charset="0"/>
+              </a:rPr>
               <a:t>Analyze co-linearity with one another</a:t>
             </a:r>
           </a:p>
           <a:p>
             <a:r>
-              <a:rPr lang="en-US" dirty="0"/>
+              <a:rPr lang="en-US" dirty="0">
+                <a:latin typeface="Times New Roman" panose="02020603050405020304" pitchFamily="18" charset="0"/>
+              </a:rPr>
               <a:t>Identify 11 features out of 42</a:t>
             </a:r>
           </a:p>
           <a:p>
-            <a:endParaRPr lang="en-US" dirty="0"/>
-          </a:p>
-          <a:p>
-            <a:endParaRPr lang="en-US" dirty="0"/>
+            <a:endParaRPr lang="en-US" dirty="0">
+              <a:latin typeface="Times New Roman" panose="02020603050405020304" pitchFamily="18" charset="0"/>
+            </a:endParaRPr>
+          </a:p>
+          <a:p>
+            <a:endParaRPr lang="en-US" dirty="0">
+              <a:latin typeface="Times New Roman" panose="02020603050405020304" pitchFamily="18" charset="0"/>
+            </a:endParaRPr>
           </a:p>
         </p:txBody>
       </p:sp>
@@ -10158,7 +10661,7 @@
         </p:blipFill>
         <p:spPr>
           <a:xfrm>
-            <a:off x="6391469" y="1390261"/>
+            <a:off x="6297034" y="1690688"/>
             <a:ext cx="5056766" cy="4749283"/>
           </a:xfrm>
           <a:prstGeom prst="rect">
@@ -10218,7 +10721,9 @@
           <a:lstStyle/>
           <a:p>
             <a:r>
-              <a:rPr lang="en-US" dirty="0"/>
+              <a:rPr lang="en-US" dirty="0">
+                <a:latin typeface="Times New Roman" panose="02020603050405020304" pitchFamily="18" charset="0"/>
+              </a:rPr>
               <a:t>CLASSIFICTION OF NETWORKS</a:t>
             </a:r>
           </a:p>
@@ -10246,37 +10751,49 @@
           <a:lstStyle/>
           <a:p>
             <a:r>
-              <a:rPr lang="en-US" dirty="0"/>
+              <a:rPr lang="en-US" dirty="0">
+                <a:latin typeface="Times New Roman" panose="02020603050405020304" pitchFamily="18" charset="0"/>
+              </a:rPr>
               <a:t>Binary Classification (Normal or Intrusion)</a:t>
             </a:r>
           </a:p>
           <a:p>
             <a:r>
-              <a:rPr lang="en-US" dirty="0"/>
+              <a:rPr lang="en-US" dirty="0">
+                <a:latin typeface="Times New Roman" panose="02020603050405020304" pitchFamily="18" charset="0"/>
+              </a:rPr>
               <a:t>Decision Tree Classifier</a:t>
             </a:r>
           </a:p>
           <a:p>
             <a:r>
-              <a:rPr lang="en-US" dirty="0"/>
+              <a:rPr lang="en-US" dirty="0">
+                <a:latin typeface="Times New Roman" panose="02020603050405020304" pitchFamily="18" charset="0"/>
+              </a:rPr>
               <a:t>Train Accuracy: 97.97%</a:t>
             </a:r>
           </a:p>
           <a:p>
             <a:r>
-              <a:rPr lang="en-US" dirty="0"/>
+              <a:rPr lang="en-US" dirty="0">
+                <a:latin typeface="Times New Roman" panose="02020603050405020304" pitchFamily="18" charset="0"/>
+              </a:rPr>
               <a:t>Test Accuracy: 77.45%</a:t>
             </a:r>
           </a:p>
           <a:p>
             <a:r>
-              <a:rPr lang="en-US" dirty="0"/>
+              <a:rPr lang="en-US" dirty="0">
+                <a:latin typeface="Times New Roman" panose="02020603050405020304" pitchFamily="18" charset="0"/>
+              </a:rPr>
               <a:t>Precision: 0.8178</a:t>
             </a:r>
           </a:p>
           <a:p>
             <a:r>
-              <a:rPr lang="en-US" dirty="0"/>
+              <a:rPr lang="en-US" dirty="0">
+                <a:latin typeface="Times New Roman" panose="02020603050405020304" pitchFamily="18" charset="0"/>
+              </a:rPr>
               <a:t>Recall: 0.777</a:t>
             </a:r>
           </a:p>
